--- a/엘든링 역기획서/엘든링_전회_역기획서.pptx
+++ b/엘든링 역기획서/엘든링_전회_역기획서.pptx
@@ -5,25 +5,27 @@
     <p:sldMasterId id="2147483648" r:id="rId1"/>
   </p:sldMasterIdLst>
   <p:notesMasterIdLst>
-    <p:notesMasterId r:id="rId18"/>
+    <p:notesMasterId r:id="rId20"/>
   </p:notesMasterIdLst>
   <p:sldIdLst>
     <p:sldId id="269" r:id="rId2"/>
     <p:sldId id="267" r:id="rId3"/>
     <p:sldId id="288" r:id="rId4"/>
-    <p:sldId id="287" r:id="rId5"/>
-    <p:sldId id="292" r:id="rId6"/>
-    <p:sldId id="282" r:id="rId7"/>
-    <p:sldId id="293" r:id="rId8"/>
-    <p:sldId id="295" r:id="rId9"/>
-    <p:sldId id="289" r:id="rId10"/>
-    <p:sldId id="290" r:id="rId11"/>
-    <p:sldId id="283" r:id="rId12"/>
-    <p:sldId id="294" r:id="rId13"/>
-    <p:sldId id="284" r:id="rId14"/>
-    <p:sldId id="296" r:id="rId15"/>
-    <p:sldId id="285" r:id="rId16"/>
-    <p:sldId id="286" r:id="rId17"/>
+    <p:sldId id="297" r:id="rId5"/>
+    <p:sldId id="298" r:id="rId6"/>
+    <p:sldId id="287" r:id="rId7"/>
+    <p:sldId id="292" r:id="rId8"/>
+    <p:sldId id="282" r:id="rId9"/>
+    <p:sldId id="293" r:id="rId10"/>
+    <p:sldId id="295" r:id="rId11"/>
+    <p:sldId id="289" r:id="rId12"/>
+    <p:sldId id="290" r:id="rId13"/>
+    <p:sldId id="283" r:id="rId14"/>
+    <p:sldId id="294" r:id="rId15"/>
+    <p:sldId id="284" r:id="rId16"/>
+    <p:sldId id="296" r:id="rId17"/>
+    <p:sldId id="285" r:id="rId18"/>
+    <p:sldId id="286" r:id="rId19"/>
   </p:sldIdLst>
   <p:sldSz cx="12192000" cy="6858000"/>
   <p:notesSz cx="6858000" cy="9144000"/>
@@ -223,7 +225,7 @@
           <a:p>
             <a:fld id="{15B808FB-3DDB-4DAD-BDEB-AB123B9F7CC1}" type="datetimeFigureOut">
               <a:rPr lang="ko-KR" altLang="en-US" smtClean="0"/>
-              <a:t>2024-10-14</a:t>
+              <a:t>2024-10-15</a:t>
             </a:fld>
             <a:endParaRPr lang="ko-KR" altLang="en-US"/>
           </a:p>
@@ -723,7 +725,7 @@
           <a:p>
             <a:fld id="{8CA72C27-D0A0-472F-B7CB-FAB4645A1F36}" type="slidenum">
               <a:rPr lang="ko-KR" altLang="en-US" smtClean="0"/>
-              <a:t>16</a:t>
+              <a:t>18</a:t>
             </a:fld>
             <a:endParaRPr lang="ko-KR" altLang="en-US"/>
           </a:p>
@@ -889,7 +891,7 @@
           <a:p>
             <a:fld id="{3F4C7EE5-2743-4615-BAAD-BA1738C57346}" type="datetime1">
               <a:rPr lang="ko-KR" altLang="en-US" smtClean="0"/>
-              <a:t>2024-10-14</a:t>
+              <a:t>2024-10-15</a:t>
             </a:fld>
             <a:endParaRPr lang="ko-KR" altLang="en-US"/>
           </a:p>
@@ -1288,7 +1290,7 @@
           <a:p>
             <a:fld id="{6F948A0A-5631-425F-970D-62D9E160BB4A}" type="datetime1">
               <a:rPr lang="ko-KR" altLang="en-US" smtClean="0"/>
-              <a:t>2024-10-14</a:t>
+              <a:t>2024-10-15</a:t>
             </a:fld>
             <a:endParaRPr lang="ko-KR" altLang="en-US"/>
           </a:p>
@@ -1437,7 +1439,7 @@
           <a:p>
             <a:fld id="{A7125F7D-C933-4823-B16C-E8329223FCA2}" type="datetime1">
               <a:rPr lang="ko-KR" altLang="en-US" smtClean="0"/>
-              <a:t>2024-10-14</a:t>
+              <a:t>2024-10-15</a:t>
             </a:fld>
             <a:endParaRPr lang="ko-KR" altLang="en-US"/>
           </a:p>
@@ -1558,7 +1560,7 @@
           <a:p>
             <a:fld id="{172AEC7A-CF56-4355-B69C-99E70FFD0594}" type="datetime1">
               <a:rPr lang="ko-KR" altLang="en-US" smtClean="0"/>
-              <a:t>2024-10-14</a:t>
+              <a:t>2024-10-15</a:t>
             </a:fld>
             <a:endParaRPr lang="ko-KR" altLang="en-US"/>
           </a:p>
@@ -1877,7 +1879,7 @@
           <a:p>
             <a:fld id="{03DE2A23-3ACA-4377-BDEC-B489E6A52A6D}" type="datetime1">
               <a:rPr lang="ko-KR" altLang="en-US" smtClean="0"/>
-              <a:t>2024-10-14</a:t>
+              <a:t>2024-10-15</a:t>
             </a:fld>
             <a:endParaRPr lang="ko-KR" altLang="en-US"/>
           </a:p>
@@ -2173,7 +2175,7 @@
           <a:p>
             <a:fld id="{8966ED2F-EA66-41FD-A40A-834EEC507310}" type="datetime1">
               <a:rPr lang="ko-KR" altLang="en-US" smtClean="0"/>
-              <a:t>2024-10-14</a:t>
+              <a:t>2024-10-15</a:t>
             </a:fld>
             <a:endParaRPr lang="ko-KR" altLang="en-US"/>
           </a:p>
@@ -2379,7 +2381,7 @@
           <a:p>
             <a:fld id="{DE92472D-1AC6-48F8-AF0A-6DFA71752292}" type="datetime1">
               <a:rPr lang="ko-KR" altLang="en-US" smtClean="0"/>
-              <a:t>2024-10-14</a:t>
+              <a:t>2024-10-15</a:t>
             </a:fld>
             <a:endParaRPr lang="ko-KR" altLang="en-US"/>
           </a:p>
@@ -2595,7 +2597,7 @@
           <a:p>
             <a:fld id="{DB8DDC07-8A93-4907-ADFC-E2BFCDD8943C}" type="datetime1">
               <a:rPr lang="ko-KR" altLang="en-US" smtClean="0"/>
-              <a:t>2024-10-14</a:t>
+              <a:t>2024-10-15</a:t>
             </a:fld>
             <a:endParaRPr lang="ko-KR" altLang="en-US"/>
           </a:p>
@@ -2801,7 +2803,7 @@
           <a:p>
             <a:fld id="{D27242A3-85E8-4FB9-A509-65F17906E306}" type="datetime1">
               <a:rPr lang="ko-KR" altLang="en-US" smtClean="0"/>
-              <a:t>2024-10-14</a:t>
+              <a:t>2024-10-15</a:t>
             </a:fld>
             <a:endParaRPr lang="ko-KR" altLang="en-US"/>
           </a:p>
@@ -10103,7 +10105,7 @@
           <a:p>
             <a:fld id="{1FDABBEF-3A66-4EDA-82FD-36CD13E39C1E}" type="datetime1">
               <a:rPr lang="ko-KR" altLang="en-US" smtClean="0"/>
-              <a:t>2024-10-14</a:t>
+              <a:t>2024-10-15</a:t>
             </a:fld>
             <a:endParaRPr lang="ko-KR" altLang="en-US"/>
           </a:p>
@@ -10402,7 +10404,7 @@
           <a:p>
             <a:fld id="{DB5A3179-E8A8-4EAA-8BCC-23E75FA148A0}" type="datetime1">
               <a:rPr lang="ko-KR" altLang="en-US" smtClean="0"/>
-              <a:t>2024-10-14</a:t>
+              <a:t>2024-10-15</a:t>
             </a:fld>
             <a:endParaRPr lang="ko-KR" altLang="en-US"/>
           </a:p>
@@ -10664,7 +10666,7 @@
           <a:p>
             <a:fld id="{8EC0F441-5CE1-4B59-8EBB-432B3AF1BE37}" type="datetime1">
               <a:rPr lang="ko-KR" altLang="en-US" smtClean="0"/>
-              <a:t>2024-10-14</a:t>
+              <a:t>2024-10-15</a:t>
             </a:fld>
             <a:endParaRPr lang="ko-KR" altLang="en-US"/>
           </a:p>
@@ -11543,6 +11545,1311 @@
       </p:sp>
       <p:grpSp>
         <p:nvGrpSpPr>
+          <p:cNvPr id="31" name="그룹 30">
+            <a:extLst>
+              <a:ext uri="{FF2B5EF4-FFF2-40B4-BE49-F238E27FC236}">
+                <a16:creationId xmlns:a16="http://schemas.microsoft.com/office/drawing/2014/main" id="{47D8B030-EA70-31D1-BD7B-DCF4F6D2E06F}"/>
+              </a:ext>
+            </a:extLst>
+          </p:cNvPr>
+          <p:cNvGrpSpPr/>
+          <p:nvPr/>
+        </p:nvGrpSpPr>
+        <p:grpSpPr>
+          <a:xfrm>
+            <a:off x="1992916" y="588889"/>
+            <a:ext cx="2831662" cy="1362132"/>
+            <a:chOff x="1992916" y="954061"/>
+            <a:chExt cx="2831662" cy="1362132"/>
+          </a:xfrm>
+        </p:grpSpPr>
+        <p:sp>
+          <p:nvSpPr>
+            <p:cNvPr id="32" name="TextBox 31">
+              <a:extLst>
+                <a:ext uri="{FF2B5EF4-FFF2-40B4-BE49-F238E27FC236}">
+                  <a16:creationId xmlns:a16="http://schemas.microsoft.com/office/drawing/2014/main" id="{247AC36F-D958-2624-47A9-5D8843BD7031}"/>
+                </a:ext>
+              </a:extLst>
+            </p:cNvPr>
+            <p:cNvSpPr txBox="1"/>
+            <p:nvPr/>
+          </p:nvSpPr>
+          <p:spPr>
+            <a:xfrm>
+              <a:off x="2205525" y="1454419"/>
+              <a:ext cx="2595582" cy="861774"/>
+            </a:xfrm>
+            <a:prstGeom prst="rect">
+              <a:avLst/>
+            </a:prstGeom>
+            <a:noFill/>
+          </p:spPr>
+          <p:txBody>
+            <a:bodyPr wrap="none" rtlCol="0">
+              <a:spAutoFit/>
+            </a:bodyPr>
+            <a:lstStyle/>
+            <a:p>
+              <a:pPr marL="171450" indent="-171450">
+                <a:buFontTx/>
+                <a:buChar char="-"/>
+              </a:pPr>
+              <a:r>
+                <a:rPr lang="ko-KR" altLang="en-US" sz="1000" dirty="0">
+                  <a:solidFill>
+                    <a:schemeClr val="bg1"/>
+                  </a:solidFill>
+                  <a:latin typeface="넥슨Lv1고딕" panose="00000500000000000000" pitchFamily="2" charset="-127"/>
+                  <a:ea typeface="넥슨Lv1고딕" panose="00000500000000000000" pitchFamily="2" charset="-127"/>
+                </a:rPr>
+                <a:t>전회를 부여함으로써 달라지는 부분 설명</a:t>
+              </a:r>
+              <a:endParaRPr lang="en-US" altLang="ko-KR" sz="1000" dirty="0">
+                <a:solidFill>
+                  <a:schemeClr val="bg1"/>
+                </a:solidFill>
+                <a:latin typeface="넥슨Lv1고딕" panose="00000500000000000000" pitchFamily="2" charset="-127"/>
+                <a:ea typeface="넥슨Lv1고딕" panose="00000500000000000000" pitchFamily="2" charset="-127"/>
+              </a:endParaRPr>
+            </a:p>
+            <a:p>
+              <a:pPr marL="171450" indent="-171450">
+                <a:buFontTx/>
+                <a:buChar char="-"/>
+              </a:pPr>
+              <a:endParaRPr lang="en-US" altLang="ko-KR" sz="1000" dirty="0">
+                <a:solidFill>
+                  <a:schemeClr val="bg1"/>
+                </a:solidFill>
+                <a:latin typeface="넥슨Lv1고딕" panose="00000500000000000000" pitchFamily="2" charset="-127"/>
+                <a:ea typeface="넥슨Lv1고딕" panose="00000500000000000000" pitchFamily="2" charset="-127"/>
+              </a:endParaRPr>
+            </a:p>
+            <a:p>
+              <a:pPr marL="171450" indent="-171450">
+                <a:buFontTx/>
+                <a:buChar char="-"/>
+              </a:pPr>
+              <a:r>
+                <a:rPr lang="ko-KR" altLang="en-US" sz="1000" dirty="0">
+                  <a:solidFill>
+                    <a:schemeClr val="bg1"/>
+                  </a:solidFill>
+                  <a:latin typeface="넥슨Lv1고딕" panose="00000500000000000000" pitchFamily="2" charset="-127"/>
+                  <a:ea typeface="넥슨Lv1고딕" panose="00000500000000000000" pitchFamily="2" charset="-127"/>
+                </a:rPr>
+                <a:t>무기의 보정 치 변경</a:t>
+              </a:r>
+              <a:r>
+                <a:rPr lang="en-US" altLang="ko-KR" sz="1000" dirty="0">
+                  <a:solidFill>
+                    <a:schemeClr val="bg1"/>
+                  </a:solidFill>
+                  <a:latin typeface="넥슨Lv1고딕" panose="00000500000000000000" pitchFamily="2" charset="-127"/>
+                  <a:ea typeface="넥슨Lv1고딕" panose="00000500000000000000" pitchFamily="2" charset="-127"/>
+                </a:rPr>
+                <a:t>, </a:t>
+              </a:r>
+              <a:r>
+                <a:rPr lang="ko-KR" altLang="en-US" sz="1000" dirty="0">
+                  <a:solidFill>
+                    <a:schemeClr val="bg1"/>
+                  </a:solidFill>
+                  <a:latin typeface="넥슨Lv1고딕" panose="00000500000000000000" pitchFamily="2" charset="-127"/>
+                  <a:ea typeface="넥슨Lv1고딕" panose="00000500000000000000" pitchFamily="2" charset="-127"/>
+                </a:rPr>
+                <a:t>속성 변경 등등</a:t>
+              </a:r>
+              <a:endParaRPr lang="en-US" altLang="ko-KR" sz="1000" dirty="0">
+                <a:solidFill>
+                  <a:schemeClr val="bg1"/>
+                </a:solidFill>
+                <a:latin typeface="넥슨Lv1고딕" panose="00000500000000000000" pitchFamily="2" charset="-127"/>
+                <a:ea typeface="넥슨Lv1고딕" panose="00000500000000000000" pitchFamily="2" charset="-127"/>
+              </a:endParaRPr>
+            </a:p>
+            <a:p>
+              <a:pPr marL="171450" indent="-171450">
+                <a:buFontTx/>
+                <a:buChar char="-"/>
+              </a:pPr>
+              <a:endParaRPr lang="en-US" altLang="ko-KR" sz="1000" dirty="0">
+                <a:solidFill>
+                  <a:schemeClr val="bg1"/>
+                </a:solidFill>
+                <a:latin typeface="넥슨Lv1고딕" panose="00000500000000000000" pitchFamily="2" charset="-127"/>
+                <a:ea typeface="넥슨Lv1고딕" panose="00000500000000000000" pitchFamily="2" charset="-127"/>
+              </a:endParaRPr>
+            </a:p>
+            <a:p>
+              <a:pPr marL="171450" indent="-171450">
+                <a:buFontTx/>
+                <a:buChar char="-"/>
+              </a:pPr>
+              <a:r>
+                <a:rPr lang="ko-KR" altLang="en-US" sz="1000" dirty="0">
+                  <a:solidFill>
+                    <a:schemeClr val="bg1"/>
+                  </a:solidFill>
+                  <a:latin typeface="넥슨Lv1고딕" panose="00000500000000000000" pitchFamily="2" charset="-127"/>
+                  <a:ea typeface="넥슨Lv1고딕" panose="00000500000000000000" pitchFamily="2" charset="-127"/>
+                </a:rPr>
+                <a:t>전투 스타일의 변화 설명</a:t>
+              </a:r>
+              <a:endParaRPr lang="en-US" altLang="ko-KR" sz="1000" dirty="0">
+                <a:solidFill>
+                  <a:schemeClr val="bg1"/>
+                </a:solidFill>
+                <a:latin typeface="넥슨Lv1고딕" panose="00000500000000000000" pitchFamily="2" charset="-127"/>
+                <a:ea typeface="넥슨Lv1고딕" panose="00000500000000000000" pitchFamily="2" charset="-127"/>
+              </a:endParaRPr>
+            </a:p>
+          </p:txBody>
+        </p:sp>
+        <p:grpSp>
+          <p:nvGrpSpPr>
+            <p:cNvPr id="33" name="그룹 32">
+              <a:extLst>
+                <a:ext uri="{FF2B5EF4-FFF2-40B4-BE49-F238E27FC236}">
+                  <a16:creationId xmlns:a16="http://schemas.microsoft.com/office/drawing/2014/main" id="{7D84BACB-31BB-C60D-DEC1-78EB607A2B01}"/>
+                </a:ext>
+              </a:extLst>
+            </p:cNvPr>
+            <p:cNvGrpSpPr/>
+            <p:nvPr/>
+          </p:nvGrpSpPr>
+          <p:grpSpPr>
+            <a:xfrm>
+              <a:off x="1992916" y="954061"/>
+              <a:ext cx="2831662" cy="367200"/>
+              <a:chOff x="2500453" y="1274905"/>
+              <a:chExt cx="2831662" cy="367200"/>
+            </a:xfrm>
+          </p:grpSpPr>
+          <p:pic>
+            <p:nvPicPr>
+              <p:cNvPr id="34" name="Picture 4">
+                <a:extLst>
+                  <a:ext uri="{FF2B5EF4-FFF2-40B4-BE49-F238E27FC236}">
+                    <a16:creationId xmlns:a16="http://schemas.microsoft.com/office/drawing/2014/main" id="{05B11613-FE4D-25A8-6819-786726D821DA}"/>
+                  </a:ext>
+                </a:extLst>
+              </p:cNvPr>
+              <p:cNvPicPr>
+                <a:picLocks noChangeArrowheads="1"/>
+              </p:cNvPicPr>
+              <p:nvPr/>
+            </p:nvPicPr>
+            <p:blipFill rotWithShape="1">
+              <a:blip r:embed="rId2">
+                <a:clrChange>
+                  <a:clrFrom>
+                    <a:srgbClr val="000000"/>
+                  </a:clrFrom>
+                  <a:clrTo>
+                    <a:srgbClr val="000000">
+                      <a:alpha val="0"/>
+                    </a:srgbClr>
+                  </a:clrTo>
+                </a:clrChange>
+                <a:extLst>
+                  <a:ext uri="{28A0092B-C50C-407E-A947-70E740481C1C}">
+                    <a14:useLocalDpi xmlns:a14="http://schemas.microsoft.com/office/drawing/2010/main" val="0"/>
+                  </a:ext>
+                </a:extLst>
+              </a:blip>
+              <a:srcRect l="39323" t="43581" r="59826" b="39566"/>
+              <a:stretch/>
+            </p:blipFill>
+            <p:spPr bwMode="auto">
+              <a:xfrm>
+                <a:off x="2500453" y="1274905"/>
+                <a:ext cx="36000" cy="367200"/>
+              </a:xfrm>
+              <a:prstGeom prst="rect">
+                <a:avLst/>
+              </a:prstGeom>
+              <a:noFill/>
+              <a:extLst>
+                <a:ext uri="{909E8E84-426E-40DD-AFC4-6F175D3DCCD1}">
+                  <a14:hiddenFill xmlns:a14="http://schemas.microsoft.com/office/drawing/2010/main">
+                    <a:solidFill>
+                      <a:srgbClr val="FFFFFF"/>
+                    </a:solidFill>
+                  </a14:hiddenFill>
+                </a:ext>
+              </a:extLst>
+            </p:spPr>
+          </p:pic>
+          <p:grpSp>
+            <p:nvGrpSpPr>
+              <p:cNvPr id="35" name="그룹 34">
+                <a:extLst>
+                  <a:ext uri="{FF2B5EF4-FFF2-40B4-BE49-F238E27FC236}">
+                    <a16:creationId xmlns:a16="http://schemas.microsoft.com/office/drawing/2014/main" id="{3B5D7694-F830-22B8-17D5-8765B0D47149}"/>
+                  </a:ext>
+                </a:extLst>
+              </p:cNvPr>
+              <p:cNvGrpSpPr/>
+              <p:nvPr/>
+            </p:nvGrpSpPr>
+            <p:grpSpPr>
+              <a:xfrm>
+                <a:off x="2536453" y="1287843"/>
+                <a:ext cx="2795662" cy="343894"/>
+                <a:chOff x="4774676" y="2919518"/>
+                <a:chExt cx="2734338" cy="336351"/>
+              </a:xfrm>
+            </p:grpSpPr>
+            <p:sp>
+              <p:nvSpPr>
+                <p:cNvPr id="37" name="직사각형 36">
+                  <a:extLst>
+                    <a:ext uri="{FF2B5EF4-FFF2-40B4-BE49-F238E27FC236}">
+                      <a16:creationId xmlns:a16="http://schemas.microsoft.com/office/drawing/2014/main" id="{D2A5B6C4-E0ED-4EBD-E3EE-E8133A019BD4}"/>
+                    </a:ext>
+                  </a:extLst>
+                </p:cNvPr>
+                <p:cNvSpPr>
+                  <a:spLocks/>
+                </p:cNvSpPr>
+                <p:nvPr/>
+              </p:nvSpPr>
+              <p:spPr>
+                <a:xfrm>
+                  <a:off x="4774676" y="2919518"/>
+                  <a:ext cx="2734338" cy="336351"/>
+                </a:xfrm>
+                <a:prstGeom prst="rect">
+                  <a:avLst/>
+                </a:prstGeom>
+                <a:gradFill flip="none" rotWithShape="1">
+                  <a:gsLst>
+                    <a:gs pos="59000">
+                      <a:srgbClr val="1A1810">
+                        <a:alpha val="70000"/>
+                      </a:srgbClr>
+                    </a:gs>
+                    <a:gs pos="3000">
+                      <a:srgbClr val="1A1810">
+                        <a:alpha val="90000"/>
+                      </a:srgbClr>
+                    </a:gs>
+                    <a:gs pos="100000">
+                      <a:srgbClr val="1A1810">
+                        <a:alpha val="0"/>
+                      </a:srgbClr>
+                    </a:gs>
+                  </a:gsLst>
+                  <a:lin ang="0" scaled="1"/>
+                  <a:tileRect/>
+                </a:gradFill>
+                <a:ln>
+                  <a:noFill/>
+                </a:ln>
+                <a:effectLst/>
+              </p:spPr>
+              <p:style>
+                <a:lnRef idx="2">
+                  <a:schemeClr val="accent1">
+                    <a:shade val="15000"/>
+                  </a:schemeClr>
+                </a:lnRef>
+                <a:fillRef idx="1">
+                  <a:schemeClr val="accent1"/>
+                </a:fillRef>
+                <a:effectRef idx="0">
+                  <a:schemeClr val="accent1"/>
+                </a:effectRef>
+                <a:fontRef idx="minor">
+                  <a:schemeClr val="lt1"/>
+                </a:fontRef>
+              </p:style>
+              <p:txBody>
+                <a:bodyPr rtlCol="0" anchor="ctr"/>
+                <a:lstStyle/>
+                <a:p>
+                  <a:pPr algn="ctr"/>
+                  <a:endParaRPr lang="ko-KR" altLang="en-US" dirty="0"/>
+                </a:p>
+              </p:txBody>
+            </p:sp>
+            <p:cxnSp>
+              <p:nvCxnSpPr>
+                <p:cNvPr id="38" name="직선 연결선 37">
+                  <a:extLst>
+                    <a:ext uri="{FF2B5EF4-FFF2-40B4-BE49-F238E27FC236}">
+                      <a16:creationId xmlns:a16="http://schemas.microsoft.com/office/drawing/2014/main" id="{CE69CF1A-3CC4-ED26-D673-36E9B6219972}"/>
+                    </a:ext>
+                  </a:extLst>
+                </p:cNvPr>
+                <p:cNvCxnSpPr>
+                  <a:cxnSpLocks/>
+                </p:cNvCxnSpPr>
+                <p:nvPr/>
+              </p:nvCxnSpPr>
+              <p:spPr>
+                <a:xfrm flipH="1">
+                  <a:off x="4774676" y="3255869"/>
+                  <a:ext cx="2734338" cy="0"/>
+                </a:xfrm>
+                <a:prstGeom prst="line">
+                  <a:avLst/>
+                </a:prstGeom>
+                <a:ln>
+                  <a:gradFill flip="none" rotWithShape="1">
+                    <a:gsLst>
+                      <a:gs pos="0">
+                        <a:srgbClr val="33332B"/>
+                      </a:gs>
+                      <a:gs pos="31000">
+                        <a:srgbClr val="33332B">
+                          <a:alpha val="70000"/>
+                        </a:srgbClr>
+                      </a:gs>
+                      <a:gs pos="54000">
+                        <a:srgbClr val="33332B">
+                          <a:alpha val="30000"/>
+                        </a:srgbClr>
+                      </a:gs>
+                      <a:gs pos="100000">
+                        <a:srgbClr val="33332B">
+                          <a:alpha val="0"/>
+                        </a:srgbClr>
+                      </a:gs>
+                    </a:gsLst>
+                    <a:lin ang="10800000" scaled="1"/>
+                    <a:tileRect/>
+                  </a:gradFill>
+                </a:ln>
+                <a:effectLst/>
+              </p:spPr>
+              <p:style>
+                <a:lnRef idx="2">
+                  <a:schemeClr val="accent1"/>
+                </a:lnRef>
+                <a:fillRef idx="0">
+                  <a:schemeClr val="accent1"/>
+                </a:fillRef>
+                <a:effectRef idx="1">
+                  <a:schemeClr val="accent1"/>
+                </a:effectRef>
+                <a:fontRef idx="minor">
+                  <a:schemeClr val="tx1"/>
+                </a:fontRef>
+              </p:style>
+            </p:cxnSp>
+            <p:cxnSp>
+              <p:nvCxnSpPr>
+                <p:cNvPr id="39" name="직선 연결선 38">
+                  <a:extLst>
+                    <a:ext uri="{FF2B5EF4-FFF2-40B4-BE49-F238E27FC236}">
+                      <a16:creationId xmlns:a16="http://schemas.microsoft.com/office/drawing/2014/main" id="{7BD5082F-4043-E6F8-516F-CB911ECEA036}"/>
+                    </a:ext>
+                  </a:extLst>
+                </p:cNvPr>
+                <p:cNvCxnSpPr>
+                  <a:cxnSpLocks/>
+                </p:cNvCxnSpPr>
+                <p:nvPr/>
+              </p:nvCxnSpPr>
+              <p:spPr>
+                <a:xfrm flipH="1">
+                  <a:off x="4774676" y="2919518"/>
+                  <a:ext cx="2734338" cy="0"/>
+                </a:xfrm>
+                <a:prstGeom prst="line">
+                  <a:avLst/>
+                </a:prstGeom>
+                <a:ln>
+                  <a:gradFill flip="none" rotWithShape="1">
+                    <a:gsLst>
+                      <a:gs pos="0">
+                        <a:srgbClr val="33332B"/>
+                      </a:gs>
+                      <a:gs pos="31000">
+                        <a:srgbClr val="33332B">
+                          <a:alpha val="70000"/>
+                        </a:srgbClr>
+                      </a:gs>
+                      <a:gs pos="54000">
+                        <a:srgbClr val="33332B">
+                          <a:alpha val="30000"/>
+                        </a:srgbClr>
+                      </a:gs>
+                      <a:gs pos="100000">
+                        <a:srgbClr val="33332B">
+                          <a:alpha val="0"/>
+                        </a:srgbClr>
+                      </a:gs>
+                    </a:gsLst>
+                    <a:lin ang="10800000" scaled="1"/>
+                    <a:tileRect/>
+                  </a:gradFill>
+                </a:ln>
+                <a:effectLst/>
+              </p:spPr>
+              <p:style>
+                <a:lnRef idx="2">
+                  <a:schemeClr val="accent1"/>
+                </a:lnRef>
+                <a:fillRef idx="0">
+                  <a:schemeClr val="accent1"/>
+                </a:fillRef>
+                <a:effectRef idx="1">
+                  <a:schemeClr val="accent1"/>
+                </a:effectRef>
+                <a:fontRef idx="minor">
+                  <a:schemeClr val="tx1"/>
+                </a:fontRef>
+              </p:style>
+            </p:cxnSp>
+          </p:grpSp>
+          <p:sp>
+            <p:nvSpPr>
+              <p:cNvPr id="36" name="TextBox 35">
+                <a:extLst>
+                  <a:ext uri="{FF2B5EF4-FFF2-40B4-BE49-F238E27FC236}">
+                    <a16:creationId xmlns:a16="http://schemas.microsoft.com/office/drawing/2014/main" id="{626973DC-A2E0-D0BF-7AEC-494612F263EF}"/>
+                  </a:ext>
+                </a:extLst>
+              </p:cNvPr>
+              <p:cNvSpPr txBox="1"/>
+              <p:nvPr/>
+            </p:nvSpPr>
+            <p:spPr>
+              <a:xfrm>
+                <a:off x="2554184" y="1328985"/>
+                <a:ext cx="896399" cy="261610"/>
+              </a:xfrm>
+              <a:prstGeom prst="rect">
+                <a:avLst/>
+              </a:prstGeom>
+              <a:noFill/>
+            </p:spPr>
+            <p:txBody>
+              <a:bodyPr wrap="none" rtlCol="0">
+                <a:spAutoFit/>
+              </a:bodyPr>
+              <a:lstStyle/>
+              <a:p>
+                <a:r>
+                  <a:rPr lang="ko-KR" altLang="en-US" sz="1100" dirty="0">
+                    <a:solidFill>
+                      <a:schemeClr val="bg1"/>
+                    </a:solidFill>
+                    <a:effectLst>
+                      <a:glow rad="101600">
+                        <a:schemeClr val="tx1">
+                          <a:alpha val="60000"/>
+                        </a:schemeClr>
+                      </a:glow>
+                    </a:effectLst>
+                    <a:latin typeface="넥슨Lv1고딕 Bold" panose="00000800000000000000" pitchFamily="2" charset="-127"/>
+                    <a:ea typeface="넥슨Lv1고딕 Bold" panose="00000800000000000000" pitchFamily="2" charset="-127"/>
+                  </a:rPr>
+                  <a:t>차이점 소개</a:t>
+                </a:r>
+              </a:p>
+            </p:txBody>
+          </p:sp>
+        </p:grpSp>
+      </p:grpSp>
+    </p:spTree>
+    <p:extLst>
+      <p:ext uri="{BB962C8B-B14F-4D97-AF65-F5344CB8AC3E}">
+        <p14:creationId xmlns:p14="http://schemas.microsoft.com/office/powerpoint/2010/main" val="3872943113"/>
+      </p:ext>
+    </p:extLst>
+  </p:cSld>
+  <p:clrMapOvr>
+    <a:masterClrMapping/>
+  </p:clrMapOvr>
+</p:sld>
+</file>
+
+<file path=ppt/slides/slide11.xml><?xml version="1.0" encoding="utf-8"?>
+<p:sld xmlns:a="http://schemas.openxmlformats.org/drawingml/2006/main" xmlns:r="http://schemas.openxmlformats.org/officeDocument/2006/relationships" xmlns:p="http://schemas.openxmlformats.org/presentationml/2006/main">
+  <p:cSld>
+    <p:spTree>
+      <p:nvGrpSpPr>
+        <p:cNvPr id="1" name=""/>
+        <p:cNvGrpSpPr/>
+        <p:nvPr/>
+      </p:nvGrpSpPr>
+      <p:grpSpPr>
+        <a:xfrm>
+          <a:off x="0" y="0"/>
+          <a:ext cx="0" cy="0"/>
+          <a:chOff x="0" y="0"/>
+          <a:chExt cx="0" cy="0"/>
+        </a:xfrm>
+      </p:grpSpPr>
+      <p:sp>
+        <p:nvSpPr>
+          <p:cNvPr id="2" name="슬라이드 번호 개체 틀 1">
+            <a:extLst>
+              <a:ext uri="{FF2B5EF4-FFF2-40B4-BE49-F238E27FC236}">
+                <a16:creationId xmlns:a16="http://schemas.microsoft.com/office/drawing/2014/main" id="{C5BD0FF6-4671-AD96-A369-8F84840014F5}"/>
+              </a:ext>
+            </a:extLst>
+          </p:cNvPr>
+          <p:cNvSpPr>
+            <a:spLocks noGrp="1"/>
+          </p:cNvSpPr>
+          <p:nvPr>
+            <p:ph type="sldNum" sz="quarter" idx="4"/>
+          </p:nvPr>
+        </p:nvSpPr>
+        <p:spPr/>
+        <p:txBody>
+          <a:bodyPr/>
+          <a:lstStyle/>
+          <a:p>
+            <a:r>
+              <a:rPr lang="en-US" altLang="ko-KR"/>
+              <a:t>p. </a:t>
+            </a:r>
+            <a:fld id="{1F335F12-2F84-4C53-9DF5-2927535D2C2D}" type="slidenum">
+              <a:rPr lang="ko-KR" altLang="en-US" smtClean="0"/>
+              <a:pPr/>
+              <a:t>11</a:t>
+            </a:fld>
+            <a:r>
+              <a:rPr lang="en-US" altLang="ko-KR"/>
+              <a:t>/20</a:t>
+            </a:r>
+            <a:endParaRPr lang="ko-KR" altLang="en-US" dirty="0"/>
+          </a:p>
+        </p:txBody>
+      </p:sp>
+      <p:grpSp>
+        <p:nvGrpSpPr>
+          <p:cNvPr id="3" name="그룹 2">
+            <a:extLst>
+              <a:ext uri="{FF2B5EF4-FFF2-40B4-BE49-F238E27FC236}">
+                <a16:creationId xmlns:a16="http://schemas.microsoft.com/office/drawing/2014/main" id="{8E3498F0-A592-C9C5-5FE9-AC64BC5DA4BA}"/>
+              </a:ext>
+            </a:extLst>
+          </p:cNvPr>
+          <p:cNvGrpSpPr/>
+          <p:nvPr/>
+        </p:nvGrpSpPr>
+        <p:grpSpPr>
+          <a:xfrm>
+            <a:off x="1992916" y="954061"/>
+            <a:ext cx="2831662" cy="746579"/>
+            <a:chOff x="1992916" y="954061"/>
+            <a:chExt cx="2831662" cy="746579"/>
+          </a:xfrm>
+        </p:grpSpPr>
+        <p:sp>
+          <p:nvSpPr>
+            <p:cNvPr id="4" name="TextBox 3">
+              <a:extLst>
+                <a:ext uri="{FF2B5EF4-FFF2-40B4-BE49-F238E27FC236}">
+                  <a16:creationId xmlns:a16="http://schemas.microsoft.com/office/drawing/2014/main" id="{7DC86E1F-F98D-9E48-88D9-2C9827A73CC0}"/>
+                </a:ext>
+              </a:extLst>
+            </p:cNvPr>
+            <p:cNvSpPr txBox="1"/>
+            <p:nvPr/>
+          </p:nvSpPr>
+          <p:spPr>
+            <a:xfrm>
+              <a:off x="2205525" y="1454419"/>
+              <a:ext cx="1172116" cy="246221"/>
+            </a:xfrm>
+            <a:prstGeom prst="rect">
+              <a:avLst/>
+            </a:prstGeom>
+            <a:noFill/>
+          </p:spPr>
+          <p:txBody>
+            <a:bodyPr wrap="none" rtlCol="0">
+              <a:spAutoFit/>
+            </a:bodyPr>
+            <a:lstStyle/>
+            <a:p>
+              <a:pPr marL="171450" indent="-171450">
+                <a:buFontTx/>
+                <a:buChar char="-"/>
+              </a:pPr>
+              <a:r>
+                <a:rPr lang="ko-KR" altLang="en-US" sz="1000" dirty="0">
+                  <a:solidFill>
+                    <a:schemeClr val="bg1"/>
+                  </a:solidFill>
+                  <a:latin typeface="넥슨Lv1고딕" panose="00000500000000000000" pitchFamily="2" charset="-127"/>
+                  <a:ea typeface="넥슨Lv1고딕" panose="00000500000000000000" pitchFamily="2" charset="-127"/>
+                </a:rPr>
+                <a:t>복제 방법 설명</a:t>
+              </a:r>
+              <a:endParaRPr lang="en-US" altLang="ko-KR" sz="1000" dirty="0">
+                <a:solidFill>
+                  <a:schemeClr val="bg1"/>
+                </a:solidFill>
+                <a:latin typeface="넥슨Lv1고딕" panose="00000500000000000000" pitchFamily="2" charset="-127"/>
+                <a:ea typeface="넥슨Lv1고딕" panose="00000500000000000000" pitchFamily="2" charset="-127"/>
+              </a:endParaRPr>
+            </a:p>
+          </p:txBody>
+        </p:sp>
+        <p:grpSp>
+          <p:nvGrpSpPr>
+            <p:cNvPr id="5" name="그룹 4">
+              <a:extLst>
+                <a:ext uri="{FF2B5EF4-FFF2-40B4-BE49-F238E27FC236}">
+                  <a16:creationId xmlns:a16="http://schemas.microsoft.com/office/drawing/2014/main" id="{CFD8349E-3C06-CC6D-E072-FE3787A3C294}"/>
+                </a:ext>
+              </a:extLst>
+            </p:cNvPr>
+            <p:cNvGrpSpPr/>
+            <p:nvPr/>
+          </p:nvGrpSpPr>
+          <p:grpSpPr>
+            <a:xfrm>
+              <a:off x="1992916" y="954061"/>
+              <a:ext cx="2831662" cy="367200"/>
+              <a:chOff x="2500453" y="1274905"/>
+              <a:chExt cx="2831662" cy="367200"/>
+            </a:xfrm>
+          </p:grpSpPr>
+          <p:pic>
+            <p:nvPicPr>
+              <p:cNvPr id="6" name="Picture 4">
+                <a:extLst>
+                  <a:ext uri="{FF2B5EF4-FFF2-40B4-BE49-F238E27FC236}">
+                    <a16:creationId xmlns:a16="http://schemas.microsoft.com/office/drawing/2014/main" id="{FE6E4473-6DCB-CF9A-A390-207A98FAD7D4}"/>
+                  </a:ext>
+                </a:extLst>
+              </p:cNvPr>
+              <p:cNvPicPr>
+                <a:picLocks noChangeArrowheads="1"/>
+              </p:cNvPicPr>
+              <p:nvPr/>
+            </p:nvPicPr>
+            <p:blipFill rotWithShape="1">
+              <a:blip r:embed="rId2">
+                <a:clrChange>
+                  <a:clrFrom>
+                    <a:srgbClr val="000000"/>
+                  </a:clrFrom>
+                  <a:clrTo>
+                    <a:srgbClr val="000000">
+                      <a:alpha val="0"/>
+                    </a:srgbClr>
+                  </a:clrTo>
+                </a:clrChange>
+                <a:extLst>
+                  <a:ext uri="{28A0092B-C50C-407E-A947-70E740481C1C}">
+                    <a14:useLocalDpi xmlns:a14="http://schemas.microsoft.com/office/drawing/2010/main" val="0"/>
+                  </a:ext>
+                </a:extLst>
+              </a:blip>
+              <a:srcRect l="39323" t="43581" r="59826" b="39566"/>
+              <a:stretch/>
+            </p:blipFill>
+            <p:spPr bwMode="auto">
+              <a:xfrm>
+                <a:off x="2500453" y="1274905"/>
+                <a:ext cx="36000" cy="367200"/>
+              </a:xfrm>
+              <a:prstGeom prst="rect">
+                <a:avLst/>
+              </a:prstGeom>
+              <a:noFill/>
+              <a:extLst>
+                <a:ext uri="{909E8E84-426E-40DD-AFC4-6F175D3DCCD1}">
+                  <a14:hiddenFill xmlns:a14="http://schemas.microsoft.com/office/drawing/2010/main">
+                    <a:solidFill>
+                      <a:srgbClr val="FFFFFF"/>
+                    </a:solidFill>
+                  </a14:hiddenFill>
+                </a:ext>
+              </a:extLst>
+            </p:spPr>
+          </p:pic>
+          <p:grpSp>
+            <p:nvGrpSpPr>
+              <p:cNvPr id="7" name="그룹 6">
+                <a:extLst>
+                  <a:ext uri="{FF2B5EF4-FFF2-40B4-BE49-F238E27FC236}">
+                    <a16:creationId xmlns:a16="http://schemas.microsoft.com/office/drawing/2014/main" id="{D777CFD3-01FC-D7CB-1CC3-C0EE78A7A28E}"/>
+                  </a:ext>
+                </a:extLst>
+              </p:cNvPr>
+              <p:cNvGrpSpPr/>
+              <p:nvPr/>
+            </p:nvGrpSpPr>
+            <p:grpSpPr>
+              <a:xfrm>
+                <a:off x="2536453" y="1287843"/>
+                <a:ext cx="2795662" cy="343894"/>
+                <a:chOff x="4774676" y="2919518"/>
+                <a:chExt cx="2734338" cy="336351"/>
+              </a:xfrm>
+            </p:grpSpPr>
+            <p:sp>
+              <p:nvSpPr>
+                <p:cNvPr id="9" name="직사각형 8">
+                  <a:extLst>
+                    <a:ext uri="{FF2B5EF4-FFF2-40B4-BE49-F238E27FC236}">
+                      <a16:creationId xmlns:a16="http://schemas.microsoft.com/office/drawing/2014/main" id="{AC51FA40-1345-7E1E-E4A8-33A93B925A5C}"/>
+                    </a:ext>
+                  </a:extLst>
+                </p:cNvPr>
+                <p:cNvSpPr>
+                  <a:spLocks/>
+                </p:cNvSpPr>
+                <p:nvPr/>
+              </p:nvSpPr>
+              <p:spPr>
+                <a:xfrm>
+                  <a:off x="4774676" y="2919518"/>
+                  <a:ext cx="2734338" cy="336351"/>
+                </a:xfrm>
+                <a:prstGeom prst="rect">
+                  <a:avLst/>
+                </a:prstGeom>
+                <a:gradFill flip="none" rotWithShape="1">
+                  <a:gsLst>
+                    <a:gs pos="59000">
+                      <a:srgbClr val="1A1810">
+                        <a:alpha val="70000"/>
+                      </a:srgbClr>
+                    </a:gs>
+                    <a:gs pos="3000">
+                      <a:srgbClr val="1A1810">
+                        <a:alpha val="90000"/>
+                      </a:srgbClr>
+                    </a:gs>
+                    <a:gs pos="100000">
+                      <a:srgbClr val="1A1810">
+                        <a:alpha val="0"/>
+                      </a:srgbClr>
+                    </a:gs>
+                  </a:gsLst>
+                  <a:lin ang="0" scaled="1"/>
+                  <a:tileRect/>
+                </a:gradFill>
+                <a:ln>
+                  <a:noFill/>
+                </a:ln>
+                <a:effectLst/>
+              </p:spPr>
+              <p:style>
+                <a:lnRef idx="2">
+                  <a:schemeClr val="accent1">
+                    <a:shade val="15000"/>
+                  </a:schemeClr>
+                </a:lnRef>
+                <a:fillRef idx="1">
+                  <a:schemeClr val="accent1"/>
+                </a:fillRef>
+                <a:effectRef idx="0">
+                  <a:schemeClr val="accent1"/>
+                </a:effectRef>
+                <a:fontRef idx="minor">
+                  <a:schemeClr val="lt1"/>
+                </a:fontRef>
+              </p:style>
+              <p:txBody>
+                <a:bodyPr rtlCol="0" anchor="ctr"/>
+                <a:lstStyle/>
+                <a:p>
+                  <a:pPr algn="ctr"/>
+                  <a:endParaRPr lang="ko-KR" altLang="en-US" dirty="0"/>
+                </a:p>
+              </p:txBody>
+            </p:sp>
+            <p:cxnSp>
+              <p:nvCxnSpPr>
+                <p:cNvPr id="10" name="직선 연결선 9">
+                  <a:extLst>
+                    <a:ext uri="{FF2B5EF4-FFF2-40B4-BE49-F238E27FC236}">
+                      <a16:creationId xmlns:a16="http://schemas.microsoft.com/office/drawing/2014/main" id="{1E2980D6-50DB-8DE9-DB39-491F2B943AEE}"/>
+                    </a:ext>
+                  </a:extLst>
+                </p:cNvPr>
+                <p:cNvCxnSpPr>
+                  <a:cxnSpLocks/>
+                </p:cNvCxnSpPr>
+                <p:nvPr/>
+              </p:nvCxnSpPr>
+              <p:spPr>
+                <a:xfrm flipH="1">
+                  <a:off x="4774676" y="3255869"/>
+                  <a:ext cx="2734338" cy="0"/>
+                </a:xfrm>
+                <a:prstGeom prst="line">
+                  <a:avLst/>
+                </a:prstGeom>
+                <a:ln>
+                  <a:gradFill flip="none" rotWithShape="1">
+                    <a:gsLst>
+                      <a:gs pos="0">
+                        <a:srgbClr val="33332B"/>
+                      </a:gs>
+                      <a:gs pos="31000">
+                        <a:srgbClr val="33332B">
+                          <a:alpha val="70000"/>
+                        </a:srgbClr>
+                      </a:gs>
+                      <a:gs pos="54000">
+                        <a:srgbClr val="33332B">
+                          <a:alpha val="30000"/>
+                        </a:srgbClr>
+                      </a:gs>
+                      <a:gs pos="100000">
+                        <a:srgbClr val="33332B">
+                          <a:alpha val="0"/>
+                        </a:srgbClr>
+                      </a:gs>
+                    </a:gsLst>
+                    <a:lin ang="10800000" scaled="1"/>
+                    <a:tileRect/>
+                  </a:gradFill>
+                </a:ln>
+                <a:effectLst/>
+              </p:spPr>
+              <p:style>
+                <a:lnRef idx="2">
+                  <a:schemeClr val="accent1"/>
+                </a:lnRef>
+                <a:fillRef idx="0">
+                  <a:schemeClr val="accent1"/>
+                </a:fillRef>
+                <a:effectRef idx="1">
+                  <a:schemeClr val="accent1"/>
+                </a:effectRef>
+                <a:fontRef idx="minor">
+                  <a:schemeClr val="tx1"/>
+                </a:fontRef>
+              </p:style>
+            </p:cxnSp>
+            <p:cxnSp>
+              <p:nvCxnSpPr>
+                <p:cNvPr id="11" name="직선 연결선 10">
+                  <a:extLst>
+                    <a:ext uri="{FF2B5EF4-FFF2-40B4-BE49-F238E27FC236}">
+                      <a16:creationId xmlns:a16="http://schemas.microsoft.com/office/drawing/2014/main" id="{F5BF6B7E-8690-BEDD-C5BF-5B08CEBFDB38}"/>
+                    </a:ext>
+                  </a:extLst>
+                </p:cNvPr>
+                <p:cNvCxnSpPr>
+                  <a:cxnSpLocks/>
+                </p:cNvCxnSpPr>
+                <p:nvPr/>
+              </p:nvCxnSpPr>
+              <p:spPr>
+                <a:xfrm flipH="1">
+                  <a:off x="4774676" y="2919518"/>
+                  <a:ext cx="2734338" cy="0"/>
+                </a:xfrm>
+                <a:prstGeom prst="line">
+                  <a:avLst/>
+                </a:prstGeom>
+                <a:ln>
+                  <a:gradFill flip="none" rotWithShape="1">
+                    <a:gsLst>
+                      <a:gs pos="0">
+                        <a:srgbClr val="33332B"/>
+                      </a:gs>
+                      <a:gs pos="31000">
+                        <a:srgbClr val="33332B">
+                          <a:alpha val="70000"/>
+                        </a:srgbClr>
+                      </a:gs>
+                      <a:gs pos="54000">
+                        <a:srgbClr val="33332B">
+                          <a:alpha val="30000"/>
+                        </a:srgbClr>
+                      </a:gs>
+                      <a:gs pos="100000">
+                        <a:srgbClr val="33332B">
+                          <a:alpha val="0"/>
+                        </a:srgbClr>
+                      </a:gs>
+                    </a:gsLst>
+                    <a:lin ang="10800000" scaled="1"/>
+                    <a:tileRect/>
+                  </a:gradFill>
+                </a:ln>
+                <a:effectLst/>
+              </p:spPr>
+              <p:style>
+                <a:lnRef idx="2">
+                  <a:schemeClr val="accent1"/>
+                </a:lnRef>
+                <a:fillRef idx="0">
+                  <a:schemeClr val="accent1"/>
+                </a:fillRef>
+                <a:effectRef idx="1">
+                  <a:schemeClr val="accent1"/>
+                </a:effectRef>
+                <a:fontRef idx="minor">
+                  <a:schemeClr val="tx1"/>
+                </a:fontRef>
+              </p:style>
+            </p:cxnSp>
+          </p:grpSp>
+          <p:sp>
+            <p:nvSpPr>
+              <p:cNvPr id="8" name="TextBox 7">
+                <a:extLst>
+                  <a:ext uri="{FF2B5EF4-FFF2-40B4-BE49-F238E27FC236}">
+                    <a16:creationId xmlns:a16="http://schemas.microsoft.com/office/drawing/2014/main" id="{17CFE2F7-AF29-43C4-5B67-A9AFA73248A7}"/>
+                  </a:ext>
+                </a:extLst>
+              </p:cNvPr>
+              <p:cNvSpPr txBox="1"/>
+              <p:nvPr/>
+            </p:nvSpPr>
+            <p:spPr>
+              <a:xfrm>
+                <a:off x="2554184" y="1328985"/>
+                <a:ext cx="763351" cy="261610"/>
+              </a:xfrm>
+              <a:prstGeom prst="rect">
+                <a:avLst/>
+              </a:prstGeom>
+              <a:noFill/>
+            </p:spPr>
+            <p:txBody>
+              <a:bodyPr wrap="none" rtlCol="0">
+                <a:spAutoFit/>
+              </a:bodyPr>
+              <a:lstStyle/>
+              <a:p>
+                <a:r>
+                  <a:rPr lang="ko-KR" altLang="en-US" sz="1100" dirty="0">
+                    <a:solidFill>
+                      <a:schemeClr val="bg1"/>
+                    </a:solidFill>
+                    <a:effectLst>
+                      <a:glow rad="101600">
+                        <a:schemeClr val="tx1">
+                          <a:alpha val="60000"/>
+                        </a:schemeClr>
+                      </a:glow>
+                    </a:effectLst>
+                    <a:latin typeface="넥슨Lv1고딕 Bold" panose="00000800000000000000" pitchFamily="2" charset="-127"/>
+                    <a:ea typeface="넥슨Lv1고딕 Bold" panose="00000800000000000000" pitchFamily="2" charset="-127"/>
+                  </a:rPr>
+                  <a:t>복제 방법</a:t>
+                </a:r>
+              </a:p>
+            </p:txBody>
+          </p:sp>
+        </p:grpSp>
+      </p:grpSp>
+      <p:grpSp>
+        <p:nvGrpSpPr>
+          <p:cNvPr id="12" name="그룹 11">
+            <a:extLst>
+              <a:ext uri="{FF2B5EF4-FFF2-40B4-BE49-F238E27FC236}">
+                <a16:creationId xmlns:a16="http://schemas.microsoft.com/office/drawing/2014/main" id="{227415CB-F035-DA73-55EE-82B568A0750C}"/>
+              </a:ext>
+            </a:extLst>
+          </p:cNvPr>
+          <p:cNvGrpSpPr/>
+          <p:nvPr/>
+        </p:nvGrpSpPr>
+        <p:grpSpPr>
+          <a:xfrm>
+            <a:off x="1595120" y="219855"/>
+            <a:ext cx="10596880" cy="392234"/>
+            <a:chOff x="1595120" y="219855"/>
+            <a:chExt cx="10596880" cy="392234"/>
+          </a:xfrm>
+        </p:grpSpPr>
+        <p:grpSp>
+          <p:nvGrpSpPr>
+            <p:cNvPr id="13" name="그룹 12">
+              <a:extLst>
+                <a:ext uri="{FF2B5EF4-FFF2-40B4-BE49-F238E27FC236}">
+                  <a16:creationId xmlns:a16="http://schemas.microsoft.com/office/drawing/2014/main" id="{FE06398C-CAD5-0823-157F-3F7B03BEE6DE}"/>
+                </a:ext>
+              </a:extLst>
+            </p:cNvPr>
+            <p:cNvGrpSpPr/>
+            <p:nvPr/>
+          </p:nvGrpSpPr>
+          <p:grpSpPr>
+            <a:xfrm>
+              <a:off x="1595120" y="219855"/>
+              <a:ext cx="10596880" cy="392234"/>
+              <a:chOff x="1595120" y="219855"/>
+              <a:chExt cx="10596880" cy="392234"/>
+            </a:xfrm>
+          </p:grpSpPr>
+          <p:sp>
+            <p:nvSpPr>
+              <p:cNvPr id="15" name="직사각형 14">
+                <a:extLst>
+                  <a:ext uri="{FF2B5EF4-FFF2-40B4-BE49-F238E27FC236}">
+                    <a16:creationId xmlns:a16="http://schemas.microsoft.com/office/drawing/2014/main" id="{3065C5CF-F5A0-5B34-CD80-F021D7AA61B3}"/>
+                  </a:ext>
+                </a:extLst>
+              </p:cNvPr>
+              <p:cNvSpPr>
+                <a:spLocks/>
+              </p:cNvSpPr>
+              <p:nvPr/>
+            </p:nvSpPr>
+            <p:spPr>
+              <a:xfrm>
+                <a:off x="1595120" y="219855"/>
+                <a:ext cx="10596880" cy="392234"/>
+              </a:xfrm>
+              <a:prstGeom prst="rect">
+                <a:avLst/>
+              </a:prstGeom>
+              <a:gradFill flip="none" rotWithShape="1">
+                <a:gsLst>
+                  <a:gs pos="58000">
+                    <a:srgbClr val="464437">
+                      <a:alpha val="70000"/>
+                    </a:srgbClr>
+                  </a:gs>
+                  <a:gs pos="2000">
+                    <a:srgbClr val="464437">
+                      <a:alpha val="80000"/>
+                    </a:srgbClr>
+                  </a:gs>
+                  <a:gs pos="100000">
+                    <a:srgbClr val="48443A">
+                      <a:alpha val="30000"/>
+                    </a:srgbClr>
+                  </a:gs>
+                </a:gsLst>
+                <a:lin ang="0" scaled="1"/>
+                <a:tileRect/>
+              </a:gradFill>
+              <a:ln>
+                <a:noFill/>
+              </a:ln>
+            </p:spPr>
+            <p:style>
+              <a:lnRef idx="2">
+                <a:schemeClr val="accent1">
+                  <a:shade val="15000"/>
+                </a:schemeClr>
+              </a:lnRef>
+              <a:fillRef idx="1">
+                <a:schemeClr val="accent1"/>
+              </a:fillRef>
+              <a:effectRef idx="0">
+                <a:schemeClr val="accent1"/>
+              </a:effectRef>
+              <a:fontRef idx="minor">
+                <a:schemeClr val="lt1"/>
+              </a:fontRef>
+            </p:style>
+            <p:txBody>
+              <a:bodyPr rtlCol="0" anchor="ctr"/>
+              <a:lstStyle/>
+              <a:p>
+                <a:pPr algn="ctr"/>
+                <a:endParaRPr lang="ko-KR" altLang="en-US" dirty="0"/>
+              </a:p>
+            </p:txBody>
+          </p:sp>
+          <p:cxnSp>
+            <p:nvCxnSpPr>
+              <p:cNvPr id="21" name="직선 연결선 20">
+                <a:extLst>
+                  <a:ext uri="{FF2B5EF4-FFF2-40B4-BE49-F238E27FC236}">
+                    <a16:creationId xmlns:a16="http://schemas.microsoft.com/office/drawing/2014/main" id="{547089D9-07A7-22B2-6CB9-74E0CBD89E61}"/>
+                  </a:ext>
+                </a:extLst>
+              </p:cNvPr>
+              <p:cNvCxnSpPr>
+                <a:cxnSpLocks/>
+              </p:cNvCxnSpPr>
+              <p:nvPr/>
+            </p:nvCxnSpPr>
+            <p:spPr>
+              <a:xfrm>
+                <a:off x="1595120" y="588667"/>
+                <a:ext cx="10596880" cy="0"/>
+              </a:xfrm>
+              <a:prstGeom prst="line">
+                <a:avLst/>
+              </a:prstGeom>
+              <a:ln w="28575">
+                <a:gradFill flip="none" rotWithShape="1">
+                  <a:gsLst>
+                    <a:gs pos="0">
+                      <a:srgbClr val="464437">
+                        <a:alpha val="70000"/>
+                      </a:srgbClr>
+                    </a:gs>
+                    <a:gs pos="47000">
+                      <a:srgbClr val="464437">
+                        <a:alpha val="50000"/>
+                      </a:srgbClr>
+                    </a:gs>
+                    <a:gs pos="83000">
+                      <a:srgbClr val="464437">
+                        <a:alpha val="50000"/>
+                      </a:srgbClr>
+                    </a:gs>
+                    <a:gs pos="100000">
+                      <a:srgbClr val="464437">
+                        <a:alpha val="0"/>
+                      </a:srgbClr>
+                    </a:gs>
+                  </a:gsLst>
+                  <a:path path="circle">
+                    <a:fillToRect l="50000" t="50000" r="50000" b="50000"/>
+                  </a:path>
+                  <a:tileRect/>
+                </a:gradFill>
+              </a:ln>
+            </p:spPr>
+            <p:style>
+              <a:lnRef idx="2">
+                <a:schemeClr val="accent1"/>
+              </a:lnRef>
+              <a:fillRef idx="0">
+                <a:schemeClr val="accent1"/>
+              </a:fillRef>
+              <a:effectRef idx="1">
+                <a:schemeClr val="accent1"/>
+              </a:effectRef>
+              <a:fontRef idx="minor">
+                <a:schemeClr val="tx1"/>
+              </a:fontRef>
+            </p:style>
+          </p:cxnSp>
+        </p:grpSp>
+        <p:sp>
+          <p:nvSpPr>
+            <p:cNvPr id="14" name="TextBox 13">
+              <a:extLst>
+                <a:ext uri="{FF2B5EF4-FFF2-40B4-BE49-F238E27FC236}">
+                  <a16:creationId xmlns:a16="http://schemas.microsoft.com/office/drawing/2014/main" id="{50771C8D-96B7-3488-7545-356BE3858B84}"/>
+                </a:ext>
+              </a:extLst>
+            </p:cNvPr>
+            <p:cNvSpPr txBox="1">
+              <a:spLocks/>
+            </p:cNvSpPr>
+            <p:nvPr/>
+          </p:nvSpPr>
+          <p:spPr>
+            <a:xfrm>
+              <a:off x="1704516" y="246695"/>
+              <a:ext cx="1051891" cy="338554"/>
+            </a:xfrm>
+            <a:prstGeom prst="rect">
+              <a:avLst/>
+            </a:prstGeom>
+            <a:noFill/>
+            <a:ln w="6350">
+              <a:noFill/>
+            </a:ln>
+          </p:spPr>
+          <p:txBody>
+            <a:bodyPr wrap="none" rtlCol="0">
+              <a:spAutoFit/>
+            </a:bodyPr>
+            <a:lstStyle/>
+            <a:p>
+              <a:r>
+                <a:rPr lang="ko-KR" altLang="en-US" sz="1600" dirty="0">
+                  <a:solidFill>
+                    <a:schemeClr val="bg1"/>
+                  </a:solidFill>
+                  <a:effectLst>
+                    <a:glow rad="101600">
+                      <a:schemeClr val="tx1">
+                        <a:alpha val="60000"/>
+                      </a:schemeClr>
+                    </a:glow>
+                  </a:effectLst>
+                  <a:latin typeface="빛의 계승자 Bold" panose="020B0600000101010101" pitchFamily="50" charset="-127"/>
+                  <a:ea typeface="빛의 계승자 Bold" panose="020B0600000101010101" pitchFamily="50" charset="-127"/>
+                </a:rPr>
+                <a:t>전회 복제</a:t>
+              </a:r>
+            </a:p>
+          </p:txBody>
+        </p:sp>
+      </p:grpSp>
+    </p:spTree>
+    <p:extLst>
+      <p:ext uri="{BB962C8B-B14F-4D97-AF65-F5344CB8AC3E}">
+        <p14:creationId xmlns:p14="http://schemas.microsoft.com/office/powerpoint/2010/main" val="1885794038"/>
+      </p:ext>
+    </p:extLst>
+  </p:cSld>
+  <p:clrMapOvr>
+    <a:masterClrMapping/>
+  </p:clrMapOvr>
+</p:sld>
+</file>
+
+<file path=ppt/slides/slide12.xml><?xml version="1.0" encoding="utf-8"?>
+<p:sld xmlns:a="http://schemas.openxmlformats.org/drawingml/2006/main" xmlns:r="http://schemas.openxmlformats.org/officeDocument/2006/relationships" xmlns:p="http://schemas.openxmlformats.org/presentationml/2006/main">
+  <p:cSld>
+    <p:spTree>
+      <p:nvGrpSpPr>
+        <p:cNvPr id="1" name=""/>
+        <p:cNvGrpSpPr/>
+        <p:nvPr/>
+      </p:nvGrpSpPr>
+      <p:grpSpPr>
+        <a:xfrm>
+          <a:off x="0" y="0"/>
+          <a:ext cx="0" cy="0"/>
+          <a:chOff x="0" y="0"/>
+          <a:chExt cx="0" cy="0"/>
+        </a:xfrm>
+      </p:grpSpPr>
+      <p:sp>
+        <p:nvSpPr>
+          <p:cNvPr id="2" name="슬라이드 번호 개체 틀 1">
+            <a:extLst>
+              <a:ext uri="{FF2B5EF4-FFF2-40B4-BE49-F238E27FC236}">
+                <a16:creationId xmlns:a16="http://schemas.microsoft.com/office/drawing/2014/main" id="{C5BD0FF6-4671-AD96-A369-8F84840014F5}"/>
+              </a:ext>
+            </a:extLst>
+          </p:cNvPr>
+          <p:cNvSpPr>
+            <a:spLocks noGrp="1"/>
+          </p:cNvSpPr>
+          <p:nvPr>
+            <p:ph type="sldNum" sz="quarter" idx="4"/>
+          </p:nvPr>
+        </p:nvSpPr>
+        <p:spPr/>
+        <p:txBody>
+          <a:bodyPr/>
+          <a:lstStyle/>
+          <a:p>
+            <a:r>
+              <a:rPr lang="en-US" altLang="ko-KR"/>
+              <a:t>p. </a:t>
+            </a:r>
+            <a:fld id="{1F335F12-2F84-4C53-9DF5-2927535D2C2D}" type="slidenum">
+              <a:rPr lang="ko-KR" altLang="en-US" smtClean="0"/>
+              <a:pPr/>
+              <a:t>12</a:t>
+            </a:fld>
+            <a:r>
+              <a:rPr lang="en-US" altLang="ko-KR"/>
+              <a:t>/20</a:t>
+            </a:r>
+            <a:endParaRPr lang="ko-KR" altLang="en-US" dirty="0"/>
+          </a:p>
+        </p:txBody>
+      </p:sp>
+      <p:grpSp>
+        <p:nvGrpSpPr>
           <p:cNvPr id="3" name="그룹 2">
             <a:extLst>
               <a:ext uri="{FF2B5EF4-FFF2-40B4-BE49-F238E27FC236}">
@@ -12322,7 +13629,7 @@
 </p:sld>
 </file>
 
-<file path=ppt/slides/slide11.xml><?xml version="1.0" encoding="utf-8"?>
+<file path=ppt/slides/slide13.xml><?xml version="1.0" encoding="utf-8"?>
 <p:sld xmlns:a="http://schemas.openxmlformats.org/drawingml/2006/main" xmlns:r="http://schemas.openxmlformats.org/officeDocument/2006/relationships" xmlns:p="http://schemas.openxmlformats.org/presentationml/2006/main">
   <p:cSld>
     <p:spTree>
@@ -12367,7 +13674,7 @@
             <a:fld id="{1F335F12-2F84-4C53-9DF5-2927535D2C2D}" type="slidenum">
               <a:rPr lang="ko-KR" altLang="en-US" smtClean="0"/>
               <a:pPr/>
-              <a:t>11</a:t>
+              <a:t>13</a:t>
             </a:fld>
             <a:r>
               <a:rPr lang="en-US" altLang="ko-KR"/>
@@ -13888,7 +15195,7 @@
 </p:sld>
 </file>
 
-<file path=ppt/slides/slide12.xml><?xml version="1.0" encoding="utf-8"?>
+<file path=ppt/slides/slide14.xml><?xml version="1.0" encoding="utf-8"?>
 <p:sld xmlns:a="http://schemas.openxmlformats.org/drawingml/2006/main" xmlns:r="http://schemas.openxmlformats.org/officeDocument/2006/relationships" xmlns:p="http://schemas.openxmlformats.org/presentationml/2006/main">
   <p:cSld>
     <p:spTree>
@@ -13933,7 +15240,7 @@
             <a:fld id="{1F335F12-2F84-4C53-9DF5-2927535D2C2D}" type="slidenum">
               <a:rPr lang="ko-KR" altLang="en-US" smtClean="0"/>
               <a:pPr/>
-              <a:t>12</a:t>
+              <a:t>14</a:t>
             </a:fld>
             <a:r>
               <a:rPr lang="en-US" altLang="ko-KR"/>
@@ -14191,7 +15498,7 @@
 </p:sld>
 </file>
 
-<file path=ppt/slides/slide13.xml><?xml version="1.0" encoding="utf-8"?>
+<file path=ppt/slides/slide15.xml><?xml version="1.0" encoding="utf-8"?>
 <p:sld xmlns:a="http://schemas.openxmlformats.org/drawingml/2006/main" xmlns:r="http://schemas.openxmlformats.org/officeDocument/2006/relationships" xmlns:p="http://schemas.openxmlformats.org/presentationml/2006/main">
   <p:cSld>
     <p:spTree>
@@ -14236,7 +15543,7 @@
             <a:fld id="{1F335F12-2F84-4C53-9DF5-2927535D2C2D}" type="slidenum">
               <a:rPr lang="ko-KR" altLang="en-US" smtClean="0"/>
               <a:pPr/>
-              <a:t>13</a:t>
+              <a:t>15</a:t>
             </a:fld>
             <a:r>
               <a:rPr lang="en-US" altLang="ko-KR"/>
@@ -15531,7 +16838,7 @@
 </p:sld>
 </file>
 
-<file path=ppt/slides/slide14.xml><?xml version="1.0" encoding="utf-8"?>
+<file path=ppt/slides/slide16.xml><?xml version="1.0" encoding="utf-8"?>
 <p:sld xmlns:a="http://schemas.openxmlformats.org/drawingml/2006/main" xmlns:r="http://schemas.openxmlformats.org/officeDocument/2006/relationships" xmlns:p="http://schemas.openxmlformats.org/presentationml/2006/main">
   <p:cSld>
     <p:spTree>
@@ -15576,7 +16883,7 @@
             <a:fld id="{1F335F12-2F84-4C53-9DF5-2927535D2C2D}" type="slidenum">
               <a:rPr lang="ko-KR" altLang="en-US" smtClean="0"/>
               <a:pPr/>
-              <a:t>14</a:t>
+              <a:t>16</a:t>
             </a:fld>
             <a:r>
               <a:rPr lang="en-US" altLang="ko-KR"/>
@@ -16676,7 +17983,7 @@
 </p:sld>
 </file>
 
-<file path=ppt/slides/slide15.xml><?xml version="1.0" encoding="utf-8"?>
+<file path=ppt/slides/slide17.xml><?xml version="1.0" encoding="utf-8"?>
 <p:sld xmlns:a="http://schemas.openxmlformats.org/drawingml/2006/main" xmlns:r="http://schemas.openxmlformats.org/officeDocument/2006/relationships" xmlns:p="http://schemas.openxmlformats.org/presentationml/2006/main">
   <p:cSld>
     <p:spTree>
@@ -16721,7 +18028,7 @@
             <a:fld id="{1F335F12-2F84-4C53-9DF5-2927535D2C2D}" type="slidenum">
               <a:rPr lang="ko-KR" altLang="en-US" smtClean="0"/>
               <a:pPr/>
-              <a:t>15</a:t>
+              <a:t>17</a:t>
             </a:fld>
             <a:r>
               <a:rPr lang="en-US" altLang="ko-KR"/>
@@ -17388,7 +18695,7 @@
 </p:sld>
 </file>
 
-<file path=ppt/slides/slide16.xml><?xml version="1.0" encoding="utf-8"?>
+<file path=ppt/slides/slide18.xml><?xml version="1.0" encoding="utf-8"?>
 <p:sld xmlns:a="http://schemas.openxmlformats.org/drawingml/2006/main" xmlns:r="http://schemas.openxmlformats.org/officeDocument/2006/relationships" xmlns:p="http://schemas.openxmlformats.org/presentationml/2006/main">
   <p:cSld>
     <p:spTree>
@@ -20356,6 +21663,3987 @@
       </p:grpSpPr>
       <p:sp>
         <p:nvSpPr>
+          <p:cNvPr id="22" name="슬라이드 번호 개체 틀 21">
+            <a:extLst>
+              <a:ext uri="{FF2B5EF4-FFF2-40B4-BE49-F238E27FC236}">
+                <a16:creationId xmlns:a16="http://schemas.microsoft.com/office/drawing/2014/main" id="{90D289AE-0582-ACB5-D7DF-D047A2950AA8}"/>
+              </a:ext>
+            </a:extLst>
+          </p:cNvPr>
+          <p:cNvSpPr>
+            <a:spLocks noGrp="1"/>
+          </p:cNvSpPr>
+          <p:nvPr>
+            <p:ph type="sldNum" sz="quarter" idx="4"/>
+          </p:nvPr>
+        </p:nvSpPr>
+        <p:spPr/>
+        <p:txBody>
+          <a:bodyPr/>
+          <a:lstStyle/>
+          <a:p>
+            <a:r>
+              <a:rPr lang="en-US" altLang="ko-KR" dirty="0"/>
+              <a:t>p. </a:t>
+            </a:r>
+            <a:fld id="{1F335F12-2F84-4C53-9DF5-2927535D2C2D}" type="slidenum">
+              <a:rPr lang="ko-KR" altLang="en-US" smtClean="0"/>
+              <a:pPr/>
+              <a:t>4</a:t>
+            </a:fld>
+            <a:r>
+              <a:rPr lang="en-US" altLang="ko-KR" dirty="0"/>
+              <a:t>/20</a:t>
+            </a:r>
+            <a:endParaRPr lang="ko-KR" altLang="en-US" dirty="0"/>
+          </a:p>
+        </p:txBody>
+      </p:sp>
+      <p:grpSp>
+        <p:nvGrpSpPr>
+          <p:cNvPr id="5" name="그룹 4">
+            <a:extLst>
+              <a:ext uri="{FF2B5EF4-FFF2-40B4-BE49-F238E27FC236}">
+                <a16:creationId xmlns:a16="http://schemas.microsoft.com/office/drawing/2014/main" id="{F9F2CC47-802D-204A-0C3A-FDC2C897CF32}"/>
+              </a:ext>
+            </a:extLst>
+          </p:cNvPr>
+          <p:cNvGrpSpPr/>
+          <p:nvPr/>
+        </p:nvGrpSpPr>
+        <p:grpSpPr>
+          <a:xfrm>
+            <a:off x="1595120" y="219855"/>
+            <a:ext cx="10596880" cy="392234"/>
+            <a:chOff x="1595120" y="219855"/>
+            <a:chExt cx="10596880" cy="392234"/>
+          </a:xfrm>
+        </p:grpSpPr>
+        <p:grpSp>
+          <p:nvGrpSpPr>
+            <p:cNvPr id="4" name="그룹 3">
+              <a:extLst>
+                <a:ext uri="{FF2B5EF4-FFF2-40B4-BE49-F238E27FC236}">
+                  <a16:creationId xmlns:a16="http://schemas.microsoft.com/office/drawing/2014/main" id="{E0442B5F-0C67-0392-9941-4E47F3013860}"/>
+                </a:ext>
+              </a:extLst>
+            </p:cNvPr>
+            <p:cNvGrpSpPr/>
+            <p:nvPr/>
+          </p:nvGrpSpPr>
+          <p:grpSpPr>
+            <a:xfrm>
+              <a:off x="1595120" y="219855"/>
+              <a:ext cx="10596880" cy="392234"/>
+              <a:chOff x="1595120" y="219855"/>
+              <a:chExt cx="10596880" cy="392234"/>
+            </a:xfrm>
+          </p:grpSpPr>
+          <p:sp>
+            <p:nvSpPr>
+              <p:cNvPr id="50" name="직사각형 49">
+                <a:extLst>
+                  <a:ext uri="{FF2B5EF4-FFF2-40B4-BE49-F238E27FC236}">
+                    <a16:creationId xmlns:a16="http://schemas.microsoft.com/office/drawing/2014/main" id="{18E75AE0-0CC8-DDFD-A838-2520BF641D05}"/>
+                  </a:ext>
+                </a:extLst>
+              </p:cNvPr>
+              <p:cNvSpPr>
+                <a:spLocks/>
+              </p:cNvSpPr>
+              <p:nvPr/>
+            </p:nvSpPr>
+            <p:spPr>
+              <a:xfrm>
+                <a:off x="1595120" y="219855"/>
+                <a:ext cx="10596880" cy="392234"/>
+              </a:xfrm>
+              <a:prstGeom prst="rect">
+                <a:avLst/>
+              </a:prstGeom>
+              <a:gradFill flip="none" rotWithShape="1">
+                <a:gsLst>
+                  <a:gs pos="58000">
+                    <a:srgbClr val="464437">
+                      <a:alpha val="70000"/>
+                    </a:srgbClr>
+                  </a:gs>
+                  <a:gs pos="2000">
+                    <a:srgbClr val="464437">
+                      <a:alpha val="80000"/>
+                    </a:srgbClr>
+                  </a:gs>
+                  <a:gs pos="100000">
+                    <a:srgbClr val="48443A">
+                      <a:alpha val="30000"/>
+                    </a:srgbClr>
+                  </a:gs>
+                </a:gsLst>
+                <a:lin ang="0" scaled="1"/>
+                <a:tileRect/>
+              </a:gradFill>
+              <a:ln>
+                <a:noFill/>
+              </a:ln>
+            </p:spPr>
+            <p:style>
+              <a:lnRef idx="2">
+                <a:schemeClr val="accent1">
+                  <a:shade val="15000"/>
+                </a:schemeClr>
+              </a:lnRef>
+              <a:fillRef idx="1">
+                <a:schemeClr val="accent1"/>
+              </a:fillRef>
+              <a:effectRef idx="0">
+                <a:schemeClr val="accent1"/>
+              </a:effectRef>
+              <a:fontRef idx="minor">
+                <a:schemeClr val="lt1"/>
+              </a:fontRef>
+            </p:style>
+            <p:txBody>
+              <a:bodyPr rtlCol="0" anchor="ctr"/>
+              <a:lstStyle/>
+              <a:p>
+                <a:pPr algn="ctr"/>
+                <a:endParaRPr lang="ko-KR" altLang="en-US" dirty="0"/>
+              </a:p>
+            </p:txBody>
+          </p:sp>
+          <p:cxnSp>
+            <p:nvCxnSpPr>
+              <p:cNvPr id="8" name="직선 연결선 7">
+                <a:extLst>
+                  <a:ext uri="{FF2B5EF4-FFF2-40B4-BE49-F238E27FC236}">
+                    <a16:creationId xmlns:a16="http://schemas.microsoft.com/office/drawing/2014/main" id="{D23C8A04-CEC4-1D92-9982-792BC1C41948}"/>
+                  </a:ext>
+                </a:extLst>
+              </p:cNvPr>
+              <p:cNvCxnSpPr>
+                <a:cxnSpLocks/>
+              </p:cNvCxnSpPr>
+              <p:nvPr/>
+            </p:nvCxnSpPr>
+            <p:spPr>
+              <a:xfrm>
+                <a:off x="1595120" y="588667"/>
+                <a:ext cx="10596880" cy="0"/>
+              </a:xfrm>
+              <a:prstGeom prst="line">
+                <a:avLst/>
+              </a:prstGeom>
+              <a:ln w="28575">
+                <a:gradFill flip="none" rotWithShape="1">
+                  <a:gsLst>
+                    <a:gs pos="0">
+                      <a:srgbClr val="464437">
+                        <a:alpha val="70000"/>
+                      </a:srgbClr>
+                    </a:gs>
+                    <a:gs pos="47000">
+                      <a:srgbClr val="464437">
+                        <a:alpha val="50000"/>
+                      </a:srgbClr>
+                    </a:gs>
+                    <a:gs pos="83000">
+                      <a:srgbClr val="464437">
+                        <a:alpha val="50000"/>
+                      </a:srgbClr>
+                    </a:gs>
+                    <a:gs pos="100000">
+                      <a:srgbClr val="464437">
+                        <a:alpha val="0"/>
+                      </a:srgbClr>
+                    </a:gs>
+                  </a:gsLst>
+                  <a:path path="circle">
+                    <a:fillToRect l="50000" t="50000" r="50000" b="50000"/>
+                  </a:path>
+                  <a:tileRect/>
+                </a:gradFill>
+              </a:ln>
+            </p:spPr>
+            <p:style>
+              <a:lnRef idx="2">
+                <a:schemeClr val="accent1"/>
+              </a:lnRef>
+              <a:fillRef idx="0">
+                <a:schemeClr val="accent1"/>
+              </a:fillRef>
+              <a:effectRef idx="1">
+                <a:schemeClr val="accent1"/>
+              </a:effectRef>
+              <a:fontRef idx="minor">
+                <a:schemeClr val="tx1"/>
+              </a:fontRef>
+            </p:style>
+          </p:cxnSp>
+        </p:grpSp>
+        <p:sp>
+          <p:nvSpPr>
+            <p:cNvPr id="51" name="TextBox 50">
+              <a:extLst>
+                <a:ext uri="{FF2B5EF4-FFF2-40B4-BE49-F238E27FC236}">
+                  <a16:creationId xmlns:a16="http://schemas.microsoft.com/office/drawing/2014/main" id="{B7655D1D-E793-35FA-6F39-9F5166483300}"/>
+                </a:ext>
+              </a:extLst>
+            </p:cNvPr>
+            <p:cNvSpPr txBox="1">
+              <a:spLocks/>
+            </p:cNvSpPr>
+            <p:nvPr/>
+          </p:nvSpPr>
+          <p:spPr>
+            <a:xfrm>
+              <a:off x="1704516" y="246695"/>
+              <a:ext cx="1051891" cy="338554"/>
+            </a:xfrm>
+            <a:prstGeom prst="rect">
+              <a:avLst/>
+            </a:prstGeom>
+            <a:noFill/>
+            <a:ln w="6350">
+              <a:noFill/>
+            </a:ln>
+          </p:spPr>
+          <p:txBody>
+            <a:bodyPr wrap="none" rtlCol="0">
+              <a:spAutoFit/>
+            </a:bodyPr>
+            <a:lstStyle/>
+            <a:p>
+              <a:r>
+                <a:rPr lang="ko-KR" altLang="en-US" sz="1600" dirty="0">
+                  <a:solidFill>
+                    <a:schemeClr val="bg1"/>
+                  </a:solidFill>
+                  <a:effectLst>
+                    <a:glow rad="101600">
+                      <a:schemeClr val="tx1">
+                        <a:alpha val="60000"/>
+                      </a:schemeClr>
+                    </a:glow>
+                  </a:effectLst>
+                  <a:latin typeface="빛의 계승자 Bold" panose="020B0600000101010101" pitchFamily="50" charset="-127"/>
+                  <a:ea typeface="빛의 계승자 Bold" panose="020B0600000101010101" pitchFamily="50" charset="-127"/>
+                </a:rPr>
+                <a:t>기획 의도</a:t>
+              </a:r>
+            </a:p>
+          </p:txBody>
+        </p:sp>
+      </p:grpSp>
+      <p:sp>
+        <p:nvSpPr>
+          <p:cNvPr id="54" name="페이지 표시">
+            <a:extLst>
+              <a:ext uri="{FF2B5EF4-FFF2-40B4-BE49-F238E27FC236}">
+                <a16:creationId xmlns:a16="http://schemas.microsoft.com/office/drawing/2014/main" id="{A6E207D9-0014-1589-6D7E-99CF876B7CA0}"/>
+              </a:ext>
+            </a:extLst>
+          </p:cNvPr>
+          <p:cNvSpPr txBox="1">
+            <a:spLocks/>
+          </p:cNvSpPr>
+          <p:nvPr/>
+        </p:nvSpPr>
+        <p:spPr>
+          <a:xfrm>
+            <a:off x="10482994" y="6696766"/>
+            <a:ext cx="835165" cy="123111"/>
+          </a:xfrm>
+          <a:prstGeom prst="rect">
+            <a:avLst/>
+          </a:prstGeom>
+          <a:noFill/>
+        </p:spPr>
+        <p:txBody>
+          <a:bodyPr wrap="none" lIns="0" tIns="0" rIns="0" bIns="0" rtlCol="0" anchor="ctr" anchorCtr="0">
+            <a:spAutoFit/>
+          </a:bodyPr>
+          <a:lstStyle/>
+          <a:p>
+            <a:pPr algn="r"/>
+            <a:r>
+              <a:rPr lang="en-US" altLang="ko-KR" sz="800" i="1" dirty="0">
+                <a:solidFill>
+                  <a:schemeClr val="bg1"/>
+                </a:solidFill>
+                <a:latin typeface="빛의 계승자 Bold" panose="020B0600000101010101" pitchFamily="50" charset="-127"/>
+                <a:ea typeface="빛의 계승자 Bold" panose="020B0600000101010101" pitchFamily="50" charset="-127"/>
+              </a:rPr>
+              <a:t>1.</a:t>
+            </a:r>
+            <a:r>
+              <a:rPr lang="ko-KR" altLang="en-US" sz="800" i="1" dirty="0">
+                <a:solidFill>
+                  <a:schemeClr val="bg1"/>
+                </a:solidFill>
+                <a:latin typeface="빛의 계승자 Bold" panose="020B0600000101010101" pitchFamily="50" charset="-127"/>
+                <a:ea typeface="빛의 계승자 Bold" panose="020B0600000101010101" pitchFamily="50" charset="-127"/>
+              </a:rPr>
+              <a:t>개요 </a:t>
+            </a:r>
+            <a:r>
+              <a:rPr lang="en-US" altLang="ko-KR" sz="800" i="1" dirty="0">
+                <a:solidFill>
+                  <a:schemeClr val="bg1"/>
+                </a:solidFill>
+                <a:latin typeface="빛의 계승자 Bold" panose="020B0600000101010101" pitchFamily="50" charset="-127"/>
+                <a:ea typeface="빛의 계승자 Bold" panose="020B0600000101010101" pitchFamily="50" charset="-127"/>
+              </a:rPr>
+              <a:t>- </a:t>
+            </a:r>
+            <a:r>
+              <a:rPr lang="ko-KR" altLang="en-US" sz="800" i="1" dirty="0">
+                <a:solidFill>
+                  <a:schemeClr val="bg1"/>
+                </a:solidFill>
+                <a:latin typeface="빛의 계승자 Bold" panose="020B0600000101010101" pitchFamily="50" charset="-127"/>
+                <a:ea typeface="빛의 계승자 Bold" panose="020B0600000101010101" pitchFamily="50" charset="-127"/>
+              </a:rPr>
+              <a:t>기획 의도</a:t>
+            </a:r>
+            <a:endParaRPr lang="en-US" altLang="ko-KR" sz="800" i="1" dirty="0">
+              <a:solidFill>
+                <a:schemeClr val="bg1"/>
+              </a:solidFill>
+              <a:latin typeface="빛의 계승자 Bold" panose="020B0600000101010101" pitchFamily="50" charset="-127"/>
+              <a:ea typeface="빛의 계승자 Bold" panose="020B0600000101010101" pitchFamily="50" charset="-127"/>
+            </a:endParaRPr>
+          </a:p>
+        </p:txBody>
+      </p:sp>
+      <p:sp>
+        <p:nvSpPr>
+          <p:cNvPr id="25" name="직사각형 24">
+            <a:extLst>
+              <a:ext uri="{FF2B5EF4-FFF2-40B4-BE49-F238E27FC236}">
+                <a16:creationId xmlns:a16="http://schemas.microsoft.com/office/drawing/2014/main" id="{16734103-FEBB-0560-013E-3922ED28C3F9}"/>
+              </a:ext>
+            </a:extLst>
+          </p:cNvPr>
+          <p:cNvSpPr>
+            <a:spLocks/>
+          </p:cNvSpPr>
+          <p:nvPr/>
+        </p:nvSpPr>
+        <p:spPr>
+          <a:xfrm>
+            <a:off x="11909965" y="988246"/>
+            <a:ext cx="46800" cy="4896000"/>
+          </a:xfrm>
+          <a:prstGeom prst="rect">
+            <a:avLst/>
+          </a:prstGeom>
+          <a:solidFill>
+            <a:srgbClr val="676555"/>
+          </a:solidFill>
+          <a:ln>
+            <a:noFill/>
+          </a:ln>
+        </p:spPr>
+        <p:style>
+          <a:lnRef idx="2">
+            <a:schemeClr val="accent1">
+              <a:shade val="15000"/>
+            </a:schemeClr>
+          </a:lnRef>
+          <a:fillRef idx="1">
+            <a:schemeClr val="accent1"/>
+          </a:fillRef>
+          <a:effectRef idx="0">
+            <a:schemeClr val="accent1"/>
+          </a:effectRef>
+          <a:fontRef idx="minor">
+            <a:schemeClr val="lt1"/>
+          </a:fontRef>
+        </p:style>
+        <p:txBody>
+          <a:bodyPr rtlCol="0" anchor="ctr"/>
+          <a:lstStyle/>
+          <a:p>
+            <a:pPr algn="ctr"/>
+            <a:endParaRPr lang="ko-KR" altLang="en-US"/>
+          </a:p>
+        </p:txBody>
+      </p:sp>
+      <p:sp>
+        <p:nvSpPr>
+          <p:cNvPr id="3095" name="직사각형 3094">
+            <a:extLst>
+              <a:ext uri="{FF2B5EF4-FFF2-40B4-BE49-F238E27FC236}">
+                <a16:creationId xmlns:a16="http://schemas.microsoft.com/office/drawing/2014/main" id="{82F95959-961B-DB06-62EA-58592830B0EE}"/>
+              </a:ext>
+            </a:extLst>
+          </p:cNvPr>
+          <p:cNvSpPr>
+            <a:spLocks/>
+          </p:cNvSpPr>
+          <p:nvPr/>
+        </p:nvSpPr>
+        <p:spPr>
+          <a:xfrm>
+            <a:off x="2005574" y="1428835"/>
+            <a:ext cx="2824385" cy="2536288"/>
+          </a:xfrm>
+          <a:prstGeom prst="rect">
+            <a:avLst/>
+          </a:prstGeom>
+          <a:noFill/>
+          <a:ln w="15875">
+            <a:solidFill>
+              <a:srgbClr val="39382E"/>
+            </a:solidFill>
+          </a:ln>
+        </p:spPr>
+        <p:style>
+          <a:lnRef idx="2">
+            <a:schemeClr val="accent1">
+              <a:shade val="15000"/>
+            </a:schemeClr>
+          </a:lnRef>
+          <a:fillRef idx="1">
+            <a:schemeClr val="accent1"/>
+          </a:fillRef>
+          <a:effectRef idx="0">
+            <a:schemeClr val="accent1"/>
+          </a:effectRef>
+          <a:fontRef idx="minor">
+            <a:schemeClr val="lt1"/>
+          </a:fontRef>
+        </p:style>
+        <p:txBody>
+          <a:bodyPr rtlCol="0" anchor="ctr"/>
+          <a:lstStyle/>
+          <a:p>
+            <a:pPr algn="ctr"/>
+            <a:endParaRPr lang="ko-KR" altLang="en-US" dirty="0"/>
+          </a:p>
+        </p:txBody>
+      </p:sp>
+      <p:grpSp>
+        <p:nvGrpSpPr>
+          <p:cNvPr id="3154" name="그룹 3153">
+            <a:extLst>
+              <a:ext uri="{FF2B5EF4-FFF2-40B4-BE49-F238E27FC236}">
+                <a16:creationId xmlns:a16="http://schemas.microsoft.com/office/drawing/2014/main" id="{5EBE5A87-4844-2998-8675-E1E8D00B5BA3}"/>
+              </a:ext>
+            </a:extLst>
+          </p:cNvPr>
+          <p:cNvGrpSpPr/>
+          <p:nvPr/>
+        </p:nvGrpSpPr>
+        <p:grpSpPr>
+          <a:xfrm>
+            <a:off x="2167856" y="1565046"/>
+            <a:ext cx="2499705" cy="1548999"/>
+            <a:chOff x="2167856" y="1574968"/>
+            <a:chExt cx="2499705" cy="1548999"/>
+          </a:xfrm>
+        </p:grpSpPr>
+        <p:grpSp>
+          <p:nvGrpSpPr>
+            <p:cNvPr id="3153" name="그룹 3152">
+              <a:extLst>
+                <a:ext uri="{FF2B5EF4-FFF2-40B4-BE49-F238E27FC236}">
+                  <a16:creationId xmlns:a16="http://schemas.microsoft.com/office/drawing/2014/main" id="{DD36B008-7815-FA5C-E9D8-EBC42B03E012}"/>
+                </a:ext>
+              </a:extLst>
+            </p:cNvPr>
+            <p:cNvGrpSpPr/>
+            <p:nvPr/>
+          </p:nvGrpSpPr>
+          <p:grpSpPr>
+            <a:xfrm>
+              <a:off x="2167856" y="1574968"/>
+              <a:ext cx="1073729" cy="1548999"/>
+              <a:chOff x="2167856" y="1574968"/>
+              <a:chExt cx="1073729" cy="1548999"/>
+            </a:xfrm>
+          </p:grpSpPr>
+          <p:sp>
+            <p:nvSpPr>
+              <p:cNvPr id="3084" name="직사각형 3083">
+                <a:extLst>
+                  <a:ext uri="{FF2B5EF4-FFF2-40B4-BE49-F238E27FC236}">
+                    <a16:creationId xmlns:a16="http://schemas.microsoft.com/office/drawing/2014/main" id="{40E3ADC1-FF20-D95F-F057-B300B98D8B11}"/>
+                  </a:ext>
+                </a:extLst>
+              </p:cNvPr>
+              <p:cNvSpPr/>
+              <p:nvPr/>
+            </p:nvSpPr>
+            <p:spPr>
+              <a:xfrm>
+                <a:off x="2167856" y="1574968"/>
+                <a:ext cx="1073729" cy="1548999"/>
+              </a:xfrm>
+              <a:prstGeom prst="rect">
+                <a:avLst/>
+              </a:prstGeom>
+              <a:solidFill>
+                <a:schemeClr val="bg1"/>
+              </a:solidFill>
+              <a:ln w="12700">
+                <a:solidFill>
+                  <a:srgbClr val="39382E"/>
+                </a:solidFill>
+              </a:ln>
+            </p:spPr>
+            <p:style>
+              <a:lnRef idx="2">
+                <a:schemeClr val="accent1">
+                  <a:shade val="15000"/>
+                </a:schemeClr>
+              </a:lnRef>
+              <a:fillRef idx="1">
+                <a:schemeClr val="accent1"/>
+              </a:fillRef>
+              <a:effectRef idx="0">
+                <a:schemeClr val="accent1"/>
+              </a:effectRef>
+              <a:fontRef idx="minor">
+                <a:schemeClr val="lt1"/>
+              </a:fontRef>
+            </p:style>
+            <p:txBody>
+              <a:bodyPr rtlCol="0" anchor="ctr"/>
+              <a:lstStyle/>
+              <a:p>
+                <a:pPr algn="ctr"/>
+                <a:endParaRPr lang="ko-KR" altLang="en-US"/>
+              </a:p>
+            </p:txBody>
+          </p:sp>
+          <p:grpSp>
+            <p:nvGrpSpPr>
+              <p:cNvPr id="3087" name="그룹 3086">
+                <a:extLst>
+                  <a:ext uri="{FF2B5EF4-FFF2-40B4-BE49-F238E27FC236}">
+                    <a16:creationId xmlns:a16="http://schemas.microsoft.com/office/drawing/2014/main" id="{EA7051DA-EAE9-7983-3F7D-A3B3C6452EF3}"/>
+                  </a:ext>
+                </a:extLst>
+              </p:cNvPr>
+              <p:cNvGrpSpPr/>
+              <p:nvPr/>
+            </p:nvGrpSpPr>
+            <p:grpSpPr>
+              <a:xfrm>
+                <a:off x="2196571" y="1620021"/>
+                <a:ext cx="1016298" cy="1458892"/>
+                <a:chOff x="6414848" y="1491993"/>
+                <a:chExt cx="1016298" cy="1458892"/>
+              </a:xfrm>
+            </p:grpSpPr>
+            <p:pic>
+              <p:nvPicPr>
+                <p:cNvPr id="3085" name="그림 3084" descr="텍스트, 종이 클립, 디자인, 일러스트레이션이(가) 표시된 사진&#10;&#10;자동 생성된 설명">
+                  <a:extLst>
+                    <a:ext uri="{FF2B5EF4-FFF2-40B4-BE49-F238E27FC236}">
+                      <a16:creationId xmlns:a16="http://schemas.microsoft.com/office/drawing/2014/main" id="{989A8B1E-176C-1C81-7C9F-96203D0EFE16}"/>
+                    </a:ext>
+                  </a:extLst>
+                </p:cNvPr>
+                <p:cNvPicPr>
+                  <a:picLocks noChangeAspect="1"/>
+                </p:cNvPicPr>
+                <p:nvPr/>
+              </p:nvPicPr>
+              <p:blipFill>
+                <a:blip r:embed="rId2">
+                  <a:extLst>
+                    <a:ext uri="{28A0092B-C50C-407E-A947-70E740481C1C}">
+                      <a14:useLocalDpi xmlns:a14="http://schemas.microsoft.com/office/drawing/2010/main" val="0"/>
+                    </a:ext>
+                  </a:extLst>
+                </a:blip>
+                <a:srcRect l="13815" b="39713"/>
+                <a:stretch/>
+              </p:blipFill>
+              <p:spPr>
+                <a:xfrm>
+                  <a:off x="6414848" y="1714460"/>
+                  <a:ext cx="1016298" cy="1236425"/>
+                </a:xfrm>
+                <a:prstGeom prst="rect">
+                  <a:avLst/>
+                </a:prstGeom>
+              </p:spPr>
+            </p:pic>
+            <p:sp>
+              <p:nvSpPr>
+                <p:cNvPr id="3086" name="TextBox 3085">
+                  <a:extLst>
+                    <a:ext uri="{FF2B5EF4-FFF2-40B4-BE49-F238E27FC236}">
+                      <a16:creationId xmlns:a16="http://schemas.microsoft.com/office/drawing/2014/main" id="{643AF35D-5ADC-E856-EF8D-7F7FF058A352}"/>
+                    </a:ext>
+                  </a:extLst>
+                </p:cNvPr>
+                <p:cNvSpPr txBox="1"/>
+                <p:nvPr/>
+              </p:nvSpPr>
+              <p:spPr>
+                <a:xfrm>
+                  <a:off x="6663952" y="1491993"/>
+                  <a:ext cx="518091" cy="246221"/>
+                </a:xfrm>
+                <a:prstGeom prst="rect">
+                  <a:avLst/>
+                </a:prstGeom>
+                <a:noFill/>
+              </p:spPr>
+              <p:txBody>
+                <a:bodyPr wrap="none" rtlCol="0">
+                  <a:spAutoFit/>
+                </a:bodyPr>
+                <a:lstStyle/>
+                <a:p>
+                  <a:pPr algn="ctr"/>
+                  <a:r>
+                    <a:rPr lang="en-US" altLang="ko-KR" sz="1000" dirty="0">
+                      <a:latin typeface="넥슨Lv1고딕" panose="00000500000000000000" pitchFamily="2" charset="-127"/>
+                      <a:ea typeface="넥슨Lv1고딕" panose="00000500000000000000" pitchFamily="2" charset="-127"/>
+                    </a:rPr>
+                    <a:t>[</a:t>
+                  </a:r>
+                  <a:r>
+                    <a:rPr lang="ko-KR" altLang="en-US" sz="1000" dirty="0">
+                      <a:latin typeface="넥슨Lv1고딕" panose="00000500000000000000" pitchFamily="2" charset="-127"/>
+                      <a:ea typeface="넥슨Lv1고딕" panose="00000500000000000000" pitchFamily="2" charset="-127"/>
+                    </a:rPr>
+                    <a:t>성능</a:t>
+                  </a:r>
+                  <a:r>
+                    <a:rPr lang="en-US" altLang="ko-KR" sz="1000" dirty="0">
+                      <a:latin typeface="넥슨Lv1고딕" panose="00000500000000000000" pitchFamily="2" charset="-127"/>
+                      <a:ea typeface="넥슨Lv1고딕" panose="00000500000000000000" pitchFamily="2" charset="-127"/>
+                    </a:rPr>
+                    <a:t>]</a:t>
+                  </a:r>
+                </a:p>
+              </p:txBody>
+            </p:sp>
+          </p:grpSp>
+        </p:grpSp>
+        <p:grpSp>
+          <p:nvGrpSpPr>
+            <p:cNvPr id="3093" name="그룹 3092">
+              <a:extLst>
+                <a:ext uri="{FF2B5EF4-FFF2-40B4-BE49-F238E27FC236}">
+                  <a16:creationId xmlns:a16="http://schemas.microsoft.com/office/drawing/2014/main" id="{B8CB021C-14C0-602A-A309-2FC6B7FFCBDF}"/>
+                </a:ext>
+              </a:extLst>
+            </p:cNvPr>
+            <p:cNvGrpSpPr/>
+            <p:nvPr/>
+          </p:nvGrpSpPr>
+          <p:grpSpPr>
+            <a:xfrm>
+              <a:off x="3593832" y="1574968"/>
+              <a:ext cx="1073729" cy="1548999"/>
+              <a:chOff x="8059961" y="1491380"/>
+              <a:chExt cx="1073729" cy="1548999"/>
+            </a:xfrm>
+          </p:grpSpPr>
+          <p:sp>
+            <p:nvSpPr>
+              <p:cNvPr id="3088" name="직사각형 3087">
+                <a:extLst>
+                  <a:ext uri="{FF2B5EF4-FFF2-40B4-BE49-F238E27FC236}">
+                    <a16:creationId xmlns:a16="http://schemas.microsoft.com/office/drawing/2014/main" id="{3E19F461-4C9D-94BF-B7A1-3DE54432AE28}"/>
+                  </a:ext>
+                </a:extLst>
+              </p:cNvPr>
+              <p:cNvSpPr/>
+              <p:nvPr/>
+            </p:nvSpPr>
+            <p:spPr>
+              <a:xfrm>
+                <a:off x="8059961" y="1491380"/>
+                <a:ext cx="1073729" cy="1548999"/>
+              </a:xfrm>
+              <a:prstGeom prst="rect">
+                <a:avLst/>
+              </a:prstGeom>
+              <a:solidFill>
+                <a:schemeClr val="bg1"/>
+              </a:solidFill>
+              <a:ln w="12700">
+                <a:solidFill>
+                  <a:srgbClr val="39382E"/>
+                </a:solidFill>
+              </a:ln>
+            </p:spPr>
+            <p:style>
+              <a:lnRef idx="2">
+                <a:schemeClr val="accent1">
+                  <a:shade val="15000"/>
+                </a:schemeClr>
+              </a:lnRef>
+              <a:fillRef idx="1">
+                <a:schemeClr val="accent1"/>
+              </a:fillRef>
+              <a:effectRef idx="0">
+                <a:schemeClr val="accent1"/>
+              </a:effectRef>
+              <a:fontRef idx="minor">
+                <a:schemeClr val="lt1"/>
+              </a:fontRef>
+            </p:style>
+            <p:txBody>
+              <a:bodyPr rtlCol="0" anchor="ctr"/>
+              <a:lstStyle/>
+              <a:p>
+                <a:pPr algn="ctr"/>
+                <a:endParaRPr lang="ko-KR" altLang="en-US"/>
+              </a:p>
+            </p:txBody>
+          </p:sp>
+          <p:sp>
+            <p:nvSpPr>
+              <p:cNvPr id="3091" name="TextBox 3090">
+                <a:extLst>
+                  <a:ext uri="{FF2B5EF4-FFF2-40B4-BE49-F238E27FC236}">
+                    <a16:creationId xmlns:a16="http://schemas.microsoft.com/office/drawing/2014/main" id="{C28E8454-AA40-9257-CA38-46DABD7DFD8E}"/>
+                  </a:ext>
+                </a:extLst>
+              </p:cNvPr>
+              <p:cNvSpPr txBox="1"/>
+              <p:nvPr/>
+            </p:nvSpPr>
+            <p:spPr>
+              <a:xfrm>
+                <a:off x="8337780" y="1531226"/>
+                <a:ext cx="518091" cy="246221"/>
+              </a:xfrm>
+              <a:prstGeom prst="rect">
+                <a:avLst/>
+              </a:prstGeom>
+              <a:noFill/>
+            </p:spPr>
+            <p:txBody>
+              <a:bodyPr wrap="none" rtlCol="0">
+                <a:spAutoFit/>
+              </a:bodyPr>
+              <a:lstStyle/>
+              <a:p>
+                <a:pPr algn="ctr"/>
+                <a:r>
+                  <a:rPr lang="en-US" altLang="ko-KR" sz="1000" dirty="0">
+                    <a:latin typeface="넥슨Lv1고딕" panose="00000500000000000000" pitchFamily="2" charset="-127"/>
+                    <a:ea typeface="넥슨Lv1고딕" panose="00000500000000000000" pitchFamily="2" charset="-127"/>
+                  </a:rPr>
+                  <a:t>[</a:t>
+                </a:r>
+                <a:r>
+                  <a:rPr lang="ko-KR" altLang="en-US" sz="1000" dirty="0">
+                    <a:latin typeface="넥슨Lv1고딕" panose="00000500000000000000" pitchFamily="2" charset="-127"/>
+                    <a:ea typeface="넥슨Lv1고딕" panose="00000500000000000000" pitchFamily="2" charset="-127"/>
+                  </a:rPr>
+                  <a:t>애정</a:t>
+                </a:r>
+                <a:r>
+                  <a:rPr lang="en-US" altLang="ko-KR" sz="1000" dirty="0">
+                    <a:latin typeface="넥슨Lv1고딕" panose="00000500000000000000" pitchFamily="2" charset="-127"/>
+                    <a:ea typeface="넥슨Lv1고딕" panose="00000500000000000000" pitchFamily="2" charset="-127"/>
+                  </a:rPr>
+                  <a:t>]</a:t>
+                </a:r>
+              </a:p>
+            </p:txBody>
+          </p:sp>
+          <p:pic>
+            <p:nvPicPr>
+              <p:cNvPr id="3092" name="그림 3091" descr="종이 클립, 디자인, 일러스트레이션이(가) 표시된 사진&#10;&#10;자동 생성된 설명">
+                <a:extLst>
+                  <a:ext uri="{FF2B5EF4-FFF2-40B4-BE49-F238E27FC236}">
+                    <a16:creationId xmlns:a16="http://schemas.microsoft.com/office/drawing/2014/main" id="{EBB0EE06-687C-9EE3-18ED-647A6C6DAF8A}"/>
+                  </a:ext>
+                </a:extLst>
+              </p:cNvPr>
+              <p:cNvPicPr>
+                <a:picLocks noChangeAspect="1"/>
+              </p:cNvPicPr>
+              <p:nvPr/>
+            </p:nvPicPr>
+            <p:blipFill>
+              <a:blip r:embed="rId3">
+                <a:extLst>
+                  <a:ext uri="{28A0092B-C50C-407E-A947-70E740481C1C}">
+                    <a14:useLocalDpi xmlns:a14="http://schemas.microsoft.com/office/drawing/2010/main" val="0"/>
+                  </a:ext>
+                </a:extLst>
+              </a:blip>
+              <a:srcRect l="24279" b="39185"/>
+              <a:stretch/>
+            </p:blipFill>
+            <p:spPr>
+              <a:xfrm>
+                <a:off x="8182593" y="1731034"/>
+                <a:ext cx="828464" cy="1236425"/>
+              </a:xfrm>
+              <a:prstGeom prst="rect">
+                <a:avLst/>
+              </a:prstGeom>
+            </p:spPr>
+          </p:pic>
+        </p:grpSp>
+        <p:sp>
+          <p:nvSpPr>
+            <p:cNvPr id="3094" name="TextBox 3093">
+              <a:extLst>
+                <a:ext uri="{FF2B5EF4-FFF2-40B4-BE49-F238E27FC236}">
+                  <a16:creationId xmlns:a16="http://schemas.microsoft.com/office/drawing/2014/main" id="{C0532D9C-EE29-EED4-BE37-E3A0B94A3084}"/>
+                </a:ext>
+              </a:extLst>
+            </p:cNvPr>
+            <p:cNvSpPr txBox="1"/>
+            <p:nvPr/>
+          </p:nvSpPr>
+          <p:spPr>
+            <a:xfrm>
+              <a:off x="3238872" y="2195579"/>
+              <a:ext cx="357790" cy="307777"/>
+            </a:xfrm>
+            <a:prstGeom prst="rect">
+              <a:avLst/>
+            </a:prstGeom>
+            <a:noFill/>
+          </p:spPr>
+          <p:txBody>
+            <a:bodyPr wrap="none" rtlCol="0">
+              <a:spAutoFit/>
+            </a:bodyPr>
+            <a:lstStyle/>
+            <a:p>
+              <a:r>
+                <a:rPr lang="en-US" altLang="ko-KR" sz="1400" dirty="0">
+                  <a:solidFill>
+                    <a:schemeClr val="bg1"/>
+                  </a:solidFill>
+                  <a:latin typeface="넥슨Lv1고딕" panose="00000500000000000000" pitchFamily="2" charset="-127"/>
+                  <a:ea typeface="넥슨Lv1고딕" panose="00000500000000000000" pitchFamily="2" charset="-127"/>
+                </a:rPr>
+                <a:t>vs</a:t>
+              </a:r>
+            </a:p>
+          </p:txBody>
+        </p:sp>
+      </p:grpSp>
+      <p:grpSp>
+        <p:nvGrpSpPr>
+          <p:cNvPr id="3099" name="그룹 3098">
+            <a:extLst>
+              <a:ext uri="{FF2B5EF4-FFF2-40B4-BE49-F238E27FC236}">
+                <a16:creationId xmlns:a16="http://schemas.microsoft.com/office/drawing/2014/main" id="{DA9596EE-06D6-D256-9D48-B0221B0342FD}"/>
+              </a:ext>
+            </a:extLst>
+          </p:cNvPr>
+          <p:cNvGrpSpPr/>
+          <p:nvPr/>
+        </p:nvGrpSpPr>
+        <p:grpSpPr>
+          <a:xfrm>
+            <a:off x="2005573" y="1040445"/>
+            <a:ext cx="2824385" cy="392234"/>
+            <a:chOff x="2522258" y="3262193"/>
+            <a:chExt cx="2824385" cy="392234"/>
+          </a:xfrm>
+        </p:grpSpPr>
+        <p:sp>
+          <p:nvSpPr>
+            <p:cNvPr id="23" name="직사각형 22">
+              <a:extLst>
+                <a:ext uri="{FF2B5EF4-FFF2-40B4-BE49-F238E27FC236}">
+                  <a16:creationId xmlns:a16="http://schemas.microsoft.com/office/drawing/2014/main" id="{290D65CD-A021-47E1-029E-8D2D7F9691B6}"/>
+                </a:ext>
+              </a:extLst>
+            </p:cNvPr>
+            <p:cNvSpPr>
+              <a:spLocks/>
+            </p:cNvSpPr>
+            <p:nvPr/>
+          </p:nvSpPr>
+          <p:spPr>
+            <a:xfrm>
+              <a:off x="2522258" y="3262193"/>
+              <a:ext cx="2824385" cy="392234"/>
+            </a:xfrm>
+            <a:prstGeom prst="rect">
+              <a:avLst/>
+            </a:prstGeom>
+            <a:solidFill>
+              <a:srgbClr val="3D3B30">
+                <a:alpha val="80000"/>
+              </a:srgbClr>
+            </a:solidFill>
+            <a:ln w="15875">
+              <a:solidFill>
+                <a:srgbClr val="39382E"/>
+              </a:solidFill>
+            </a:ln>
+          </p:spPr>
+          <p:style>
+            <a:lnRef idx="2">
+              <a:schemeClr val="accent1">
+                <a:shade val="15000"/>
+              </a:schemeClr>
+            </a:lnRef>
+            <a:fillRef idx="1">
+              <a:schemeClr val="accent1"/>
+            </a:fillRef>
+            <a:effectRef idx="0">
+              <a:schemeClr val="accent1"/>
+            </a:effectRef>
+            <a:fontRef idx="minor">
+              <a:schemeClr val="lt1"/>
+            </a:fontRef>
+          </p:style>
+          <p:txBody>
+            <a:bodyPr rtlCol="0" anchor="ctr"/>
+            <a:lstStyle/>
+            <a:p>
+              <a:pPr algn="ctr"/>
+              <a:endParaRPr lang="ko-KR" altLang="en-US" dirty="0"/>
+            </a:p>
+          </p:txBody>
+        </p:sp>
+        <p:sp>
+          <p:nvSpPr>
+            <p:cNvPr id="3096" name="TextBox 3095">
+              <a:extLst>
+                <a:ext uri="{FF2B5EF4-FFF2-40B4-BE49-F238E27FC236}">
+                  <a16:creationId xmlns:a16="http://schemas.microsoft.com/office/drawing/2014/main" id="{35A6AA11-2465-F090-BEF4-B9C15B317EE1}"/>
+                </a:ext>
+              </a:extLst>
+            </p:cNvPr>
+            <p:cNvSpPr txBox="1"/>
+            <p:nvPr/>
+          </p:nvSpPr>
+          <p:spPr>
+            <a:xfrm>
+              <a:off x="3231373" y="3335200"/>
+              <a:ext cx="1406154" cy="246221"/>
+            </a:xfrm>
+            <a:prstGeom prst="rect">
+              <a:avLst/>
+            </a:prstGeom>
+            <a:noFill/>
+          </p:spPr>
+          <p:txBody>
+            <a:bodyPr wrap="none" rtlCol="0">
+              <a:spAutoFit/>
+            </a:bodyPr>
+            <a:lstStyle/>
+            <a:p>
+              <a:pPr algn="ctr"/>
+              <a:r>
+                <a:rPr lang="ko-KR" altLang="en-US" sz="1000" b="1" dirty="0">
+                  <a:solidFill>
+                    <a:schemeClr val="bg1"/>
+                  </a:solidFill>
+                  <a:latin typeface="넥슨Lv1고딕" panose="00000500000000000000" pitchFamily="2" charset="-127"/>
+                  <a:ea typeface="넥슨Lv1고딕" panose="00000500000000000000" pitchFamily="2" charset="-127"/>
+                </a:rPr>
+                <a:t>여러 성향의 유저 겨냥</a:t>
+              </a:r>
+              <a:endParaRPr lang="en-US" altLang="ko-KR" sz="1000" b="1" dirty="0">
+                <a:solidFill>
+                  <a:schemeClr val="bg1"/>
+                </a:solidFill>
+                <a:latin typeface="넥슨Lv1고딕" panose="00000500000000000000" pitchFamily="2" charset="-127"/>
+                <a:ea typeface="넥슨Lv1고딕" panose="00000500000000000000" pitchFamily="2" charset="-127"/>
+              </a:endParaRPr>
+            </a:p>
+          </p:txBody>
+        </p:sp>
+      </p:grpSp>
+      <p:grpSp>
+        <p:nvGrpSpPr>
+          <p:cNvPr id="3116" name="그룹 3115">
+            <a:extLst>
+              <a:ext uri="{FF2B5EF4-FFF2-40B4-BE49-F238E27FC236}">
+                <a16:creationId xmlns:a16="http://schemas.microsoft.com/office/drawing/2014/main" id="{66881781-29FD-AC57-779A-79831C34A390}"/>
+              </a:ext>
+            </a:extLst>
+          </p:cNvPr>
+          <p:cNvGrpSpPr/>
+          <p:nvPr/>
+        </p:nvGrpSpPr>
+        <p:grpSpPr>
+          <a:xfrm>
+            <a:off x="8395744" y="1040445"/>
+            <a:ext cx="2824386" cy="2218143"/>
+            <a:chOff x="2522258" y="1044050"/>
+            <a:chExt cx="2824386" cy="2218143"/>
+          </a:xfrm>
+        </p:grpSpPr>
+        <p:sp>
+          <p:nvSpPr>
+            <p:cNvPr id="3121" name="직사각형 3120">
+              <a:extLst>
+                <a:ext uri="{FF2B5EF4-FFF2-40B4-BE49-F238E27FC236}">
+                  <a16:creationId xmlns:a16="http://schemas.microsoft.com/office/drawing/2014/main" id="{7ABA121A-16C2-2563-F01C-A5C319C8D85F}"/>
+                </a:ext>
+              </a:extLst>
+            </p:cNvPr>
+            <p:cNvSpPr>
+              <a:spLocks/>
+            </p:cNvSpPr>
+            <p:nvPr/>
+          </p:nvSpPr>
+          <p:spPr>
+            <a:xfrm>
+              <a:off x="2522259" y="1432440"/>
+              <a:ext cx="2824385" cy="1829753"/>
+            </a:xfrm>
+            <a:prstGeom prst="rect">
+              <a:avLst/>
+            </a:prstGeom>
+            <a:noFill/>
+            <a:ln w="15875">
+              <a:solidFill>
+                <a:srgbClr val="39382E"/>
+              </a:solidFill>
+            </a:ln>
+          </p:spPr>
+          <p:style>
+            <a:lnRef idx="2">
+              <a:schemeClr val="accent1">
+                <a:shade val="15000"/>
+              </a:schemeClr>
+            </a:lnRef>
+            <a:fillRef idx="1">
+              <a:schemeClr val="accent1"/>
+            </a:fillRef>
+            <a:effectRef idx="0">
+              <a:schemeClr val="accent1"/>
+            </a:effectRef>
+            <a:fontRef idx="minor">
+              <a:schemeClr val="lt1"/>
+            </a:fontRef>
+          </p:style>
+          <p:txBody>
+            <a:bodyPr rtlCol="0" anchor="ctr"/>
+            <a:lstStyle/>
+            <a:p>
+              <a:pPr algn="ctr"/>
+              <a:endParaRPr lang="ko-KR" altLang="en-US" dirty="0"/>
+            </a:p>
+          </p:txBody>
+        </p:sp>
+        <p:grpSp>
+          <p:nvGrpSpPr>
+            <p:cNvPr id="3118" name="그룹 3117">
+              <a:extLst>
+                <a:ext uri="{FF2B5EF4-FFF2-40B4-BE49-F238E27FC236}">
+                  <a16:creationId xmlns:a16="http://schemas.microsoft.com/office/drawing/2014/main" id="{610CBE7B-CB68-343F-3A06-450FC38BBFEA}"/>
+                </a:ext>
+              </a:extLst>
+            </p:cNvPr>
+            <p:cNvGrpSpPr/>
+            <p:nvPr/>
+          </p:nvGrpSpPr>
+          <p:grpSpPr>
+            <a:xfrm>
+              <a:off x="2522258" y="1044050"/>
+              <a:ext cx="2824385" cy="392234"/>
+              <a:chOff x="2522258" y="3262193"/>
+              <a:chExt cx="2824385" cy="392234"/>
+            </a:xfrm>
+          </p:grpSpPr>
+          <p:sp>
+            <p:nvSpPr>
+              <p:cNvPr id="3119" name="직사각형 3118">
+                <a:extLst>
+                  <a:ext uri="{FF2B5EF4-FFF2-40B4-BE49-F238E27FC236}">
+                    <a16:creationId xmlns:a16="http://schemas.microsoft.com/office/drawing/2014/main" id="{4773758A-207F-905F-9A6E-6DC9CF1FD0E6}"/>
+                  </a:ext>
+                </a:extLst>
+              </p:cNvPr>
+              <p:cNvSpPr>
+                <a:spLocks/>
+              </p:cNvSpPr>
+              <p:nvPr/>
+            </p:nvSpPr>
+            <p:spPr>
+              <a:xfrm>
+                <a:off x="2522258" y="3262193"/>
+                <a:ext cx="2824385" cy="392234"/>
+              </a:xfrm>
+              <a:prstGeom prst="rect">
+                <a:avLst/>
+              </a:prstGeom>
+              <a:solidFill>
+                <a:srgbClr val="3D3B30">
+                  <a:alpha val="80000"/>
+                </a:srgbClr>
+              </a:solidFill>
+              <a:ln w="15875">
+                <a:solidFill>
+                  <a:srgbClr val="39382E"/>
+                </a:solidFill>
+              </a:ln>
+            </p:spPr>
+            <p:style>
+              <a:lnRef idx="2">
+                <a:schemeClr val="accent1">
+                  <a:shade val="15000"/>
+                </a:schemeClr>
+              </a:lnRef>
+              <a:fillRef idx="1">
+                <a:schemeClr val="accent1"/>
+              </a:fillRef>
+              <a:effectRef idx="0">
+                <a:schemeClr val="accent1"/>
+              </a:effectRef>
+              <a:fontRef idx="minor">
+                <a:schemeClr val="lt1"/>
+              </a:fontRef>
+            </p:style>
+            <p:txBody>
+              <a:bodyPr rtlCol="0" anchor="ctr"/>
+              <a:lstStyle/>
+              <a:p>
+                <a:pPr algn="ctr"/>
+                <a:endParaRPr lang="ko-KR" altLang="en-US" dirty="0"/>
+              </a:p>
+            </p:txBody>
+          </p:sp>
+          <p:sp>
+            <p:nvSpPr>
+              <p:cNvPr id="3120" name="TextBox 3119">
+                <a:extLst>
+                  <a:ext uri="{FF2B5EF4-FFF2-40B4-BE49-F238E27FC236}">
+                    <a16:creationId xmlns:a16="http://schemas.microsoft.com/office/drawing/2014/main" id="{3737DA6F-F3BD-B5DB-09FC-04EA292CD22E}"/>
+                  </a:ext>
+                </a:extLst>
+              </p:cNvPr>
+              <p:cNvSpPr txBox="1"/>
+              <p:nvPr/>
+            </p:nvSpPr>
+            <p:spPr>
+              <a:xfrm>
+                <a:off x="3524723" y="3335200"/>
+                <a:ext cx="819456" cy="246221"/>
+              </a:xfrm>
+              <a:prstGeom prst="rect">
+                <a:avLst/>
+              </a:prstGeom>
+              <a:noFill/>
+            </p:spPr>
+            <p:txBody>
+              <a:bodyPr wrap="none" rtlCol="0">
+                <a:spAutoFit/>
+              </a:bodyPr>
+              <a:lstStyle/>
+              <a:p>
+                <a:pPr algn="ctr"/>
+                <a:r>
+                  <a:rPr lang="ko-KR" altLang="en-US" sz="1000" b="1" dirty="0" err="1">
+                    <a:solidFill>
+                      <a:schemeClr val="bg1"/>
+                    </a:solidFill>
+                    <a:latin typeface="넥슨Lv1고딕" panose="00000500000000000000" pitchFamily="2" charset="-127"/>
+                    <a:ea typeface="넥슨Lv1고딕" panose="00000500000000000000" pitchFamily="2" charset="-127"/>
+                  </a:rPr>
+                  <a:t>몰입감</a:t>
+                </a:r>
+                <a:r>
+                  <a:rPr lang="ko-KR" altLang="en-US" sz="1000" b="1" dirty="0">
+                    <a:solidFill>
+                      <a:schemeClr val="bg1"/>
+                    </a:solidFill>
+                    <a:latin typeface="넥슨Lv1고딕" panose="00000500000000000000" pitchFamily="2" charset="-127"/>
+                    <a:ea typeface="넥슨Lv1고딕" panose="00000500000000000000" pitchFamily="2" charset="-127"/>
+                  </a:rPr>
+                  <a:t> 향상</a:t>
+                </a:r>
+                <a:endParaRPr lang="en-US" altLang="ko-KR" sz="1000" b="1" dirty="0">
+                  <a:solidFill>
+                    <a:schemeClr val="bg1"/>
+                  </a:solidFill>
+                  <a:latin typeface="넥슨Lv1고딕" panose="00000500000000000000" pitchFamily="2" charset="-127"/>
+                  <a:ea typeface="넥슨Lv1고딕" panose="00000500000000000000" pitchFamily="2" charset="-127"/>
+                </a:endParaRPr>
+              </a:p>
+            </p:txBody>
+          </p:sp>
+        </p:grpSp>
+      </p:grpSp>
+      <p:grpSp>
+        <p:nvGrpSpPr>
+          <p:cNvPr id="3151" name="그룹 3150">
+            <a:extLst>
+              <a:ext uri="{FF2B5EF4-FFF2-40B4-BE49-F238E27FC236}">
+                <a16:creationId xmlns:a16="http://schemas.microsoft.com/office/drawing/2014/main" id="{754B887A-E2A2-9FF2-2E8A-14123012F2DC}"/>
+              </a:ext>
+            </a:extLst>
+          </p:cNvPr>
+          <p:cNvGrpSpPr/>
+          <p:nvPr/>
+        </p:nvGrpSpPr>
+        <p:grpSpPr>
+          <a:xfrm>
+            <a:off x="5092125" y="1040445"/>
+            <a:ext cx="2824386" cy="2218143"/>
+            <a:chOff x="5092125" y="1040445"/>
+            <a:chExt cx="2824386" cy="2218143"/>
+          </a:xfrm>
+        </p:grpSpPr>
+        <p:sp>
+          <p:nvSpPr>
+            <p:cNvPr id="3136" name="직사각형 3135">
+              <a:extLst>
+                <a:ext uri="{FF2B5EF4-FFF2-40B4-BE49-F238E27FC236}">
+                  <a16:creationId xmlns:a16="http://schemas.microsoft.com/office/drawing/2014/main" id="{7C3C99AD-760F-72B4-6B44-EF475E5E0727}"/>
+                </a:ext>
+              </a:extLst>
+            </p:cNvPr>
+            <p:cNvSpPr>
+              <a:spLocks/>
+            </p:cNvSpPr>
+            <p:nvPr/>
+          </p:nvSpPr>
+          <p:spPr>
+            <a:xfrm>
+              <a:off x="5092126" y="1428835"/>
+              <a:ext cx="2824385" cy="1829753"/>
+            </a:xfrm>
+            <a:prstGeom prst="rect">
+              <a:avLst/>
+            </a:prstGeom>
+            <a:noFill/>
+            <a:ln w="15875">
+              <a:solidFill>
+                <a:srgbClr val="39382E"/>
+              </a:solidFill>
+            </a:ln>
+          </p:spPr>
+          <p:style>
+            <a:lnRef idx="2">
+              <a:schemeClr val="accent1">
+                <a:shade val="15000"/>
+              </a:schemeClr>
+            </a:lnRef>
+            <a:fillRef idx="1">
+              <a:schemeClr val="accent1"/>
+            </a:fillRef>
+            <a:effectRef idx="0">
+              <a:schemeClr val="accent1"/>
+            </a:effectRef>
+            <a:fontRef idx="minor">
+              <a:schemeClr val="lt1"/>
+            </a:fontRef>
+          </p:style>
+          <p:txBody>
+            <a:bodyPr rtlCol="0" anchor="ctr"/>
+            <a:lstStyle/>
+            <a:p>
+              <a:pPr algn="ctr"/>
+              <a:endParaRPr lang="ko-KR" altLang="en-US" dirty="0"/>
+            </a:p>
+          </p:txBody>
+        </p:sp>
+        <p:grpSp>
+          <p:nvGrpSpPr>
+            <p:cNvPr id="3133" name="그룹 3132">
+              <a:extLst>
+                <a:ext uri="{FF2B5EF4-FFF2-40B4-BE49-F238E27FC236}">
+                  <a16:creationId xmlns:a16="http://schemas.microsoft.com/office/drawing/2014/main" id="{E3E97D6B-6B95-EDB5-EAAB-31F405411C37}"/>
+                </a:ext>
+              </a:extLst>
+            </p:cNvPr>
+            <p:cNvGrpSpPr/>
+            <p:nvPr/>
+          </p:nvGrpSpPr>
+          <p:grpSpPr>
+            <a:xfrm>
+              <a:off x="5092125" y="1040445"/>
+              <a:ext cx="2824385" cy="392234"/>
+              <a:chOff x="2522258" y="3262193"/>
+              <a:chExt cx="2824385" cy="392234"/>
+            </a:xfrm>
+          </p:grpSpPr>
+          <p:sp>
+            <p:nvSpPr>
+              <p:cNvPr id="3134" name="직사각형 3133">
+                <a:extLst>
+                  <a:ext uri="{FF2B5EF4-FFF2-40B4-BE49-F238E27FC236}">
+                    <a16:creationId xmlns:a16="http://schemas.microsoft.com/office/drawing/2014/main" id="{2898DFF0-8EAB-C184-E01A-8E09062DAA62}"/>
+                  </a:ext>
+                </a:extLst>
+              </p:cNvPr>
+              <p:cNvSpPr>
+                <a:spLocks/>
+              </p:cNvSpPr>
+              <p:nvPr/>
+            </p:nvSpPr>
+            <p:spPr>
+              <a:xfrm>
+                <a:off x="2522258" y="3262193"/>
+                <a:ext cx="2824385" cy="392234"/>
+              </a:xfrm>
+              <a:prstGeom prst="rect">
+                <a:avLst/>
+              </a:prstGeom>
+              <a:solidFill>
+                <a:srgbClr val="3D3B30">
+                  <a:alpha val="80000"/>
+                </a:srgbClr>
+              </a:solidFill>
+              <a:ln w="15875">
+                <a:solidFill>
+                  <a:srgbClr val="39382E"/>
+                </a:solidFill>
+              </a:ln>
+            </p:spPr>
+            <p:style>
+              <a:lnRef idx="2">
+                <a:schemeClr val="accent1">
+                  <a:shade val="15000"/>
+                </a:schemeClr>
+              </a:lnRef>
+              <a:fillRef idx="1">
+                <a:schemeClr val="accent1"/>
+              </a:fillRef>
+              <a:effectRef idx="0">
+                <a:schemeClr val="accent1"/>
+              </a:effectRef>
+              <a:fontRef idx="minor">
+                <a:schemeClr val="lt1"/>
+              </a:fontRef>
+            </p:style>
+            <p:txBody>
+              <a:bodyPr rtlCol="0" anchor="ctr"/>
+              <a:lstStyle/>
+              <a:p>
+                <a:pPr algn="ctr"/>
+                <a:endParaRPr lang="ko-KR" altLang="en-US" dirty="0"/>
+              </a:p>
+            </p:txBody>
+          </p:sp>
+          <p:sp>
+            <p:nvSpPr>
+              <p:cNvPr id="3135" name="TextBox 3134">
+                <a:extLst>
+                  <a:ext uri="{FF2B5EF4-FFF2-40B4-BE49-F238E27FC236}">
+                    <a16:creationId xmlns:a16="http://schemas.microsoft.com/office/drawing/2014/main" id="{C806A15C-EEB5-706D-2648-B5A87AE1A72C}"/>
+                  </a:ext>
+                </a:extLst>
+              </p:cNvPr>
+              <p:cNvSpPr txBox="1"/>
+              <p:nvPr/>
+            </p:nvSpPr>
+            <p:spPr>
+              <a:xfrm>
+                <a:off x="3325963" y="3335200"/>
+                <a:ext cx="1217000" cy="246221"/>
+              </a:xfrm>
+              <a:prstGeom prst="rect">
+                <a:avLst/>
+              </a:prstGeom>
+              <a:noFill/>
+            </p:spPr>
+            <p:txBody>
+              <a:bodyPr wrap="none" rtlCol="0">
+                <a:spAutoFit/>
+              </a:bodyPr>
+              <a:lstStyle/>
+              <a:p>
+                <a:pPr algn="ctr"/>
+                <a:r>
+                  <a:rPr lang="ko-KR" altLang="en-US" sz="1000" b="1" dirty="0">
+                    <a:solidFill>
+                      <a:schemeClr val="bg1"/>
+                    </a:solidFill>
+                    <a:latin typeface="넥슨Lv1고딕" panose="00000500000000000000" pitchFamily="2" charset="-127"/>
+                    <a:ea typeface="넥슨Lv1고딕" panose="00000500000000000000" pitchFamily="2" charset="-127"/>
+                  </a:rPr>
+                  <a:t>다양한 전투 스타일</a:t>
+                </a:r>
+                <a:endParaRPr lang="en-US" altLang="ko-KR" sz="1000" b="1" dirty="0">
+                  <a:solidFill>
+                    <a:schemeClr val="bg1"/>
+                  </a:solidFill>
+                  <a:latin typeface="넥슨Lv1고딕" panose="00000500000000000000" pitchFamily="2" charset="-127"/>
+                  <a:ea typeface="넥슨Lv1고딕" panose="00000500000000000000" pitchFamily="2" charset="-127"/>
+                </a:endParaRPr>
+              </a:p>
+            </p:txBody>
+          </p:sp>
+        </p:grpSp>
+      </p:grpSp>
+      <p:sp>
+        <p:nvSpPr>
+          <p:cNvPr id="3146" name="TextBox 3145">
+            <a:extLst>
+              <a:ext uri="{FF2B5EF4-FFF2-40B4-BE49-F238E27FC236}">
+                <a16:creationId xmlns:a16="http://schemas.microsoft.com/office/drawing/2014/main" id="{23AE04F3-C067-B00C-4BD4-FED7507FAE35}"/>
+              </a:ext>
+            </a:extLst>
+          </p:cNvPr>
+          <p:cNvSpPr txBox="1"/>
+          <p:nvPr/>
+        </p:nvSpPr>
+        <p:spPr>
+          <a:xfrm>
+            <a:off x="8034694" y="4989450"/>
+            <a:ext cx="2727030" cy="276999"/>
+          </a:xfrm>
+          <a:prstGeom prst="rect">
+            <a:avLst/>
+          </a:prstGeom>
+          <a:noFill/>
+        </p:spPr>
+        <p:txBody>
+          <a:bodyPr wrap="none" rtlCol="0">
+            <a:spAutoFit/>
+          </a:bodyPr>
+          <a:lstStyle/>
+          <a:p>
+            <a:pPr algn="ctr"/>
+            <a:r>
+              <a:rPr lang="ko-KR" altLang="en-US" sz="1000" dirty="0">
+                <a:solidFill>
+                  <a:schemeClr val="bg1"/>
+                </a:solidFill>
+                <a:latin typeface="넥슨Lv1고딕" panose="00000500000000000000" pitchFamily="2" charset="-127"/>
+                <a:ea typeface="넥슨Lv1고딕" panose="00000500000000000000" pitchFamily="2" charset="-127"/>
+              </a:rPr>
+              <a:t>다른 </a:t>
+            </a:r>
+            <a:r>
+              <a:rPr lang="ko-KR" altLang="en-US" sz="1000" dirty="0" err="1">
+                <a:solidFill>
+                  <a:schemeClr val="bg1"/>
+                </a:solidFill>
+                <a:latin typeface="넥슨Lv1고딕" panose="00000500000000000000" pitchFamily="2" charset="-127"/>
+                <a:ea typeface="넥슨Lv1고딕" panose="00000500000000000000" pitchFamily="2" charset="-127"/>
+              </a:rPr>
+              <a:t>소울라이크</a:t>
+            </a:r>
+            <a:r>
+              <a:rPr lang="ko-KR" altLang="en-US" sz="1000" dirty="0">
+                <a:solidFill>
+                  <a:schemeClr val="bg1"/>
+                </a:solidFill>
+                <a:latin typeface="넥슨Lv1고딕" panose="00000500000000000000" pitchFamily="2" charset="-127"/>
+                <a:ea typeface="넥슨Lv1고딕" panose="00000500000000000000" pitchFamily="2" charset="-127"/>
+              </a:rPr>
+              <a:t> 장르와 </a:t>
+            </a:r>
+            <a:r>
+              <a:rPr lang="ko-KR" altLang="en-US" sz="1200" dirty="0">
+                <a:gradFill>
+                  <a:gsLst>
+                    <a:gs pos="5000">
+                      <a:srgbClr val="E8DFC2">
+                        <a:lumMod val="98000"/>
+                        <a:lumOff val="2000"/>
+                      </a:srgbClr>
+                    </a:gs>
+                    <a:gs pos="2000">
+                      <a:srgbClr val="F2EDDE"/>
+                    </a:gs>
+                    <a:gs pos="60000">
+                      <a:srgbClr val="D1B973"/>
+                    </a:gs>
+                    <a:gs pos="40000">
+                      <a:srgbClr val="E6D9B4"/>
+                    </a:gs>
+                    <a:gs pos="76000">
+                      <a:srgbClr val="D1B973"/>
+                    </a:gs>
+                    <a:gs pos="100000">
+                      <a:srgbClr val="E6D9B4"/>
+                    </a:gs>
+                  </a:gsLst>
+                  <a:path path="circle">
+                    <a:fillToRect l="50000" t="50000" r="50000" b="50000"/>
+                  </a:path>
+                </a:gradFill>
+                <a:latin typeface="넥슨Lv1고딕 Bold" panose="00000800000000000000" pitchFamily="2" charset="-127"/>
+                <a:ea typeface="넥슨Lv1고딕 Bold" panose="00000800000000000000" pitchFamily="2" charset="-127"/>
+              </a:rPr>
+              <a:t>차별화된 재미</a:t>
+            </a:r>
+            <a:r>
+              <a:rPr lang="ko-KR" altLang="en-US" sz="1200" dirty="0">
+                <a:solidFill>
+                  <a:schemeClr val="bg1"/>
+                </a:solidFill>
+                <a:latin typeface="넥슨Lv1고딕" panose="00000500000000000000" pitchFamily="2" charset="-127"/>
+                <a:ea typeface="넥슨Lv1고딕" panose="00000500000000000000" pitchFamily="2" charset="-127"/>
+              </a:rPr>
+              <a:t> </a:t>
+            </a:r>
+            <a:r>
+              <a:rPr lang="ko-KR" altLang="en-US" sz="1000" dirty="0">
+                <a:solidFill>
+                  <a:schemeClr val="bg1"/>
+                </a:solidFill>
+                <a:latin typeface="넥슨Lv1고딕" panose="00000500000000000000" pitchFamily="2" charset="-127"/>
+                <a:ea typeface="넥슨Lv1고딕" panose="00000500000000000000" pitchFamily="2" charset="-127"/>
+              </a:rPr>
+              <a:t>선사</a:t>
+            </a:r>
+            <a:endParaRPr lang="en-US" altLang="ko-KR" sz="1000" dirty="0">
+              <a:solidFill>
+                <a:schemeClr val="bg1"/>
+              </a:solidFill>
+              <a:latin typeface="넥슨Lv1고딕" panose="00000500000000000000" pitchFamily="2" charset="-127"/>
+              <a:ea typeface="넥슨Lv1고딕" panose="00000500000000000000" pitchFamily="2" charset="-127"/>
+            </a:endParaRPr>
+          </a:p>
+        </p:txBody>
+      </p:sp>
+      <p:sp>
+        <p:nvSpPr>
+          <p:cNvPr id="3148" name="TextBox 3147">
+            <a:extLst>
+              <a:ext uri="{FF2B5EF4-FFF2-40B4-BE49-F238E27FC236}">
+                <a16:creationId xmlns:a16="http://schemas.microsoft.com/office/drawing/2014/main" id="{61776440-E20F-B244-8873-C050BC63F12A}"/>
+              </a:ext>
+            </a:extLst>
+          </p:cNvPr>
+          <p:cNvSpPr txBox="1"/>
+          <p:nvPr/>
+        </p:nvSpPr>
+        <p:spPr>
+          <a:xfrm>
+            <a:off x="2005573" y="4620119"/>
+            <a:ext cx="3530134" cy="1015663"/>
+          </a:xfrm>
+          <a:prstGeom prst="rect">
+            <a:avLst/>
+          </a:prstGeom>
+          <a:noFill/>
+        </p:spPr>
+        <p:txBody>
+          <a:bodyPr wrap="none" rtlCol="0">
+            <a:spAutoFit/>
+          </a:bodyPr>
+          <a:lstStyle/>
+          <a:p>
+            <a:pPr marL="228600" indent="-228600">
+              <a:buAutoNum type="arabicPeriod"/>
+            </a:pPr>
+            <a:r>
+              <a:rPr lang="ko-KR" altLang="en-US" sz="1000" dirty="0">
+                <a:solidFill>
+                  <a:schemeClr val="bg1"/>
+                </a:solidFill>
+                <a:latin typeface="넥슨Lv1고딕" panose="00000500000000000000" pitchFamily="2" charset="-127"/>
+                <a:ea typeface="넥슨Lv1고딕" panose="00000500000000000000" pitchFamily="2" charset="-127"/>
+              </a:rPr>
+              <a:t>여러 성향의 유저 겨냥</a:t>
+            </a:r>
+            <a:br>
+              <a:rPr lang="en-US" altLang="ko-KR" sz="1000" dirty="0">
+                <a:solidFill>
+                  <a:schemeClr val="bg1"/>
+                </a:solidFill>
+                <a:latin typeface="넥슨Lv1고딕" panose="00000500000000000000" pitchFamily="2" charset="-127"/>
+                <a:ea typeface="넥슨Lv1고딕" panose="00000500000000000000" pitchFamily="2" charset="-127"/>
+              </a:rPr>
+            </a:br>
+            <a:r>
+              <a:rPr lang="ko-KR" altLang="en-US" sz="1000" dirty="0">
+                <a:solidFill>
+                  <a:schemeClr val="bg1"/>
+                </a:solidFill>
+                <a:latin typeface="넥슨Lv1고딕" panose="00000500000000000000" pitchFamily="2" charset="-127"/>
+                <a:ea typeface="넥슨Lv1고딕" panose="00000500000000000000" pitchFamily="2" charset="-127"/>
+              </a:rPr>
+              <a:t>성능이 좋은 무기</a:t>
+            </a:r>
+            <a:r>
+              <a:rPr lang="en-US" altLang="ko-KR" sz="1000" dirty="0">
+                <a:solidFill>
+                  <a:schemeClr val="bg1"/>
+                </a:solidFill>
+                <a:latin typeface="넥슨Lv1고딕" panose="00000500000000000000" pitchFamily="2" charset="-127"/>
+                <a:ea typeface="넥슨Lv1고딕" panose="00000500000000000000" pitchFamily="2" charset="-127"/>
+              </a:rPr>
+              <a:t> or </a:t>
+            </a:r>
+            <a:r>
+              <a:rPr lang="ko-KR" altLang="en-US" sz="1000" dirty="0">
+                <a:solidFill>
+                  <a:schemeClr val="bg1"/>
+                </a:solidFill>
+                <a:latin typeface="넥슨Lv1고딕" panose="00000500000000000000" pitchFamily="2" charset="-127"/>
+                <a:ea typeface="넥슨Lv1고딕" panose="00000500000000000000" pitchFamily="2" charset="-127"/>
+              </a:rPr>
+              <a:t>스킬 </a:t>
+            </a:r>
+            <a:r>
+              <a:rPr lang="en-US" altLang="ko-KR" sz="1000" dirty="0">
+                <a:solidFill>
+                  <a:schemeClr val="bg1"/>
+                </a:solidFill>
+                <a:latin typeface="넥슨Lv1고딕" panose="00000500000000000000" pitchFamily="2" charset="-127"/>
+                <a:ea typeface="넥슨Lv1고딕" panose="00000500000000000000" pitchFamily="2" charset="-127"/>
+              </a:rPr>
+              <a:t> / </a:t>
+            </a:r>
+            <a:r>
+              <a:rPr lang="ko-KR" altLang="en-US" sz="1000" dirty="0">
+                <a:solidFill>
+                  <a:schemeClr val="bg1"/>
+                </a:solidFill>
+                <a:latin typeface="넥슨Lv1고딕" panose="00000500000000000000" pitchFamily="2" charset="-127"/>
+                <a:ea typeface="넥슨Lv1고딕" panose="00000500000000000000" pitchFamily="2" charset="-127"/>
+              </a:rPr>
+              <a:t>애정도가 높은 무기</a:t>
+            </a:r>
+            <a:r>
+              <a:rPr lang="en-US" altLang="ko-KR" sz="1000" dirty="0">
+                <a:solidFill>
+                  <a:schemeClr val="bg1"/>
+                </a:solidFill>
+                <a:latin typeface="넥슨Lv1고딕" panose="00000500000000000000" pitchFamily="2" charset="-127"/>
+                <a:ea typeface="넥슨Lv1고딕" panose="00000500000000000000" pitchFamily="2" charset="-127"/>
+              </a:rPr>
+              <a:t> or </a:t>
+            </a:r>
+            <a:r>
+              <a:rPr lang="ko-KR" altLang="en-US" sz="1000" dirty="0">
+                <a:solidFill>
+                  <a:schemeClr val="bg1"/>
+                </a:solidFill>
+                <a:latin typeface="넥슨Lv1고딕" panose="00000500000000000000" pitchFamily="2" charset="-127"/>
+                <a:ea typeface="넥슨Lv1고딕" panose="00000500000000000000" pitchFamily="2" charset="-127"/>
+              </a:rPr>
+              <a:t>스킬</a:t>
+            </a:r>
+            <a:endParaRPr lang="en-US" altLang="ko-KR" sz="1000" dirty="0">
+              <a:solidFill>
+                <a:schemeClr val="bg1"/>
+              </a:solidFill>
+              <a:latin typeface="넥슨Lv1고딕" panose="00000500000000000000" pitchFamily="2" charset="-127"/>
+              <a:ea typeface="넥슨Lv1고딕" panose="00000500000000000000" pitchFamily="2" charset="-127"/>
+            </a:endParaRPr>
+          </a:p>
+          <a:p>
+            <a:pPr marL="228600" indent="-228600">
+              <a:buAutoNum type="arabicPeriod"/>
+            </a:pPr>
+            <a:endParaRPr lang="en-US" altLang="ko-KR" sz="1000" dirty="0">
+              <a:solidFill>
+                <a:schemeClr val="bg1"/>
+              </a:solidFill>
+              <a:latin typeface="넥슨Lv1고딕" panose="00000500000000000000" pitchFamily="2" charset="-127"/>
+              <a:ea typeface="넥슨Lv1고딕" panose="00000500000000000000" pitchFamily="2" charset="-127"/>
+            </a:endParaRPr>
+          </a:p>
+          <a:p>
+            <a:pPr marL="228600" indent="-228600">
+              <a:buAutoNum type="arabicPeriod"/>
+            </a:pPr>
+            <a:r>
+              <a:rPr lang="ko-KR" altLang="en-US" sz="1000" dirty="0">
+                <a:solidFill>
+                  <a:schemeClr val="bg1"/>
+                </a:solidFill>
+                <a:latin typeface="넥슨Lv1고딕" panose="00000500000000000000" pitchFamily="2" charset="-127"/>
+                <a:ea typeface="넥슨Lv1고딕" panose="00000500000000000000" pitchFamily="2" charset="-127"/>
+              </a:rPr>
+              <a:t>무기와 전회의 조합으로 다양한 전투 스타일 </a:t>
+            </a:r>
+            <a:endParaRPr lang="en-US" altLang="ko-KR" sz="1000" dirty="0">
+              <a:solidFill>
+                <a:schemeClr val="bg1"/>
+              </a:solidFill>
+              <a:latin typeface="넥슨Lv1고딕" panose="00000500000000000000" pitchFamily="2" charset="-127"/>
+              <a:ea typeface="넥슨Lv1고딕" panose="00000500000000000000" pitchFamily="2" charset="-127"/>
+            </a:endParaRPr>
+          </a:p>
+          <a:p>
+            <a:pPr marL="228600" indent="-228600">
+              <a:buAutoNum type="arabicPeriod"/>
+            </a:pPr>
+            <a:endParaRPr lang="en-US" altLang="ko-KR" sz="1000" dirty="0">
+              <a:solidFill>
+                <a:schemeClr val="bg1"/>
+              </a:solidFill>
+              <a:latin typeface="넥슨Lv1고딕" panose="00000500000000000000" pitchFamily="2" charset="-127"/>
+              <a:ea typeface="넥슨Lv1고딕" panose="00000500000000000000" pitchFamily="2" charset="-127"/>
+            </a:endParaRPr>
+          </a:p>
+          <a:p>
+            <a:pPr marL="228600" indent="-228600">
+              <a:buAutoNum type="arabicPeriod"/>
+            </a:pPr>
+            <a:r>
+              <a:rPr lang="ko-KR" altLang="en-US" sz="1000" dirty="0">
+                <a:solidFill>
+                  <a:schemeClr val="bg1"/>
+                </a:solidFill>
+                <a:latin typeface="넥슨Lv1고딕" panose="00000500000000000000" pitchFamily="2" charset="-127"/>
+                <a:ea typeface="넥슨Lv1고딕" panose="00000500000000000000" pitchFamily="2" charset="-127"/>
+              </a:rPr>
+              <a:t>게임 속 세상과 더 많은 상호작용으로 인한 </a:t>
+            </a:r>
+            <a:r>
+              <a:rPr lang="ko-KR" altLang="en-US" sz="1000" dirty="0" err="1">
+                <a:solidFill>
+                  <a:schemeClr val="bg1"/>
+                </a:solidFill>
+                <a:latin typeface="넥슨Lv1고딕" panose="00000500000000000000" pitchFamily="2" charset="-127"/>
+                <a:ea typeface="넥슨Lv1고딕" panose="00000500000000000000" pitchFamily="2" charset="-127"/>
+              </a:rPr>
+              <a:t>몰입감</a:t>
+            </a:r>
+            <a:r>
+              <a:rPr lang="ko-KR" altLang="en-US" sz="1000" dirty="0">
+                <a:solidFill>
+                  <a:schemeClr val="bg1"/>
+                </a:solidFill>
+                <a:latin typeface="넥슨Lv1고딕" panose="00000500000000000000" pitchFamily="2" charset="-127"/>
+                <a:ea typeface="넥슨Lv1고딕" panose="00000500000000000000" pitchFamily="2" charset="-127"/>
+              </a:rPr>
+              <a:t> 향상</a:t>
+            </a:r>
+            <a:endParaRPr lang="en-US" altLang="ko-KR" sz="1000" dirty="0">
+              <a:solidFill>
+                <a:schemeClr val="bg1"/>
+              </a:solidFill>
+              <a:latin typeface="넥슨Lv1고딕" panose="00000500000000000000" pitchFamily="2" charset="-127"/>
+              <a:ea typeface="넥슨Lv1고딕" panose="00000500000000000000" pitchFamily="2" charset="-127"/>
+            </a:endParaRPr>
+          </a:p>
+        </p:txBody>
+      </p:sp>
+      <p:sp>
+        <p:nvSpPr>
+          <p:cNvPr id="3150" name="화살표: 오른쪽 3149">
+            <a:extLst>
+              <a:ext uri="{FF2B5EF4-FFF2-40B4-BE49-F238E27FC236}">
+                <a16:creationId xmlns:a16="http://schemas.microsoft.com/office/drawing/2014/main" id="{A2D04C6C-3AAA-83C3-A8D5-39808BFB3E18}"/>
+              </a:ext>
+            </a:extLst>
+          </p:cNvPr>
+          <p:cNvSpPr/>
+          <p:nvPr/>
+        </p:nvSpPr>
+        <p:spPr>
+          <a:xfrm>
+            <a:off x="5895820" y="4885633"/>
+            <a:ext cx="978408" cy="484632"/>
+          </a:xfrm>
+          <a:prstGeom prst="rightArrow">
+            <a:avLst/>
+          </a:prstGeom>
+        </p:spPr>
+        <p:style>
+          <a:lnRef idx="2">
+            <a:schemeClr val="accent1">
+              <a:shade val="15000"/>
+            </a:schemeClr>
+          </a:lnRef>
+          <a:fillRef idx="1">
+            <a:schemeClr val="accent1"/>
+          </a:fillRef>
+          <a:effectRef idx="0">
+            <a:schemeClr val="accent1"/>
+          </a:effectRef>
+          <a:fontRef idx="minor">
+            <a:schemeClr val="lt1"/>
+          </a:fontRef>
+        </p:style>
+        <p:txBody>
+          <a:bodyPr rtlCol="0" anchor="ctr"/>
+          <a:lstStyle/>
+          <a:p>
+            <a:pPr algn="ctr"/>
+            <a:endParaRPr lang="ko-KR" altLang="en-US"/>
+          </a:p>
+        </p:txBody>
+      </p:sp>
+      <p:sp>
+        <p:nvSpPr>
+          <p:cNvPr id="3152" name="TextBox 3151">
+            <a:extLst>
+              <a:ext uri="{FF2B5EF4-FFF2-40B4-BE49-F238E27FC236}">
+                <a16:creationId xmlns:a16="http://schemas.microsoft.com/office/drawing/2014/main" id="{0661C97E-146B-B3DE-1D79-F4D7F8887372}"/>
+              </a:ext>
+            </a:extLst>
+          </p:cNvPr>
+          <p:cNvSpPr txBox="1"/>
+          <p:nvPr/>
+        </p:nvSpPr>
+        <p:spPr>
+          <a:xfrm>
+            <a:off x="5593321" y="3972043"/>
+            <a:ext cx="4214615" cy="246221"/>
+          </a:xfrm>
+          <a:prstGeom prst="rect">
+            <a:avLst/>
+          </a:prstGeom>
+          <a:noFill/>
+        </p:spPr>
+        <p:txBody>
+          <a:bodyPr wrap="none" rtlCol="0">
+            <a:spAutoFit/>
+          </a:bodyPr>
+          <a:lstStyle/>
+          <a:p>
+            <a:r>
+              <a:rPr lang="ko-KR" altLang="en-US" sz="1000" dirty="0">
+                <a:solidFill>
+                  <a:schemeClr val="bg1"/>
+                </a:solidFill>
+                <a:latin typeface="넥슨Lv1고딕" panose="00000500000000000000" pitchFamily="2" charset="-127"/>
+                <a:ea typeface="넥슨Lv1고딕" panose="00000500000000000000" pitchFamily="2" charset="-127"/>
+              </a:rPr>
+              <a:t>전투 컨텐츠에 맞는 전회를 사용하여 컨텐츠가 주는 재미를 극대화합니다</a:t>
+            </a:r>
+            <a:r>
+              <a:rPr lang="en-US" altLang="ko-KR" sz="1000" dirty="0">
+                <a:solidFill>
+                  <a:schemeClr val="bg1"/>
+                </a:solidFill>
+                <a:latin typeface="넥슨Lv1고딕" panose="00000500000000000000" pitchFamily="2" charset="-127"/>
+                <a:ea typeface="넥슨Lv1고딕" panose="00000500000000000000" pitchFamily="2" charset="-127"/>
+              </a:rPr>
+              <a:t>.</a:t>
+            </a:r>
+          </a:p>
+        </p:txBody>
+      </p:sp>
+      <p:sp>
+        <p:nvSpPr>
+          <p:cNvPr id="3155" name="TextBox 3154">
+            <a:extLst>
+              <a:ext uri="{FF2B5EF4-FFF2-40B4-BE49-F238E27FC236}">
+                <a16:creationId xmlns:a16="http://schemas.microsoft.com/office/drawing/2014/main" id="{C82698C3-D087-5721-1145-5A66863447A4}"/>
+              </a:ext>
+            </a:extLst>
+          </p:cNvPr>
+          <p:cNvSpPr txBox="1"/>
+          <p:nvPr/>
+        </p:nvSpPr>
+        <p:spPr>
+          <a:xfrm>
+            <a:off x="2681465" y="3387485"/>
+            <a:ext cx="1497526" cy="400110"/>
+          </a:xfrm>
+          <a:prstGeom prst="rect">
+            <a:avLst/>
+          </a:prstGeom>
+          <a:noFill/>
+        </p:spPr>
+        <p:txBody>
+          <a:bodyPr wrap="none" rtlCol="0">
+            <a:spAutoFit/>
+          </a:bodyPr>
+          <a:lstStyle/>
+          <a:p>
+            <a:pPr algn="ctr"/>
+            <a:r>
+              <a:rPr lang="ko-KR" altLang="en-US" sz="1000" dirty="0">
+                <a:solidFill>
+                  <a:schemeClr val="bg1"/>
+                </a:solidFill>
+                <a:latin typeface="넥슨Lv1고딕" panose="00000500000000000000" pitchFamily="2" charset="-127"/>
+                <a:ea typeface="넥슨Lv1고딕" panose="00000500000000000000" pitchFamily="2" charset="-127"/>
+              </a:rPr>
+              <a:t>좋은 성능 </a:t>
+            </a:r>
+            <a:r>
+              <a:rPr lang="en-US" altLang="ko-KR" sz="1000" dirty="0">
+                <a:solidFill>
+                  <a:schemeClr val="bg1"/>
+                </a:solidFill>
+                <a:latin typeface="넥슨Lv1고딕" panose="00000500000000000000" pitchFamily="2" charset="-127"/>
+                <a:ea typeface="넥슨Lv1고딕" panose="00000500000000000000" pitchFamily="2" charset="-127"/>
+              </a:rPr>
+              <a:t>vs </a:t>
+            </a:r>
+            <a:r>
+              <a:rPr lang="ko-KR" altLang="en-US" sz="1000" dirty="0">
+                <a:solidFill>
+                  <a:schemeClr val="bg1"/>
+                </a:solidFill>
+                <a:latin typeface="넥슨Lv1고딕" panose="00000500000000000000" pitchFamily="2" charset="-127"/>
+                <a:ea typeface="넥슨Lv1고딕" panose="00000500000000000000" pitchFamily="2" charset="-127"/>
+              </a:rPr>
+              <a:t>높은 애정</a:t>
+            </a:r>
+            <a:r>
+              <a:rPr lang="en-US" altLang="ko-KR" sz="1000" dirty="0">
+                <a:solidFill>
+                  <a:schemeClr val="bg1"/>
+                </a:solidFill>
+                <a:latin typeface="넥슨Lv1고딕" panose="00000500000000000000" pitchFamily="2" charset="-127"/>
+                <a:ea typeface="넥슨Lv1고딕" panose="00000500000000000000" pitchFamily="2" charset="-127"/>
+              </a:rPr>
+              <a:t>]</a:t>
+            </a:r>
+          </a:p>
+          <a:p>
+            <a:pPr algn="ctr"/>
+            <a:r>
+              <a:rPr lang="ko-KR" altLang="en-US" sz="1000" dirty="0" err="1">
+                <a:solidFill>
+                  <a:schemeClr val="bg1"/>
+                </a:solidFill>
+                <a:latin typeface="넥슨Lv1고딕" panose="00000500000000000000" pitchFamily="2" charset="-127"/>
+                <a:ea typeface="넥슨Lv1고딕" panose="00000500000000000000" pitchFamily="2" charset="-127"/>
+              </a:rPr>
+              <a:t>입문자</a:t>
+            </a:r>
+            <a:r>
+              <a:rPr lang="ko-KR" altLang="en-US" sz="1000" dirty="0">
+                <a:solidFill>
+                  <a:schemeClr val="bg1"/>
+                </a:solidFill>
+                <a:latin typeface="넥슨Lv1고딕" panose="00000500000000000000" pitchFamily="2" charset="-127"/>
+                <a:ea typeface="넥슨Lv1고딕" panose="00000500000000000000" pitchFamily="2" charset="-127"/>
+              </a:rPr>
+              <a:t> </a:t>
+            </a:r>
+            <a:r>
+              <a:rPr lang="en-US" altLang="ko-KR" sz="1000" dirty="0">
+                <a:solidFill>
+                  <a:schemeClr val="bg1"/>
+                </a:solidFill>
+                <a:latin typeface="넥슨Lv1고딕" panose="00000500000000000000" pitchFamily="2" charset="-127"/>
+                <a:ea typeface="넥슨Lv1고딕" panose="00000500000000000000" pitchFamily="2" charset="-127"/>
+              </a:rPr>
+              <a:t>vs </a:t>
+            </a:r>
+            <a:r>
+              <a:rPr lang="ko-KR" altLang="en-US" sz="1000" dirty="0" err="1">
+                <a:solidFill>
+                  <a:schemeClr val="bg1"/>
+                </a:solidFill>
+                <a:latin typeface="넥슨Lv1고딕" panose="00000500000000000000" pitchFamily="2" charset="-127"/>
+                <a:ea typeface="넥슨Lv1고딕" panose="00000500000000000000" pitchFamily="2" charset="-127"/>
+              </a:rPr>
+              <a:t>숙련자</a:t>
+            </a:r>
+            <a:endParaRPr lang="en-US" altLang="ko-KR" sz="1000" dirty="0">
+              <a:solidFill>
+                <a:schemeClr val="bg1"/>
+              </a:solidFill>
+              <a:latin typeface="넥슨Lv1고딕" panose="00000500000000000000" pitchFamily="2" charset="-127"/>
+              <a:ea typeface="넥슨Lv1고딕" panose="00000500000000000000" pitchFamily="2" charset="-127"/>
+            </a:endParaRPr>
+          </a:p>
+        </p:txBody>
+      </p:sp>
+    </p:spTree>
+    <p:extLst>
+      <p:ext uri="{BB962C8B-B14F-4D97-AF65-F5344CB8AC3E}">
+        <p14:creationId xmlns:p14="http://schemas.microsoft.com/office/powerpoint/2010/main" val="3772740056"/>
+      </p:ext>
+    </p:extLst>
+  </p:cSld>
+  <p:clrMapOvr>
+    <a:masterClrMapping/>
+  </p:clrMapOvr>
+</p:sld>
+</file>
+
+<file path=ppt/slides/slide5.xml><?xml version="1.0" encoding="utf-8"?>
+<p:sld xmlns:a="http://schemas.openxmlformats.org/drawingml/2006/main" xmlns:r="http://schemas.openxmlformats.org/officeDocument/2006/relationships" xmlns:p="http://schemas.openxmlformats.org/presentationml/2006/main">
+  <p:cSld>
+    <p:spTree>
+      <p:nvGrpSpPr>
+        <p:cNvPr id="1" name=""/>
+        <p:cNvGrpSpPr/>
+        <p:nvPr/>
+      </p:nvGrpSpPr>
+      <p:grpSpPr>
+        <a:xfrm>
+          <a:off x="0" y="0"/>
+          <a:ext cx="0" cy="0"/>
+          <a:chOff x="0" y="0"/>
+          <a:chExt cx="0" cy="0"/>
+        </a:xfrm>
+      </p:grpSpPr>
+      <p:sp>
+        <p:nvSpPr>
+          <p:cNvPr id="22" name="슬라이드 번호 개체 틀 21">
+            <a:extLst>
+              <a:ext uri="{FF2B5EF4-FFF2-40B4-BE49-F238E27FC236}">
+                <a16:creationId xmlns:a16="http://schemas.microsoft.com/office/drawing/2014/main" id="{90D289AE-0582-ACB5-D7DF-D047A2950AA8}"/>
+              </a:ext>
+            </a:extLst>
+          </p:cNvPr>
+          <p:cNvSpPr>
+            <a:spLocks noGrp="1"/>
+          </p:cNvSpPr>
+          <p:nvPr>
+            <p:ph type="sldNum" sz="quarter" idx="4"/>
+          </p:nvPr>
+        </p:nvSpPr>
+        <p:spPr/>
+        <p:txBody>
+          <a:bodyPr/>
+          <a:lstStyle/>
+          <a:p>
+            <a:r>
+              <a:rPr lang="en-US" altLang="ko-KR" dirty="0"/>
+              <a:t>p. </a:t>
+            </a:r>
+            <a:fld id="{1F335F12-2F84-4C53-9DF5-2927535D2C2D}" type="slidenum">
+              <a:rPr lang="ko-KR" altLang="en-US" smtClean="0"/>
+              <a:pPr/>
+              <a:t>5</a:t>
+            </a:fld>
+            <a:r>
+              <a:rPr lang="en-US" altLang="ko-KR" dirty="0"/>
+              <a:t>/20</a:t>
+            </a:r>
+            <a:endParaRPr lang="ko-KR" altLang="en-US" dirty="0"/>
+          </a:p>
+        </p:txBody>
+      </p:sp>
+      <p:grpSp>
+        <p:nvGrpSpPr>
+          <p:cNvPr id="5" name="그룹 4">
+            <a:extLst>
+              <a:ext uri="{FF2B5EF4-FFF2-40B4-BE49-F238E27FC236}">
+                <a16:creationId xmlns:a16="http://schemas.microsoft.com/office/drawing/2014/main" id="{F9F2CC47-802D-204A-0C3A-FDC2C897CF32}"/>
+              </a:ext>
+            </a:extLst>
+          </p:cNvPr>
+          <p:cNvGrpSpPr/>
+          <p:nvPr/>
+        </p:nvGrpSpPr>
+        <p:grpSpPr>
+          <a:xfrm>
+            <a:off x="1595120" y="219855"/>
+            <a:ext cx="10596880" cy="392234"/>
+            <a:chOff x="1595120" y="219855"/>
+            <a:chExt cx="10596880" cy="392234"/>
+          </a:xfrm>
+        </p:grpSpPr>
+        <p:grpSp>
+          <p:nvGrpSpPr>
+            <p:cNvPr id="4" name="그룹 3">
+              <a:extLst>
+                <a:ext uri="{FF2B5EF4-FFF2-40B4-BE49-F238E27FC236}">
+                  <a16:creationId xmlns:a16="http://schemas.microsoft.com/office/drawing/2014/main" id="{E0442B5F-0C67-0392-9941-4E47F3013860}"/>
+                </a:ext>
+              </a:extLst>
+            </p:cNvPr>
+            <p:cNvGrpSpPr/>
+            <p:nvPr/>
+          </p:nvGrpSpPr>
+          <p:grpSpPr>
+            <a:xfrm>
+              <a:off x="1595120" y="219855"/>
+              <a:ext cx="10596880" cy="392234"/>
+              <a:chOff x="1595120" y="219855"/>
+              <a:chExt cx="10596880" cy="392234"/>
+            </a:xfrm>
+          </p:grpSpPr>
+          <p:sp>
+            <p:nvSpPr>
+              <p:cNvPr id="50" name="직사각형 49">
+                <a:extLst>
+                  <a:ext uri="{FF2B5EF4-FFF2-40B4-BE49-F238E27FC236}">
+                    <a16:creationId xmlns:a16="http://schemas.microsoft.com/office/drawing/2014/main" id="{18E75AE0-0CC8-DDFD-A838-2520BF641D05}"/>
+                  </a:ext>
+                </a:extLst>
+              </p:cNvPr>
+              <p:cNvSpPr>
+                <a:spLocks/>
+              </p:cNvSpPr>
+              <p:nvPr/>
+            </p:nvSpPr>
+            <p:spPr>
+              <a:xfrm>
+                <a:off x="1595120" y="219855"/>
+                <a:ext cx="10596880" cy="392234"/>
+              </a:xfrm>
+              <a:prstGeom prst="rect">
+                <a:avLst/>
+              </a:prstGeom>
+              <a:gradFill flip="none" rotWithShape="1">
+                <a:gsLst>
+                  <a:gs pos="58000">
+                    <a:srgbClr val="464437">
+                      <a:alpha val="70000"/>
+                    </a:srgbClr>
+                  </a:gs>
+                  <a:gs pos="2000">
+                    <a:srgbClr val="464437">
+                      <a:alpha val="80000"/>
+                    </a:srgbClr>
+                  </a:gs>
+                  <a:gs pos="100000">
+                    <a:srgbClr val="48443A">
+                      <a:alpha val="30000"/>
+                    </a:srgbClr>
+                  </a:gs>
+                </a:gsLst>
+                <a:lin ang="0" scaled="1"/>
+                <a:tileRect/>
+              </a:gradFill>
+              <a:ln>
+                <a:noFill/>
+              </a:ln>
+            </p:spPr>
+            <p:style>
+              <a:lnRef idx="2">
+                <a:schemeClr val="accent1">
+                  <a:shade val="15000"/>
+                </a:schemeClr>
+              </a:lnRef>
+              <a:fillRef idx="1">
+                <a:schemeClr val="accent1"/>
+              </a:fillRef>
+              <a:effectRef idx="0">
+                <a:schemeClr val="accent1"/>
+              </a:effectRef>
+              <a:fontRef idx="minor">
+                <a:schemeClr val="lt1"/>
+              </a:fontRef>
+            </p:style>
+            <p:txBody>
+              <a:bodyPr rtlCol="0" anchor="ctr"/>
+              <a:lstStyle/>
+              <a:p>
+                <a:pPr algn="ctr"/>
+                <a:endParaRPr lang="ko-KR" altLang="en-US" dirty="0"/>
+              </a:p>
+            </p:txBody>
+          </p:sp>
+          <p:cxnSp>
+            <p:nvCxnSpPr>
+              <p:cNvPr id="8" name="직선 연결선 7">
+                <a:extLst>
+                  <a:ext uri="{FF2B5EF4-FFF2-40B4-BE49-F238E27FC236}">
+                    <a16:creationId xmlns:a16="http://schemas.microsoft.com/office/drawing/2014/main" id="{D23C8A04-CEC4-1D92-9982-792BC1C41948}"/>
+                  </a:ext>
+                </a:extLst>
+              </p:cNvPr>
+              <p:cNvCxnSpPr>
+                <a:cxnSpLocks/>
+              </p:cNvCxnSpPr>
+              <p:nvPr/>
+            </p:nvCxnSpPr>
+            <p:spPr>
+              <a:xfrm>
+                <a:off x="1595120" y="588667"/>
+                <a:ext cx="10596880" cy="0"/>
+              </a:xfrm>
+              <a:prstGeom prst="line">
+                <a:avLst/>
+              </a:prstGeom>
+              <a:ln w="28575">
+                <a:gradFill flip="none" rotWithShape="1">
+                  <a:gsLst>
+                    <a:gs pos="0">
+                      <a:srgbClr val="464437">
+                        <a:alpha val="70000"/>
+                      </a:srgbClr>
+                    </a:gs>
+                    <a:gs pos="47000">
+                      <a:srgbClr val="464437">
+                        <a:alpha val="50000"/>
+                      </a:srgbClr>
+                    </a:gs>
+                    <a:gs pos="83000">
+                      <a:srgbClr val="464437">
+                        <a:alpha val="50000"/>
+                      </a:srgbClr>
+                    </a:gs>
+                    <a:gs pos="100000">
+                      <a:srgbClr val="464437">
+                        <a:alpha val="0"/>
+                      </a:srgbClr>
+                    </a:gs>
+                  </a:gsLst>
+                  <a:path path="circle">
+                    <a:fillToRect l="50000" t="50000" r="50000" b="50000"/>
+                  </a:path>
+                  <a:tileRect/>
+                </a:gradFill>
+              </a:ln>
+            </p:spPr>
+            <p:style>
+              <a:lnRef idx="2">
+                <a:schemeClr val="accent1"/>
+              </a:lnRef>
+              <a:fillRef idx="0">
+                <a:schemeClr val="accent1"/>
+              </a:fillRef>
+              <a:effectRef idx="1">
+                <a:schemeClr val="accent1"/>
+              </a:effectRef>
+              <a:fontRef idx="minor">
+                <a:schemeClr val="tx1"/>
+              </a:fontRef>
+            </p:style>
+          </p:cxnSp>
+        </p:grpSp>
+        <p:sp>
+          <p:nvSpPr>
+            <p:cNvPr id="51" name="TextBox 50">
+              <a:extLst>
+                <a:ext uri="{FF2B5EF4-FFF2-40B4-BE49-F238E27FC236}">
+                  <a16:creationId xmlns:a16="http://schemas.microsoft.com/office/drawing/2014/main" id="{B7655D1D-E793-35FA-6F39-9F5166483300}"/>
+                </a:ext>
+              </a:extLst>
+            </p:cNvPr>
+            <p:cNvSpPr txBox="1">
+              <a:spLocks/>
+            </p:cNvSpPr>
+            <p:nvPr/>
+          </p:nvSpPr>
+          <p:spPr>
+            <a:xfrm>
+              <a:off x="1704516" y="246695"/>
+              <a:ext cx="1051891" cy="338554"/>
+            </a:xfrm>
+            <a:prstGeom prst="rect">
+              <a:avLst/>
+            </a:prstGeom>
+            <a:noFill/>
+            <a:ln w="6350">
+              <a:noFill/>
+            </a:ln>
+          </p:spPr>
+          <p:txBody>
+            <a:bodyPr wrap="none" rtlCol="0">
+              <a:spAutoFit/>
+            </a:bodyPr>
+            <a:lstStyle/>
+            <a:p>
+              <a:r>
+                <a:rPr lang="ko-KR" altLang="en-US" sz="1600" dirty="0">
+                  <a:solidFill>
+                    <a:schemeClr val="bg1"/>
+                  </a:solidFill>
+                  <a:effectLst>
+                    <a:glow rad="101600">
+                      <a:schemeClr val="tx1">
+                        <a:alpha val="60000"/>
+                      </a:schemeClr>
+                    </a:glow>
+                  </a:effectLst>
+                  <a:latin typeface="빛의 계승자 Bold" panose="020B0600000101010101" pitchFamily="50" charset="-127"/>
+                  <a:ea typeface="빛의 계승자 Bold" panose="020B0600000101010101" pitchFamily="50" charset="-127"/>
+                </a:rPr>
+                <a:t>기획 의도</a:t>
+              </a:r>
+            </a:p>
+          </p:txBody>
+        </p:sp>
+      </p:grpSp>
+      <p:sp>
+        <p:nvSpPr>
+          <p:cNvPr id="54" name="페이지 표시">
+            <a:extLst>
+              <a:ext uri="{FF2B5EF4-FFF2-40B4-BE49-F238E27FC236}">
+                <a16:creationId xmlns:a16="http://schemas.microsoft.com/office/drawing/2014/main" id="{A6E207D9-0014-1589-6D7E-99CF876B7CA0}"/>
+              </a:ext>
+            </a:extLst>
+          </p:cNvPr>
+          <p:cNvSpPr txBox="1">
+            <a:spLocks/>
+          </p:cNvSpPr>
+          <p:nvPr/>
+        </p:nvSpPr>
+        <p:spPr>
+          <a:xfrm>
+            <a:off x="10482994" y="6696766"/>
+            <a:ext cx="835165" cy="123111"/>
+          </a:xfrm>
+          <a:prstGeom prst="rect">
+            <a:avLst/>
+          </a:prstGeom>
+          <a:noFill/>
+        </p:spPr>
+        <p:txBody>
+          <a:bodyPr wrap="none" lIns="0" tIns="0" rIns="0" bIns="0" rtlCol="0" anchor="ctr" anchorCtr="0">
+            <a:spAutoFit/>
+          </a:bodyPr>
+          <a:lstStyle/>
+          <a:p>
+            <a:pPr algn="r"/>
+            <a:r>
+              <a:rPr lang="en-US" altLang="ko-KR" sz="800" i="1" dirty="0">
+                <a:solidFill>
+                  <a:schemeClr val="bg1"/>
+                </a:solidFill>
+                <a:latin typeface="빛의 계승자 Bold" panose="020B0600000101010101" pitchFamily="50" charset="-127"/>
+                <a:ea typeface="빛의 계승자 Bold" panose="020B0600000101010101" pitchFamily="50" charset="-127"/>
+              </a:rPr>
+              <a:t>1.</a:t>
+            </a:r>
+            <a:r>
+              <a:rPr lang="ko-KR" altLang="en-US" sz="800" i="1" dirty="0">
+                <a:solidFill>
+                  <a:schemeClr val="bg1"/>
+                </a:solidFill>
+                <a:latin typeface="빛의 계승자 Bold" panose="020B0600000101010101" pitchFamily="50" charset="-127"/>
+                <a:ea typeface="빛의 계승자 Bold" panose="020B0600000101010101" pitchFamily="50" charset="-127"/>
+              </a:rPr>
+              <a:t>개요 </a:t>
+            </a:r>
+            <a:r>
+              <a:rPr lang="en-US" altLang="ko-KR" sz="800" i="1" dirty="0">
+                <a:solidFill>
+                  <a:schemeClr val="bg1"/>
+                </a:solidFill>
+                <a:latin typeface="빛의 계승자 Bold" panose="020B0600000101010101" pitchFamily="50" charset="-127"/>
+                <a:ea typeface="빛의 계승자 Bold" panose="020B0600000101010101" pitchFamily="50" charset="-127"/>
+              </a:rPr>
+              <a:t>- </a:t>
+            </a:r>
+            <a:r>
+              <a:rPr lang="ko-KR" altLang="en-US" sz="800" i="1" dirty="0">
+                <a:solidFill>
+                  <a:schemeClr val="bg1"/>
+                </a:solidFill>
+                <a:latin typeface="빛의 계승자 Bold" panose="020B0600000101010101" pitchFamily="50" charset="-127"/>
+                <a:ea typeface="빛의 계승자 Bold" panose="020B0600000101010101" pitchFamily="50" charset="-127"/>
+              </a:rPr>
+              <a:t>기획 의도</a:t>
+            </a:r>
+            <a:endParaRPr lang="en-US" altLang="ko-KR" sz="800" i="1" dirty="0">
+              <a:solidFill>
+                <a:schemeClr val="bg1"/>
+              </a:solidFill>
+              <a:latin typeface="빛의 계승자 Bold" panose="020B0600000101010101" pitchFamily="50" charset="-127"/>
+              <a:ea typeface="빛의 계승자 Bold" panose="020B0600000101010101" pitchFamily="50" charset="-127"/>
+            </a:endParaRPr>
+          </a:p>
+        </p:txBody>
+      </p:sp>
+      <p:sp>
+        <p:nvSpPr>
+          <p:cNvPr id="25" name="직사각형 24">
+            <a:extLst>
+              <a:ext uri="{FF2B5EF4-FFF2-40B4-BE49-F238E27FC236}">
+                <a16:creationId xmlns:a16="http://schemas.microsoft.com/office/drawing/2014/main" id="{16734103-FEBB-0560-013E-3922ED28C3F9}"/>
+              </a:ext>
+            </a:extLst>
+          </p:cNvPr>
+          <p:cNvSpPr>
+            <a:spLocks/>
+          </p:cNvSpPr>
+          <p:nvPr/>
+        </p:nvSpPr>
+        <p:spPr>
+          <a:xfrm>
+            <a:off x="11909965" y="988246"/>
+            <a:ext cx="46800" cy="4896000"/>
+          </a:xfrm>
+          <a:prstGeom prst="rect">
+            <a:avLst/>
+          </a:prstGeom>
+          <a:solidFill>
+            <a:srgbClr val="676555"/>
+          </a:solidFill>
+          <a:ln>
+            <a:noFill/>
+          </a:ln>
+        </p:spPr>
+        <p:style>
+          <a:lnRef idx="2">
+            <a:schemeClr val="accent1">
+              <a:shade val="15000"/>
+            </a:schemeClr>
+          </a:lnRef>
+          <a:fillRef idx="1">
+            <a:schemeClr val="accent1"/>
+          </a:fillRef>
+          <a:effectRef idx="0">
+            <a:schemeClr val="accent1"/>
+          </a:effectRef>
+          <a:fontRef idx="minor">
+            <a:schemeClr val="lt1"/>
+          </a:fontRef>
+        </p:style>
+        <p:txBody>
+          <a:bodyPr rtlCol="0" anchor="ctr"/>
+          <a:lstStyle/>
+          <a:p>
+            <a:pPr algn="ctr"/>
+            <a:endParaRPr lang="ko-KR" altLang="en-US"/>
+          </a:p>
+        </p:txBody>
+      </p:sp>
+      <p:sp>
+        <p:nvSpPr>
+          <p:cNvPr id="3095" name="직사각형 3094">
+            <a:extLst>
+              <a:ext uri="{FF2B5EF4-FFF2-40B4-BE49-F238E27FC236}">
+                <a16:creationId xmlns:a16="http://schemas.microsoft.com/office/drawing/2014/main" id="{82F95959-961B-DB06-62EA-58592830B0EE}"/>
+              </a:ext>
+            </a:extLst>
+          </p:cNvPr>
+          <p:cNvSpPr>
+            <a:spLocks/>
+          </p:cNvSpPr>
+          <p:nvPr/>
+        </p:nvSpPr>
+        <p:spPr>
+          <a:xfrm>
+            <a:off x="2005574" y="1428835"/>
+            <a:ext cx="2824385" cy="3427645"/>
+          </a:xfrm>
+          <a:prstGeom prst="rect">
+            <a:avLst/>
+          </a:prstGeom>
+          <a:noFill/>
+          <a:ln w="15875">
+            <a:solidFill>
+              <a:srgbClr val="39382E"/>
+            </a:solidFill>
+          </a:ln>
+        </p:spPr>
+        <p:style>
+          <a:lnRef idx="2">
+            <a:schemeClr val="accent1">
+              <a:shade val="15000"/>
+            </a:schemeClr>
+          </a:lnRef>
+          <a:fillRef idx="1">
+            <a:schemeClr val="accent1"/>
+          </a:fillRef>
+          <a:effectRef idx="0">
+            <a:schemeClr val="accent1"/>
+          </a:effectRef>
+          <a:fontRef idx="minor">
+            <a:schemeClr val="lt1"/>
+          </a:fontRef>
+        </p:style>
+        <p:txBody>
+          <a:bodyPr rtlCol="0" anchor="ctr"/>
+          <a:lstStyle/>
+          <a:p>
+            <a:pPr algn="ctr"/>
+            <a:endParaRPr lang="ko-KR" altLang="en-US" dirty="0"/>
+          </a:p>
+        </p:txBody>
+      </p:sp>
+      <p:grpSp>
+        <p:nvGrpSpPr>
+          <p:cNvPr id="15" name="그룹 14">
+            <a:extLst>
+              <a:ext uri="{FF2B5EF4-FFF2-40B4-BE49-F238E27FC236}">
+                <a16:creationId xmlns:a16="http://schemas.microsoft.com/office/drawing/2014/main" id="{A1112715-ADEA-F640-3D6F-B9DAFAE1EA59}"/>
+              </a:ext>
+            </a:extLst>
+          </p:cNvPr>
+          <p:cNvGrpSpPr/>
+          <p:nvPr/>
+        </p:nvGrpSpPr>
+        <p:grpSpPr>
+          <a:xfrm>
+            <a:off x="2167856" y="1487877"/>
+            <a:ext cx="1073729" cy="1503946"/>
+            <a:chOff x="2167856" y="1487877"/>
+            <a:chExt cx="1073729" cy="1503946"/>
+          </a:xfrm>
+        </p:grpSpPr>
+        <p:sp>
+          <p:nvSpPr>
+            <p:cNvPr id="3084" name="직사각형 3083">
+              <a:extLst>
+                <a:ext uri="{FF2B5EF4-FFF2-40B4-BE49-F238E27FC236}">
+                  <a16:creationId xmlns:a16="http://schemas.microsoft.com/office/drawing/2014/main" id="{40E3ADC1-FF20-D95F-F057-B300B98D8B11}"/>
+                </a:ext>
+              </a:extLst>
+            </p:cNvPr>
+            <p:cNvSpPr/>
+            <p:nvPr/>
+          </p:nvSpPr>
+          <p:spPr>
+            <a:xfrm>
+              <a:off x="2167856" y="1755398"/>
+              <a:ext cx="1073729" cy="1236425"/>
+            </a:xfrm>
+            <a:prstGeom prst="rect">
+              <a:avLst/>
+            </a:prstGeom>
+            <a:solidFill>
+              <a:schemeClr val="bg1"/>
+            </a:solidFill>
+            <a:ln w="12700">
+              <a:solidFill>
+                <a:srgbClr val="39382E"/>
+              </a:solidFill>
+            </a:ln>
+          </p:spPr>
+          <p:style>
+            <a:lnRef idx="2">
+              <a:schemeClr val="accent1">
+                <a:shade val="15000"/>
+              </a:schemeClr>
+            </a:lnRef>
+            <a:fillRef idx="1">
+              <a:schemeClr val="accent1"/>
+            </a:fillRef>
+            <a:effectRef idx="0">
+              <a:schemeClr val="accent1"/>
+            </a:effectRef>
+            <a:fontRef idx="minor">
+              <a:schemeClr val="lt1"/>
+            </a:fontRef>
+          </p:style>
+          <p:txBody>
+            <a:bodyPr rtlCol="0" anchor="ctr"/>
+            <a:lstStyle/>
+            <a:p>
+              <a:pPr algn="ctr"/>
+              <a:endParaRPr lang="ko-KR" altLang="en-US"/>
+            </a:p>
+          </p:txBody>
+        </p:sp>
+        <p:grpSp>
+          <p:nvGrpSpPr>
+            <p:cNvPr id="3087" name="그룹 3086">
+              <a:extLst>
+                <a:ext uri="{FF2B5EF4-FFF2-40B4-BE49-F238E27FC236}">
+                  <a16:creationId xmlns:a16="http://schemas.microsoft.com/office/drawing/2014/main" id="{EA7051DA-EAE9-7983-3F7D-A3B3C6452EF3}"/>
+                </a:ext>
+              </a:extLst>
+            </p:cNvPr>
+            <p:cNvGrpSpPr/>
+            <p:nvPr/>
+          </p:nvGrpSpPr>
+          <p:grpSpPr>
+            <a:xfrm>
+              <a:off x="2196571" y="1487877"/>
+              <a:ext cx="1016298" cy="1471084"/>
+              <a:chOff x="6414848" y="1491993"/>
+              <a:chExt cx="1016298" cy="1471084"/>
+            </a:xfrm>
+          </p:grpSpPr>
+          <p:pic>
+            <p:nvPicPr>
+              <p:cNvPr id="3085" name="그림 3084" descr="텍스트, 종이 클립, 디자인, 일러스트레이션이(가) 표시된 사진&#10;&#10;자동 생성된 설명">
+                <a:extLst>
+                  <a:ext uri="{FF2B5EF4-FFF2-40B4-BE49-F238E27FC236}">
+                    <a16:creationId xmlns:a16="http://schemas.microsoft.com/office/drawing/2014/main" id="{989A8B1E-176C-1C81-7C9F-96203D0EFE16}"/>
+                  </a:ext>
+                </a:extLst>
+              </p:cNvPr>
+              <p:cNvPicPr>
+                <a:picLocks noChangeAspect="1"/>
+              </p:cNvPicPr>
+              <p:nvPr/>
+            </p:nvPicPr>
+            <p:blipFill>
+              <a:blip r:embed="rId2">
+                <a:extLst>
+                  <a:ext uri="{28A0092B-C50C-407E-A947-70E740481C1C}">
+                    <a14:useLocalDpi xmlns:a14="http://schemas.microsoft.com/office/drawing/2010/main" val="0"/>
+                  </a:ext>
+                </a:extLst>
+              </a:blip>
+              <a:srcRect l="13815" b="39713"/>
+              <a:stretch/>
+            </p:blipFill>
+            <p:spPr>
+              <a:xfrm>
+                <a:off x="6414848" y="1726652"/>
+                <a:ext cx="1016298" cy="1236425"/>
+              </a:xfrm>
+              <a:prstGeom prst="rect">
+                <a:avLst/>
+              </a:prstGeom>
+            </p:spPr>
+          </p:pic>
+          <p:sp>
+            <p:nvSpPr>
+              <p:cNvPr id="3086" name="TextBox 3085">
+                <a:extLst>
+                  <a:ext uri="{FF2B5EF4-FFF2-40B4-BE49-F238E27FC236}">
+                    <a16:creationId xmlns:a16="http://schemas.microsoft.com/office/drawing/2014/main" id="{643AF35D-5ADC-E856-EF8D-7F7FF058A352}"/>
+                  </a:ext>
+                </a:extLst>
+              </p:cNvPr>
+              <p:cNvSpPr txBox="1"/>
+              <p:nvPr/>
+            </p:nvSpPr>
+            <p:spPr>
+              <a:xfrm>
+                <a:off x="6521286" y="1491993"/>
+                <a:ext cx="803425" cy="246221"/>
+              </a:xfrm>
+              <a:prstGeom prst="rect">
+                <a:avLst/>
+              </a:prstGeom>
+              <a:noFill/>
+            </p:spPr>
+            <p:txBody>
+              <a:bodyPr wrap="none" rtlCol="0">
+                <a:spAutoFit/>
+              </a:bodyPr>
+              <a:lstStyle/>
+              <a:p>
+                <a:pPr algn="ctr"/>
+                <a:r>
+                  <a:rPr lang="en-US" altLang="ko-KR" sz="1000" dirty="0">
+                    <a:solidFill>
+                      <a:schemeClr val="bg1"/>
+                    </a:solidFill>
+                    <a:latin typeface="넥슨Lv1고딕" panose="00000500000000000000" pitchFamily="2" charset="-127"/>
+                    <a:ea typeface="넥슨Lv1고딕" panose="00000500000000000000" pitchFamily="2" charset="-127"/>
+                  </a:rPr>
+                  <a:t>[</a:t>
+                </a:r>
+                <a:r>
+                  <a:rPr lang="ko-KR" altLang="en-US" sz="1000" dirty="0">
+                    <a:solidFill>
+                      <a:schemeClr val="bg1"/>
+                    </a:solidFill>
+                    <a:latin typeface="넥슨Lv1고딕" panose="00000500000000000000" pitchFamily="2" charset="-127"/>
+                    <a:ea typeface="넥슨Lv1고딕" panose="00000500000000000000" pitchFamily="2" charset="-127"/>
+                  </a:rPr>
+                  <a:t>좋은 성능</a:t>
+                </a:r>
+                <a:r>
+                  <a:rPr lang="en-US" altLang="ko-KR" sz="1000" dirty="0">
+                    <a:solidFill>
+                      <a:schemeClr val="bg1"/>
+                    </a:solidFill>
+                    <a:latin typeface="넥슨Lv1고딕" panose="00000500000000000000" pitchFamily="2" charset="-127"/>
+                    <a:ea typeface="넥슨Lv1고딕" panose="00000500000000000000" pitchFamily="2" charset="-127"/>
+                  </a:rPr>
+                  <a:t>]</a:t>
+                </a:r>
+              </a:p>
+            </p:txBody>
+          </p:sp>
+        </p:grpSp>
+      </p:grpSp>
+      <p:grpSp>
+        <p:nvGrpSpPr>
+          <p:cNvPr id="3093" name="그룹 3092">
+            <a:extLst>
+              <a:ext uri="{FF2B5EF4-FFF2-40B4-BE49-F238E27FC236}">
+                <a16:creationId xmlns:a16="http://schemas.microsoft.com/office/drawing/2014/main" id="{B8CB021C-14C0-602A-A309-2FC6B7FFCBDF}"/>
+              </a:ext>
+            </a:extLst>
+          </p:cNvPr>
+          <p:cNvGrpSpPr/>
+          <p:nvPr/>
+        </p:nvGrpSpPr>
+        <p:grpSpPr>
+          <a:xfrm>
+            <a:off x="3593832" y="1482043"/>
+            <a:ext cx="1073729" cy="1509153"/>
+            <a:chOff x="8059961" y="1531226"/>
+            <a:chExt cx="1073729" cy="1509153"/>
+          </a:xfrm>
+        </p:grpSpPr>
+        <p:sp>
+          <p:nvSpPr>
+            <p:cNvPr id="3088" name="직사각형 3087">
+              <a:extLst>
+                <a:ext uri="{FF2B5EF4-FFF2-40B4-BE49-F238E27FC236}">
+                  <a16:creationId xmlns:a16="http://schemas.microsoft.com/office/drawing/2014/main" id="{3E19F461-4C9D-94BF-B7A1-3DE54432AE28}"/>
+                </a:ext>
+              </a:extLst>
+            </p:cNvPr>
+            <p:cNvSpPr/>
+            <p:nvPr/>
+          </p:nvSpPr>
+          <p:spPr>
+            <a:xfrm>
+              <a:off x="8059961" y="1803954"/>
+              <a:ext cx="1073729" cy="1236425"/>
+            </a:xfrm>
+            <a:prstGeom prst="rect">
+              <a:avLst/>
+            </a:prstGeom>
+            <a:solidFill>
+              <a:schemeClr val="bg1"/>
+            </a:solidFill>
+            <a:ln w="12700">
+              <a:solidFill>
+                <a:srgbClr val="39382E"/>
+              </a:solidFill>
+            </a:ln>
+          </p:spPr>
+          <p:style>
+            <a:lnRef idx="2">
+              <a:schemeClr val="accent1">
+                <a:shade val="15000"/>
+              </a:schemeClr>
+            </a:lnRef>
+            <a:fillRef idx="1">
+              <a:schemeClr val="accent1"/>
+            </a:fillRef>
+            <a:effectRef idx="0">
+              <a:schemeClr val="accent1"/>
+            </a:effectRef>
+            <a:fontRef idx="minor">
+              <a:schemeClr val="lt1"/>
+            </a:fontRef>
+          </p:style>
+          <p:txBody>
+            <a:bodyPr rtlCol="0" anchor="ctr"/>
+            <a:lstStyle/>
+            <a:p>
+              <a:pPr algn="ctr"/>
+              <a:endParaRPr lang="ko-KR" altLang="en-US"/>
+            </a:p>
+          </p:txBody>
+        </p:sp>
+        <p:sp>
+          <p:nvSpPr>
+            <p:cNvPr id="3091" name="TextBox 3090">
+              <a:extLst>
+                <a:ext uri="{FF2B5EF4-FFF2-40B4-BE49-F238E27FC236}">
+                  <a16:creationId xmlns:a16="http://schemas.microsoft.com/office/drawing/2014/main" id="{C28E8454-AA40-9257-CA38-46DABD7DFD8E}"/>
+                </a:ext>
+              </a:extLst>
+            </p:cNvPr>
+            <p:cNvSpPr txBox="1"/>
+            <p:nvPr/>
+          </p:nvSpPr>
+          <p:spPr>
+            <a:xfrm>
+              <a:off x="8073287" y="1531226"/>
+              <a:ext cx="1047082" cy="246221"/>
+            </a:xfrm>
+            <a:prstGeom prst="rect">
+              <a:avLst/>
+            </a:prstGeom>
+            <a:noFill/>
+          </p:spPr>
+          <p:txBody>
+            <a:bodyPr wrap="none" rtlCol="0">
+              <a:spAutoFit/>
+            </a:bodyPr>
+            <a:lstStyle/>
+            <a:p>
+              <a:pPr algn="ctr"/>
+              <a:r>
+                <a:rPr lang="en-US" altLang="ko-KR" sz="1000" dirty="0">
+                  <a:solidFill>
+                    <a:schemeClr val="bg1"/>
+                  </a:solidFill>
+                  <a:latin typeface="넥슨Lv1고딕" panose="00000500000000000000" pitchFamily="2" charset="-127"/>
+                  <a:ea typeface="넥슨Lv1고딕" panose="00000500000000000000" pitchFamily="2" charset="-127"/>
+                </a:rPr>
+                <a:t>[</a:t>
+              </a:r>
+              <a:r>
+                <a:rPr lang="ko-KR" altLang="en-US" sz="1000" dirty="0">
+                  <a:solidFill>
+                    <a:schemeClr val="bg1"/>
+                  </a:solidFill>
+                  <a:latin typeface="넥슨Lv1고딕" panose="00000500000000000000" pitchFamily="2" charset="-127"/>
+                  <a:ea typeface="넥슨Lv1고딕" panose="00000500000000000000" pitchFamily="2" charset="-127"/>
+                </a:rPr>
+                <a:t>좋아하는 컨셉</a:t>
+              </a:r>
+              <a:r>
+                <a:rPr lang="en-US" altLang="ko-KR" sz="1000" dirty="0">
+                  <a:solidFill>
+                    <a:schemeClr val="bg1"/>
+                  </a:solidFill>
+                  <a:latin typeface="넥슨Lv1고딕" panose="00000500000000000000" pitchFamily="2" charset="-127"/>
+                  <a:ea typeface="넥슨Lv1고딕" panose="00000500000000000000" pitchFamily="2" charset="-127"/>
+                </a:rPr>
+                <a:t>]</a:t>
+              </a:r>
+            </a:p>
+          </p:txBody>
+        </p:sp>
+        <p:pic>
+          <p:nvPicPr>
+            <p:cNvPr id="3092" name="그림 3091" descr="종이 클립, 디자인, 일러스트레이션이(가) 표시된 사진&#10;&#10;자동 생성된 설명">
+              <a:extLst>
+                <a:ext uri="{FF2B5EF4-FFF2-40B4-BE49-F238E27FC236}">
+                  <a16:creationId xmlns:a16="http://schemas.microsoft.com/office/drawing/2014/main" id="{EBB0EE06-687C-9EE3-18ED-647A6C6DAF8A}"/>
+                </a:ext>
+              </a:extLst>
+            </p:cNvPr>
+            <p:cNvPicPr>
+              <a:picLocks noChangeAspect="1"/>
+            </p:cNvPicPr>
+            <p:nvPr/>
+          </p:nvPicPr>
+          <p:blipFill>
+            <a:blip r:embed="rId3">
+              <a:extLst>
+                <a:ext uri="{28A0092B-C50C-407E-A947-70E740481C1C}">
+                  <a14:useLocalDpi xmlns:a14="http://schemas.microsoft.com/office/drawing/2010/main" val="0"/>
+                </a:ext>
+              </a:extLst>
+            </a:blip>
+            <a:srcRect l="24279" b="39185"/>
+            <a:stretch/>
+          </p:blipFill>
+          <p:spPr>
+            <a:xfrm>
+              <a:off x="8182593" y="1767610"/>
+              <a:ext cx="828464" cy="1236425"/>
+            </a:xfrm>
+            <a:prstGeom prst="rect">
+              <a:avLst/>
+            </a:prstGeom>
+          </p:spPr>
+        </p:pic>
+      </p:grpSp>
+      <p:sp>
+        <p:nvSpPr>
+          <p:cNvPr id="3094" name="TextBox 3093">
+            <a:extLst>
+              <a:ext uri="{FF2B5EF4-FFF2-40B4-BE49-F238E27FC236}">
+                <a16:creationId xmlns:a16="http://schemas.microsoft.com/office/drawing/2014/main" id="{C0532D9C-EE29-EED4-BE37-E3A0B94A3084}"/>
+              </a:ext>
+            </a:extLst>
+          </p:cNvPr>
+          <p:cNvSpPr txBox="1"/>
+          <p:nvPr/>
+        </p:nvSpPr>
+        <p:spPr>
+          <a:xfrm>
+            <a:off x="3238872" y="2195579"/>
+            <a:ext cx="357790" cy="307777"/>
+          </a:xfrm>
+          <a:prstGeom prst="rect">
+            <a:avLst/>
+          </a:prstGeom>
+          <a:noFill/>
+        </p:spPr>
+        <p:txBody>
+          <a:bodyPr wrap="none" rtlCol="0">
+            <a:spAutoFit/>
+          </a:bodyPr>
+          <a:lstStyle/>
+          <a:p>
+            <a:r>
+              <a:rPr lang="en-US" altLang="ko-KR" sz="1400" dirty="0">
+                <a:solidFill>
+                  <a:schemeClr val="bg1"/>
+                </a:solidFill>
+                <a:latin typeface="넥슨Lv1고딕" panose="00000500000000000000" pitchFamily="2" charset="-127"/>
+                <a:ea typeface="넥슨Lv1고딕" panose="00000500000000000000" pitchFamily="2" charset="-127"/>
+              </a:rPr>
+              <a:t>vs</a:t>
+            </a:r>
+          </a:p>
+        </p:txBody>
+      </p:sp>
+      <p:grpSp>
+        <p:nvGrpSpPr>
+          <p:cNvPr id="3099" name="그룹 3098">
+            <a:extLst>
+              <a:ext uri="{FF2B5EF4-FFF2-40B4-BE49-F238E27FC236}">
+                <a16:creationId xmlns:a16="http://schemas.microsoft.com/office/drawing/2014/main" id="{DA9596EE-06D6-D256-9D48-B0221B0342FD}"/>
+              </a:ext>
+            </a:extLst>
+          </p:cNvPr>
+          <p:cNvGrpSpPr/>
+          <p:nvPr/>
+        </p:nvGrpSpPr>
+        <p:grpSpPr>
+          <a:xfrm>
+            <a:off x="2005573" y="1040445"/>
+            <a:ext cx="2824385" cy="392234"/>
+            <a:chOff x="2522258" y="3262193"/>
+            <a:chExt cx="2824385" cy="392234"/>
+          </a:xfrm>
+        </p:grpSpPr>
+        <p:sp>
+          <p:nvSpPr>
+            <p:cNvPr id="23" name="직사각형 22">
+              <a:extLst>
+                <a:ext uri="{FF2B5EF4-FFF2-40B4-BE49-F238E27FC236}">
+                  <a16:creationId xmlns:a16="http://schemas.microsoft.com/office/drawing/2014/main" id="{290D65CD-A021-47E1-029E-8D2D7F9691B6}"/>
+                </a:ext>
+              </a:extLst>
+            </p:cNvPr>
+            <p:cNvSpPr>
+              <a:spLocks/>
+            </p:cNvSpPr>
+            <p:nvPr/>
+          </p:nvSpPr>
+          <p:spPr>
+            <a:xfrm>
+              <a:off x="2522258" y="3262193"/>
+              <a:ext cx="2824385" cy="392234"/>
+            </a:xfrm>
+            <a:prstGeom prst="rect">
+              <a:avLst/>
+            </a:prstGeom>
+            <a:solidFill>
+              <a:srgbClr val="3D3B30">
+                <a:alpha val="80000"/>
+              </a:srgbClr>
+            </a:solidFill>
+            <a:ln w="15875">
+              <a:solidFill>
+                <a:srgbClr val="39382E"/>
+              </a:solidFill>
+            </a:ln>
+          </p:spPr>
+          <p:style>
+            <a:lnRef idx="2">
+              <a:schemeClr val="accent1">
+                <a:shade val="15000"/>
+              </a:schemeClr>
+            </a:lnRef>
+            <a:fillRef idx="1">
+              <a:schemeClr val="accent1"/>
+            </a:fillRef>
+            <a:effectRef idx="0">
+              <a:schemeClr val="accent1"/>
+            </a:effectRef>
+            <a:fontRef idx="minor">
+              <a:schemeClr val="lt1"/>
+            </a:fontRef>
+          </p:style>
+          <p:txBody>
+            <a:bodyPr rtlCol="0" anchor="ctr"/>
+            <a:lstStyle/>
+            <a:p>
+              <a:pPr algn="ctr"/>
+              <a:endParaRPr lang="ko-KR" altLang="en-US" dirty="0"/>
+            </a:p>
+          </p:txBody>
+        </p:sp>
+        <p:sp>
+          <p:nvSpPr>
+            <p:cNvPr id="3096" name="TextBox 3095">
+              <a:extLst>
+                <a:ext uri="{FF2B5EF4-FFF2-40B4-BE49-F238E27FC236}">
+                  <a16:creationId xmlns:a16="http://schemas.microsoft.com/office/drawing/2014/main" id="{35A6AA11-2465-F090-BEF4-B9C15B317EE1}"/>
+                </a:ext>
+              </a:extLst>
+            </p:cNvPr>
+            <p:cNvSpPr txBox="1"/>
+            <p:nvPr/>
+          </p:nvSpPr>
+          <p:spPr>
+            <a:xfrm>
+              <a:off x="3231373" y="3335200"/>
+              <a:ext cx="1406154" cy="246221"/>
+            </a:xfrm>
+            <a:prstGeom prst="rect">
+              <a:avLst/>
+            </a:prstGeom>
+            <a:noFill/>
+          </p:spPr>
+          <p:txBody>
+            <a:bodyPr wrap="none" rtlCol="0">
+              <a:spAutoFit/>
+            </a:bodyPr>
+            <a:lstStyle/>
+            <a:p>
+              <a:pPr algn="ctr"/>
+              <a:r>
+                <a:rPr lang="ko-KR" altLang="en-US" sz="1000" b="1" dirty="0">
+                  <a:solidFill>
+                    <a:schemeClr val="bg1"/>
+                  </a:solidFill>
+                  <a:latin typeface="넥슨Lv1고딕" panose="00000500000000000000" pitchFamily="2" charset="-127"/>
+                  <a:ea typeface="넥슨Lv1고딕" panose="00000500000000000000" pitchFamily="2" charset="-127"/>
+                </a:rPr>
+                <a:t>여러 성향의 유저 겨냥</a:t>
+              </a:r>
+              <a:endParaRPr lang="en-US" altLang="ko-KR" sz="1000" b="1" dirty="0">
+                <a:solidFill>
+                  <a:schemeClr val="bg1"/>
+                </a:solidFill>
+                <a:latin typeface="넥슨Lv1고딕" panose="00000500000000000000" pitchFamily="2" charset="-127"/>
+                <a:ea typeface="넥슨Lv1고딕" panose="00000500000000000000" pitchFamily="2" charset="-127"/>
+              </a:endParaRPr>
+            </a:p>
+          </p:txBody>
+        </p:sp>
+      </p:grpSp>
+      <p:grpSp>
+        <p:nvGrpSpPr>
+          <p:cNvPr id="3116" name="그룹 3115">
+            <a:extLst>
+              <a:ext uri="{FF2B5EF4-FFF2-40B4-BE49-F238E27FC236}">
+                <a16:creationId xmlns:a16="http://schemas.microsoft.com/office/drawing/2014/main" id="{66881781-29FD-AC57-779A-79831C34A390}"/>
+              </a:ext>
+            </a:extLst>
+          </p:cNvPr>
+          <p:cNvGrpSpPr/>
+          <p:nvPr/>
+        </p:nvGrpSpPr>
+        <p:grpSpPr>
+          <a:xfrm>
+            <a:off x="8395744" y="1040445"/>
+            <a:ext cx="2824386" cy="2218143"/>
+            <a:chOff x="2522258" y="1044050"/>
+            <a:chExt cx="2824386" cy="2218143"/>
+          </a:xfrm>
+        </p:grpSpPr>
+        <p:sp>
+          <p:nvSpPr>
+            <p:cNvPr id="3121" name="직사각형 3120">
+              <a:extLst>
+                <a:ext uri="{FF2B5EF4-FFF2-40B4-BE49-F238E27FC236}">
+                  <a16:creationId xmlns:a16="http://schemas.microsoft.com/office/drawing/2014/main" id="{7ABA121A-16C2-2563-F01C-A5C319C8D85F}"/>
+                </a:ext>
+              </a:extLst>
+            </p:cNvPr>
+            <p:cNvSpPr>
+              <a:spLocks/>
+            </p:cNvSpPr>
+            <p:nvPr/>
+          </p:nvSpPr>
+          <p:spPr>
+            <a:xfrm>
+              <a:off x="2522259" y="1432440"/>
+              <a:ext cx="2824385" cy="1829753"/>
+            </a:xfrm>
+            <a:prstGeom prst="rect">
+              <a:avLst/>
+            </a:prstGeom>
+            <a:noFill/>
+            <a:ln w="15875">
+              <a:solidFill>
+                <a:srgbClr val="39382E"/>
+              </a:solidFill>
+            </a:ln>
+          </p:spPr>
+          <p:style>
+            <a:lnRef idx="2">
+              <a:schemeClr val="accent1">
+                <a:shade val="15000"/>
+              </a:schemeClr>
+            </a:lnRef>
+            <a:fillRef idx="1">
+              <a:schemeClr val="accent1"/>
+            </a:fillRef>
+            <a:effectRef idx="0">
+              <a:schemeClr val="accent1"/>
+            </a:effectRef>
+            <a:fontRef idx="minor">
+              <a:schemeClr val="lt1"/>
+            </a:fontRef>
+          </p:style>
+          <p:txBody>
+            <a:bodyPr rtlCol="0" anchor="ctr"/>
+            <a:lstStyle/>
+            <a:p>
+              <a:pPr algn="ctr"/>
+              <a:endParaRPr lang="ko-KR" altLang="en-US" dirty="0"/>
+            </a:p>
+          </p:txBody>
+        </p:sp>
+        <p:grpSp>
+          <p:nvGrpSpPr>
+            <p:cNvPr id="3118" name="그룹 3117">
+              <a:extLst>
+                <a:ext uri="{FF2B5EF4-FFF2-40B4-BE49-F238E27FC236}">
+                  <a16:creationId xmlns:a16="http://schemas.microsoft.com/office/drawing/2014/main" id="{610CBE7B-CB68-343F-3A06-450FC38BBFEA}"/>
+                </a:ext>
+              </a:extLst>
+            </p:cNvPr>
+            <p:cNvGrpSpPr/>
+            <p:nvPr/>
+          </p:nvGrpSpPr>
+          <p:grpSpPr>
+            <a:xfrm>
+              <a:off x="2522258" y="1044050"/>
+              <a:ext cx="2824385" cy="392234"/>
+              <a:chOff x="2522258" y="3262193"/>
+              <a:chExt cx="2824385" cy="392234"/>
+            </a:xfrm>
+          </p:grpSpPr>
+          <p:sp>
+            <p:nvSpPr>
+              <p:cNvPr id="3119" name="직사각형 3118">
+                <a:extLst>
+                  <a:ext uri="{FF2B5EF4-FFF2-40B4-BE49-F238E27FC236}">
+                    <a16:creationId xmlns:a16="http://schemas.microsoft.com/office/drawing/2014/main" id="{4773758A-207F-905F-9A6E-6DC9CF1FD0E6}"/>
+                  </a:ext>
+                </a:extLst>
+              </p:cNvPr>
+              <p:cNvSpPr>
+                <a:spLocks/>
+              </p:cNvSpPr>
+              <p:nvPr/>
+            </p:nvSpPr>
+            <p:spPr>
+              <a:xfrm>
+                <a:off x="2522258" y="3262193"/>
+                <a:ext cx="2824385" cy="392234"/>
+              </a:xfrm>
+              <a:prstGeom prst="rect">
+                <a:avLst/>
+              </a:prstGeom>
+              <a:solidFill>
+                <a:srgbClr val="3D3B30">
+                  <a:alpha val="80000"/>
+                </a:srgbClr>
+              </a:solidFill>
+              <a:ln w="15875">
+                <a:solidFill>
+                  <a:srgbClr val="39382E"/>
+                </a:solidFill>
+              </a:ln>
+            </p:spPr>
+            <p:style>
+              <a:lnRef idx="2">
+                <a:schemeClr val="accent1">
+                  <a:shade val="15000"/>
+                </a:schemeClr>
+              </a:lnRef>
+              <a:fillRef idx="1">
+                <a:schemeClr val="accent1"/>
+              </a:fillRef>
+              <a:effectRef idx="0">
+                <a:schemeClr val="accent1"/>
+              </a:effectRef>
+              <a:fontRef idx="minor">
+                <a:schemeClr val="lt1"/>
+              </a:fontRef>
+            </p:style>
+            <p:txBody>
+              <a:bodyPr rtlCol="0" anchor="ctr"/>
+              <a:lstStyle/>
+              <a:p>
+                <a:pPr algn="ctr"/>
+                <a:endParaRPr lang="ko-KR" altLang="en-US" dirty="0"/>
+              </a:p>
+            </p:txBody>
+          </p:sp>
+          <p:sp>
+            <p:nvSpPr>
+              <p:cNvPr id="3120" name="TextBox 3119">
+                <a:extLst>
+                  <a:ext uri="{FF2B5EF4-FFF2-40B4-BE49-F238E27FC236}">
+                    <a16:creationId xmlns:a16="http://schemas.microsoft.com/office/drawing/2014/main" id="{3737DA6F-F3BD-B5DB-09FC-04EA292CD22E}"/>
+                  </a:ext>
+                </a:extLst>
+              </p:cNvPr>
+              <p:cNvSpPr txBox="1"/>
+              <p:nvPr/>
+            </p:nvSpPr>
+            <p:spPr>
+              <a:xfrm>
+                <a:off x="3524723" y="3335200"/>
+                <a:ext cx="819456" cy="246221"/>
+              </a:xfrm>
+              <a:prstGeom prst="rect">
+                <a:avLst/>
+              </a:prstGeom>
+              <a:noFill/>
+            </p:spPr>
+            <p:txBody>
+              <a:bodyPr wrap="none" rtlCol="0">
+                <a:spAutoFit/>
+              </a:bodyPr>
+              <a:lstStyle/>
+              <a:p>
+                <a:pPr algn="ctr"/>
+                <a:r>
+                  <a:rPr lang="ko-KR" altLang="en-US" sz="1000" b="1" dirty="0" err="1">
+                    <a:solidFill>
+                      <a:schemeClr val="bg1"/>
+                    </a:solidFill>
+                    <a:latin typeface="넥슨Lv1고딕" panose="00000500000000000000" pitchFamily="2" charset="-127"/>
+                    <a:ea typeface="넥슨Lv1고딕" panose="00000500000000000000" pitchFamily="2" charset="-127"/>
+                  </a:rPr>
+                  <a:t>몰입감</a:t>
+                </a:r>
+                <a:r>
+                  <a:rPr lang="ko-KR" altLang="en-US" sz="1000" b="1" dirty="0">
+                    <a:solidFill>
+                      <a:schemeClr val="bg1"/>
+                    </a:solidFill>
+                    <a:latin typeface="넥슨Lv1고딕" panose="00000500000000000000" pitchFamily="2" charset="-127"/>
+                    <a:ea typeface="넥슨Lv1고딕" panose="00000500000000000000" pitchFamily="2" charset="-127"/>
+                  </a:rPr>
+                  <a:t> 향상</a:t>
+                </a:r>
+                <a:endParaRPr lang="en-US" altLang="ko-KR" sz="1000" b="1" dirty="0">
+                  <a:solidFill>
+                    <a:schemeClr val="bg1"/>
+                  </a:solidFill>
+                  <a:latin typeface="넥슨Lv1고딕" panose="00000500000000000000" pitchFamily="2" charset="-127"/>
+                  <a:ea typeface="넥슨Lv1고딕" panose="00000500000000000000" pitchFamily="2" charset="-127"/>
+                </a:endParaRPr>
+              </a:p>
+            </p:txBody>
+          </p:sp>
+        </p:grpSp>
+      </p:grpSp>
+      <p:grpSp>
+        <p:nvGrpSpPr>
+          <p:cNvPr id="3151" name="그룹 3150">
+            <a:extLst>
+              <a:ext uri="{FF2B5EF4-FFF2-40B4-BE49-F238E27FC236}">
+                <a16:creationId xmlns:a16="http://schemas.microsoft.com/office/drawing/2014/main" id="{754B887A-E2A2-9FF2-2E8A-14123012F2DC}"/>
+              </a:ext>
+            </a:extLst>
+          </p:cNvPr>
+          <p:cNvGrpSpPr/>
+          <p:nvPr/>
+        </p:nvGrpSpPr>
+        <p:grpSpPr>
+          <a:xfrm>
+            <a:off x="5092125" y="1040445"/>
+            <a:ext cx="2824386" cy="2218143"/>
+            <a:chOff x="5092125" y="1040445"/>
+            <a:chExt cx="2824386" cy="2218143"/>
+          </a:xfrm>
+        </p:grpSpPr>
+        <p:sp>
+          <p:nvSpPr>
+            <p:cNvPr id="3136" name="직사각형 3135">
+              <a:extLst>
+                <a:ext uri="{FF2B5EF4-FFF2-40B4-BE49-F238E27FC236}">
+                  <a16:creationId xmlns:a16="http://schemas.microsoft.com/office/drawing/2014/main" id="{7C3C99AD-760F-72B4-6B44-EF475E5E0727}"/>
+                </a:ext>
+              </a:extLst>
+            </p:cNvPr>
+            <p:cNvSpPr>
+              <a:spLocks/>
+            </p:cNvSpPr>
+            <p:nvPr/>
+          </p:nvSpPr>
+          <p:spPr>
+            <a:xfrm>
+              <a:off x="5092126" y="1428835"/>
+              <a:ext cx="2824385" cy="1829753"/>
+            </a:xfrm>
+            <a:prstGeom prst="rect">
+              <a:avLst/>
+            </a:prstGeom>
+            <a:noFill/>
+            <a:ln w="15875">
+              <a:solidFill>
+                <a:srgbClr val="39382E"/>
+              </a:solidFill>
+            </a:ln>
+          </p:spPr>
+          <p:style>
+            <a:lnRef idx="2">
+              <a:schemeClr val="accent1">
+                <a:shade val="15000"/>
+              </a:schemeClr>
+            </a:lnRef>
+            <a:fillRef idx="1">
+              <a:schemeClr val="accent1"/>
+            </a:fillRef>
+            <a:effectRef idx="0">
+              <a:schemeClr val="accent1"/>
+            </a:effectRef>
+            <a:fontRef idx="minor">
+              <a:schemeClr val="lt1"/>
+            </a:fontRef>
+          </p:style>
+          <p:txBody>
+            <a:bodyPr rtlCol="0" anchor="ctr"/>
+            <a:lstStyle/>
+            <a:p>
+              <a:pPr algn="ctr"/>
+              <a:endParaRPr lang="ko-KR" altLang="en-US" dirty="0"/>
+            </a:p>
+          </p:txBody>
+        </p:sp>
+        <p:grpSp>
+          <p:nvGrpSpPr>
+            <p:cNvPr id="3133" name="그룹 3132">
+              <a:extLst>
+                <a:ext uri="{FF2B5EF4-FFF2-40B4-BE49-F238E27FC236}">
+                  <a16:creationId xmlns:a16="http://schemas.microsoft.com/office/drawing/2014/main" id="{E3E97D6B-6B95-EDB5-EAAB-31F405411C37}"/>
+                </a:ext>
+              </a:extLst>
+            </p:cNvPr>
+            <p:cNvGrpSpPr/>
+            <p:nvPr/>
+          </p:nvGrpSpPr>
+          <p:grpSpPr>
+            <a:xfrm>
+              <a:off x="5092125" y="1040445"/>
+              <a:ext cx="2824385" cy="392234"/>
+              <a:chOff x="2522258" y="3262193"/>
+              <a:chExt cx="2824385" cy="392234"/>
+            </a:xfrm>
+          </p:grpSpPr>
+          <p:sp>
+            <p:nvSpPr>
+              <p:cNvPr id="3134" name="직사각형 3133">
+                <a:extLst>
+                  <a:ext uri="{FF2B5EF4-FFF2-40B4-BE49-F238E27FC236}">
+                    <a16:creationId xmlns:a16="http://schemas.microsoft.com/office/drawing/2014/main" id="{2898DFF0-8EAB-C184-E01A-8E09062DAA62}"/>
+                  </a:ext>
+                </a:extLst>
+              </p:cNvPr>
+              <p:cNvSpPr>
+                <a:spLocks/>
+              </p:cNvSpPr>
+              <p:nvPr/>
+            </p:nvSpPr>
+            <p:spPr>
+              <a:xfrm>
+                <a:off x="2522258" y="3262193"/>
+                <a:ext cx="2824385" cy="392234"/>
+              </a:xfrm>
+              <a:prstGeom prst="rect">
+                <a:avLst/>
+              </a:prstGeom>
+              <a:solidFill>
+                <a:srgbClr val="3D3B30">
+                  <a:alpha val="80000"/>
+                </a:srgbClr>
+              </a:solidFill>
+              <a:ln w="15875">
+                <a:solidFill>
+                  <a:srgbClr val="39382E"/>
+                </a:solidFill>
+              </a:ln>
+            </p:spPr>
+            <p:style>
+              <a:lnRef idx="2">
+                <a:schemeClr val="accent1">
+                  <a:shade val="15000"/>
+                </a:schemeClr>
+              </a:lnRef>
+              <a:fillRef idx="1">
+                <a:schemeClr val="accent1"/>
+              </a:fillRef>
+              <a:effectRef idx="0">
+                <a:schemeClr val="accent1"/>
+              </a:effectRef>
+              <a:fontRef idx="minor">
+                <a:schemeClr val="lt1"/>
+              </a:fontRef>
+            </p:style>
+            <p:txBody>
+              <a:bodyPr rtlCol="0" anchor="ctr"/>
+              <a:lstStyle/>
+              <a:p>
+                <a:pPr algn="ctr"/>
+                <a:endParaRPr lang="ko-KR" altLang="en-US" dirty="0"/>
+              </a:p>
+            </p:txBody>
+          </p:sp>
+          <p:sp>
+            <p:nvSpPr>
+              <p:cNvPr id="3135" name="TextBox 3134">
+                <a:extLst>
+                  <a:ext uri="{FF2B5EF4-FFF2-40B4-BE49-F238E27FC236}">
+                    <a16:creationId xmlns:a16="http://schemas.microsoft.com/office/drawing/2014/main" id="{C806A15C-EEB5-706D-2648-B5A87AE1A72C}"/>
+                  </a:ext>
+                </a:extLst>
+              </p:cNvPr>
+              <p:cNvSpPr txBox="1"/>
+              <p:nvPr/>
+            </p:nvSpPr>
+            <p:spPr>
+              <a:xfrm>
+                <a:off x="3325953" y="3335200"/>
+                <a:ext cx="1217000" cy="246221"/>
+              </a:xfrm>
+              <a:prstGeom prst="rect">
+                <a:avLst/>
+              </a:prstGeom>
+              <a:noFill/>
+            </p:spPr>
+            <p:txBody>
+              <a:bodyPr wrap="none" rtlCol="0">
+                <a:spAutoFit/>
+              </a:bodyPr>
+              <a:lstStyle/>
+              <a:p>
+                <a:pPr algn="ctr"/>
+                <a:r>
+                  <a:rPr lang="ko-KR" altLang="en-US" sz="1000" b="1" dirty="0">
+                    <a:solidFill>
+                      <a:schemeClr val="bg1"/>
+                    </a:solidFill>
+                    <a:latin typeface="넥슨Lv1고딕" panose="00000500000000000000" pitchFamily="2" charset="-127"/>
+                    <a:ea typeface="넥슨Lv1고딕" panose="00000500000000000000" pitchFamily="2" charset="-127"/>
+                  </a:rPr>
+                  <a:t>다양한 전투 스타일</a:t>
+                </a:r>
+                <a:endParaRPr lang="en-US" altLang="ko-KR" sz="1000" b="1" dirty="0">
+                  <a:solidFill>
+                    <a:schemeClr val="bg1"/>
+                  </a:solidFill>
+                  <a:latin typeface="넥슨Lv1고딕" panose="00000500000000000000" pitchFamily="2" charset="-127"/>
+                  <a:ea typeface="넥슨Lv1고딕" panose="00000500000000000000" pitchFamily="2" charset="-127"/>
+                </a:endParaRPr>
+              </a:p>
+            </p:txBody>
+          </p:sp>
+        </p:grpSp>
+      </p:grpSp>
+      <p:sp>
+        <p:nvSpPr>
+          <p:cNvPr id="3146" name="TextBox 3145">
+            <a:extLst>
+              <a:ext uri="{FF2B5EF4-FFF2-40B4-BE49-F238E27FC236}">
+                <a16:creationId xmlns:a16="http://schemas.microsoft.com/office/drawing/2014/main" id="{23AE04F3-C067-B00C-4BD4-FED7507FAE35}"/>
+              </a:ext>
+            </a:extLst>
+          </p:cNvPr>
+          <p:cNvSpPr txBox="1"/>
+          <p:nvPr/>
+        </p:nvSpPr>
+        <p:spPr>
+          <a:xfrm>
+            <a:off x="4556725" y="6100056"/>
+            <a:ext cx="3797835" cy="338554"/>
+          </a:xfrm>
+          <a:prstGeom prst="rect">
+            <a:avLst/>
+          </a:prstGeom>
+          <a:noFill/>
+        </p:spPr>
+        <p:txBody>
+          <a:bodyPr wrap="none" rtlCol="0">
+            <a:spAutoFit/>
+          </a:bodyPr>
+          <a:lstStyle/>
+          <a:p>
+            <a:pPr algn="ctr"/>
+            <a:r>
+              <a:rPr lang="ko-KR" altLang="en-US" sz="1100" dirty="0">
+                <a:solidFill>
+                  <a:schemeClr val="bg1"/>
+                </a:solidFill>
+                <a:latin typeface="넥슨Lv1고딕" panose="00000500000000000000" pitchFamily="2" charset="-127"/>
+                <a:ea typeface="넥슨Lv1고딕" panose="00000500000000000000" pitchFamily="2" charset="-127"/>
+              </a:rPr>
+              <a:t>다른 </a:t>
+            </a:r>
+            <a:r>
+              <a:rPr lang="ko-KR" altLang="en-US" sz="1100" dirty="0" err="1">
+                <a:solidFill>
+                  <a:schemeClr val="bg1"/>
+                </a:solidFill>
+                <a:latin typeface="넥슨Lv1고딕" panose="00000500000000000000" pitchFamily="2" charset="-127"/>
+                <a:ea typeface="넥슨Lv1고딕" panose="00000500000000000000" pitchFamily="2" charset="-127"/>
+              </a:rPr>
+              <a:t>소울라이크</a:t>
+            </a:r>
+            <a:r>
+              <a:rPr lang="ko-KR" altLang="en-US" sz="1100" dirty="0">
+                <a:solidFill>
+                  <a:schemeClr val="bg1"/>
+                </a:solidFill>
+                <a:latin typeface="넥슨Lv1고딕" panose="00000500000000000000" pitchFamily="2" charset="-127"/>
+                <a:ea typeface="넥슨Lv1고딕" panose="00000500000000000000" pitchFamily="2" charset="-127"/>
+              </a:rPr>
+              <a:t> 장르의 게임과 </a:t>
+            </a:r>
+            <a:r>
+              <a:rPr lang="ko-KR" altLang="en-US" sz="1600" dirty="0">
+                <a:gradFill>
+                  <a:gsLst>
+                    <a:gs pos="5000">
+                      <a:srgbClr val="E8DFC2">
+                        <a:lumMod val="98000"/>
+                        <a:lumOff val="2000"/>
+                      </a:srgbClr>
+                    </a:gs>
+                    <a:gs pos="2000">
+                      <a:srgbClr val="F2EDDE"/>
+                    </a:gs>
+                    <a:gs pos="60000">
+                      <a:srgbClr val="D1B973"/>
+                    </a:gs>
+                    <a:gs pos="40000">
+                      <a:srgbClr val="E6D9B4"/>
+                    </a:gs>
+                    <a:gs pos="76000">
+                      <a:srgbClr val="D1B973"/>
+                    </a:gs>
+                    <a:gs pos="100000">
+                      <a:srgbClr val="E6D9B4"/>
+                    </a:gs>
+                  </a:gsLst>
+                  <a:path path="circle">
+                    <a:fillToRect l="50000" t="50000" r="50000" b="50000"/>
+                  </a:path>
+                </a:gradFill>
+                <a:latin typeface="넥슨Lv1고딕 Bold" panose="00000800000000000000" pitchFamily="2" charset="-127"/>
+                <a:ea typeface="넥슨Lv1고딕 Bold" panose="00000800000000000000" pitchFamily="2" charset="-127"/>
+              </a:rPr>
+              <a:t>차별화된 재미</a:t>
+            </a:r>
+            <a:r>
+              <a:rPr lang="ko-KR" altLang="en-US" sz="1600" dirty="0">
+                <a:solidFill>
+                  <a:schemeClr val="bg1"/>
+                </a:solidFill>
+                <a:latin typeface="넥슨Lv1고딕" panose="00000500000000000000" pitchFamily="2" charset="-127"/>
+                <a:ea typeface="넥슨Lv1고딕" panose="00000500000000000000" pitchFamily="2" charset="-127"/>
+              </a:rPr>
+              <a:t> </a:t>
+            </a:r>
+            <a:r>
+              <a:rPr lang="ko-KR" altLang="en-US" sz="1100" dirty="0">
+                <a:solidFill>
+                  <a:schemeClr val="bg1"/>
+                </a:solidFill>
+                <a:latin typeface="넥슨Lv1고딕" panose="00000500000000000000" pitchFamily="2" charset="-127"/>
+                <a:ea typeface="넥슨Lv1고딕" panose="00000500000000000000" pitchFamily="2" charset="-127"/>
+              </a:rPr>
+              <a:t>선사</a:t>
+            </a:r>
+            <a:endParaRPr lang="en-US" altLang="ko-KR" sz="1100" dirty="0">
+              <a:solidFill>
+                <a:schemeClr val="bg1"/>
+              </a:solidFill>
+              <a:latin typeface="넥슨Lv1고딕" panose="00000500000000000000" pitchFamily="2" charset="-127"/>
+              <a:ea typeface="넥슨Lv1고딕" panose="00000500000000000000" pitchFamily="2" charset="-127"/>
+            </a:endParaRPr>
+          </a:p>
+        </p:txBody>
+      </p:sp>
+      <p:sp>
+        <p:nvSpPr>
+          <p:cNvPr id="3150" name="화살표: 오른쪽 3149">
+            <a:extLst>
+              <a:ext uri="{FF2B5EF4-FFF2-40B4-BE49-F238E27FC236}">
+                <a16:creationId xmlns:a16="http://schemas.microsoft.com/office/drawing/2014/main" id="{A2D04C6C-3AAA-83C3-A8D5-39808BFB3E18}"/>
+              </a:ext>
+            </a:extLst>
+          </p:cNvPr>
+          <p:cNvSpPr/>
+          <p:nvPr/>
+        </p:nvSpPr>
+        <p:spPr>
+          <a:xfrm rot="5400000">
+            <a:off x="6115882" y="5573407"/>
+            <a:ext cx="571625" cy="283141"/>
+          </a:xfrm>
+          <a:prstGeom prst="rightArrow">
+            <a:avLst/>
+          </a:prstGeom>
+        </p:spPr>
+        <p:style>
+          <a:lnRef idx="3">
+            <a:schemeClr val="lt1"/>
+          </a:lnRef>
+          <a:fillRef idx="1">
+            <a:schemeClr val="accent3"/>
+          </a:fillRef>
+          <a:effectRef idx="1">
+            <a:schemeClr val="accent3"/>
+          </a:effectRef>
+          <a:fontRef idx="minor">
+            <a:schemeClr val="lt1"/>
+          </a:fontRef>
+        </p:style>
+        <p:txBody>
+          <a:bodyPr rtlCol="0" anchor="ctr"/>
+          <a:lstStyle/>
+          <a:p>
+            <a:pPr algn="ctr"/>
+            <a:endParaRPr lang="ko-KR" altLang="en-US"/>
+          </a:p>
+        </p:txBody>
+      </p:sp>
+      <p:grpSp>
+        <p:nvGrpSpPr>
+          <p:cNvPr id="33" name="그룹 32">
+            <a:extLst>
+              <a:ext uri="{FF2B5EF4-FFF2-40B4-BE49-F238E27FC236}">
+                <a16:creationId xmlns:a16="http://schemas.microsoft.com/office/drawing/2014/main" id="{D6AD045B-F52A-2D09-4DCD-F0910B930B3D}"/>
+              </a:ext>
+            </a:extLst>
+          </p:cNvPr>
+          <p:cNvGrpSpPr/>
+          <p:nvPr/>
+        </p:nvGrpSpPr>
+        <p:grpSpPr>
+          <a:xfrm>
+            <a:off x="2167856" y="3188548"/>
+            <a:ext cx="1073729" cy="1503946"/>
+            <a:chOff x="2167856" y="1487877"/>
+            <a:chExt cx="1073729" cy="1503946"/>
+          </a:xfrm>
+        </p:grpSpPr>
+        <p:sp>
+          <p:nvSpPr>
+            <p:cNvPr id="34" name="직사각형 33">
+              <a:extLst>
+                <a:ext uri="{FF2B5EF4-FFF2-40B4-BE49-F238E27FC236}">
+                  <a16:creationId xmlns:a16="http://schemas.microsoft.com/office/drawing/2014/main" id="{C5D24971-AECF-1FA3-F931-9DBE8B2D5DCC}"/>
+                </a:ext>
+              </a:extLst>
+            </p:cNvPr>
+            <p:cNvSpPr/>
+            <p:nvPr/>
+          </p:nvSpPr>
+          <p:spPr>
+            <a:xfrm>
+              <a:off x="2167856" y="1755398"/>
+              <a:ext cx="1073729" cy="1236425"/>
+            </a:xfrm>
+            <a:prstGeom prst="rect">
+              <a:avLst/>
+            </a:prstGeom>
+            <a:solidFill>
+              <a:schemeClr val="bg1"/>
+            </a:solidFill>
+            <a:ln w="12700">
+              <a:solidFill>
+                <a:srgbClr val="39382E"/>
+              </a:solidFill>
+            </a:ln>
+          </p:spPr>
+          <p:style>
+            <a:lnRef idx="2">
+              <a:schemeClr val="accent1">
+                <a:shade val="15000"/>
+              </a:schemeClr>
+            </a:lnRef>
+            <a:fillRef idx="1">
+              <a:schemeClr val="accent1"/>
+            </a:fillRef>
+            <a:effectRef idx="0">
+              <a:schemeClr val="accent1"/>
+            </a:effectRef>
+            <a:fontRef idx="minor">
+              <a:schemeClr val="lt1"/>
+            </a:fontRef>
+          </p:style>
+          <p:txBody>
+            <a:bodyPr rtlCol="0" anchor="ctr"/>
+            <a:lstStyle/>
+            <a:p>
+              <a:pPr algn="ctr"/>
+              <a:endParaRPr lang="ko-KR" altLang="en-US"/>
+            </a:p>
+          </p:txBody>
+        </p:sp>
+        <p:grpSp>
+          <p:nvGrpSpPr>
+            <p:cNvPr id="35" name="그룹 34">
+              <a:extLst>
+                <a:ext uri="{FF2B5EF4-FFF2-40B4-BE49-F238E27FC236}">
+                  <a16:creationId xmlns:a16="http://schemas.microsoft.com/office/drawing/2014/main" id="{26370143-2BBB-9164-0C26-97600093BAEB}"/>
+                </a:ext>
+              </a:extLst>
+            </p:cNvPr>
+            <p:cNvGrpSpPr/>
+            <p:nvPr/>
+          </p:nvGrpSpPr>
+          <p:grpSpPr>
+            <a:xfrm>
+              <a:off x="2196571" y="1487877"/>
+              <a:ext cx="1016298" cy="1471084"/>
+              <a:chOff x="6414848" y="1491993"/>
+              <a:chExt cx="1016298" cy="1471084"/>
+            </a:xfrm>
+          </p:grpSpPr>
+          <p:pic>
+            <p:nvPicPr>
+              <p:cNvPr id="36" name="그림 35" descr="텍스트, 종이 클립, 디자인, 일러스트레이션이(가) 표시된 사진&#10;&#10;자동 생성된 설명">
+                <a:extLst>
+                  <a:ext uri="{FF2B5EF4-FFF2-40B4-BE49-F238E27FC236}">
+                    <a16:creationId xmlns:a16="http://schemas.microsoft.com/office/drawing/2014/main" id="{4115447D-8F57-D2EB-45AA-F7D27623D560}"/>
+                  </a:ext>
+                </a:extLst>
+              </p:cNvPr>
+              <p:cNvPicPr>
+                <a:picLocks noChangeAspect="1"/>
+              </p:cNvPicPr>
+              <p:nvPr/>
+            </p:nvPicPr>
+            <p:blipFill>
+              <a:blip r:embed="rId2">
+                <a:extLst>
+                  <a:ext uri="{28A0092B-C50C-407E-A947-70E740481C1C}">
+                    <a14:useLocalDpi xmlns:a14="http://schemas.microsoft.com/office/drawing/2010/main" val="0"/>
+                  </a:ext>
+                </a:extLst>
+              </a:blip>
+              <a:srcRect l="13815" b="39713"/>
+              <a:stretch/>
+            </p:blipFill>
+            <p:spPr>
+              <a:xfrm>
+                <a:off x="6414848" y="1726652"/>
+                <a:ext cx="1016298" cy="1236425"/>
+              </a:xfrm>
+              <a:prstGeom prst="rect">
+                <a:avLst/>
+              </a:prstGeom>
+            </p:spPr>
+          </p:pic>
+          <p:sp>
+            <p:nvSpPr>
+              <p:cNvPr id="37" name="TextBox 36">
+                <a:extLst>
+                  <a:ext uri="{FF2B5EF4-FFF2-40B4-BE49-F238E27FC236}">
+                    <a16:creationId xmlns:a16="http://schemas.microsoft.com/office/drawing/2014/main" id="{647A0076-52DB-026D-D74A-51D396D626C4}"/>
+                  </a:ext>
+                </a:extLst>
+              </p:cNvPr>
+              <p:cNvSpPr txBox="1"/>
+              <p:nvPr/>
+            </p:nvSpPr>
+            <p:spPr>
+              <a:xfrm>
+                <a:off x="6603040" y="1491993"/>
+                <a:ext cx="639919" cy="246221"/>
+              </a:xfrm>
+              <a:prstGeom prst="rect">
+                <a:avLst/>
+              </a:prstGeom>
+              <a:noFill/>
+            </p:spPr>
+            <p:txBody>
+              <a:bodyPr wrap="none" rtlCol="0">
+                <a:spAutoFit/>
+              </a:bodyPr>
+              <a:lstStyle/>
+              <a:p>
+                <a:pPr algn="ctr"/>
+                <a:r>
+                  <a:rPr lang="en-US" altLang="ko-KR" sz="1000" dirty="0">
+                    <a:solidFill>
+                      <a:schemeClr val="bg1"/>
+                    </a:solidFill>
+                    <a:latin typeface="넥슨Lv1고딕" panose="00000500000000000000" pitchFamily="2" charset="-127"/>
+                    <a:ea typeface="넥슨Lv1고딕" panose="00000500000000000000" pitchFamily="2" charset="-127"/>
+                  </a:rPr>
+                  <a:t>[</a:t>
+                </a:r>
+                <a:r>
+                  <a:rPr lang="ko-KR" altLang="en-US" sz="1000" dirty="0" err="1">
+                    <a:solidFill>
+                      <a:schemeClr val="bg1"/>
+                    </a:solidFill>
+                    <a:latin typeface="넥슨Lv1고딕" panose="00000500000000000000" pitchFamily="2" charset="-127"/>
+                    <a:ea typeface="넥슨Lv1고딕" panose="00000500000000000000" pitchFamily="2" charset="-127"/>
+                  </a:rPr>
+                  <a:t>입문자</a:t>
+                </a:r>
+                <a:r>
+                  <a:rPr lang="en-US" altLang="ko-KR" sz="1000" dirty="0">
+                    <a:solidFill>
+                      <a:schemeClr val="bg1"/>
+                    </a:solidFill>
+                    <a:latin typeface="넥슨Lv1고딕" panose="00000500000000000000" pitchFamily="2" charset="-127"/>
+                    <a:ea typeface="넥슨Lv1고딕" panose="00000500000000000000" pitchFamily="2" charset="-127"/>
+                  </a:rPr>
+                  <a:t>]</a:t>
+                </a:r>
+              </a:p>
+            </p:txBody>
+          </p:sp>
+        </p:grpSp>
+      </p:grpSp>
+      <p:grpSp>
+        <p:nvGrpSpPr>
+          <p:cNvPr id="38" name="그룹 37">
+            <a:extLst>
+              <a:ext uri="{FF2B5EF4-FFF2-40B4-BE49-F238E27FC236}">
+                <a16:creationId xmlns:a16="http://schemas.microsoft.com/office/drawing/2014/main" id="{A7F3560D-724E-3C8E-84C7-2F8BE4466622}"/>
+              </a:ext>
+            </a:extLst>
+          </p:cNvPr>
+          <p:cNvGrpSpPr/>
+          <p:nvPr/>
+        </p:nvGrpSpPr>
+        <p:grpSpPr>
+          <a:xfrm>
+            <a:off x="3593832" y="3182714"/>
+            <a:ext cx="1073729" cy="1509153"/>
+            <a:chOff x="8059961" y="1531226"/>
+            <a:chExt cx="1073729" cy="1509153"/>
+          </a:xfrm>
+        </p:grpSpPr>
+        <p:sp>
+          <p:nvSpPr>
+            <p:cNvPr id="39" name="직사각형 38">
+              <a:extLst>
+                <a:ext uri="{FF2B5EF4-FFF2-40B4-BE49-F238E27FC236}">
+                  <a16:creationId xmlns:a16="http://schemas.microsoft.com/office/drawing/2014/main" id="{D92D73C0-EC33-637C-E176-94ABFEC51EB3}"/>
+                </a:ext>
+              </a:extLst>
+            </p:cNvPr>
+            <p:cNvSpPr/>
+            <p:nvPr/>
+          </p:nvSpPr>
+          <p:spPr>
+            <a:xfrm>
+              <a:off x="8059961" y="1803954"/>
+              <a:ext cx="1073729" cy="1236425"/>
+            </a:xfrm>
+            <a:prstGeom prst="rect">
+              <a:avLst/>
+            </a:prstGeom>
+            <a:solidFill>
+              <a:schemeClr val="bg1"/>
+            </a:solidFill>
+            <a:ln w="12700">
+              <a:solidFill>
+                <a:srgbClr val="39382E"/>
+              </a:solidFill>
+            </a:ln>
+          </p:spPr>
+          <p:style>
+            <a:lnRef idx="2">
+              <a:schemeClr val="accent1">
+                <a:shade val="15000"/>
+              </a:schemeClr>
+            </a:lnRef>
+            <a:fillRef idx="1">
+              <a:schemeClr val="accent1"/>
+            </a:fillRef>
+            <a:effectRef idx="0">
+              <a:schemeClr val="accent1"/>
+            </a:effectRef>
+            <a:fontRef idx="minor">
+              <a:schemeClr val="lt1"/>
+            </a:fontRef>
+          </p:style>
+          <p:txBody>
+            <a:bodyPr rtlCol="0" anchor="ctr"/>
+            <a:lstStyle/>
+            <a:p>
+              <a:pPr algn="ctr"/>
+              <a:endParaRPr lang="ko-KR" altLang="en-US"/>
+            </a:p>
+          </p:txBody>
+        </p:sp>
+        <p:sp>
+          <p:nvSpPr>
+            <p:cNvPr id="40" name="TextBox 39">
+              <a:extLst>
+                <a:ext uri="{FF2B5EF4-FFF2-40B4-BE49-F238E27FC236}">
+                  <a16:creationId xmlns:a16="http://schemas.microsoft.com/office/drawing/2014/main" id="{611D2679-96F7-461D-A31C-9FD6A0483DC6}"/>
+                </a:ext>
+              </a:extLst>
+            </p:cNvPr>
+            <p:cNvSpPr txBox="1"/>
+            <p:nvPr/>
+          </p:nvSpPr>
+          <p:spPr>
+            <a:xfrm>
+              <a:off x="8276869" y="1531226"/>
+              <a:ext cx="639919" cy="246221"/>
+            </a:xfrm>
+            <a:prstGeom prst="rect">
+              <a:avLst/>
+            </a:prstGeom>
+            <a:noFill/>
+          </p:spPr>
+          <p:txBody>
+            <a:bodyPr wrap="none" rtlCol="0">
+              <a:spAutoFit/>
+            </a:bodyPr>
+            <a:lstStyle/>
+            <a:p>
+              <a:pPr algn="ctr"/>
+              <a:r>
+                <a:rPr lang="en-US" altLang="ko-KR" sz="1000" dirty="0">
+                  <a:solidFill>
+                    <a:schemeClr val="bg1"/>
+                  </a:solidFill>
+                  <a:latin typeface="넥슨Lv1고딕" panose="00000500000000000000" pitchFamily="2" charset="-127"/>
+                  <a:ea typeface="넥슨Lv1고딕" panose="00000500000000000000" pitchFamily="2" charset="-127"/>
+                </a:rPr>
+                <a:t>[</a:t>
+              </a:r>
+              <a:r>
+                <a:rPr lang="ko-KR" altLang="en-US" sz="1000" dirty="0" err="1">
+                  <a:solidFill>
+                    <a:schemeClr val="bg1"/>
+                  </a:solidFill>
+                  <a:latin typeface="넥슨Lv1고딕" panose="00000500000000000000" pitchFamily="2" charset="-127"/>
+                  <a:ea typeface="넥슨Lv1고딕" panose="00000500000000000000" pitchFamily="2" charset="-127"/>
+                </a:rPr>
+                <a:t>숙련자</a:t>
+              </a:r>
+              <a:r>
+                <a:rPr lang="en-US" altLang="ko-KR" sz="1000" dirty="0">
+                  <a:solidFill>
+                    <a:schemeClr val="bg1"/>
+                  </a:solidFill>
+                  <a:latin typeface="넥슨Lv1고딕" panose="00000500000000000000" pitchFamily="2" charset="-127"/>
+                  <a:ea typeface="넥슨Lv1고딕" panose="00000500000000000000" pitchFamily="2" charset="-127"/>
+                </a:rPr>
+                <a:t>]</a:t>
+              </a:r>
+            </a:p>
+          </p:txBody>
+        </p:sp>
+        <p:pic>
+          <p:nvPicPr>
+            <p:cNvPr id="41" name="그림 40" descr="종이 클립, 디자인, 일러스트레이션이(가) 표시된 사진&#10;&#10;자동 생성된 설명">
+              <a:extLst>
+                <a:ext uri="{FF2B5EF4-FFF2-40B4-BE49-F238E27FC236}">
+                  <a16:creationId xmlns:a16="http://schemas.microsoft.com/office/drawing/2014/main" id="{84656AEE-9256-F40F-9AEF-CE39169C2E0A}"/>
+                </a:ext>
+              </a:extLst>
+            </p:cNvPr>
+            <p:cNvPicPr>
+              <a:picLocks noChangeAspect="1"/>
+            </p:cNvPicPr>
+            <p:nvPr/>
+          </p:nvPicPr>
+          <p:blipFill>
+            <a:blip r:embed="rId3">
+              <a:extLst>
+                <a:ext uri="{28A0092B-C50C-407E-A947-70E740481C1C}">
+                  <a14:useLocalDpi xmlns:a14="http://schemas.microsoft.com/office/drawing/2010/main" val="0"/>
+                </a:ext>
+              </a:extLst>
+            </a:blip>
+            <a:srcRect l="24279" b="39185"/>
+            <a:stretch/>
+          </p:blipFill>
+          <p:spPr>
+            <a:xfrm>
+              <a:off x="8182593" y="1767610"/>
+              <a:ext cx="828464" cy="1236425"/>
+            </a:xfrm>
+            <a:prstGeom prst="rect">
+              <a:avLst/>
+            </a:prstGeom>
+          </p:spPr>
+        </p:pic>
+      </p:grpSp>
+    </p:spTree>
+    <p:extLst>
+      <p:ext uri="{BB962C8B-B14F-4D97-AF65-F5344CB8AC3E}">
+        <p14:creationId xmlns:p14="http://schemas.microsoft.com/office/powerpoint/2010/main" val="630511486"/>
+      </p:ext>
+    </p:extLst>
+  </p:cSld>
+  <p:clrMapOvr>
+    <a:masterClrMapping/>
+  </p:clrMapOvr>
+</p:sld>
+</file>
+
+<file path=ppt/slides/slide6.xml><?xml version="1.0" encoding="utf-8"?>
+<p:sld xmlns:a="http://schemas.openxmlformats.org/drawingml/2006/main" xmlns:r="http://schemas.openxmlformats.org/officeDocument/2006/relationships" xmlns:p="http://schemas.openxmlformats.org/presentationml/2006/main">
+  <p:cSld>
+    <p:spTree>
+      <p:nvGrpSpPr>
+        <p:cNvPr id="1" name=""/>
+        <p:cNvGrpSpPr/>
+        <p:nvPr/>
+      </p:nvGrpSpPr>
+      <p:grpSpPr>
+        <a:xfrm>
+          <a:off x="0" y="0"/>
+          <a:ext cx="0" cy="0"/>
+          <a:chOff x="0" y="0"/>
+          <a:chExt cx="0" cy="0"/>
+        </a:xfrm>
+      </p:grpSpPr>
+      <p:sp>
+        <p:nvSpPr>
           <p:cNvPr id="2" name="슬라이드 번호 개체 틀 1">
             <a:extLst>
               <a:ext uri="{FF2B5EF4-FFF2-40B4-BE49-F238E27FC236}">
@@ -20382,7 +25670,7 @@
             <a:fld id="{1F335F12-2F84-4C53-9DF5-2927535D2C2D}" type="slidenum">
               <a:rPr lang="ko-KR" altLang="en-US" smtClean="0"/>
               <a:pPr/>
-              <a:t>4</a:t>
+              <a:t>6</a:t>
             </a:fld>
             <a:r>
               <a:rPr lang="en-US" altLang="ko-KR"/>
@@ -22797,7 +28085,7 @@
 </p:sld>
 </file>
 
-<file path=ppt/slides/slide5.xml><?xml version="1.0" encoding="utf-8"?>
+<file path=ppt/slides/slide7.xml><?xml version="1.0" encoding="utf-8"?>
 <p:sld xmlns:a="http://schemas.openxmlformats.org/drawingml/2006/main" xmlns:r="http://schemas.openxmlformats.org/officeDocument/2006/relationships" xmlns:p="http://schemas.openxmlformats.org/presentationml/2006/main">
   <p:cSld>
     <p:spTree>
@@ -22842,7 +28130,7 @@
             <a:fld id="{1F335F12-2F84-4C53-9DF5-2927535D2C2D}" type="slidenum">
               <a:rPr lang="ko-KR" altLang="en-US" smtClean="0"/>
               <a:pPr/>
-              <a:t>5</a:t>
+              <a:t>7</a:t>
             </a:fld>
             <a:r>
               <a:rPr lang="en-US" altLang="ko-KR"/>
@@ -24772,7 +30060,7 @@
 </p:sld>
 </file>
 
-<file path=ppt/slides/slide6.xml><?xml version="1.0" encoding="utf-8"?>
+<file path=ppt/slides/slide8.xml><?xml version="1.0" encoding="utf-8"?>
 <p:sld xmlns:a="http://schemas.openxmlformats.org/drawingml/2006/main" xmlns:r="http://schemas.openxmlformats.org/officeDocument/2006/relationships" xmlns:p="http://schemas.openxmlformats.org/presentationml/2006/main">
   <p:cSld>
     <p:spTree>
@@ -24817,7 +30105,7 @@
             <a:fld id="{1F335F12-2F84-4C53-9DF5-2927535D2C2D}" type="slidenum">
               <a:rPr lang="ko-KR" altLang="en-US" smtClean="0"/>
               <a:pPr/>
-              <a:t>6</a:t>
+              <a:t>8</a:t>
             </a:fld>
             <a:r>
               <a:rPr lang="en-US" altLang="ko-KR"/>
@@ -25229,9 +30517,9 @@
         <p:grpSpPr>
           <a:xfrm>
             <a:off x="1992916" y="954061"/>
-            <a:ext cx="4985069" cy="1362132"/>
+            <a:ext cx="3811671" cy="1362132"/>
             <a:chOff x="1992916" y="954061"/>
-            <a:chExt cx="4985069" cy="1362132"/>
+            <a:chExt cx="3811671" cy="1362132"/>
           </a:xfrm>
         </p:grpSpPr>
         <p:sp>
@@ -25249,7 +30537,7 @@
           <p:spPr>
             <a:xfrm>
               <a:off x="2205525" y="1454419"/>
-              <a:ext cx="4772460" cy="861774"/>
+              <a:ext cx="3599062" cy="861774"/>
             </a:xfrm>
             <a:prstGeom prst="rect">
               <a:avLst/>
@@ -25284,27 +30572,7 @@
                   <a:latin typeface="넥슨Lv1고딕" panose="00000500000000000000" pitchFamily="2" charset="-127"/>
                   <a:ea typeface="넥슨Lv1고딕" panose="00000500000000000000" pitchFamily="2" charset="-127"/>
                 </a:rPr>
-                <a:t>. (</a:t>
-              </a:r>
-              <a:r>
-                <a:rPr lang="ko-KR" altLang="en-US" sz="1000" dirty="0">
-                  <a:solidFill>
-                    <a:schemeClr val="bg1"/>
-                  </a:solidFill>
-                  <a:latin typeface="넥슨Lv1고딕" panose="00000500000000000000" pitchFamily="2" charset="-127"/>
-                  <a:ea typeface="넥슨Lv1고딕" panose="00000500000000000000" pitchFamily="2" charset="-127"/>
-                </a:rPr>
-                <a:t>일부 무기에는 전회 부여가 되지 않습니다</a:t>
-              </a:r>
-              <a:r>
-                <a:rPr lang="en-US" altLang="ko-KR" sz="1000" dirty="0">
-                  <a:solidFill>
-                    <a:schemeClr val="bg1"/>
-                  </a:solidFill>
-                  <a:latin typeface="넥슨Lv1고딕" panose="00000500000000000000" pitchFamily="2" charset="-127"/>
-                  <a:ea typeface="넥슨Lv1고딕" panose="00000500000000000000" pitchFamily="2" charset="-127"/>
-                </a:rPr>
-                <a:t>.)</a:t>
+                <a:t>. </a:t>
               </a:r>
             </a:p>
             <a:p>
@@ -26098,7 +31366,7 @@
 </p:sld>
 </file>
 
-<file path=ppt/slides/slide7.xml><?xml version="1.0" encoding="utf-8"?>
+<file path=ppt/slides/slide9.xml><?xml version="1.0" encoding="utf-8"?>
 <p:sld xmlns:a="http://schemas.openxmlformats.org/drawingml/2006/main" xmlns:r="http://schemas.openxmlformats.org/officeDocument/2006/relationships" xmlns:p="http://schemas.openxmlformats.org/presentationml/2006/main">
   <p:cSld>
     <p:spTree>
@@ -26143,7 +31411,7 @@
             <a:fld id="{1F335F12-2F84-4C53-9DF5-2927535D2C2D}" type="slidenum">
               <a:rPr lang="ko-KR" altLang="en-US" smtClean="0"/>
               <a:pPr/>
-              <a:t>7</a:t>
+              <a:t>9</a:t>
             </a:fld>
             <a:r>
               <a:rPr lang="en-US" altLang="ko-KR"/>
@@ -27594,1311 +32862,6 @@
 </p:sld>
 </file>
 
-<file path=ppt/slides/slide8.xml><?xml version="1.0" encoding="utf-8"?>
-<p:sld xmlns:a="http://schemas.openxmlformats.org/drawingml/2006/main" xmlns:r="http://schemas.openxmlformats.org/officeDocument/2006/relationships" xmlns:p="http://schemas.openxmlformats.org/presentationml/2006/main">
-  <p:cSld>
-    <p:spTree>
-      <p:nvGrpSpPr>
-        <p:cNvPr id="1" name=""/>
-        <p:cNvGrpSpPr/>
-        <p:nvPr/>
-      </p:nvGrpSpPr>
-      <p:grpSpPr>
-        <a:xfrm>
-          <a:off x="0" y="0"/>
-          <a:ext cx="0" cy="0"/>
-          <a:chOff x="0" y="0"/>
-          <a:chExt cx="0" cy="0"/>
-        </a:xfrm>
-      </p:grpSpPr>
-      <p:sp>
-        <p:nvSpPr>
-          <p:cNvPr id="2" name="슬라이드 번호 개체 틀 1">
-            <a:extLst>
-              <a:ext uri="{FF2B5EF4-FFF2-40B4-BE49-F238E27FC236}">
-                <a16:creationId xmlns:a16="http://schemas.microsoft.com/office/drawing/2014/main" id="{C5BD0FF6-4671-AD96-A369-8F84840014F5}"/>
-              </a:ext>
-            </a:extLst>
-          </p:cNvPr>
-          <p:cNvSpPr>
-            <a:spLocks noGrp="1"/>
-          </p:cNvSpPr>
-          <p:nvPr>
-            <p:ph type="sldNum" sz="quarter" idx="4"/>
-          </p:nvPr>
-        </p:nvSpPr>
-        <p:spPr/>
-        <p:txBody>
-          <a:bodyPr/>
-          <a:lstStyle/>
-          <a:p>
-            <a:r>
-              <a:rPr lang="en-US" altLang="ko-KR"/>
-              <a:t>p. </a:t>
-            </a:r>
-            <a:fld id="{1F335F12-2F84-4C53-9DF5-2927535D2C2D}" type="slidenum">
-              <a:rPr lang="ko-KR" altLang="en-US" smtClean="0"/>
-              <a:pPr/>
-              <a:t>8</a:t>
-            </a:fld>
-            <a:r>
-              <a:rPr lang="en-US" altLang="ko-KR"/>
-              <a:t>/20</a:t>
-            </a:r>
-            <a:endParaRPr lang="ko-KR" altLang="en-US" dirty="0"/>
-          </a:p>
-        </p:txBody>
-      </p:sp>
-      <p:grpSp>
-        <p:nvGrpSpPr>
-          <p:cNvPr id="31" name="그룹 30">
-            <a:extLst>
-              <a:ext uri="{FF2B5EF4-FFF2-40B4-BE49-F238E27FC236}">
-                <a16:creationId xmlns:a16="http://schemas.microsoft.com/office/drawing/2014/main" id="{47D8B030-EA70-31D1-BD7B-DCF4F6D2E06F}"/>
-              </a:ext>
-            </a:extLst>
-          </p:cNvPr>
-          <p:cNvGrpSpPr/>
-          <p:nvPr/>
-        </p:nvGrpSpPr>
-        <p:grpSpPr>
-          <a:xfrm>
-            <a:off x="1992916" y="588889"/>
-            <a:ext cx="2831662" cy="1362132"/>
-            <a:chOff x="1992916" y="954061"/>
-            <a:chExt cx="2831662" cy="1362132"/>
-          </a:xfrm>
-        </p:grpSpPr>
-        <p:sp>
-          <p:nvSpPr>
-            <p:cNvPr id="32" name="TextBox 31">
-              <a:extLst>
-                <a:ext uri="{FF2B5EF4-FFF2-40B4-BE49-F238E27FC236}">
-                  <a16:creationId xmlns:a16="http://schemas.microsoft.com/office/drawing/2014/main" id="{247AC36F-D958-2624-47A9-5D8843BD7031}"/>
-                </a:ext>
-              </a:extLst>
-            </p:cNvPr>
-            <p:cNvSpPr txBox="1"/>
-            <p:nvPr/>
-          </p:nvSpPr>
-          <p:spPr>
-            <a:xfrm>
-              <a:off x="2205525" y="1454419"/>
-              <a:ext cx="2595582" cy="861774"/>
-            </a:xfrm>
-            <a:prstGeom prst="rect">
-              <a:avLst/>
-            </a:prstGeom>
-            <a:noFill/>
-          </p:spPr>
-          <p:txBody>
-            <a:bodyPr wrap="none" rtlCol="0">
-              <a:spAutoFit/>
-            </a:bodyPr>
-            <a:lstStyle/>
-            <a:p>
-              <a:pPr marL="171450" indent="-171450">
-                <a:buFontTx/>
-                <a:buChar char="-"/>
-              </a:pPr>
-              <a:r>
-                <a:rPr lang="ko-KR" altLang="en-US" sz="1000" dirty="0">
-                  <a:solidFill>
-                    <a:schemeClr val="bg1"/>
-                  </a:solidFill>
-                  <a:latin typeface="넥슨Lv1고딕" panose="00000500000000000000" pitchFamily="2" charset="-127"/>
-                  <a:ea typeface="넥슨Lv1고딕" panose="00000500000000000000" pitchFamily="2" charset="-127"/>
-                </a:rPr>
-                <a:t>전회를 부여함으로써 달라지는 부분 설명</a:t>
-              </a:r>
-              <a:endParaRPr lang="en-US" altLang="ko-KR" sz="1000" dirty="0">
-                <a:solidFill>
-                  <a:schemeClr val="bg1"/>
-                </a:solidFill>
-                <a:latin typeface="넥슨Lv1고딕" panose="00000500000000000000" pitchFamily="2" charset="-127"/>
-                <a:ea typeface="넥슨Lv1고딕" panose="00000500000000000000" pitchFamily="2" charset="-127"/>
-              </a:endParaRPr>
-            </a:p>
-            <a:p>
-              <a:pPr marL="171450" indent="-171450">
-                <a:buFontTx/>
-                <a:buChar char="-"/>
-              </a:pPr>
-              <a:endParaRPr lang="en-US" altLang="ko-KR" sz="1000" dirty="0">
-                <a:solidFill>
-                  <a:schemeClr val="bg1"/>
-                </a:solidFill>
-                <a:latin typeface="넥슨Lv1고딕" panose="00000500000000000000" pitchFamily="2" charset="-127"/>
-                <a:ea typeface="넥슨Lv1고딕" panose="00000500000000000000" pitchFamily="2" charset="-127"/>
-              </a:endParaRPr>
-            </a:p>
-            <a:p>
-              <a:pPr marL="171450" indent="-171450">
-                <a:buFontTx/>
-                <a:buChar char="-"/>
-              </a:pPr>
-              <a:r>
-                <a:rPr lang="ko-KR" altLang="en-US" sz="1000" dirty="0">
-                  <a:solidFill>
-                    <a:schemeClr val="bg1"/>
-                  </a:solidFill>
-                  <a:latin typeface="넥슨Lv1고딕" panose="00000500000000000000" pitchFamily="2" charset="-127"/>
-                  <a:ea typeface="넥슨Lv1고딕" panose="00000500000000000000" pitchFamily="2" charset="-127"/>
-                </a:rPr>
-                <a:t>무기의 보정 치 변경</a:t>
-              </a:r>
-              <a:r>
-                <a:rPr lang="en-US" altLang="ko-KR" sz="1000" dirty="0">
-                  <a:solidFill>
-                    <a:schemeClr val="bg1"/>
-                  </a:solidFill>
-                  <a:latin typeface="넥슨Lv1고딕" panose="00000500000000000000" pitchFamily="2" charset="-127"/>
-                  <a:ea typeface="넥슨Lv1고딕" panose="00000500000000000000" pitchFamily="2" charset="-127"/>
-                </a:rPr>
-                <a:t>, </a:t>
-              </a:r>
-              <a:r>
-                <a:rPr lang="ko-KR" altLang="en-US" sz="1000" dirty="0">
-                  <a:solidFill>
-                    <a:schemeClr val="bg1"/>
-                  </a:solidFill>
-                  <a:latin typeface="넥슨Lv1고딕" panose="00000500000000000000" pitchFamily="2" charset="-127"/>
-                  <a:ea typeface="넥슨Lv1고딕" panose="00000500000000000000" pitchFamily="2" charset="-127"/>
-                </a:rPr>
-                <a:t>속성 변경 등등</a:t>
-              </a:r>
-              <a:endParaRPr lang="en-US" altLang="ko-KR" sz="1000" dirty="0">
-                <a:solidFill>
-                  <a:schemeClr val="bg1"/>
-                </a:solidFill>
-                <a:latin typeface="넥슨Lv1고딕" panose="00000500000000000000" pitchFamily="2" charset="-127"/>
-                <a:ea typeface="넥슨Lv1고딕" panose="00000500000000000000" pitchFamily="2" charset="-127"/>
-              </a:endParaRPr>
-            </a:p>
-            <a:p>
-              <a:pPr marL="171450" indent="-171450">
-                <a:buFontTx/>
-                <a:buChar char="-"/>
-              </a:pPr>
-              <a:endParaRPr lang="en-US" altLang="ko-KR" sz="1000" dirty="0">
-                <a:solidFill>
-                  <a:schemeClr val="bg1"/>
-                </a:solidFill>
-                <a:latin typeface="넥슨Lv1고딕" panose="00000500000000000000" pitchFamily="2" charset="-127"/>
-                <a:ea typeface="넥슨Lv1고딕" panose="00000500000000000000" pitchFamily="2" charset="-127"/>
-              </a:endParaRPr>
-            </a:p>
-            <a:p>
-              <a:pPr marL="171450" indent="-171450">
-                <a:buFontTx/>
-                <a:buChar char="-"/>
-              </a:pPr>
-              <a:r>
-                <a:rPr lang="ko-KR" altLang="en-US" sz="1000" dirty="0">
-                  <a:solidFill>
-                    <a:schemeClr val="bg1"/>
-                  </a:solidFill>
-                  <a:latin typeface="넥슨Lv1고딕" panose="00000500000000000000" pitchFamily="2" charset="-127"/>
-                  <a:ea typeface="넥슨Lv1고딕" panose="00000500000000000000" pitchFamily="2" charset="-127"/>
-                </a:rPr>
-                <a:t>전투 스타일의 변화 설명</a:t>
-              </a:r>
-              <a:endParaRPr lang="en-US" altLang="ko-KR" sz="1000" dirty="0">
-                <a:solidFill>
-                  <a:schemeClr val="bg1"/>
-                </a:solidFill>
-                <a:latin typeface="넥슨Lv1고딕" panose="00000500000000000000" pitchFamily="2" charset="-127"/>
-                <a:ea typeface="넥슨Lv1고딕" panose="00000500000000000000" pitchFamily="2" charset="-127"/>
-              </a:endParaRPr>
-            </a:p>
-          </p:txBody>
-        </p:sp>
-        <p:grpSp>
-          <p:nvGrpSpPr>
-            <p:cNvPr id="33" name="그룹 32">
-              <a:extLst>
-                <a:ext uri="{FF2B5EF4-FFF2-40B4-BE49-F238E27FC236}">
-                  <a16:creationId xmlns:a16="http://schemas.microsoft.com/office/drawing/2014/main" id="{7D84BACB-31BB-C60D-DEC1-78EB607A2B01}"/>
-                </a:ext>
-              </a:extLst>
-            </p:cNvPr>
-            <p:cNvGrpSpPr/>
-            <p:nvPr/>
-          </p:nvGrpSpPr>
-          <p:grpSpPr>
-            <a:xfrm>
-              <a:off x="1992916" y="954061"/>
-              <a:ext cx="2831662" cy="367200"/>
-              <a:chOff x="2500453" y="1274905"/>
-              <a:chExt cx="2831662" cy="367200"/>
-            </a:xfrm>
-          </p:grpSpPr>
-          <p:pic>
-            <p:nvPicPr>
-              <p:cNvPr id="34" name="Picture 4">
-                <a:extLst>
-                  <a:ext uri="{FF2B5EF4-FFF2-40B4-BE49-F238E27FC236}">
-                    <a16:creationId xmlns:a16="http://schemas.microsoft.com/office/drawing/2014/main" id="{05B11613-FE4D-25A8-6819-786726D821DA}"/>
-                  </a:ext>
-                </a:extLst>
-              </p:cNvPr>
-              <p:cNvPicPr>
-                <a:picLocks noChangeArrowheads="1"/>
-              </p:cNvPicPr>
-              <p:nvPr/>
-            </p:nvPicPr>
-            <p:blipFill rotWithShape="1">
-              <a:blip r:embed="rId2">
-                <a:clrChange>
-                  <a:clrFrom>
-                    <a:srgbClr val="000000"/>
-                  </a:clrFrom>
-                  <a:clrTo>
-                    <a:srgbClr val="000000">
-                      <a:alpha val="0"/>
-                    </a:srgbClr>
-                  </a:clrTo>
-                </a:clrChange>
-                <a:extLst>
-                  <a:ext uri="{28A0092B-C50C-407E-A947-70E740481C1C}">
-                    <a14:useLocalDpi xmlns:a14="http://schemas.microsoft.com/office/drawing/2010/main" val="0"/>
-                  </a:ext>
-                </a:extLst>
-              </a:blip>
-              <a:srcRect l="39323" t="43581" r="59826" b="39566"/>
-              <a:stretch/>
-            </p:blipFill>
-            <p:spPr bwMode="auto">
-              <a:xfrm>
-                <a:off x="2500453" y="1274905"/>
-                <a:ext cx="36000" cy="367200"/>
-              </a:xfrm>
-              <a:prstGeom prst="rect">
-                <a:avLst/>
-              </a:prstGeom>
-              <a:noFill/>
-              <a:extLst>
-                <a:ext uri="{909E8E84-426E-40DD-AFC4-6F175D3DCCD1}">
-                  <a14:hiddenFill xmlns:a14="http://schemas.microsoft.com/office/drawing/2010/main">
-                    <a:solidFill>
-                      <a:srgbClr val="FFFFFF"/>
-                    </a:solidFill>
-                  </a14:hiddenFill>
-                </a:ext>
-              </a:extLst>
-            </p:spPr>
-          </p:pic>
-          <p:grpSp>
-            <p:nvGrpSpPr>
-              <p:cNvPr id="35" name="그룹 34">
-                <a:extLst>
-                  <a:ext uri="{FF2B5EF4-FFF2-40B4-BE49-F238E27FC236}">
-                    <a16:creationId xmlns:a16="http://schemas.microsoft.com/office/drawing/2014/main" id="{3B5D7694-F830-22B8-17D5-8765B0D47149}"/>
-                  </a:ext>
-                </a:extLst>
-              </p:cNvPr>
-              <p:cNvGrpSpPr/>
-              <p:nvPr/>
-            </p:nvGrpSpPr>
-            <p:grpSpPr>
-              <a:xfrm>
-                <a:off x="2536453" y="1287843"/>
-                <a:ext cx="2795662" cy="343894"/>
-                <a:chOff x="4774676" y="2919518"/>
-                <a:chExt cx="2734338" cy="336351"/>
-              </a:xfrm>
-            </p:grpSpPr>
-            <p:sp>
-              <p:nvSpPr>
-                <p:cNvPr id="37" name="직사각형 36">
-                  <a:extLst>
-                    <a:ext uri="{FF2B5EF4-FFF2-40B4-BE49-F238E27FC236}">
-                      <a16:creationId xmlns:a16="http://schemas.microsoft.com/office/drawing/2014/main" id="{D2A5B6C4-E0ED-4EBD-E3EE-E8133A019BD4}"/>
-                    </a:ext>
-                  </a:extLst>
-                </p:cNvPr>
-                <p:cNvSpPr>
-                  <a:spLocks/>
-                </p:cNvSpPr>
-                <p:nvPr/>
-              </p:nvSpPr>
-              <p:spPr>
-                <a:xfrm>
-                  <a:off x="4774676" y="2919518"/>
-                  <a:ext cx="2734338" cy="336351"/>
-                </a:xfrm>
-                <a:prstGeom prst="rect">
-                  <a:avLst/>
-                </a:prstGeom>
-                <a:gradFill flip="none" rotWithShape="1">
-                  <a:gsLst>
-                    <a:gs pos="59000">
-                      <a:srgbClr val="1A1810">
-                        <a:alpha val="70000"/>
-                      </a:srgbClr>
-                    </a:gs>
-                    <a:gs pos="3000">
-                      <a:srgbClr val="1A1810">
-                        <a:alpha val="90000"/>
-                      </a:srgbClr>
-                    </a:gs>
-                    <a:gs pos="100000">
-                      <a:srgbClr val="1A1810">
-                        <a:alpha val="0"/>
-                      </a:srgbClr>
-                    </a:gs>
-                  </a:gsLst>
-                  <a:lin ang="0" scaled="1"/>
-                  <a:tileRect/>
-                </a:gradFill>
-                <a:ln>
-                  <a:noFill/>
-                </a:ln>
-                <a:effectLst/>
-              </p:spPr>
-              <p:style>
-                <a:lnRef idx="2">
-                  <a:schemeClr val="accent1">
-                    <a:shade val="15000"/>
-                  </a:schemeClr>
-                </a:lnRef>
-                <a:fillRef idx="1">
-                  <a:schemeClr val="accent1"/>
-                </a:fillRef>
-                <a:effectRef idx="0">
-                  <a:schemeClr val="accent1"/>
-                </a:effectRef>
-                <a:fontRef idx="minor">
-                  <a:schemeClr val="lt1"/>
-                </a:fontRef>
-              </p:style>
-              <p:txBody>
-                <a:bodyPr rtlCol="0" anchor="ctr"/>
-                <a:lstStyle/>
-                <a:p>
-                  <a:pPr algn="ctr"/>
-                  <a:endParaRPr lang="ko-KR" altLang="en-US" dirty="0"/>
-                </a:p>
-              </p:txBody>
-            </p:sp>
-            <p:cxnSp>
-              <p:nvCxnSpPr>
-                <p:cNvPr id="38" name="직선 연결선 37">
-                  <a:extLst>
-                    <a:ext uri="{FF2B5EF4-FFF2-40B4-BE49-F238E27FC236}">
-                      <a16:creationId xmlns:a16="http://schemas.microsoft.com/office/drawing/2014/main" id="{CE69CF1A-3CC4-ED26-D673-36E9B6219972}"/>
-                    </a:ext>
-                  </a:extLst>
-                </p:cNvPr>
-                <p:cNvCxnSpPr>
-                  <a:cxnSpLocks/>
-                </p:cNvCxnSpPr>
-                <p:nvPr/>
-              </p:nvCxnSpPr>
-              <p:spPr>
-                <a:xfrm flipH="1">
-                  <a:off x="4774676" y="3255869"/>
-                  <a:ext cx="2734338" cy="0"/>
-                </a:xfrm>
-                <a:prstGeom prst="line">
-                  <a:avLst/>
-                </a:prstGeom>
-                <a:ln>
-                  <a:gradFill flip="none" rotWithShape="1">
-                    <a:gsLst>
-                      <a:gs pos="0">
-                        <a:srgbClr val="33332B"/>
-                      </a:gs>
-                      <a:gs pos="31000">
-                        <a:srgbClr val="33332B">
-                          <a:alpha val="70000"/>
-                        </a:srgbClr>
-                      </a:gs>
-                      <a:gs pos="54000">
-                        <a:srgbClr val="33332B">
-                          <a:alpha val="30000"/>
-                        </a:srgbClr>
-                      </a:gs>
-                      <a:gs pos="100000">
-                        <a:srgbClr val="33332B">
-                          <a:alpha val="0"/>
-                        </a:srgbClr>
-                      </a:gs>
-                    </a:gsLst>
-                    <a:lin ang="10800000" scaled="1"/>
-                    <a:tileRect/>
-                  </a:gradFill>
-                </a:ln>
-                <a:effectLst/>
-              </p:spPr>
-              <p:style>
-                <a:lnRef idx="2">
-                  <a:schemeClr val="accent1"/>
-                </a:lnRef>
-                <a:fillRef idx="0">
-                  <a:schemeClr val="accent1"/>
-                </a:fillRef>
-                <a:effectRef idx="1">
-                  <a:schemeClr val="accent1"/>
-                </a:effectRef>
-                <a:fontRef idx="minor">
-                  <a:schemeClr val="tx1"/>
-                </a:fontRef>
-              </p:style>
-            </p:cxnSp>
-            <p:cxnSp>
-              <p:nvCxnSpPr>
-                <p:cNvPr id="39" name="직선 연결선 38">
-                  <a:extLst>
-                    <a:ext uri="{FF2B5EF4-FFF2-40B4-BE49-F238E27FC236}">
-                      <a16:creationId xmlns:a16="http://schemas.microsoft.com/office/drawing/2014/main" id="{7BD5082F-4043-E6F8-516F-CB911ECEA036}"/>
-                    </a:ext>
-                  </a:extLst>
-                </p:cNvPr>
-                <p:cNvCxnSpPr>
-                  <a:cxnSpLocks/>
-                </p:cNvCxnSpPr>
-                <p:nvPr/>
-              </p:nvCxnSpPr>
-              <p:spPr>
-                <a:xfrm flipH="1">
-                  <a:off x="4774676" y="2919518"/>
-                  <a:ext cx="2734338" cy="0"/>
-                </a:xfrm>
-                <a:prstGeom prst="line">
-                  <a:avLst/>
-                </a:prstGeom>
-                <a:ln>
-                  <a:gradFill flip="none" rotWithShape="1">
-                    <a:gsLst>
-                      <a:gs pos="0">
-                        <a:srgbClr val="33332B"/>
-                      </a:gs>
-                      <a:gs pos="31000">
-                        <a:srgbClr val="33332B">
-                          <a:alpha val="70000"/>
-                        </a:srgbClr>
-                      </a:gs>
-                      <a:gs pos="54000">
-                        <a:srgbClr val="33332B">
-                          <a:alpha val="30000"/>
-                        </a:srgbClr>
-                      </a:gs>
-                      <a:gs pos="100000">
-                        <a:srgbClr val="33332B">
-                          <a:alpha val="0"/>
-                        </a:srgbClr>
-                      </a:gs>
-                    </a:gsLst>
-                    <a:lin ang="10800000" scaled="1"/>
-                    <a:tileRect/>
-                  </a:gradFill>
-                </a:ln>
-                <a:effectLst/>
-              </p:spPr>
-              <p:style>
-                <a:lnRef idx="2">
-                  <a:schemeClr val="accent1"/>
-                </a:lnRef>
-                <a:fillRef idx="0">
-                  <a:schemeClr val="accent1"/>
-                </a:fillRef>
-                <a:effectRef idx="1">
-                  <a:schemeClr val="accent1"/>
-                </a:effectRef>
-                <a:fontRef idx="minor">
-                  <a:schemeClr val="tx1"/>
-                </a:fontRef>
-              </p:style>
-            </p:cxnSp>
-          </p:grpSp>
-          <p:sp>
-            <p:nvSpPr>
-              <p:cNvPr id="36" name="TextBox 35">
-                <a:extLst>
-                  <a:ext uri="{FF2B5EF4-FFF2-40B4-BE49-F238E27FC236}">
-                    <a16:creationId xmlns:a16="http://schemas.microsoft.com/office/drawing/2014/main" id="{626973DC-A2E0-D0BF-7AEC-494612F263EF}"/>
-                  </a:ext>
-                </a:extLst>
-              </p:cNvPr>
-              <p:cNvSpPr txBox="1"/>
-              <p:nvPr/>
-            </p:nvSpPr>
-            <p:spPr>
-              <a:xfrm>
-                <a:off x="2554184" y="1328985"/>
-                <a:ext cx="896399" cy="261610"/>
-              </a:xfrm>
-              <a:prstGeom prst="rect">
-                <a:avLst/>
-              </a:prstGeom>
-              <a:noFill/>
-            </p:spPr>
-            <p:txBody>
-              <a:bodyPr wrap="none" rtlCol="0">
-                <a:spAutoFit/>
-              </a:bodyPr>
-              <a:lstStyle/>
-              <a:p>
-                <a:r>
-                  <a:rPr lang="ko-KR" altLang="en-US" sz="1100" dirty="0">
-                    <a:solidFill>
-                      <a:schemeClr val="bg1"/>
-                    </a:solidFill>
-                    <a:effectLst>
-                      <a:glow rad="101600">
-                        <a:schemeClr val="tx1">
-                          <a:alpha val="60000"/>
-                        </a:schemeClr>
-                      </a:glow>
-                    </a:effectLst>
-                    <a:latin typeface="넥슨Lv1고딕 Bold" panose="00000800000000000000" pitchFamily="2" charset="-127"/>
-                    <a:ea typeface="넥슨Lv1고딕 Bold" panose="00000800000000000000" pitchFamily="2" charset="-127"/>
-                  </a:rPr>
-                  <a:t>차이점 소개</a:t>
-                </a:r>
-              </a:p>
-            </p:txBody>
-          </p:sp>
-        </p:grpSp>
-      </p:grpSp>
-    </p:spTree>
-    <p:extLst>
-      <p:ext uri="{BB962C8B-B14F-4D97-AF65-F5344CB8AC3E}">
-        <p14:creationId xmlns:p14="http://schemas.microsoft.com/office/powerpoint/2010/main" val="3872943113"/>
-      </p:ext>
-    </p:extLst>
-  </p:cSld>
-  <p:clrMapOvr>
-    <a:masterClrMapping/>
-  </p:clrMapOvr>
-</p:sld>
-</file>
-
-<file path=ppt/slides/slide9.xml><?xml version="1.0" encoding="utf-8"?>
-<p:sld xmlns:a="http://schemas.openxmlformats.org/drawingml/2006/main" xmlns:r="http://schemas.openxmlformats.org/officeDocument/2006/relationships" xmlns:p="http://schemas.openxmlformats.org/presentationml/2006/main">
-  <p:cSld>
-    <p:spTree>
-      <p:nvGrpSpPr>
-        <p:cNvPr id="1" name=""/>
-        <p:cNvGrpSpPr/>
-        <p:nvPr/>
-      </p:nvGrpSpPr>
-      <p:grpSpPr>
-        <a:xfrm>
-          <a:off x="0" y="0"/>
-          <a:ext cx="0" cy="0"/>
-          <a:chOff x="0" y="0"/>
-          <a:chExt cx="0" cy="0"/>
-        </a:xfrm>
-      </p:grpSpPr>
-      <p:sp>
-        <p:nvSpPr>
-          <p:cNvPr id="2" name="슬라이드 번호 개체 틀 1">
-            <a:extLst>
-              <a:ext uri="{FF2B5EF4-FFF2-40B4-BE49-F238E27FC236}">
-                <a16:creationId xmlns:a16="http://schemas.microsoft.com/office/drawing/2014/main" id="{C5BD0FF6-4671-AD96-A369-8F84840014F5}"/>
-              </a:ext>
-            </a:extLst>
-          </p:cNvPr>
-          <p:cNvSpPr>
-            <a:spLocks noGrp="1"/>
-          </p:cNvSpPr>
-          <p:nvPr>
-            <p:ph type="sldNum" sz="quarter" idx="4"/>
-          </p:nvPr>
-        </p:nvSpPr>
-        <p:spPr/>
-        <p:txBody>
-          <a:bodyPr/>
-          <a:lstStyle/>
-          <a:p>
-            <a:r>
-              <a:rPr lang="en-US" altLang="ko-KR"/>
-              <a:t>p. </a:t>
-            </a:r>
-            <a:fld id="{1F335F12-2F84-4C53-9DF5-2927535D2C2D}" type="slidenum">
-              <a:rPr lang="ko-KR" altLang="en-US" smtClean="0"/>
-              <a:pPr/>
-              <a:t>9</a:t>
-            </a:fld>
-            <a:r>
-              <a:rPr lang="en-US" altLang="ko-KR"/>
-              <a:t>/20</a:t>
-            </a:r>
-            <a:endParaRPr lang="ko-KR" altLang="en-US" dirty="0"/>
-          </a:p>
-        </p:txBody>
-      </p:sp>
-      <p:grpSp>
-        <p:nvGrpSpPr>
-          <p:cNvPr id="3" name="그룹 2">
-            <a:extLst>
-              <a:ext uri="{FF2B5EF4-FFF2-40B4-BE49-F238E27FC236}">
-                <a16:creationId xmlns:a16="http://schemas.microsoft.com/office/drawing/2014/main" id="{8E3498F0-A592-C9C5-5FE9-AC64BC5DA4BA}"/>
-              </a:ext>
-            </a:extLst>
-          </p:cNvPr>
-          <p:cNvGrpSpPr/>
-          <p:nvPr/>
-        </p:nvGrpSpPr>
-        <p:grpSpPr>
-          <a:xfrm>
-            <a:off x="1992916" y="954061"/>
-            <a:ext cx="2831662" cy="746579"/>
-            <a:chOff x="1992916" y="954061"/>
-            <a:chExt cx="2831662" cy="746579"/>
-          </a:xfrm>
-        </p:grpSpPr>
-        <p:sp>
-          <p:nvSpPr>
-            <p:cNvPr id="4" name="TextBox 3">
-              <a:extLst>
-                <a:ext uri="{FF2B5EF4-FFF2-40B4-BE49-F238E27FC236}">
-                  <a16:creationId xmlns:a16="http://schemas.microsoft.com/office/drawing/2014/main" id="{7DC86E1F-F98D-9E48-88D9-2C9827A73CC0}"/>
-                </a:ext>
-              </a:extLst>
-            </p:cNvPr>
-            <p:cNvSpPr txBox="1"/>
-            <p:nvPr/>
-          </p:nvSpPr>
-          <p:spPr>
-            <a:xfrm>
-              <a:off x="2205525" y="1454419"/>
-              <a:ext cx="1172116" cy="246221"/>
-            </a:xfrm>
-            <a:prstGeom prst="rect">
-              <a:avLst/>
-            </a:prstGeom>
-            <a:noFill/>
-          </p:spPr>
-          <p:txBody>
-            <a:bodyPr wrap="none" rtlCol="0">
-              <a:spAutoFit/>
-            </a:bodyPr>
-            <a:lstStyle/>
-            <a:p>
-              <a:pPr marL="171450" indent="-171450">
-                <a:buFontTx/>
-                <a:buChar char="-"/>
-              </a:pPr>
-              <a:r>
-                <a:rPr lang="ko-KR" altLang="en-US" sz="1000" dirty="0">
-                  <a:solidFill>
-                    <a:schemeClr val="bg1"/>
-                  </a:solidFill>
-                  <a:latin typeface="넥슨Lv1고딕" panose="00000500000000000000" pitchFamily="2" charset="-127"/>
-                  <a:ea typeface="넥슨Lv1고딕" panose="00000500000000000000" pitchFamily="2" charset="-127"/>
-                </a:rPr>
-                <a:t>복제 방법 설명</a:t>
-              </a:r>
-              <a:endParaRPr lang="en-US" altLang="ko-KR" sz="1000" dirty="0">
-                <a:solidFill>
-                  <a:schemeClr val="bg1"/>
-                </a:solidFill>
-                <a:latin typeface="넥슨Lv1고딕" panose="00000500000000000000" pitchFamily="2" charset="-127"/>
-                <a:ea typeface="넥슨Lv1고딕" panose="00000500000000000000" pitchFamily="2" charset="-127"/>
-              </a:endParaRPr>
-            </a:p>
-          </p:txBody>
-        </p:sp>
-        <p:grpSp>
-          <p:nvGrpSpPr>
-            <p:cNvPr id="5" name="그룹 4">
-              <a:extLst>
-                <a:ext uri="{FF2B5EF4-FFF2-40B4-BE49-F238E27FC236}">
-                  <a16:creationId xmlns:a16="http://schemas.microsoft.com/office/drawing/2014/main" id="{CFD8349E-3C06-CC6D-E072-FE3787A3C294}"/>
-                </a:ext>
-              </a:extLst>
-            </p:cNvPr>
-            <p:cNvGrpSpPr/>
-            <p:nvPr/>
-          </p:nvGrpSpPr>
-          <p:grpSpPr>
-            <a:xfrm>
-              <a:off x="1992916" y="954061"/>
-              <a:ext cx="2831662" cy="367200"/>
-              <a:chOff x="2500453" y="1274905"/>
-              <a:chExt cx="2831662" cy="367200"/>
-            </a:xfrm>
-          </p:grpSpPr>
-          <p:pic>
-            <p:nvPicPr>
-              <p:cNvPr id="6" name="Picture 4">
-                <a:extLst>
-                  <a:ext uri="{FF2B5EF4-FFF2-40B4-BE49-F238E27FC236}">
-                    <a16:creationId xmlns:a16="http://schemas.microsoft.com/office/drawing/2014/main" id="{FE6E4473-6DCB-CF9A-A390-207A98FAD7D4}"/>
-                  </a:ext>
-                </a:extLst>
-              </p:cNvPr>
-              <p:cNvPicPr>
-                <a:picLocks noChangeArrowheads="1"/>
-              </p:cNvPicPr>
-              <p:nvPr/>
-            </p:nvPicPr>
-            <p:blipFill rotWithShape="1">
-              <a:blip r:embed="rId2">
-                <a:clrChange>
-                  <a:clrFrom>
-                    <a:srgbClr val="000000"/>
-                  </a:clrFrom>
-                  <a:clrTo>
-                    <a:srgbClr val="000000">
-                      <a:alpha val="0"/>
-                    </a:srgbClr>
-                  </a:clrTo>
-                </a:clrChange>
-                <a:extLst>
-                  <a:ext uri="{28A0092B-C50C-407E-A947-70E740481C1C}">
-                    <a14:useLocalDpi xmlns:a14="http://schemas.microsoft.com/office/drawing/2010/main" val="0"/>
-                  </a:ext>
-                </a:extLst>
-              </a:blip>
-              <a:srcRect l="39323" t="43581" r="59826" b="39566"/>
-              <a:stretch/>
-            </p:blipFill>
-            <p:spPr bwMode="auto">
-              <a:xfrm>
-                <a:off x="2500453" y="1274905"/>
-                <a:ext cx="36000" cy="367200"/>
-              </a:xfrm>
-              <a:prstGeom prst="rect">
-                <a:avLst/>
-              </a:prstGeom>
-              <a:noFill/>
-              <a:extLst>
-                <a:ext uri="{909E8E84-426E-40DD-AFC4-6F175D3DCCD1}">
-                  <a14:hiddenFill xmlns:a14="http://schemas.microsoft.com/office/drawing/2010/main">
-                    <a:solidFill>
-                      <a:srgbClr val="FFFFFF"/>
-                    </a:solidFill>
-                  </a14:hiddenFill>
-                </a:ext>
-              </a:extLst>
-            </p:spPr>
-          </p:pic>
-          <p:grpSp>
-            <p:nvGrpSpPr>
-              <p:cNvPr id="7" name="그룹 6">
-                <a:extLst>
-                  <a:ext uri="{FF2B5EF4-FFF2-40B4-BE49-F238E27FC236}">
-                    <a16:creationId xmlns:a16="http://schemas.microsoft.com/office/drawing/2014/main" id="{D777CFD3-01FC-D7CB-1CC3-C0EE78A7A28E}"/>
-                  </a:ext>
-                </a:extLst>
-              </p:cNvPr>
-              <p:cNvGrpSpPr/>
-              <p:nvPr/>
-            </p:nvGrpSpPr>
-            <p:grpSpPr>
-              <a:xfrm>
-                <a:off x="2536453" y="1287843"/>
-                <a:ext cx="2795662" cy="343894"/>
-                <a:chOff x="4774676" y="2919518"/>
-                <a:chExt cx="2734338" cy="336351"/>
-              </a:xfrm>
-            </p:grpSpPr>
-            <p:sp>
-              <p:nvSpPr>
-                <p:cNvPr id="9" name="직사각형 8">
-                  <a:extLst>
-                    <a:ext uri="{FF2B5EF4-FFF2-40B4-BE49-F238E27FC236}">
-                      <a16:creationId xmlns:a16="http://schemas.microsoft.com/office/drawing/2014/main" id="{AC51FA40-1345-7E1E-E4A8-33A93B925A5C}"/>
-                    </a:ext>
-                  </a:extLst>
-                </p:cNvPr>
-                <p:cNvSpPr>
-                  <a:spLocks/>
-                </p:cNvSpPr>
-                <p:nvPr/>
-              </p:nvSpPr>
-              <p:spPr>
-                <a:xfrm>
-                  <a:off x="4774676" y="2919518"/>
-                  <a:ext cx="2734338" cy="336351"/>
-                </a:xfrm>
-                <a:prstGeom prst="rect">
-                  <a:avLst/>
-                </a:prstGeom>
-                <a:gradFill flip="none" rotWithShape="1">
-                  <a:gsLst>
-                    <a:gs pos="59000">
-                      <a:srgbClr val="1A1810">
-                        <a:alpha val="70000"/>
-                      </a:srgbClr>
-                    </a:gs>
-                    <a:gs pos="3000">
-                      <a:srgbClr val="1A1810">
-                        <a:alpha val="90000"/>
-                      </a:srgbClr>
-                    </a:gs>
-                    <a:gs pos="100000">
-                      <a:srgbClr val="1A1810">
-                        <a:alpha val="0"/>
-                      </a:srgbClr>
-                    </a:gs>
-                  </a:gsLst>
-                  <a:lin ang="0" scaled="1"/>
-                  <a:tileRect/>
-                </a:gradFill>
-                <a:ln>
-                  <a:noFill/>
-                </a:ln>
-                <a:effectLst/>
-              </p:spPr>
-              <p:style>
-                <a:lnRef idx="2">
-                  <a:schemeClr val="accent1">
-                    <a:shade val="15000"/>
-                  </a:schemeClr>
-                </a:lnRef>
-                <a:fillRef idx="1">
-                  <a:schemeClr val="accent1"/>
-                </a:fillRef>
-                <a:effectRef idx="0">
-                  <a:schemeClr val="accent1"/>
-                </a:effectRef>
-                <a:fontRef idx="minor">
-                  <a:schemeClr val="lt1"/>
-                </a:fontRef>
-              </p:style>
-              <p:txBody>
-                <a:bodyPr rtlCol="0" anchor="ctr"/>
-                <a:lstStyle/>
-                <a:p>
-                  <a:pPr algn="ctr"/>
-                  <a:endParaRPr lang="ko-KR" altLang="en-US" dirty="0"/>
-                </a:p>
-              </p:txBody>
-            </p:sp>
-            <p:cxnSp>
-              <p:nvCxnSpPr>
-                <p:cNvPr id="10" name="직선 연결선 9">
-                  <a:extLst>
-                    <a:ext uri="{FF2B5EF4-FFF2-40B4-BE49-F238E27FC236}">
-                      <a16:creationId xmlns:a16="http://schemas.microsoft.com/office/drawing/2014/main" id="{1E2980D6-50DB-8DE9-DB39-491F2B943AEE}"/>
-                    </a:ext>
-                  </a:extLst>
-                </p:cNvPr>
-                <p:cNvCxnSpPr>
-                  <a:cxnSpLocks/>
-                </p:cNvCxnSpPr>
-                <p:nvPr/>
-              </p:nvCxnSpPr>
-              <p:spPr>
-                <a:xfrm flipH="1">
-                  <a:off x="4774676" y="3255869"/>
-                  <a:ext cx="2734338" cy="0"/>
-                </a:xfrm>
-                <a:prstGeom prst="line">
-                  <a:avLst/>
-                </a:prstGeom>
-                <a:ln>
-                  <a:gradFill flip="none" rotWithShape="1">
-                    <a:gsLst>
-                      <a:gs pos="0">
-                        <a:srgbClr val="33332B"/>
-                      </a:gs>
-                      <a:gs pos="31000">
-                        <a:srgbClr val="33332B">
-                          <a:alpha val="70000"/>
-                        </a:srgbClr>
-                      </a:gs>
-                      <a:gs pos="54000">
-                        <a:srgbClr val="33332B">
-                          <a:alpha val="30000"/>
-                        </a:srgbClr>
-                      </a:gs>
-                      <a:gs pos="100000">
-                        <a:srgbClr val="33332B">
-                          <a:alpha val="0"/>
-                        </a:srgbClr>
-                      </a:gs>
-                    </a:gsLst>
-                    <a:lin ang="10800000" scaled="1"/>
-                    <a:tileRect/>
-                  </a:gradFill>
-                </a:ln>
-                <a:effectLst/>
-              </p:spPr>
-              <p:style>
-                <a:lnRef idx="2">
-                  <a:schemeClr val="accent1"/>
-                </a:lnRef>
-                <a:fillRef idx="0">
-                  <a:schemeClr val="accent1"/>
-                </a:fillRef>
-                <a:effectRef idx="1">
-                  <a:schemeClr val="accent1"/>
-                </a:effectRef>
-                <a:fontRef idx="minor">
-                  <a:schemeClr val="tx1"/>
-                </a:fontRef>
-              </p:style>
-            </p:cxnSp>
-            <p:cxnSp>
-              <p:nvCxnSpPr>
-                <p:cNvPr id="11" name="직선 연결선 10">
-                  <a:extLst>
-                    <a:ext uri="{FF2B5EF4-FFF2-40B4-BE49-F238E27FC236}">
-                      <a16:creationId xmlns:a16="http://schemas.microsoft.com/office/drawing/2014/main" id="{F5BF6B7E-8690-BEDD-C5BF-5B08CEBFDB38}"/>
-                    </a:ext>
-                  </a:extLst>
-                </p:cNvPr>
-                <p:cNvCxnSpPr>
-                  <a:cxnSpLocks/>
-                </p:cNvCxnSpPr>
-                <p:nvPr/>
-              </p:nvCxnSpPr>
-              <p:spPr>
-                <a:xfrm flipH="1">
-                  <a:off x="4774676" y="2919518"/>
-                  <a:ext cx="2734338" cy="0"/>
-                </a:xfrm>
-                <a:prstGeom prst="line">
-                  <a:avLst/>
-                </a:prstGeom>
-                <a:ln>
-                  <a:gradFill flip="none" rotWithShape="1">
-                    <a:gsLst>
-                      <a:gs pos="0">
-                        <a:srgbClr val="33332B"/>
-                      </a:gs>
-                      <a:gs pos="31000">
-                        <a:srgbClr val="33332B">
-                          <a:alpha val="70000"/>
-                        </a:srgbClr>
-                      </a:gs>
-                      <a:gs pos="54000">
-                        <a:srgbClr val="33332B">
-                          <a:alpha val="30000"/>
-                        </a:srgbClr>
-                      </a:gs>
-                      <a:gs pos="100000">
-                        <a:srgbClr val="33332B">
-                          <a:alpha val="0"/>
-                        </a:srgbClr>
-                      </a:gs>
-                    </a:gsLst>
-                    <a:lin ang="10800000" scaled="1"/>
-                    <a:tileRect/>
-                  </a:gradFill>
-                </a:ln>
-                <a:effectLst/>
-              </p:spPr>
-              <p:style>
-                <a:lnRef idx="2">
-                  <a:schemeClr val="accent1"/>
-                </a:lnRef>
-                <a:fillRef idx="0">
-                  <a:schemeClr val="accent1"/>
-                </a:fillRef>
-                <a:effectRef idx="1">
-                  <a:schemeClr val="accent1"/>
-                </a:effectRef>
-                <a:fontRef idx="minor">
-                  <a:schemeClr val="tx1"/>
-                </a:fontRef>
-              </p:style>
-            </p:cxnSp>
-          </p:grpSp>
-          <p:sp>
-            <p:nvSpPr>
-              <p:cNvPr id="8" name="TextBox 7">
-                <a:extLst>
-                  <a:ext uri="{FF2B5EF4-FFF2-40B4-BE49-F238E27FC236}">
-                    <a16:creationId xmlns:a16="http://schemas.microsoft.com/office/drawing/2014/main" id="{17CFE2F7-AF29-43C4-5B67-A9AFA73248A7}"/>
-                  </a:ext>
-                </a:extLst>
-              </p:cNvPr>
-              <p:cNvSpPr txBox="1"/>
-              <p:nvPr/>
-            </p:nvSpPr>
-            <p:spPr>
-              <a:xfrm>
-                <a:off x="2554184" y="1328985"/>
-                <a:ext cx="763351" cy="261610"/>
-              </a:xfrm>
-              <a:prstGeom prst="rect">
-                <a:avLst/>
-              </a:prstGeom>
-              <a:noFill/>
-            </p:spPr>
-            <p:txBody>
-              <a:bodyPr wrap="none" rtlCol="0">
-                <a:spAutoFit/>
-              </a:bodyPr>
-              <a:lstStyle/>
-              <a:p>
-                <a:r>
-                  <a:rPr lang="ko-KR" altLang="en-US" sz="1100" dirty="0">
-                    <a:solidFill>
-                      <a:schemeClr val="bg1"/>
-                    </a:solidFill>
-                    <a:effectLst>
-                      <a:glow rad="101600">
-                        <a:schemeClr val="tx1">
-                          <a:alpha val="60000"/>
-                        </a:schemeClr>
-                      </a:glow>
-                    </a:effectLst>
-                    <a:latin typeface="넥슨Lv1고딕 Bold" panose="00000800000000000000" pitchFamily="2" charset="-127"/>
-                    <a:ea typeface="넥슨Lv1고딕 Bold" panose="00000800000000000000" pitchFamily="2" charset="-127"/>
-                  </a:rPr>
-                  <a:t>복제 방법</a:t>
-                </a:r>
-              </a:p>
-            </p:txBody>
-          </p:sp>
-        </p:grpSp>
-      </p:grpSp>
-      <p:grpSp>
-        <p:nvGrpSpPr>
-          <p:cNvPr id="12" name="그룹 11">
-            <a:extLst>
-              <a:ext uri="{FF2B5EF4-FFF2-40B4-BE49-F238E27FC236}">
-                <a16:creationId xmlns:a16="http://schemas.microsoft.com/office/drawing/2014/main" id="{227415CB-F035-DA73-55EE-82B568A0750C}"/>
-              </a:ext>
-            </a:extLst>
-          </p:cNvPr>
-          <p:cNvGrpSpPr/>
-          <p:nvPr/>
-        </p:nvGrpSpPr>
-        <p:grpSpPr>
-          <a:xfrm>
-            <a:off x="1595120" y="219855"/>
-            <a:ext cx="10596880" cy="392234"/>
-            <a:chOff x="1595120" y="219855"/>
-            <a:chExt cx="10596880" cy="392234"/>
-          </a:xfrm>
-        </p:grpSpPr>
-        <p:grpSp>
-          <p:nvGrpSpPr>
-            <p:cNvPr id="13" name="그룹 12">
-              <a:extLst>
-                <a:ext uri="{FF2B5EF4-FFF2-40B4-BE49-F238E27FC236}">
-                  <a16:creationId xmlns:a16="http://schemas.microsoft.com/office/drawing/2014/main" id="{FE06398C-CAD5-0823-157F-3F7B03BEE6DE}"/>
-                </a:ext>
-              </a:extLst>
-            </p:cNvPr>
-            <p:cNvGrpSpPr/>
-            <p:nvPr/>
-          </p:nvGrpSpPr>
-          <p:grpSpPr>
-            <a:xfrm>
-              <a:off x="1595120" y="219855"/>
-              <a:ext cx="10596880" cy="392234"/>
-              <a:chOff x="1595120" y="219855"/>
-              <a:chExt cx="10596880" cy="392234"/>
-            </a:xfrm>
-          </p:grpSpPr>
-          <p:sp>
-            <p:nvSpPr>
-              <p:cNvPr id="15" name="직사각형 14">
-                <a:extLst>
-                  <a:ext uri="{FF2B5EF4-FFF2-40B4-BE49-F238E27FC236}">
-                    <a16:creationId xmlns:a16="http://schemas.microsoft.com/office/drawing/2014/main" id="{3065C5CF-F5A0-5B34-CD80-F021D7AA61B3}"/>
-                  </a:ext>
-                </a:extLst>
-              </p:cNvPr>
-              <p:cNvSpPr>
-                <a:spLocks/>
-              </p:cNvSpPr>
-              <p:nvPr/>
-            </p:nvSpPr>
-            <p:spPr>
-              <a:xfrm>
-                <a:off x="1595120" y="219855"/>
-                <a:ext cx="10596880" cy="392234"/>
-              </a:xfrm>
-              <a:prstGeom prst="rect">
-                <a:avLst/>
-              </a:prstGeom>
-              <a:gradFill flip="none" rotWithShape="1">
-                <a:gsLst>
-                  <a:gs pos="58000">
-                    <a:srgbClr val="464437">
-                      <a:alpha val="70000"/>
-                    </a:srgbClr>
-                  </a:gs>
-                  <a:gs pos="2000">
-                    <a:srgbClr val="464437">
-                      <a:alpha val="80000"/>
-                    </a:srgbClr>
-                  </a:gs>
-                  <a:gs pos="100000">
-                    <a:srgbClr val="48443A">
-                      <a:alpha val="30000"/>
-                    </a:srgbClr>
-                  </a:gs>
-                </a:gsLst>
-                <a:lin ang="0" scaled="1"/>
-                <a:tileRect/>
-              </a:gradFill>
-              <a:ln>
-                <a:noFill/>
-              </a:ln>
-            </p:spPr>
-            <p:style>
-              <a:lnRef idx="2">
-                <a:schemeClr val="accent1">
-                  <a:shade val="15000"/>
-                </a:schemeClr>
-              </a:lnRef>
-              <a:fillRef idx="1">
-                <a:schemeClr val="accent1"/>
-              </a:fillRef>
-              <a:effectRef idx="0">
-                <a:schemeClr val="accent1"/>
-              </a:effectRef>
-              <a:fontRef idx="minor">
-                <a:schemeClr val="lt1"/>
-              </a:fontRef>
-            </p:style>
-            <p:txBody>
-              <a:bodyPr rtlCol="0" anchor="ctr"/>
-              <a:lstStyle/>
-              <a:p>
-                <a:pPr algn="ctr"/>
-                <a:endParaRPr lang="ko-KR" altLang="en-US" dirty="0"/>
-              </a:p>
-            </p:txBody>
-          </p:sp>
-          <p:cxnSp>
-            <p:nvCxnSpPr>
-              <p:cNvPr id="21" name="직선 연결선 20">
-                <a:extLst>
-                  <a:ext uri="{FF2B5EF4-FFF2-40B4-BE49-F238E27FC236}">
-                    <a16:creationId xmlns:a16="http://schemas.microsoft.com/office/drawing/2014/main" id="{547089D9-07A7-22B2-6CB9-74E0CBD89E61}"/>
-                  </a:ext>
-                </a:extLst>
-              </p:cNvPr>
-              <p:cNvCxnSpPr>
-                <a:cxnSpLocks/>
-              </p:cNvCxnSpPr>
-              <p:nvPr/>
-            </p:nvCxnSpPr>
-            <p:spPr>
-              <a:xfrm>
-                <a:off x="1595120" y="588667"/>
-                <a:ext cx="10596880" cy="0"/>
-              </a:xfrm>
-              <a:prstGeom prst="line">
-                <a:avLst/>
-              </a:prstGeom>
-              <a:ln w="28575">
-                <a:gradFill flip="none" rotWithShape="1">
-                  <a:gsLst>
-                    <a:gs pos="0">
-                      <a:srgbClr val="464437">
-                        <a:alpha val="70000"/>
-                      </a:srgbClr>
-                    </a:gs>
-                    <a:gs pos="47000">
-                      <a:srgbClr val="464437">
-                        <a:alpha val="50000"/>
-                      </a:srgbClr>
-                    </a:gs>
-                    <a:gs pos="83000">
-                      <a:srgbClr val="464437">
-                        <a:alpha val="50000"/>
-                      </a:srgbClr>
-                    </a:gs>
-                    <a:gs pos="100000">
-                      <a:srgbClr val="464437">
-                        <a:alpha val="0"/>
-                      </a:srgbClr>
-                    </a:gs>
-                  </a:gsLst>
-                  <a:path path="circle">
-                    <a:fillToRect l="50000" t="50000" r="50000" b="50000"/>
-                  </a:path>
-                  <a:tileRect/>
-                </a:gradFill>
-              </a:ln>
-            </p:spPr>
-            <p:style>
-              <a:lnRef idx="2">
-                <a:schemeClr val="accent1"/>
-              </a:lnRef>
-              <a:fillRef idx="0">
-                <a:schemeClr val="accent1"/>
-              </a:fillRef>
-              <a:effectRef idx="1">
-                <a:schemeClr val="accent1"/>
-              </a:effectRef>
-              <a:fontRef idx="minor">
-                <a:schemeClr val="tx1"/>
-              </a:fontRef>
-            </p:style>
-          </p:cxnSp>
-        </p:grpSp>
-        <p:sp>
-          <p:nvSpPr>
-            <p:cNvPr id="14" name="TextBox 13">
-              <a:extLst>
-                <a:ext uri="{FF2B5EF4-FFF2-40B4-BE49-F238E27FC236}">
-                  <a16:creationId xmlns:a16="http://schemas.microsoft.com/office/drawing/2014/main" id="{50771C8D-96B7-3488-7545-356BE3858B84}"/>
-                </a:ext>
-              </a:extLst>
-            </p:cNvPr>
-            <p:cNvSpPr txBox="1">
-              <a:spLocks/>
-            </p:cNvSpPr>
-            <p:nvPr/>
-          </p:nvSpPr>
-          <p:spPr>
-            <a:xfrm>
-              <a:off x="1704516" y="246695"/>
-              <a:ext cx="1051891" cy="338554"/>
-            </a:xfrm>
-            <a:prstGeom prst="rect">
-              <a:avLst/>
-            </a:prstGeom>
-            <a:noFill/>
-            <a:ln w="6350">
-              <a:noFill/>
-            </a:ln>
-          </p:spPr>
-          <p:txBody>
-            <a:bodyPr wrap="none" rtlCol="0">
-              <a:spAutoFit/>
-            </a:bodyPr>
-            <a:lstStyle/>
-            <a:p>
-              <a:r>
-                <a:rPr lang="ko-KR" altLang="en-US" sz="1600" dirty="0">
-                  <a:solidFill>
-                    <a:schemeClr val="bg1"/>
-                  </a:solidFill>
-                  <a:effectLst>
-                    <a:glow rad="101600">
-                      <a:schemeClr val="tx1">
-                        <a:alpha val="60000"/>
-                      </a:schemeClr>
-                    </a:glow>
-                  </a:effectLst>
-                  <a:latin typeface="빛의 계승자 Bold" panose="020B0600000101010101" pitchFamily="50" charset="-127"/>
-                  <a:ea typeface="빛의 계승자 Bold" panose="020B0600000101010101" pitchFamily="50" charset="-127"/>
-                </a:rPr>
-                <a:t>전회 복제</a:t>
-              </a:r>
-            </a:p>
-          </p:txBody>
-        </p:sp>
-      </p:grpSp>
-    </p:spTree>
-    <p:extLst>
-      <p:ext uri="{BB962C8B-B14F-4D97-AF65-F5344CB8AC3E}">
-        <p14:creationId xmlns:p14="http://schemas.microsoft.com/office/powerpoint/2010/main" val="1885794038"/>
-      </p:ext>
-    </p:extLst>
-  </p:cSld>
-  <p:clrMapOvr>
-    <a:masterClrMapping/>
-  </p:clrMapOvr>
-</p:sld>
-</file>
-
 <file path=ppt/theme/theme1.xml><?xml version="1.0" encoding="utf-8"?>
 <a:theme xmlns:a="http://schemas.openxmlformats.org/drawingml/2006/main" name="Office 테마">
   <a:themeElements>

--- a/엘든링 역기획서/엘든링_전회_역기획서.pptx
+++ b/엘든링 역기획서/엘든링_전회_역기획서.pptx
@@ -225,7 +225,7 @@
           <a:p>
             <a:fld id="{15B808FB-3DDB-4DAD-BDEB-AB123B9F7CC1}" type="datetimeFigureOut">
               <a:rPr lang="ko-KR" altLang="en-US" smtClean="0"/>
-              <a:t>2024-10-15</a:t>
+              <a:t>2024-10-16</a:t>
             </a:fld>
             <a:endParaRPr lang="ko-KR" altLang="en-US"/>
           </a:p>
@@ -891,7 +891,7 @@
           <a:p>
             <a:fld id="{3F4C7EE5-2743-4615-BAAD-BA1738C57346}" type="datetime1">
               <a:rPr lang="ko-KR" altLang="en-US" smtClean="0"/>
-              <a:t>2024-10-15</a:t>
+              <a:t>2024-10-16</a:t>
             </a:fld>
             <a:endParaRPr lang="ko-KR" altLang="en-US"/>
           </a:p>
@@ -1290,7 +1290,7 @@
           <a:p>
             <a:fld id="{6F948A0A-5631-425F-970D-62D9E160BB4A}" type="datetime1">
               <a:rPr lang="ko-KR" altLang="en-US" smtClean="0"/>
-              <a:t>2024-10-15</a:t>
+              <a:t>2024-10-16</a:t>
             </a:fld>
             <a:endParaRPr lang="ko-KR" altLang="en-US"/>
           </a:p>
@@ -1439,7 +1439,7 @@
           <a:p>
             <a:fld id="{A7125F7D-C933-4823-B16C-E8329223FCA2}" type="datetime1">
               <a:rPr lang="ko-KR" altLang="en-US" smtClean="0"/>
-              <a:t>2024-10-15</a:t>
+              <a:t>2024-10-16</a:t>
             </a:fld>
             <a:endParaRPr lang="ko-KR" altLang="en-US"/>
           </a:p>
@@ -1560,7 +1560,7 @@
           <a:p>
             <a:fld id="{172AEC7A-CF56-4355-B69C-99E70FFD0594}" type="datetime1">
               <a:rPr lang="ko-KR" altLang="en-US" smtClean="0"/>
-              <a:t>2024-10-15</a:t>
+              <a:t>2024-10-16</a:t>
             </a:fld>
             <a:endParaRPr lang="ko-KR" altLang="en-US"/>
           </a:p>
@@ -1879,7 +1879,7 @@
           <a:p>
             <a:fld id="{03DE2A23-3ACA-4377-BDEC-B489E6A52A6D}" type="datetime1">
               <a:rPr lang="ko-KR" altLang="en-US" smtClean="0"/>
-              <a:t>2024-10-15</a:t>
+              <a:t>2024-10-16</a:t>
             </a:fld>
             <a:endParaRPr lang="ko-KR" altLang="en-US"/>
           </a:p>
@@ -2175,7 +2175,7 @@
           <a:p>
             <a:fld id="{8966ED2F-EA66-41FD-A40A-834EEC507310}" type="datetime1">
               <a:rPr lang="ko-KR" altLang="en-US" smtClean="0"/>
-              <a:t>2024-10-15</a:t>
+              <a:t>2024-10-16</a:t>
             </a:fld>
             <a:endParaRPr lang="ko-KR" altLang="en-US"/>
           </a:p>
@@ -2381,7 +2381,7 @@
           <a:p>
             <a:fld id="{DE92472D-1AC6-48F8-AF0A-6DFA71752292}" type="datetime1">
               <a:rPr lang="ko-KR" altLang="en-US" smtClean="0"/>
-              <a:t>2024-10-15</a:t>
+              <a:t>2024-10-16</a:t>
             </a:fld>
             <a:endParaRPr lang="ko-KR" altLang="en-US"/>
           </a:p>
@@ -2597,7 +2597,7 @@
           <a:p>
             <a:fld id="{DB8DDC07-8A93-4907-ADFC-E2BFCDD8943C}" type="datetime1">
               <a:rPr lang="ko-KR" altLang="en-US" smtClean="0"/>
-              <a:t>2024-10-15</a:t>
+              <a:t>2024-10-16</a:t>
             </a:fld>
             <a:endParaRPr lang="ko-KR" altLang="en-US"/>
           </a:p>
@@ -2803,7 +2803,7 @@
           <a:p>
             <a:fld id="{D27242A3-85E8-4FB9-A509-65F17906E306}" type="datetime1">
               <a:rPr lang="ko-KR" altLang="en-US" smtClean="0"/>
-              <a:t>2024-10-15</a:t>
+              <a:t>2024-10-16</a:t>
             </a:fld>
             <a:endParaRPr lang="ko-KR" altLang="en-US"/>
           </a:p>
@@ -10105,7 +10105,7 @@
           <a:p>
             <a:fld id="{1FDABBEF-3A66-4EDA-82FD-36CD13E39C1E}" type="datetime1">
               <a:rPr lang="ko-KR" altLang="en-US" smtClean="0"/>
-              <a:t>2024-10-15</a:t>
+              <a:t>2024-10-16</a:t>
             </a:fld>
             <a:endParaRPr lang="ko-KR" altLang="en-US"/>
           </a:p>
@@ -10404,7 +10404,7 @@
           <a:p>
             <a:fld id="{DB5A3179-E8A8-4EAA-8BCC-23E75FA148A0}" type="datetime1">
               <a:rPr lang="ko-KR" altLang="en-US" smtClean="0"/>
-              <a:t>2024-10-15</a:t>
+              <a:t>2024-10-16</a:t>
             </a:fld>
             <a:endParaRPr lang="ko-KR" altLang="en-US"/>
           </a:p>
@@ -10666,7 +10666,7 @@
           <a:p>
             <a:fld id="{8EC0F441-5CE1-4B59-8EBB-432B3AF1BE37}" type="datetime1">
               <a:rPr lang="ko-KR" altLang="en-US" smtClean="0"/>
-              <a:t>2024-10-15</a:t>
+              <a:t>2024-10-16</a:t>
             </a:fld>
             <a:endParaRPr lang="ko-KR" altLang="en-US"/>
           </a:p>
@@ -11198,8 +11198,8 @@
                     </a:schemeClr>
                   </a:glow>
                 </a:effectLst>
-                <a:latin typeface="빛의 계승자 Regular" panose="020B0600000101010101" pitchFamily="50" charset="-127"/>
-                <a:ea typeface="빛의 계승자 Regular" panose="020B0600000101010101" pitchFamily="50" charset="-127"/>
+                <a:latin typeface="빛의 계승자 Bold" panose="020B0600000101010101" pitchFamily="50" charset="-127"/>
+                <a:ea typeface="빛의 계승자 Bold" panose="020B0600000101010101" pitchFamily="50" charset="-127"/>
               </a:rPr>
               <a:t>전회 역기획서</a:t>
             </a:r>
@@ -11425,8 +11425,8 @@
           </p:nvSpPr>
           <p:spPr>
             <a:xfrm>
-              <a:off x="4933919" y="4373027"/>
-              <a:ext cx="2324162" cy="369332"/>
+              <a:off x="4933920" y="4373027"/>
+              <a:ext cx="2324161" cy="369332"/>
             </a:xfrm>
             <a:prstGeom prst="rect">
               <a:avLst/>
@@ -19167,7 +19167,7 @@
         </p:nvGrpSpPr>
         <p:grpSpPr>
           <a:xfrm>
-            <a:off x="2000105" y="2592890"/>
+            <a:off x="1924691" y="2592890"/>
             <a:ext cx="1590499" cy="3163543"/>
             <a:chOff x="5179726" y="3174787"/>
             <a:chExt cx="1590499" cy="3163543"/>
@@ -19202,7 +19202,7 @@
             <a:lstStyle/>
             <a:p>
               <a:r>
-                <a:rPr lang="en-US" altLang="ko-KR" sz="2000" b="1" dirty="0">
+                <a:rPr lang="en-US" altLang="ko-KR" sz="2000" dirty="0">
                   <a:solidFill>
                     <a:schemeClr val="bg1"/>
                   </a:solidFill>
@@ -19213,13 +19213,13 @@
                       </a:schemeClr>
                     </a:glow>
                   </a:effectLst>
-                  <a:latin typeface="빛의 계승자 Regular" panose="020B0600000101010101" pitchFamily="50" charset="-127"/>
-                  <a:ea typeface="빛의 계승자 Regular" panose="020B0600000101010101" pitchFamily="50" charset="-127"/>
+                  <a:latin typeface="빛의 계승자 Bold" panose="020B0600000101010101" pitchFamily="50" charset="-127"/>
+                  <a:ea typeface="빛의 계승자 Bold" panose="020B0600000101010101" pitchFamily="50" charset="-127"/>
                 </a:rPr>
                 <a:t>3. </a:t>
               </a:r>
               <a:r>
-                <a:rPr lang="ko-KR" altLang="en-US" sz="2000" b="1" dirty="0">
+                <a:rPr lang="ko-KR" altLang="en-US" sz="2000" dirty="0">
                   <a:solidFill>
                     <a:schemeClr val="bg1"/>
                   </a:solidFill>
@@ -19230,8 +19230,8 @@
                       </a:schemeClr>
                     </a:glow>
                   </a:effectLst>
-                  <a:latin typeface="빛의 계승자 Regular" panose="020B0600000101010101" pitchFamily="50" charset="-127"/>
-                  <a:ea typeface="빛의 계승자 Regular" panose="020B0600000101010101" pitchFamily="50" charset="-127"/>
+                  <a:latin typeface="빛의 계승자 Bold" panose="020B0600000101010101" pitchFamily="50" charset="-127"/>
+                  <a:ea typeface="빛의 계승자 Bold" panose="020B0600000101010101" pitchFamily="50" charset="-127"/>
                 </a:rPr>
                 <a:t>시스템</a:t>
               </a:r>
@@ -19267,7 +19267,7 @@
             <a:lstStyle/>
             <a:p>
               <a:r>
-                <a:rPr lang="en-US" altLang="ko-KR" sz="2000" b="1" dirty="0">
+                <a:rPr lang="en-US" altLang="ko-KR" sz="2000" dirty="0">
                   <a:solidFill>
                     <a:schemeClr val="bg1"/>
                   </a:solidFill>
@@ -19278,13 +19278,13 @@
                       </a:schemeClr>
                     </a:glow>
                   </a:effectLst>
-                  <a:latin typeface="빛의 계승자 Regular" panose="020B0600000101010101" pitchFamily="50" charset="-127"/>
-                  <a:ea typeface="빛의 계승자 Regular" panose="020B0600000101010101" pitchFamily="50" charset="-127"/>
+                  <a:latin typeface="빛의 계승자 Bold" panose="020B0600000101010101" pitchFamily="50" charset="-127"/>
+                  <a:ea typeface="빛의 계승자 Bold" panose="020B0600000101010101" pitchFamily="50" charset="-127"/>
                 </a:rPr>
                 <a:t>4. </a:t>
               </a:r>
               <a:r>
-                <a:rPr lang="ko-KR" altLang="en-US" sz="2000" b="1" dirty="0">
+                <a:rPr lang="ko-KR" altLang="en-US" sz="2000" dirty="0">
                   <a:solidFill>
                     <a:schemeClr val="bg1"/>
                   </a:solidFill>
@@ -19295,8 +19295,8 @@
                       </a:schemeClr>
                     </a:glow>
                   </a:effectLst>
-                  <a:latin typeface="빛의 계승자 Regular" panose="020B0600000101010101" pitchFamily="50" charset="-127"/>
-                  <a:ea typeface="빛의 계승자 Regular" panose="020B0600000101010101" pitchFamily="50" charset="-127"/>
+                  <a:latin typeface="빛의 계승자 Bold" panose="020B0600000101010101" pitchFamily="50" charset="-127"/>
+                  <a:ea typeface="빛의 계승자 Bold" panose="020B0600000101010101" pitchFamily="50" charset="-127"/>
                 </a:rPr>
                 <a:t>예외 사항</a:t>
               </a:r>
@@ -19332,7 +19332,7 @@
             <a:lstStyle/>
             <a:p>
               <a:r>
-                <a:rPr lang="en-US" altLang="ko-KR" sz="2000" b="1" dirty="0">
+                <a:rPr lang="en-US" altLang="ko-KR" sz="2000" dirty="0">
                   <a:solidFill>
                     <a:schemeClr val="bg1"/>
                   </a:solidFill>
@@ -19343,13 +19343,13 @@
                       </a:schemeClr>
                     </a:glow>
                   </a:effectLst>
-                  <a:latin typeface="빛의 계승자 Regular" panose="020B0600000101010101" pitchFamily="50" charset="-127"/>
-                  <a:ea typeface="빛의 계승자 Regular" panose="020B0600000101010101" pitchFamily="50" charset="-127"/>
+                  <a:latin typeface="빛의 계승자 Bold" panose="020B0600000101010101" pitchFamily="50" charset="-127"/>
+                  <a:ea typeface="빛의 계승자 Bold" panose="020B0600000101010101" pitchFamily="50" charset="-127"/>
                 </a:rPr>
                 <a:t>2. </a:t>
               </a:r>
               <a:r>
-                <a:rPr lang="ko-KR" altLang="en-US" sz="2000" b="1" dirty="0">
+                <a:rPr lang="ko-KR" altLang="en-US" sz="2000" dirty="0">
                   <a:solidFill>
                     <a:schemeClr val="bg1"/>
                   </a:solidFill>
@@ -19360,8 +19360,8 @@
                       </a:schemeClr>
                     </a:glow>
                   </a:effectLst>
-                  <a:latin typeface="빛의 계승자 Regular" panose="020B0600000101010101" pitchFamily="50" charset="-127"/>
-                  <a:ea typeface="빛의 계승자 Regular" panose="020B0600000101010101" pitchFamily="50" charset="-127"/>
+                  <a:latin typeface="빛의 계승자 Bold" panose="020B0600000101010101" pitchFamily="50" charset="-127"/>
+                  <a:ea typeface="빛의 계승자 Bold" panose="020B0600000101010101" pitchFamily="50" charset="-127"/>
                 </a:rPr>
                 <a:t>컨텐츠</a:t>
               </a:r>
@@ -19397,7 +19397,7 @@
             <a:lstStyle/>
             <a:p>
               <a:r>
-                <a:rPr lang="en-US" altLang="ko-KR" sz="2000" b="1" dirty="0">
+                <a:rPr lang="en-US" altLang="ko-KR" sz="2000" dirty="0">
                   <a:solidFill>
                     <a:schemeClr val="bg1"/>
                   </a:solidFill>
@@ -19408,13 +19408,13 @@
                       </a:schemeClr>
                     </a:glow>
                   </a:effectLst>
-                  <a:latin typeface="빛의 계승자 Regular" panose="020B0600000101010101" pitchFamily="50" charset="-127"/>
-                  <a:ea typeface="빛의 계승자 Regular" panose="020B0600000101010101" pitchFamily="50" charset="-127"/>
+                  <a:latin typeface="빛의 계승자 Bold" panose="020B0600000101010101" pitchFamily="50" charset="-127"/>
+                  <a:ea typeface="빛의 계승자 Bold" panose="020B0600000101010101" pitchFamily="50" charset="-127"/>
                 </a:rPr>
                 <a:t>1. </a:t>
               </a:r>
               <a:r>
-                <a:rPr lang="ko-KR" altLang="en-US" sz="2000" b="1" dirty="0">
+                <a:rPr lang="ko-KR" altLang="en-US" sz="2000" dirty="0">
                   <a:solidFill>
                     <a:schemeClr val="bg1"/>
                   </a:solidFill>
@@ -19425,8 +19425,8 @@
                       </a:schemeClr>
                     </a:glow>
                   </a:effectLst>
-                  <a:latin typeface="빛의 계승자 Regular" panose="020B0600000101010101" pitchFamily="50" charset="-127"/>
-                  <a:ea typeface="빛의 계승자 Regular" panose="020B0600000101010101" pitchFamily="50" charset="-127"/>
+                  <a:latin typeface="빛의 계승자 Bold" panose="020B0600000101010101" pitchFamily="50" charset="-127"/>
+                  <a:ea typeface="빛의 계승자 Bold" panose="020B0600000101010101" pitchFamily="50" charset="-127"/>
                 </a:rPr>
                 <a:t>개요</a:t>
               </a:r>
@@ -19462,7 +19462,7 @@
             <a:lstStyle/>
             <a:p>
               <a:r>
-                <a:rPr lang="en-US" altLang="ko-KR" sz="2000" b="1" dirty="0">
+                <a:rPr lang="en-US" altLang="ko-KR" sz="2000" dirty="0">
                   <a:solidFill>
                     <a:schemeClr val="bg1"/>
                   </a:solidFill>
@@ -19473,13 +19473,13 @@
                       </a:schemeClr>
                     </a:glow>
                   </a:effectLst>
-                  <a:latin typeface="빛의 계승자 Regular" panose="020B0600000101010101" pitchFamily="50" charset="-127"/>
-                  <a:ea typeface="빛의 계승자 Regular" panose="020B0600000101010101" pitchFamily="50" charset="-127"/>
+                  <a:latin typeface="빛의 계승자 Bold" panose="020B0600000101010101" pitchFamily="50" charset="-127"/>
+                  <a:ea typeface="빛의 계승자 Bold" panose="020B0600000101010101" pitchFamily="50" charset="-127"/>
                 </a:rPr>
                 <a:t>5. </a:t>
               </a:r>
               <a:r>
-                <a:rPr lang="ko-KR" altLang="en-US" sz="2000" b="1" dirty="0">
+                <a:rPr lang="ko-KR" altLang="en-US" sz="2000" dirty="0">
                   <a:solidFill>
                     <a:schemeClr val="bg1"/>
                   </a:solidFill>
@@ -19490,8 +19490,8 @@
                       </a:schemeClr>
                     </a:glow>
                   </a:effectLst>
-                  <a:latin typeface="빛의 계승자 Regular" panose="020B0600000101010101" pitchFamily="50" charset="-127"/>
-                  <a:ea typeface="빛의 계승자 Regular" panose="020B0600000101010101" pitchFamily="50" charset="-127"/>
+                  <a:latin typeface="빛의 계승자 Bold" panose="020B0600000101010101" pitchFamily="50" charset="-127"/>
+                  <a:ea typeface="빛의 계승자 Bold" panose="020B0600000101010101" pitchFamily="50" charset="-127"/>
                 </a:rPr>
                 <a:t>개선 사항</a:t>
               </a:r>
@@ -23215,7 +23215,7 @@
         <p:spPr>
           <a:xfrm>
             <a:off x="2005573" y="4620119"/>
-            <a:ext cx="3530134" cy="1015663"/>
+            <a:ext cx="3499676" cy="1169551"/>
           </a:xfrm>
           <a:prstGeom prst="rect">
             <a:avLst/>
@@ -23352,7 +23352,26 @@
                 <a:latin typeface="넥슨Lv1고딕" panose="00000500000000000000" pitchFamily="2" charset="-127"/>
                 <a:ea typeface="넥슨Lv1고딕" panose="00000500000000000000" pitchFamily="2" charset="-127"/>
               </a:rPr>
-              <a:t>무기와 전회의 조합으로 다양한 전투 스타일 </a:t>
+              <a:t>무기와 전회의 조합으로 다양한 전투 스타일</a:t>
+            </a:r>
+            <a:br>
+              <a:rPr lang="en-US" altLang="ko-KR" sz="1000" dirty="0">
+                <a:solidFill>
+                  <a:schemeClr val="bg1"/>
+                </a:solidFill>
+                <a:latin typeface="넥슨Lv1고딕" panose="00000500000000000000" pitchFamily="2" charset="-127"/>
+                <a:ea typeface="넥슨Lv1고딕" panose="00000500000000000000" pitchFamily="2" charset="-127"/>
+              </a:rPr>
+            </a:br>
+            <a:r>
+              <a:rPr lang="ko-KR" altLang="en-US" sz="1000" dirty="0">
+                <a:solidFill>
+                  <a:schemeClr val="bg1"/>
+                </a:solidFill>
+                <a:latin typeface="넥슨Lv1고딕" panose="00000500000000000000" pitchFamily="2" charset="-127"/>
+                <a:ea typeface="넥슨Lv1고딕" panose="00000500000000000000" pitchFamily="2" charset="-127"/>
+              </a:rPr>
+              <a:t>컨텐츠에 맞는 전회로 </a:t>
             </a:r>
             <a:endParaRPr lang="en-US" altLang="ko-KR" sz="1000" dirty="0">
               <a:solidFill>
@@ -24092,7 +24111,7 @@
         <p:spPr>
           <a:xfrm>
             <a:off x="2005574" y="1428835"/>
-            <a:ext cx="2824385" cy="3427645"/>
+            <a:ext cx="2824385" cy="1738571"/>
           </a:xfrm>
           <a:prstGeom prst="rect">
             <a:avLst/>
@@ -25247,371 +25266,6 @@
           </a:p>
         </p:txBody>
       </p:sp>
-      <p:grpSp>
-        <p:nvGrpSpPr>
-          <p:cNvPr id="33" name="그룹 32">
-            <a:extLst>
-              <a:ext uri="{FF2B5EF4-FFF2-40B4-BE49-F238E27FC236}">
-                <a16:creationId xmlns:a16="http://schemas.microsoft.com/office/drawing/2014/main" id="{D6AD045B-F52A-2D09-4DCD-F0910B930B3D}"/>
-              </a:ext>
-            </a:extLst>
-          </p:cNvPr>
-          <p:cNvGrpSpPr/>
-          <p:nvPr/>
-        </p:nvGrpSpPr>
-        <p:grpSpPr>
-          <a:xfrm>
-            <a:off x="2167856" y="3188548"/>
-            <a:ext cx="1073729" cy="1503946"/>
-            <a:chOff x="2167856" y="1487877"/>
-            <a:chExt cx="1073729" cy="1503946"/>
-          </a:xfrm>
-        </p:grpSpPr>
-        <p:sp>
-          <p:nvSpPr>
-            <p:cNvPr id="34" name="직사각형 33">
-              <a:extLst>
-                <a:ext uri="{FF2B5EF4-FFF2-40B4-BE49-F238E27FC236}">
-                  <a16:creationId xmlns:a16="http://schemas.microsoft.com/office/drawing/2014/main" id="{C5D24971-AECF-1FA3-F931-9DBE8B2D5DCC}"/>
-                </a:ext>
-              </a:extLst>
-            </p:cNvPr>
-            <p:cNvSpPr/>
-            <p:nvPr/>
-          </p:nvSpPr>
-          <p:spPr>
-            <a:xfrm>
-              <a:off x="2167856" y="1755398"/>
-              <a:ext cx="1073729" cy="1236425"/>
-            </a:xfrm>
-            <a:prstGeom prst="rect">
-              <a:avLst/>
-            </a:prstGeom>
-            <a:solidFill>
-              <a:schemeClr val="bg1"/>
-            </a:solidFill>
-            <a:ln w="12700">
-              <a:solidFill>
-                <a:srgbClr val="39382E"/>
-              </a:solidFill>
-            </a:ln>
-          </p:spPr>
-          <p:style>
-            <a:lnRef idx="2">
-              <a:schemeClr val="accent1">
-                <a:shade val="15000"/>
-              </a:schemeClr>
-            </a:lnRef>
-            <a:fillRef idx="1">
-              <a:schemeClr val="accent1"/>
-            </a:fillRef>
-            <a:effectRef idx="0">
-              <a:schemeClr val="accent1"/>
-            </a:effectRef>
-            <a:fontRef idx="minor">
-              <a:schemeClr val="lt1"/>
-            </a:fontRef>
-          </p:style>
-          <p:txBody>
-            <a:bodyPr rtlCol="0" anchor="ctr"/>
-            <a:lstStyle/>
-            <a:p>
-              <a:pPr algn="ctr"/>
-              <a:endParaRPr lang="ko-KR" altLang="en-US"/>
-            </a:p>
-          </p:txBody>
-        </p:sp>
-        <p:grpSp>
-          <p:nvGrpSpPr>
-            <p:cNvPr id="35" name="그룹 34">
-              <a:extLst>
-                <a:ext uri="{FF2B5EF4-FFF2-40B4-BE49-F238E27FC236}">
-                  <a16:creationId xmlns:a16="http://schemas.microsoft.com/office/drawing/2014/main" id="{26370143-2BBB-9164-0C26-97600093BAEB}"/>
-                </a:ext>
-              </a:extLst>
-            </p:cNvPr>
-            <p:cNvGrpSpPr/>
-            <p:nvPr/>
-          </p:nvGrpSpPr>
-          <p:grpSpPr>
-            <a:xfrm>
-              <a:off x="2196571" y="1487877"/>
-              <a:ext cx="1016298" cy="1471084"/>
-              <a:chOff x="6414848" y="1491993"/>
-              <a:chExt cx="1016298" cy="1471084"/>
-            </a:xfrm>
-          </p:grpSpPr>
-          <p:pic>
-            <p:nvPicPr>
-              <p:cNvPr id="36" name="그림 35" descr="텍스트, 종이 클립, 디자인, 일러스트레이션이(가) 표시된 사진&#10;&#10;자동 생성된 설명">
-                <a:extLst>
-                  <a:ext uri="{FF2B5EF4-FFF2-40B4-BE49-F238E27FC236}">
-                    <a16:creationId xmlns:a16="http://schemas.microsoft.com/office/drawing/2014/main" id="{4115447D-8F57-D2EB-45AA-F7D27623D560}"/>
-                  </a:ext>
-                </a:extLst>
-              </p:cNvPr>
-              <p:cNvPicPr>
-                <a:picLocks noChangeAspect="1"/>
-              </p:cNvPicPr>
-              <p:nvPr/>
-            </p:nvPicPr>
-            <p:blipFill>
-              <a:blip r:embed="rId2">
-                <a:extLst>
-                  <a:ext uri="{28A0092B-C50C-407E-A947-70E740481C1C}">
-                    <a14:useLocalDpi xmlns:a14="http://schemas.microsoft.com/office/drawing/2010/main" val="0"/>
-                  </a:ext>
-                </a:extLst>
-              </a:blip>
-              <a:srcRect l="13815" b="39713"/>
-              <a:stretch/>
-            </p:blipFill>
-            <p:spPr>
-              <a:xfrm>
-                <a:off x="6414848" y="1726652"/>
-                <a:ext cx="1016298" cy="1236425"/>
-              </a:xfrm>
-              <a:prstGeom prst="rect">
-                <a:avLst/>
-              </a:prstGeom>
-            </p:spPr>
-          </p:pic>
-          <p:sp>
-            <p:nvSpPr>
-              <p:cNvPr id="37" name="TextBox 36">
-                <a:extLst>
-                  <a:ext uri="{FF2B5EF4-FFF2-40B4-BE49-F238E27FC236}">
-                    <a16:creationId xmlns:a16="http://schemas.microsoft.com/office/drawing/2014/main" id="{647A0076-52DB-026D-D74A-51D396D626C4}"/>
-                  </a:ext>
-                </a:extLst>
-              </p:cNvPr>
-              <p:cNvSpPr txBox="1"/>
-              <p:nvPr/>
-            </p:nvSpPr>
-            <p:spPr>
-              <a:xfrm>
-                <a:off x="6603040" y="1491993"/>
-                <a:ext cx="639919" cy="246221"/>
-              </a:xfrm>
-              <a:prstGeom prst="rect">
-                <a:avLst/>
-              </a:prstGeom>
-              <a:noFill/>
-            </p:spPr>
-            <p:txBody>
-              <a:bodyPr wrap="none" rtlCol="0">
-                <a:spAutoFit/>
-              </a:bodyPr>
-              <a:lstStyle/>
-              <a:p>
-                <a:pPr algn="ctr"/>
-                <a:r>
-                  <a:rPr lang="en-US" altLang="ko-KR" sz="1000" dirty="0">
-                    <a:solidFill>
-                      <a:schemeClr val="bg1"/>
-                    </a:solidFill>
-                    <a:latin typeface="넥슨Lv1고딕" panose="00000500000000000000" pitchFamily="2" charset="-127"/>
-                    <a:ea typeface="넥슨Lv1고딕" panose="00000500000000000000" pitchFamily="2" charset="-127"/>
-                  </a:rPr>
-                  <a:t>[</a:t>
-                </a:r>
-                <a:r>
-                  <a:rPr lang="ko-KR" altLang="en-US" sz="1000" dirty="0" err="1">
-                    <a:solidFill>
-                      <a:schemeClr val="bg1"/>
-                    </a:solidFill>
-                    <a:latin typeface="넥슨Lv1고딕" panose="00000500000000000000" pitchFamily="2" charset="-127"/>
-                    <a:ea typeface="넥슨Lv1고딕" panose="00000500000000000000" pitchFamily="2" charset="-127"/>
-                  </a:rPr>
-                  <a:t>입문자</a:t>
-                </a:r>
-                <a:r>
-                  <a:rPr lang="en-US" altLang="ko-KR" sz="1000" dirty="0">
-                    <a:solidFill>
-                      <a:schemeClr val="bg1"/>
-                    </a:solidFill>
-                    <a:latin typeface="넥슨Lv1고딕" panose="00000500000000000000" pitchFamily="2" charset="-127"/>
-                    <a:ea typeface="넥슨Lv1고딕" panose="00000500000000000000" pitchFamily="2" charset="-127"/>
-                  </a:rPr>
-                  <a:t>]</a:t>
-                </a:r>
-              </a:p>
-            </p:txBody>
-          </p:sp>
-        </p:grpSp>
-      </p:grpSp>
-      <p:grpSp>
-        <p:nvGrpSpPr>
-          <p:cNvPr id="38" name="그룹 37">
-            <a:extLst>
-              <a:ext uri="{FF2B5EF4-FFF2-40B4-BE49-F238E27FC236}">
-                <a16:creationId xmlns:a16="http://schemas.microsoft.com/office/drawing/2014/main" id="{A7F3560D-724E-3C8E-84C7-2F8BE4466622}"/>
-              </a:ext>
-            </a:extLst>
-          </p:cNvPr>
-          <p:cNvGrpSpPr/>
-          <p:nvPr/>
-        </p:nvGrpSpPr>
-        <p:grpSpPr>
-          <a:xfrm>
-            <a:off x="3593832" y="3182714"/>
-            <a:ext cx="1073729" cy="1509153"/>
-            <a:chOff x="8059961" y="1531226"/>
-            <a:chExt cx="1073729" cy="1509153"/>
-          </a:xfrm>
-        </p:grpSpPr>
-        <p:sp>
-          <p:nvSpPr>
-            <p:cNvPr id="39" name="직사각형 38">
-              <a:extLst>
-                <a:ext uri="{FF2B5EF4-FFF2-40B4-BE49-F238E27FC236}">
-                  <a16:creationId xmlns:a16="http://schemas.microsoft.com/office/drawing/2014/main" id="{D92D73C0-EC33-637C-E176-94ABFEC51EB3}"/>
-                </a:ext>
-              </a:extLst>
-            </p:cNvPr>
-            <p:cNvSpPr/>
-            <p:nvPr/>
-          </p:nvSpPr>
-          <p:spPr>
-            <a:xfrm>
-              <a:off x="8059961" y="1803954"/>
-              <a:ext cx="1073729" cy="1236425"/>
-            </a:xfrm>
-            <a:prstGeom prst="rect">
-              <a:avLst/>
-            </a:prstGeom>
-            <a:solidFill>
-              <a:schemeClr val="bg1"/>
-            </a:solidFill>
-            <a:ln w="12700">
-              <a:solidFill>
-                <a:srgbClr val="39382E"/>
-              </a:solidFill>
-            </a:ln>
-          </p:spPr>
-          <p:style>
-            <a:lnRef idx="2">
-              <a:schemeClr val="accent1">
-                <a:shade val="15000"/>
-              </a:schemeClr>
-            </a:lnRef>
-            <a:fillRef idx="1">
-              <a:schemeClr val="accent1"/>
-            </a:fillRef>
-            <a:effectRef idx="0">
-              <a:schemeClr val="accent1"/>
-            </a:effectRef>
-            <a:fontRef idx="minor">
-              <a:schemeClr val="lt1"/>
-            </a:fontRef>
-          </p:style>
-          <p:txBody>
-            <a:bodyPr rtlCol="0" anchor="ctr"/>
-            <a:lstStyle/>
-            <a:p>
-              <a:pPr algn="ctr"/>
-              <a:endParaRPr lang="ko-KR" altLang="en-US"/>
-            </a:p>
-          </p:txBody>
-        </p:sp>
-        <p:sp>
-          <p:nvSpPr>
-            <p:cNvPr id="40" name="TextBox 39">
-              <a:extLst>
-                <a:ext uri="{FF2B5EF4-FFF2-40B4-BE49-F238E27FC236}">
-                  <a16:creationId xmlns:a16="http://schemas.microsoft.com/office/drawing/2014/main" id="{611D2679-96F7-461D-A31C-9FD6A0483DC6}"/>
-                </a:ext>
-              </a:extLst>
-            </p:cNvPr>
-            <p:cNvSpPr txBox="1"/>
-            <p:nvPr/>
-          </p:nvSpPr>
-          <p:spPr>
-            <a:xfrm>
-              <a:off x="8276869" y="1531226"/>
-              <a:ext cx="639919" cy="246221"/>
-            </a:xfrm>
-            <a:prstGeom prst="rect">
-              <a:avLst/>
-            </a:prstGeom>
-            <a:noFill/>
-          </p:spPr>
-          <p:txBody>
-            <a:bodyPr wrap="none" rtlCol="0">
-              <a:spAutoFit/>
-            </a:bodyPr>
-            <a:lstStyle/>
-            <a:p>
-              <a:pPr algn="ctr"/>
-              <a:r>
-                <a:rPr lang="en-US" altLang="ko-KR" sz="1000" dirty="0">
-                  <a:solidFill>
-                    <a:schemeClr val="bg1"/>
-                  </a:solidFill>
-                  <a:latin typeface="넥슨Lv1고딕" panose="00000500000000000000" pitchFamily="2" charset="-127"/>
-                  <a:ea typeface="넥슨Lv1고딕" panose="00000500000000000000" pitchFamily="2" charset="-127"/>
-                </a:rPr>
-                <a:t>[</a:t>
-              </a:r>
-              <a:r>
-                <a:rPr lang="ko-KR" altLang="en-US" sz="1000" dirty="0" err="1">
-                  <a:solidFill>
-                    <a:schemeClr val="bg1"/>
-                  </a:solidFill>
-                  <a:latin typeface="넥슨Lv1고딕" panose="00000500000000000000" pitchFamily="2" charset="-127"/>
-                  <a:ea typeface="넥슨Lv1고딕" panose="00000500000000000000" pitchFamily="2" charset="-127"/>
-                </a:rPr>
-                <a:t>숙련자</a:t>
-              </a:r>
-              <a:r>
-                <a:rPr lang="en-US" altLang="ko-KR" sz="1000" dirty="0">
-                  <a:solidFill>
-                    <a:schemeClr val="bg1"/>
-                  </a:solidFill>
-                  <a:latin typeface="넥슨Lv1고딕" panose="00000500000000000000" pitchFamily="2" charset="-127"/>
-                  <a:ea typeface="넥슨Lv1고딕" panose="00000500000000000000" pitchFamily="2" charset="-127"/>
-                </a:rPr>
-                <a:t>]</a:t>
-              </a:r>
-            </a:p>
-          </p:txBody>
-        </p:sp>
-        <p:pic>
-          <p:nvPicPr>
-            <p:cNvPr id="41" name="그림 40" descr="종이 클립, 디자인, 일러스트레이션이(가) 표시된 사진&#10;&#10;자동 생성된 설명">
-              <a:extLst>
-                <a:ext uri="{FF2B5EF4-FFF2-40B4-BE49-F238E27FC236}">
-                  <a16:creationId xmlns:a16="http://schemas.microsoft.com/office/drawing/2014/main" id="{84656AEE-9256-F40F-9AEF-CE39169C2E0A}"/>
-                </a:ext>
-              </a:extLst>
-            </p:cNvPr>
-            <p:cNvPicPr>
-              <a:picLocks noChangeAspect="1"/>
-            </p:cNvPicPr>
-            <p:nvPr/>
-          </p:nvPicPr>
-          <p:blipFill>
-            <a:blip r:embed="rId3">
-              <a:extLst>
-                <a:ext uri="{28A0092B-C50C-407E-A947-70E740481C1C}">
-                  <a14:useLocalDpi xmlns:a14="http://schemas.microsoft.com/office/drawing/2010/main" val="0"/>
-                </a:ext>
-              </a:extLst>
-            </a:blip>
-            <a:srcRect l="24279" b="39185"/>
-            <a:stretch/>
-          </p:blipFill>
-          <p:spPr>
-            <a:xfrm>
-              <a:off x="8182593" y="1767610"/>
-              <a:ext cx="828464" cy="1236425"/>
-            </a:xfrm>
-            <a:prstGeom prst="rect">
-              <a:avLst/>
-            </a:prstGeom>
-          </p:spPr>
-        </p:pic>
-      </p:grpSp>
     </p:spTree>
     <p:extLst>
       <p:ext uri="{BB962C8B-B14F-4D97-AF65-F5344CB8AC3E}">

--- a/엘든링 역기획서/엘든링_전회_역기획서.pptx
+++ b/엘든링 역기획서/엘든링_전회_역기획서.pptx
@@ -5,27 +5,26 @@
     <p:sldMasterId id="2147483648" r:id="rId1"/>
   </p:sldMasterIdLst>
   <p:notesMasterIdLst>
-    <p:notesMasterId r:id="rId20"/>
+    <p:notesMasterId r:id="rId19"/>
   </p:notesMasterIdLst>
   <p:sldIdLst>
     <p:sldId id="269" r:id="rId2"/>
     <p:sldId id="267" r:id="rId3"/>
     <p:sldId id="288" r:id="rId4"/>
-    <p:sldId id="297" r:id="rId5"/>
-    <p:sldId id="298" r:id="rId6"/>
-    <p:sldId id="287" r:id="rId7"/>
-    <p:sldId id="292" r:id="rId8"/>
-    <p:sldId id="282" r:id="rId9"/>
-    <p:sldId id="293" r:id="rId10"/>
-    <p:sldId id="295" r:id="rId11"/>
-    <p:sldId id="289" r:id="rId12"/>
-    <p:sldId id="290" r:id="rId13"/>
-    <p:sldId id="283" r:id="rId14"/>
-    <p:sldId id="294" r:id="rId15"/>
-    <p:sldId id="284" r:id="rId16"/>
-    <p:sldId id="296" r:id="rId17"/>
-    <p:sldId id="285" r:id="rId18"/>
-    <p:sldId id="286" r:id="rId19"/>
+    <p:sldId id="298" r:id="rId5"/>
+    <p:sldId id="287" r:id="rId6"/>
+    <p:sldId id="292" r:id="rId7"/>
+    <p:sldId id="282" r:id="rId8"/>
+    <p:sldId id="293" r:id="rId9"/>
+    <p:sldId id="295" r:id="rId10"/>
+    <p:sldId id="289" r:id="rId11"/>
+    <p:sldId id="290" r:id="rId12"/>
+    <p:sldId id="283" r:id="rId13"/>
+    <p:sldId id="294" r:id="rId14"/>
+    <p:sldId id="284" r:id="rId15"/>
+    <p:sldId id="296" r:id="rId16"/>
+    <p:sldId id="285" r:id="rId17"/>
+    <p:sldId id="286" r:id="rId18"/>
   </p:sldIdLst>
   <p:sldSz cx="12192000" cy="6858000"/>
   <p:notesSz cx="6858000" cy="9144000"/>
@@ -132,7 +131,7 @@
             <a:srgbClr val="A4A3A4"/>
           </p15:clr>
         </p15:guide>
-        <p15:guide id="2" pos="3840" userDrawn="1">
+        <p15:guide id="2" pos="4248" userDrawn="1">
           <p15:clr>
             <a:srgbClr val="A4A3A4"/>
           </p15:clr>
@@ -725,7 +724,7 @@
           <a:p>
             <a:fld id="{8CA72C27-D0A0-472F-B7CB-FAB4645A1F36}" type="slidenum">
               <a:rPr lang="ko-KR" altLang="en-US" smtClean="0"/>
-              <a:t>18</a:t>
+              <a:t>17</a:t>
             </a:fld>
             <a:endParaRPr lang="ko-KR" altLang="en-US"/>
           </a:p>
@@ -11545,587 +11544,6 @@
       </p:sp>
       <p:grpSp>
         <p:nvGrpSpPr>
-          <p:cNvPr id="31" name="그룹 30">
-            <a:extLst>
-              <a:ext uri="{FF2B5EF4-FFF2-40B4-BE49-F238E27FC236}">
-                <a16:creationId xmlns:a16="http://schemas.microsoft.com/office/drawing/2014/main" id="{47D8B030-EA70-31D1-BD7B-DCF4F6D2E06F}"/>
-              </a:ext>
-            </a:extLst>
-          </p:cNvPr>
-          <p:cNvGrpSpPr/>
-          <p:nvPr/>
-        </p:nvGrpSpPr>
-        <p:grpSpPr>
-          <a:xfrm>
-            <a:off x="1992916" y="588889"/>
-            <a:ext cx="2831662" cy="1362132"/>
-            <a:chOff x="1992916" y="954061"/>
-            <a:chExt cx="2831662" cy="1362132"/>
-          </a:xfrm>
-        </p:grpSpPr>
-        <p:sp>
-          <p:nvSpPr>
-            <p:cNvPr id="32" name="TextBox 31">
-              <a:extLst>
-                <a:ext uri="{FF2B5EF4-FFF2-40B4-BE49-F238E27FC236}">
-                  <a16:creationId xmlns:a16="http://schemas.microsoft.com/office/drawing/2014/main" id="{247AC36F-D958-2624-47A9-5D8843BD7031}"/>
-                </a:ext>
-              </a:extLst>
-            </p:cNvPr>
-            <p:cNvSpPr txBox="1"/>
-            <p:nvPr/>
-          </p:nvSpPr>
-          <p:spPr>
-            <a:xfrm>
-              <a:off x="2205525" y="1454419"/>
-              <a:ext cx="2595582" cy="861774"/>
-            </a:xfrm>
-            <a:prstGeom prst="rect">
-              <a:avLst/>
-            </a:prstGeom>
-            <a:noFill/>
-          </p:spPr>
-          <p:txBody>
-            <a:bodyPr wrap="none" rtlCol="0">
-              <a:spAutoFit/>
-            </a:bodyPr>
-            <a:lstStyle/>
-            <a:p>
-              <a:pPr marL="171450" indent="-171450">
-                <a:buFontTx/>
-                <a:buChar char="-"/>
-              </a:pPr>
-              <a:r>
-                <a:rPr lang="ko-KR" altLang="en-US" sz="1000" dirty="0">
-                  <a:solidFill>
-                    <a:schemeClr val="bg1"/>
-                  </a:solidFill>
-                  <a:latin typeface="넥슨Lv1고딕" panose="00000500000000000000" pitchFamily="2" charset="-127"/>
-                  <a:ea typeface="넥슨Lv1고딕" panose="00000500000000000000" pitchFamily="2" charset="-127"/>
-                </a:rPr>
-                <a:t>전회를 부여함으로써 달라지는 부분 설명</a:t>
-              </a:r>
-              <a:endParaRPr lang="en-US" altLang="ko-KR" sz="1000" dirty="0">
-                <a:solidFill>
-                  <a:schemeClr val="bg1"/>
-                </a:solidFill>
-                <a:latin typeface="넥슨Lv1고딕" panose="00000500000000000000" pitchFamily="2" charset="-127"/>
-                <a:ea typeface="넥슨Lv1고딕" panose="00000500000000000000" pitchFamily="2" charset="-127"/>
-              </a:endParaRPr>
-            </a:p>
-            <a:p>
-              <a:pPr marL="171450" indent="-171450">
-                <a:buFontTx/>
-                <a:buChar char="-"/>
-              </a:pPr>
-              <a:endParaRPr lang="en-US" altLang="ko-KR" sz="1000" dirty="0">
-                <a:solidFill>
-                  <a:schemeClr val="bg1"/>
-                </a:solidFill>
-                <a:latin typeface="넥슨Lv1고딕" panose="00000500000000000000" pitchFamily="2" charset="-127"/>
-                <a:ea typeface="넥슨Lv1고딕" panose="00000500000000000000" pitchFamily="2" charset="-127"/>
-              </a:endParaRPr>
-            </a:p>
-            <a:p>
-              <a:pPr marL="171450" indent="-171450">
-                <a:buFontTx/>
-                <a:buChar char="-"/>
-              </a:pPr>
-              <a:r>
-                <a:rPr lang="ko-KR" altLang="en-US" sz="1000" dirty="0">
-                  <a:solidFill>
-                    <a:schemeClr val="bg1"/>
-                  </a:solidFill>
-                  <a:latin typeface="넥슨Lv1고딕" panose="00000500000000000000" pitchFamily="2" charset="-127"/>
-                  <a:ea typeface="넥슨Lv1고딕" panose="00000500000000000000" pitchFamily="2" charset="-127"/>
-                </a:rPr>
-                <a:t>무기의 보정 치 변경</a:t>
-              </a:r>
-              <a:r>
-                <a:rPr lang="en-US" altLang="ko-KR" sz="1000" dirty="0">
-                  <a:solidFill>
-                    <a:schemeClr val="bg1"/>
-                  </a:solidFill>
-                  <a:latin typeface="넥슨Lv1고딕" panose="00000500000000000000" pitchFamily="2" charset="-127"/>
-                  <a:ea typeface="넥슨Lv1고딕" panose="00000500000000000000" pitchFamily="2" charset="-127"/>
-                </a:rPr>
-                <a:t>, </a:t>
-              </a:r>
-              <a:r>
-                <a:rPr lang="ko-KR" altLang="en-US" sz="1000" dirty="0">
-                  <a:solidFill>
-                    <a:schemeClr val="bg1"/>
-                  </a:solidFill>
-                  <a:latin typeface="넥슨Lv1고딕" panose="00000500000000000000" pitchFamily="2" charset="-127"/>
-                  <a:ea typeface="넥슨Lv1고딕" panose="00000500000000000000" pitchFamily="2" charset="-127"/>
-                </a:rPr>
-                <a:t>속성 변경 등등</a:t>
-              </a:r>
-              <a:endParaRPr lang="en-US" altLang="ko-KR" sz="1000" dirty="0">
-                <a:solidFill>
-                  <a:schemeClr val="bg1"/>
-                </a:solidFill>
-                <a:latin typeface="넥슨Lv1고딕" panose="00000500000000000000" pitchFamily="2" charset="-127"/>
-                <a:ea typeface="넥슨Lv1고딕" panose="00000500000000000000" pitchFamily="2" charset="-127"/>
-              </a:endParaRPr>
-            </a:p>
-            <a:p>
-              <a:pPr marL="171450" indent="-171450">
-                <a:buFontTx/>
-                <a:buChar char="-"/>
-              </a:pPr>
-              <a:endParaRPr lang="en-US" altLang="ko-KR" sz="1000" dirty="0">
-                <a:solidFill>
-                  <a:schemeClr val="bg1"/>
-                </a:solidFill>
-                <a:latin typeface="넥슨Lv1고딕" panose="00000500000000000000" pitchFamily="2" charset="-127"/>
-                <a:ea typeface="넥슨Lv1고딕" panose="00000500000000000000" pitchFamily="2" charset="-127"/>
-              </a:endParaRPr>
-            </a:p>
-            <a:p>
-              <a:pPr marL="171450" indent="-171450">
-                <a:buFontTx/>
-                <a:buChar char="-"/>
-              </a:pPr>
-              <a:r>
-                <a:rPr lang="ko-KR" altLang="en-US" sz="1000" dirty="0">
-                  <a:solidFill>
-                    <a:schemeClr val="bg1"/>
-                  </a:solidFill>
-                  <a:latin typeface="넥슨Lv1고딕" panose="00000500000000000000" pitchFamily="2" charset="-127"/>
-                  <a:ea typeface="넥슨Lv1고딕" panose="00000500000000000000" pitchFamily="2" charset="-127"/>
-                </a:rPr>
-                <a:t>전투 스타일의 변화 설명</a:t>
-              </a:r>
-              <a:endParaRPr lang="en-US" altLang="ko-KR" sz="1000" dirty="0">
-                <a:solidFill>
-                  <a:schemeClr val="bg1"/>
-                </a:solidFill>
-                <a:latin typeface="넥슨Lv1고딕" panose="00000500000000000000" pitchFamily="2" charset="-127"/>
-                <a:ea typeface="넥슨Lv1고딕" panose="00000500000000000000" pitchFamily="2" charset="-127"/>
-              </a:endParaRPr>
-            </a:p>
-          </p:txBody>
-        </p:sp>
-        <p:grpSp>
-          <p:nvGrpSpPr>
-            <p:cNvPr id="33" name="그룹 32">
-              <a:extLst>
-                <a:ext uri="{FF2B5EF4-FFF2-40B4-BE49-F238E27FC236}">
-                  <a16:creationId xmlns:a16="http://schemas.microsoft.com/office/drawing/2014/main" id="{7D84BACB-31BB-C60D-DEC1-78EB607A2B01}"/>
-                </a:ext>
-              </a:extLst>
-            </p:cNvPr>
-            <p:cNvGrpSpPr/>
-            <p:nvPr/>
-          </p:nvGrpSpPr>
-          <p:grpSpPr>
-            <a:xfrm>
-              <a:off x="1992916" y="954061"/>
-              <a:ext cx="2831662" cy="367200"/>
-              <a:chOff x="2500453" y="1274905"/>
-              <a:chExt cx="2831662" cy="367200"/>
-            </a:xfrm>
-          </p:grpSpPr>
-          <p:pic>
-            <p:nvPicPr>
-              <p:cNvPr id="34" name="Picture 4">
-                <a:extLst>
-                  <a:ext uri="{FF2B5EF4-FFF2-40B4-BE49-F238E27FC236}">
-                    <a16:creationId xmlns:a16="http://schemas.microsoft.com/office/drawing/2014/main" id="{05B11613-FE4D-25A8-6819-786726D821DA}"/>
-                  </a:ext>
-                </a:extLst>
-              </p:cNvPr>
-              <p:cNvPicPr>
-                <a:picLocks noChangeArrowheads="1"/>
-              </p:cNvPicPr>
-              <p:nvPr/>
-            </p:nvPicPr>
-            <p:blipFill rotWithShape="1">
-              <a:blip r:embed="rId2">
-                <a:clrChange>
-                  <a:clrFrom>
-                    <a:srgbClr val="000000"/>
-                  </a:clrFrom>
-                  <a:clrTo>
-                    <a:srgbClr val="000000">
-                      <a:alpha val="0"/>
-                    </a:srgbClr>
-                  </a:clrTo>
-                </a:clrChange>
-                <a:extLst>
-                  <a:ext uri="{28A0092B-C50C-407E-A947-70E740481C1C}">
-                    <a14:useLocalDpi xmlns:a14="http://schemas.microsoft.com/office/drawing/2010/main" val="0"/>
-                  </a:ext>
-                </a:extLst>
-              </a:blip>
-              <a:srcRect l="39323" t="43581" r="59826" b="39566"/>
-              <a:stretch/>
-            </p:blipFill>
-            <p:spPr bwMode="auto">
-              <a:xfrm>
-                <a:off x="2500453" y="1274905"/>
-                <a:ext cx="36000" cy="367200"/>
-              </a:xfrm>
-              <a:prstGeom prst="rect">
-                <a:avLst/>
-              </a:prstGeom>
-              <a:noFill/>
-              <a:extLst>
-                <a:ext uri="{909E8E84-426E-40DD-AFC4-6F175D3DCCD1}">
-                  <a14:hiddenFill xmlns:a14="http://schemas.microsoft.com/office/drawing/2010/main">
-                    <a:solidFill>
-                      <a:srgbClr val="FFFFFF"/>
-                    </a:solidFill>
-                  </a14:hiddenFill>
-                </a:ext>
-              </a:extLst>
-            </p:spPr>
-          </p:pic>
-          <p:grpSp>
-            <p:nvGrpSpPr>
-              <p:cNvPr id="35" name="그룹 34">
-                <a:extLst>
-                  <a:ext uri="{FF2B5EF4-FFF2-40B4-BE49-F238E27FC236}">
-                    <a16:creationId xmlns:a16="http://schemas.microsoft.com/office/drawing/2014/main" id="{3B5D7694-F830-22B8-17D5-8765B0D47149}"/>
-                  </a:ext>
-                </a:extLst>
-              </p:cNvPr>
-              <p:cNvGrpSpPr/>
-              <p:nvPr/>
-            </p:nvGrpSpPr>
-            <p:grpSpPr>
-              <a:xfrm>
-                <a:off x="2536453" y="1287843"/>
-                <a:ext cx="2795662" cy="343894"/>
-                <a:chOff x="4774676" y="2919518"/>
-                <a:chExt cx="2734338" cy="336351"/>
-              </a:xfrm>
-            </p:grpSpPr>
-            <p:sp>
-              <p:nvSpPr>
-                <p:cNvPr id="37" name="직사각형 36">
-                  <a:extLst>
-                    <a:ext uri="{FF2B5EF4-FFF2-40B4-BE49-F238E27FC236}">
-                      <a16:creationId xmlns:a16="http://schemas.microsoft.com/office/drawing/2014/main" id="{D2A5B6C4-E0ED-4EBD-E3EE-E8133A019BD4}"/>
-                    </a:ext>
-                  </a:extLst>
-                </p:cNvPr>
-                <p:cNvSpPr>
-                  <a:spLocks/>
-                </p:cNvSpPr>
-                <p:nvPr/>
-              </p:nvSpPr>
-              <p:spPr>
-                <a:xfrm>
-                  <a:off x="4774676" y="2919518"/>
-                  <a:ext cx="2734338" cy="336351"/>
-                </a:xfrm>
-                <a:prstGeom prst="rect">
-                  <a:avLst/>
-                </a:prstGeom>
-                <a:gradFill flip="none" rotWithShape="1">
-                  <a:gsLst>
-                    <a:gs pos="59000">
-                      <a:srgbClr val="1A1810">
-                        <a:alpha val="70000"/>
-                      </a:srgbClr>
-                    </a:gs>
-                    <a:gs pos="3000">
-                      <a:srgbClr val="1A1810">
-                        <a:alpha val="90000"/>
-                      </a:srgbClr>
-                    </a:gs>
-                    <a:gs pos="100000">
-                      <a:srgbClr val="1A1810">
-                        <a:alpha val="0"/>
-                      </a:srgbClr>
-                    </a:gs>
-                  </a:gsLst>
-                  <a:lin ang="0" scaled="1"/>
-                  <a:tileRect/>
-                </a:gradFill>
-                <a:ln>
-                  <a:noFill/>
-                </a:ln>
-                <a:effectLst/>
-              </p:spPr>
-              <p:style>
-                <a:lnRef idx="2">
-                  <a:schemeClr val="accent1">
-                    <a:shade val="15000"/>
-                  </a:schemeClr>
-                </a:lnRef>
-                <a:fillRef idx="1">
-                  <a:schemeClr val="accent1"/>
-                </a:fillRef>
-                <a:effectRef idx="0">
-                  <a:schemeClr val="accent1"/>
-                </a:effectRef>
-                <a:fontRef idx="minor">
-                  <a:schemeClr val="lt1"/>
-                </a:fontRef>
-              </p:style>
-              <p:txBody>
-                <a:bodyPr rtlCol="0" anchor="ctr"/>
-                <a:lstStyle/>
-                <a:p>
-                  <a:pPr algn="ctr"/>
-                  <a:endParaRPr lang="ko-KR" altLang="en-US" dirty="0"/>
-                </a:p>
-              </p:txBody>
-            </p:sp>
-            <p:cxnSp>
-              <p:nvCxnSpPr>
-                <p:cNvPr id="38" name="직선 연결선 37">
-                  <a:extLst>
-                    <a:ext uri="{FF2B5EF4-FFF2-40B4-BE49-F238E27FC236}">
-                      <a16:creationId xmlns:a16="http://schemas.microsoft.com/office/drawing/2014/main" id="{CE69CF1A-3CC4-ED26-D673-36E9B6219972}"/>
-                    </a:ext>
-                  </a:extLst>
-                </p:cNvPr>
-                <p:cNvCxnSpPr>
-                  <a:cxnSpLocks/>
-                </p:cNvCxnSpPr>
-                <p:nvPr/>
-              </p:nvCxnSpPr>
-              <p:spPr>
-                <a:xfrm flipH="1">
-                  <a:off x="4774676" y="3255869"/>
-                  <a:ext cx="2734338" cy="0"/>
-                </a:xfrm>
-                <a:prstGeom prst="line">
-                  <a:avLst/>
-                </a:prstGeom>
-                <a:ln>
-                  <a:gradFill flip="none" rotWithShape="1">
-                    <a:gsLst>
-                      <a:gs pos="0">
-                        <a:srgbClr val="33332B"/>
-                      </a:gs>
-                      <a:gs pos="31000">
-                        <a:srgbClr val="33332B">
-                          <a:alpha val="70000"/>
-                        </a:srgbClr>
-                      </a:gs>
-                      <a:gs pos="54000">
-                        <a:srgbClr val="33332B">
-                          <a:alpha val="30000"/>
-                        </a:srgbClr>
-                      </a:gs>
-                      <a:gs pos="100000">
-                        <a:srgbClr val="33332B">
-                          <a:alpha val="0"/>
-                        </a:srgbClr>
-                      </a:gs>
-                    </a:gsLst>
-                    <a:lin ang="10800000" scaled="1"/>
-                    <a:tileRect/>
-                  </a:gradFill>
-                </a:ln>
-                <a:effectLst/>
-              </p:spPr>
-              <p:style>
-                <a:lnRef idx="2">
-                  <a:schemeClr val="accent1"/>
-                </a:lnRef>
-                <a:fillRef idx="0">
-                  <a:schemeClr val="accent1"/>
-                </a:fillRef>
-                <a:effectRef idx="1">
-                  <a:schemeClr val="accent1"/>
-                </a:effectRef>
-                <a:fontRef idx="minor">
-                  <a:schemeClr val="tx1"/>
-                </a:fontRef>
-              </p:style>
-            </p:cxnSp>
-            <p:cxnSp>
-              <p:nvCxnSpPr>
-                <p:cNvPr id="39" name="직선 연결선 38">
-                  <a:extLst>
-                    <a:ext uri="{FF2B5EF4-FFF2-40B4-BE49-F238E27FC236}">
-                      <a16:creationId xmlns:a16="http://schemas.microsoft.com/office/drawing/2014/main" id="{7BD5082F-4043-E6F8-516F-CB911ECEA036}"/>
-                    </a:ext>
-                  </a:extLst>
-                </p:cNvPr>
-                <p:cNvCxnSpPr>
-                  <a:cxnSpLocks/>
-                </p:cNvCxnSpPr>
-                <p:nvPr/>
-              </p:nvCxnSpPr>
-              <p:spPr>
-                <a:xfrm flipH="1">
-                  <a:off x="4774676" y="2919518"/>
-                  <a:ext cx="2734338" cy="0"/>
-                </a:xfrm>
-                <a:prstGeom prst="line">
-                  <a:avLst/>
-                </a:prstGeom>
-                <a:ln>
-                  <a:gradFill flip="none" rotWithShape="1">
-                    <a:gsLst>
-                      <a:gs pos="0">
-                        <a:srgbClr val="33332B"/>
-                      </a:gs>
-                      <a:gs pos="31000">
-                        <a:srgbClr val="33332B">
-                          <a:alpha val="70000"/>
-                        </a:srgbClr>
-                      </a:gs>
-                      <a:gs pos="54000">
-                        <a:srgbClr val="33332B">
-                          <a:alpha val="30000"/>
-                        </a:srgbClr>
-                      </a:gs>
-                      <a:gs pos="100000">
-                        <a:srgbClr val="33332B">
-                          <a:alpha val="0"/>
-                        </a:srgbClr>
-                      </a:gs>
-                    </a:gsLst>
-                    <a:lin ang="10800000" scaled="1"/>
-                    <a:tileRect/>
-                  </a:gradFill>
-                </a:ln>
-                <a:effectLst/>
-              </p:spPr>
-              <p:style>
-                <a:lnRef idx="2">
-                  <a:schemeClr val="accent1"/>
-                </a:lnRef>
-                <a:fillRef idx="0">
-                  <a:schemeClr val="accent1"/>
-                </a:fillRef>
-                <a:effectRef idx="1">
-                  <a:schemeClr val="accent1"/>
-                </a:effectRef>
-                <a:fontRef idx="minor">
-                  <a:schemeClr val="tx1"/>
-                </a:fontRef>
-              </p:style>
-            </p:cxnSp>
-          </p:grpSp>
-          <p:sp>
-            <p:nvSpPr>
-              <p:cNvPr id="36" name="TextBox 35">
-                <a:extLst>
-                  <a:ext uri="{FF2B5EF4-FFF2-40B4-BE49-F238E27FC236}">
-                    <a16:creationId xmlns:a16="http://schemas.microsoft.com/office/drawing/2014/main" id="{626973DC-A2E0-D0BF-7AEC-494612F263EF}"/>
-                  </a:ext>
-                </a:extLst>
-              </p:cNvPr>
-              <p:cNvSpPr txBox="1"/>
-              <p:nvPr/>
-            </p:nvSpPr>
-            <p:spPr>
-              <a:xfrm>
-                <a:off x="2554184" y="1328985"/>
-                <a:ext cx="896399" cy="261610"/>
-              </a:xfrm>
-              <a:prstGeom prst="rect">
-                <a:avLst/>
-              </a:prstGeom>
-              <a:noFill/>
-            </p:spPr>
-            <p:txBody>
-              <a:bodyPr wrap="none" rtlCol="0">
-                <a:spAutoFit/>
-              </a:bodyPr>
-              <a:lstStyle/>
-              <a:p>
-                <a:r>
-                  <a:rPr lang="ko-KR" altLang="en-US" sz="1100" dirty="0">
-                    <a:solidFill>
-                      <a:schemeClr val="bg1"/>
-                    </a:solidFill>
-                    <a:effectLst>
-                      <a:glow rad="101600">
-                        <a:schemeClr val="tx1">
-                          <a:alpha val="60000"/>
-                        </a:schemeClr>
-                      </a:glow>
-                    </a:effectLst>
-                    <a:latin typeface="넥슨Lv1고딕 Bold" panose="00000800000000000000" pitchFamily="2" charset="-127"/>
-                    <a:ea typeface="넥슨Lv1고딕 Bold" panose="00000800000000000000" pitchFamily="2" charset="-127"/>
-                  </a:rPr>
-                  <a:t>차이점 소개</a:t>
-                </a:r>
-              </a:p>
-            </p:txBody>
-          </p:sp>
-        </p:grpSp>
-      </p:grpSp>
-    </p:spTree>
-    <p:extLst>
-      <p:ext uri="{BB962C8B-B14F-4D97-AF65-F5344CB8AC3E}">
-        <p14:creationId xmlns:p14="http://schemas.microsoft.com/office/powerpoint/2010/main" val="3872943113"/>
-      </p:ext>
-    </p:extLst>
-  </p:cSld>
-  <p:clrMapOvr>
-    <a:masterClrMapping/>
-  </p:clrMapOvr>
-</p:sld>
-</file>
-
-<file path=ppt/slides/slide11.xml><?xml version="1.0" encoding="utf-8"?>
-<p:sld xmlns:a="http://schemas.openxmlformats.org/drawingml/2006/main" xmlns:r="http://schemas.openxmlformats.org/officeDocument/2006/relationships" xmlns:p="http://schemas.openxmlformats.org/presentationml/2006/main">
-  <p:cSld>
-    <p:spTree>
-      <p:nvGrpSpPr>
-        <p:cNvPr id="1" name=""/>
-        <p:cNvGrpSpPr/>
-        <p:nvPr/>
-      </p:nvGrpSpPr>
-      <p:grpSpPr>
-        <a:xfrm>
-          <a:off x="0" y="0"/>
-          <a:ext cx="0" cy="0"/>
-          <a:chOff x="0" y="0"/>
-          <a:chExt cx="0" cy="0"/>
-        </a:xfrm>
-      </p:grpSpPr>
-      <p:sp>
-        <p:nvSpPr>
-          <p:cNvPr id="2" name="슬라이드 번호 개체 틀 1">
-            <a:extLst>
-              <a:ext uri="{FF2B5EF4-FFF2-40B4-BE49-F238E27FC236}">
-                <a16:creationId xmlns:a16="http://schemas.microsoft.com/office/drawing/2014/main" id="{C5BD0FF6-4671-AD96-A369-8F84840014F5}"/>
-              </a:ext>
-            </a:extLst>
-          </p:cNvPr>
-          <p:cNvSpPr>
-            <a:spLocks noGrp="1"/>
-          </p:cNvSpPr>
-          <p:nvPr>
-            <p:ph type="sldNum" sz="quarter" idx="4"/>
-          </p:nvPr>
-        </p:nvSpPr>
-        <p:spPr/>
-        <p:txBody>
-          <a:bodyPr/>
-          <a:lstStyle/>
-          <a:p>
-            <a:r>
-              <a:rPr lang="en-US" altLang="ko-KR"/>
-              <a:t>p. </a:t>
-            </a:r>
-            <a:fld id="{1F335F12-2F84-4C53-9DF5-2927535D2C2D}" type="slidenum">
-              <a:rPr lang="ko-KR" altLang="en-US" smtClean="0"/>
-              <a:pPr/>
-              <a:t>11</a:t>
-            </a:fld>
-            <a:r>
-              <a:rPr lang="en-US" altLang="ko-KR"/>
-              <a:t>/20</a:t>
-            </a:r>
-            <a:endParaRPr lang="ko-KR" altLang="en-US" dirty="0"/>
-          </a:p>
-        </p:txBody>
-      </p:sp>
-      <p:grpSp>
-        <p:nvGrpSpPr>
           <p:cNvPr id="3" name="그룹 2">
             <a:extLst>
               <a:ext uri="{FF2B5EF4-FFF2-40B4-BE49-F238E27FC236}">
@@ -12793,7 +12211,7 @@
 </p:sld>
 </file>
 
-<file path=ppt/slides/slide12.xml><?xml version="1.0" encoding="utf-8"?>
+<file path=ppt/slides/slide11.xml><?xml version="1.0" encoding="utf-8"?>
 <p:sld xmlns:a="http://schemas.openxmlformats.org/drawingml/2006/main" xmlns:r="http://schemas.openxmlformats.org/officeDocument/2006/relationships" xmlns:p="http://schemas.openxmlformats.org/presentationml/2006/main">
   <p:cSld>
     <p:spTree>
@@ -12838,7 +12256,7 @@
             <a:fld id="{1F335F12-2F84-4C53-9DF5-2927535D2C2D}" type="slidenum">
               <a:rPr lang="ko-KR" altLang="en-US" smtClean="0"/>
               <a:pPr/>
-              <a:t>12</a:t>
+              <a:t>11</a:t>
             </a:fld>
             <a:r>
               <a:rPr lang="en-US" altLang="ko-KR"/>
@@ -13629,7 +13047,7 @@
 </p:sld>
 </file>
 
-<file path=ppt/slides/slide13.xml><?xml version="1.0" encoding="utf-8"?>
+<file path=ppt/slides/slide12.xml><?xml version="1.0" encoding="utf-8"?>
 <p:sld xmlns:a="http://schemas.openxmlformats.org/drawingml/2006/main" xmlns:r="http://schemas.openxmlformats.org/officeDocument/2006/relationships" xmlns:p="http://schemas.openxmlformats.org/presentationml/2006/main">
   <p:cSld>
     <p:spTree>
@@ -13674,7 +13092,7 @@
             <a:fld id="{1F335F12-2F84-4C53-9DF5-2927535D2C2D}" type="slidenum">
               <a:rPr lang="ko-KR" altLang="en-US" smtClean="0"/>
               <a:pPr/>
-              <a:t>13</a:t>
+              <a:t>12</a:t>
             </a:fld>
             <a:r>
               <a:rPr lang="en-US" altLang="ko-KR"/>
@@ -15195,7 +14613,7 @@
 </p:sld>
 </file>
 
-<file path=ppt/slides/slide14.xml><?xml version="1.0" encoding="utf-8"?>
+<file path=ppt/slides/slide13.xml><?xml version="1.0" encoding="utf-8"?>
 <p:sld xmlns:a="http://schemas.openxmlformats.org/drawingml/2006/main" xmlns:r="http://schemas.openxmlformats.org/officeDocument/2006/relationships" xmlns:p="http://schemas.openxmlformats.org/presentationml/2006/main">
   <p:cSld>
     <p:spTree>
@@ -15240,7 +14658,7 @@
             <a:fld id="{1F335F12-2F84-4C53-9DF5-2927535D2C2D}" type="slidenum">
               <a:rPr lang="ko-KR" altLang="en-US" smtClean="0"/>
               <a:pPr/>
-              <a:t>14</a:t>
+              <a:t>13</a:t>
             </a:fld>
             <a:r>
               <a:rPr lang="en-US" altLang="ko-KR"/>
@@ -15498,7 +14916,7 @@
 </p:sld>
 </file>
 
-<file path=ppt/slides/slide15.xml><?xml version="1.0" encoding="utf-8"?>
+<file path=ppt/slides/slide14.xml><?xml version="1.0" encoding="utf-8"?>
 <p:sld xmlns:a="http://schemas.openxmlformats.org/drawingml/2006/main" xmlns:r="http://schemas.openxmlformats.org/officeDocument/2006/relationships" xmlns:p="http://schemas.openxmlformats.org/presentationml/2006/main">
   <p:cSld>
     <p:spTree>
@@ -15543,7 +14961,7 @@
             <a:fld id="{1F335F12-2F84-4C53-9DF5-2927535D2C2D}" type="slidenum">
               <a:rPr lang="ko-KR" altLang="en-US" smtClean="0"/>
               <a:pPr/>
-              <a:t>15</a:t>
+              <a:t>14</a:t>
             </a:fld>
             <a:r>
               <a:rPr lang="en-US" altLang="ko-KR"/>
@@ -16838,7 +16256,7 @@
 </p:sld>
 </file>
 
-<file path=ppt/slides/slide16.xml><?xml version="1.0" encoding="utf-8"?>
+<file path=ppt/slides/slide15.xml><?xml version="1.0" encoding="utf-8"?>
 <p:sld xmlns:a="http://schemas.openxmlformats.org/drawingml/2006/main" xmlns:r="http://schemas.openxmlformats.org/officeDocument/2006/relationships" xmlns:p="http://schemas.openxmlformats.org/presentationml/2006/main">
   <p:cSld>
     <p:spTree>
@@ -16883,7 +16301,7 @@
             <a:fld id="{1F335F12-2F84-4C53-9DF5-2927535D2C2D}" type="slidenum">
               <a:rPr lang="ko-KR" altLang="en-US" smtClean="0"/>
               <a:pPr/>
-              <a:t>16</a:t>
+              <a:t>15</a:t>
             </a:fld>
             <a:r>
               <a:rPr lang="en-US" altLang="ko-KR"/>
@@ -17983,7 +17401,7 @@
 </p:sld>
 </file>
 
-<file path=ppt/slides/slide17.xml><?xml version="1.0" encoding="utf-8"?>
+<file path=ppt/slides/slide16.xml><?xml version="1.0" encoding="utf-8"?>
 <p:sld xmlns:a="http://schemas.openxmlformats.org/drawingml/2006/main" xmlns:r="http://schemas.openxmlformats.org/officeDocument/2006/relationships" xmlns:p="http://schemas.openxmlformats.org/presentationml/2006/main">
   <p:cSld>
     <p:spTree>
@@ -18028,7 +17446,7 @@
             <a:fld id="{1F335F12-2F84-4C53-9DF5-2927535D2C2D}" type="slidenum">
               <a:rPr lang="ko-KR" altLang="en-US" smtClean="0"/>
               <a:pPr/>
-              <a:t>17</a:t>
+              <a:t>16</a:t>
             </a:fld>
             <a:r>
               <a:rPr lang="en-US" altLang="ko-KR"/>
@@ -18144,6 +17562,83 @@
               </a:rPr>
               <a:t>2) </a:t>
             </a:r>
+            <a:r>
+              <a:rPr lang="ko-KR" altLang="en-US" sz="1000" dirty="0">
+                <a:solidFill>
+                  <a:schemeClr val="bg1"/>
+                </a:solidFill>
+                <a:latin typeface="넥슨Lv1고딕" panose="00000500000000000000" pitchFamily="2" charset="-127"/>
+                <a:ea typeface="넥슨Lv1고딕" panose="00000500000000000000" pitchFamily="2" charset="-127"/>
+              </a:rPr>
+              <a:t>다양한 컨텐츠와의 연관성이 떨어진다</a:t>
+            </a:r>
+            <a:r>
+              <a:rPr lang="en-US" altLang="ko-KR" sz="1000" dirty="0">
+                <a:solidFill>
+                  <a:schemeClr val="bg1"/>
+                </a:solidFill>
+                <a:latin typeface="넥슨Lv1고딕" panose="00000500000000000000" pitchFamily="2" charset="-127"/>
+                <a:ea typeface="넥슨Lv1고딕" panose="00000500000000000000" pitchFamily="2" charset="-127"/>
+              </a:rPr>
+              <a:t>. -&gt; </a:t>
+            </a:r>
+            <a:r>
+              <a:rPr lang="ko-KR" altLang="en-US" sz="1000" dirty="0">
+                <a:solidFill>
+                  <a:schemeClr val="bg1"/>
+                </a:solidFill>
+                <a:latin typeface="넥슨Lv1고딕" panose="00000500000000000000" pitchFamily="2" charset="-127"/>
+                <a:ea typeface="넥슨Lv1고딕" panose="00000500000000000000" pitchFamily="2" charset="-127"/>
+              </a:rPr>
+              <a:t>전회로 </a:t>
+            </a:r>
+            <a:r>
+              <a:rPr lang="ko-KR" altLang="en-US" sz="1000" dirty="0" err="1">
+                <a:solidFill>
+                  <a:schemeClr val="bg1"/>
+                </a:solidFill>
+                <a:latin typeface="넥슨Lv1고딕" panose="00000500000000000000" pitchFamily="2" charset="-127"/>
+                <a:ea typeface="넥슨Lv1고딕" panose="00000500000000000000" pitchFamily="2" charset="-127"/>
+              </a:rPr>
+              <a:t>파훼할</a:t>
+            </a:r>
+            <a:r>
+              <a:rPr lang="ko-KR" altLang="en-US" sz="1000" dirty="0">
+                <a:solidFill>
+                  <a:schemeClr val="bg1"/>
+                </a:solidFill>
+                <a:latin typeface="넥슨Lv1고딕" panose="00000500000000000000" pitchFamily="2" charset="-127"/>
+                <a:ea typeface="넥슨Lv1고딕" panose="00000500000000000000" pitchFamily="2" charset="-127"/>
+              </a:rPr>
+              <a:t> 수 있는 함정 </a:t>
+            </a:r>
+            <a:r>
+              <a:rPr lang="en-US" altLang="ko-KR" sz="1000" dirty="0">
+                <a:solidFill>
+                  <a:schemeClr val="bg1"/>
+                </a:solidFill>
+                <a:latin typeface="넥슨Lv1고딕" panose="00000500000000000000" pitchFamily="2" charset="-127"/>
+                <a:ea typeface="넥슨Lv1고딕" panose="00000500000000000000" pitchFamily="2" charset="-127"/>
+              </a:rPr>
+              <a:t>or </a:t>
+            </a:r>
+            <a:r>
+              <a:rPr lang="ko-KR" altLang="en-US" sz="1000" dirty="0">
+                <a:solidFill>
+                  <a:schemeClr val="bg1"/>
+                </a:solidFill>
+                <a:latin typeface="넥슨Lv1고딕" panose="00000500000000000000" pitchFamily="2" charset="-127"/>
+                <a:ea typeface="넥슨Lv1고딕" panose="00000500000000000000" pitchFamily="2" charset="-127"/>
+              </a:rPr>
+              <a:t>컨텐츠 클리어를 위해 필요한 전회 등등 컨텐츠와의 연관성을 높임</a:t>
+            </a:r>
+            <a:endParaRPr lang="en-US" altLang="ko-KR" sz="1000" dirty="0">
+              <a:solidFill>
+                <a:schemeClr val="bg1"/>
+              </a:solidFill>
+              <a:latin typeface="넥슨Lv1고딕" panose="00000500000000000000" pitchFamily="2" charset="-127"/>
+              <a:ea typeface="넥슨Lv1고딕" panose="00000500000000000000" pitchFamily="2" charset="-127"/>
+            </a:endParaRPr>
           </a:p>
           <a:p>
             <a:endParaRPr lang="en-US" altLang="ko-KR" sz="1000" dirty="0">
@@ -18695,7 +18190,7 @@
 </p:sld>
 </file>
 
-<file path=ppt/slides/slide18.xml><?xml version="1.0" encoding="utf-8"?>
+<file path=ppt/slides/slide17.xml><?xml version="1.0" encoding="utf-8"?>
 <p:sld xmlns:a="http://schemas.openxmlformats.org/drawingml/2006/main" xmlns:r="http://schemas.openxmlformats.org/officeDocument/2006/relationships" xmlns:p="http://schemas.openxmlformats.org/presentationml/2006/main">
   <p:cSld>
     <p:spTree>
@@ -22069,66 +21564,12 @@
           </a:p>
         </p:txBody>
       </p:sp>
-      <p:sp>
-        <p:nvSpPr>
-          <p:cNvPr id="3095" name="직사각형 3094">
+      <p:grpSp>
+        <p:nvGrpSpPr>
+          <p:cNvPr id="21" name="그룹 20">
             <a:extLst>
               <a:ext uri="{FF2B5EF4-FFF2-40B4-BE49-F238E27FC236}">
-                <a16:creationId xmlns:a16="http://schemas.microsoft.com/office/drawing/2014/main" id="{82F95959-961B-DB06-62EA-58592830B0EE}"/>
-              </a:ext>
-            </a:extLst>
-          </p:cNvPr>
-          <p:cNvSpPr>
-            <a:spLocks/>
-          </p:cNvSpPr>
-          <p:nvPr/>
-        </p:nvSpPr>
-        <p:spPr>
-          <a:xfrm>
-            <a:off x="2005574" y="1428835"/>
-            <a:ext cx="2824385" cy="2536288"/>
-          </a:xfrm>
-          <a:prstGeom prst="rect">
-            <a:avLst/>
-          </a:prstGeom>
-          <a:noFill/>
-          <a:ln w="15875">
-            <a:solidFill>
-              <a:srgbClr val="39382E"/>
-            </a:solidFill>
-          </a:ln>
-        </p:spPr>
-        <p:style>
-          <a:lnRef idx="2">
-            <a:schemeClr val="accent1">
-              <a:shade val="15000"/>
-            </a:schemeClr>
-          </a:lnRef>
-          <a:fillRef idx="1">
-            <a:schemeClr val="accent1"/>
-          </a:fillRef>
-          <a:effectRef idx="0">
-            <a:schemeClr val="accent1"/>
-          </a:effectRef>
-          <a:fontRef idx="minor">
-            <a:schemeClr val="lt1"/>
-          </a:fontRef>
-        </p:style>
-        <p:txBody>
-          <a:bodyPr rtlCol="0" anchor="ctr"/>
-          <a:lstStyle/>
-          <a:p>
-            <a:pPr algn="ctr"/>
-            <a:endParaRPr lang="ko-KR" altLang="en-US" dirty="0"/>
-          </a:p>
-        </p:txBody>
-      </p:sp>
-      <p:grpSp>
-        <p:nvGrpSpPr>
-          <p:cNvPr id="3154" name="그룹 3153">
-            <a:extLst>
-              <a:ext uri="{FF2B5EF4-FFF2-40B4-BE49-F238E27FC236}">
-                <a16:creationId xmlns:a16="http://schemas.microsoft.com/office/drawing/2014/main" id="{5EBE5A87-4844-2998-8675-E1E8D00B5BA3}"/>
+                <a16:creationId xmlns:a16="http://schemas.microsoft.com/office/drawing/2014/main" id="{D3824A55-A762-6946-7053-FF1885D65F01}"/>
               </a:ext>
             </a:extLst>
           </p:cNvPr>
@@ -22137,18 +21578,18 @@
         </p:nvGrpSpPr>
         <p:grpSpPr>
           <a:xfrm>
-            <a:off x="2167856" y="1565046"/>
-            <a:ext cx="2499705" cy="1548999"/>
-            <a:chOff x="2167856" y="1574968"/>
-            <a:chExt cx="2499705" cy="1548999"/>
+            <a:off x="2167856" y="1393756"/>
+            <a:ext cx="2499705" cy="1509780"/>
+            <a:chOff x="2167856" y="1393756"/>
+            <a:chExt cx="2499705" cy="1509780"/>
           </a:xfrm>
         </p:grpSpPr>
         <p:grpSp>
           <p:nvGrpSpPr>
-            <p:cNvPr id="3153" name="그룹 3152">
+            <p:cNvPr id="15" name="그룹 14">
               <a:extLst>
                 <a:ext uri="{FF2B5EF4-FFF2-40B4-BE49-F238E27FC236}">
-                  <a16:creationId xmlns:a16="http://schemas.microsoft.com/office/drawing/2014/main" id="{DD36B008-7815-FA5C-E9D8-EBC42B03E012}"/>
+                  <a16:creationId xmlns:a16="http://schemas.microsoft.com/office/drawing/2014/main" id="{A1112715-ADEA-F640-3D6F-B9DAFAE1EA59}"/>
                 </a:ext>
               </a:extLst>
             </p:cNvPr>
@@ -22157,10 +21598,10 @@
           </p:nvGrpSpPr>
           <p:grpSpPr>
             <a:xfrm>
-              <a:off x="2167856" y="1574968"/>
-              <a:ext cx="1073729" cy="1548999"/>
-              <a:chOff x="2167856" y="1574968"/>
-              <a:chExt cx="1073729" cy="1548999"/>
+              <a:off x="2167856" y="1399590"/>
+              <a:ext cx="1073729" cy="1503946"/>
+              <a:chOff x="2167856" y="1487877"/>
+              <a:chExt cx="1073729" cy="1503946"/>
             </a:xfrm>
           </p:grpSpPr>
           <p:sp>
@@ -22177,8 +21618,8 @@
             </p:nvSpPr>
             <p:spPr>
               <a:xfrm>
-                <a:off x="2167856" y="1574968"/>
-                <a:ext cx="1073729" cy="1548999"/>
+                <a:off x="2167856" y="1755398"/>
+                <a:ext cx="1073729" cy="1236425"/>
               </a:xfrm>
               <a:prstGeom prst="rect">
                 <a:avLst/>
@@ -22231,10 +21672,10 @@
             </p:nvGrpSpPr>
             <p:grpSpPr>
               <a:xfrm>
-                <a:off x="2196571" y="1620021"/>
-                <a:ext cx="1016298" cy="1458892"/>
+                <a:off x="2196571" y="1487877"/>
+                <a:ext cx="1016298" cy="1471084"/>
                 <a:chOff x="6414848" y="1491993"/>
-                <a:chExt cx="1016298" cy="1458892"/>
+                <a:chExt cx="1016298" cy="1471084"/>
               </a:xfrm>
             </p:grpSpPr>
             <p:pic>
@@ -22264,7 +21705,7 @@
               </p:blipFill>
               <p:spPr>
                 <a:xfrm>
-                  <a:off x="6414848" y="1714460"/>
+                  <a:off x="6414848" y="1726652"/>
                   <a:ext cx="1016298" cy="1236425"/>
                 </a:xfrm>
                 <a:prstGeom prst="rect">
@@ -22286,8 +21727,8 @@
               </p:nvSpPr>
               <p:spPr>
                 <a:xfrm>
-                  <a:off x="6663952" y="1491993"/>
-                  <a:ext cx="518091" cy="246221"/>
+                  <a:off x="6521286" y="1491993"/>
+                  <a:ext cx="803425" cy="246221"/>
                 </a:xfrm>
                 <a:prstGeom prst="rect">
                   <a:avLst/>
@@ -22303,6 +21744,9 @@
                   <a:pPr algn="ctr"/>
                   <a:r>
                     <a:rPr lang="en-US" altLang="ko-KR" sz="1000" dirty="0">
+                      <a:solidFill>
+                        <a:schemeClr val="bg1"/>
+                      </a:solidFill>
                       <a:latin typeface="넥슨Lv1고딕" panose="00000500000000000000" pitchFamily="2" charset="-127"/>
                       <a:ea typeface="넥슨Lv1고딕" panose="00000500000000000000" pitchFamily="2" charset="-127"/>
                     </a:rPr>
@@ -22310,13 +21754,19 @@
                   </a:r>
                   <a:r>
                     <a:rPr lang="ko-KR" altLang="en-US" sz="1000" dirty="0">
+                      <a:solidFill>
+                        <a:schemeClr val="bg1"/>
+                      </a:solidFill>
                       <a:latin typeface="넥슨Lv1고딕" panose="00000500000000000000" pitchFamily="2" charset="-127"/>
                       <a:ea typeface="넥슨Lv1고딕" panose="00000500000000000000" pitchFamily="2" charset="-127"/>
                     </a:rPr>
-                    <a:t>성능</a:t>
+                    <a:t>좋은 성능</a:t>
                   </a:r>
                   <a:r>
                     <a:rPr lang="en-US" altLang="ko-KR" sz="1000" dirty="0">
+                      <a:solidFill>
+                        <a:schemeClr val="bg1"/>
+                      </a:solidFill>
                       <a:latin typeface="넥슨Lv1고딕" panose="00000500000000000000" pitchFamily="2" charset="-127"/>
                       <a:ea typeface="넥슨Lv1고딕" panose="00000500000000000000" pitchFamily="2" charset="-127"/>
                     </a:rPr>
@@ -22341,10 +21791,10 @@
           </p:nvGrpSpPr>
           <p:grpSpPr>
             <a:xfrm>
-              <a:off x="3593832" y="1574968"/>
-              <a:ext cx="1073729" cy="1548999"/>
-              <a:chOff x="8059961" y="1491380"/>
-              <a:chExt cx="1073729" cy="1548999"/>
+              <a:off x="3593832" y="1393756"/>
+              <a:ext cx="1073729" cy="1509153"/>
+              <a:chOff x="8059961" y="1531226"/>
+              <a:chExt cx="1073729" cy="1509153"/>
             </a:xfrm>
           </p:grpSpPr>
           <p:sp>
@@ -22361,8 +21811,8 @@
             </p:nvSpPr>
             <p:spPr>
               <a:xfrm>
-                <a:off x="8059961" y="1491380"/>
-                <a:ext cx="1073729" cy="1548999"/>
+                <a:off x="8059961" y="1803954"/>
+                <a:ext cx="1073729" cy="1236425"/>
               </a:xfrm>
               <a:prstGeom prst="rect">
                 <a:avLst/>
@@ -22415,8 +21865,8 @@
             </p:nvSpPr>
             <p:spPr>
               <a:xfrm>
-                <a:off x="8337780" y="1531226"/>
-                <a:ext cx="518091" cy="246221"/>
+                <a:off x="8073287" y="1531226"/>
+                <a:ext cx="1047082" cy="246221"/>
               </a:xfrm>
               <a:prstGeom prst="rect">
                 <a:avLst/>
@@ -22432,6 +21882,9 @@
                 <a:pPr algn="ctr"/>
                 <a:r>
                   <a:rPr lang="en-US" altLang="ko-KR" sz="1000" dirty="0">
+                    <a:solidFill>
+                      <a:schemeClr val="bg1"/>
+                    </a:solidFill>
                     <a:latin typeface="넥슨Lv1고딕" panose="00000500000000000000" pitchFamily="2" charset="-127"/>
                     <a:ea typeface="넥슨Lv1고딕" panose="00000500000000000000" pitchFamily="2" charset="-127"/>
                   </a:rPr>
@@ -22439,13 +21892,19 @@
                 </a:r>
                 <a:r>
                   <a:rPr lang="ko-KR" altLang="en-US" sz="1000" dirty="0">
+                    <a:solidFill>
+                      <a:schemeClr val="bg1"/>
+                    </a:solidFill>
                     <a:latin typeface="넥슨Lv1고딕" panose="00000500000000000000" pitchFamily="2" charset="-127"/>
                     <a:ea typeface="넥슨Lv1고딕" panose="00000500000000000000" pitchFamily="2" charset="-127"/>
                   </a:rPr>
-                  <a:t>애정</a:t>
+                  <a:t>좋아하는 컨셉</a:t>
                 </a:r>
                 <a:r>
                   <a:rPr lang="en-US" altLang="ko-KR" sz="1000" dirty="0">
+                    <a:solidFill>
+                      <a:schemeClr val="bg1"/>
+                    </a:solidFill>
                     <a:latin typeface="넥슨Lv1고딕" panose="00000500000000000000" pitchFamily="2" charset="-127"/>
                     <a:ea typeface="넥슨Lv1고딕" panose="00000500000000000000" pitchFamily="2" charset="-127"/>
                   </a:rPr>
@@ -22481,7 +21940,7 @@
             </p:blipFill>
             <p:spPr>
               <a:xfrm>
-                <a:off x="8182593" y="1731034"/>
+                <a:off x="8182593" y="1767610"/>
                 <a:ext cx="828464" cy="1236425"/>
               </a:xfrm>
               <a:prstGeom prst="rect">
@@ -22504,7 +21963,7 @@
           </p:nvSpPr>
           <p:spPr>
             <a:xfrm>
-              <a:off x="3238872" y="2195579"/>
+              <a:off x="3238872" y="2107292"/>
               <a:ext cx="357790" cy="307777"/>
             </a:xfrm>
             <a:prstGeom prst="rect">
@@ -22534,10 +21993,10 @@
       </p:grpSp>
       <p:grpSp>
         <p:nvGrpSpPr>
-          <p:cNvPr id="3099" name="그룹 3098">
+          <p:cNvPr id="20" name="그룹 19">
             <a:extLst>
               <a:ext uri="{FF2B5EF4-FFF2-40B4-BE49-F238E27FC236}">
-                <a16:creationId xmlns:a16="http://schemas.microsoft.com/office/drawing/2014/main" id="{DA9596EE-06D6-D256-9D48-B0221B0342FD}"/>
+                <a16:creationId xmlns:a16="http://schemas.microsoft.com/office/drawing/2014/main" id="{0805EB78-E89C-9727-0275-D23A8E0EF123}"/>
               </a:ext>
             </a:extLst>
           </p:cNvPr>
@@ -22546,18 +22005,18 @@
         </p:nvGrpSpPr>
         <p:grpSpPr>
           <a:xfrm>
-            <a:off x="2005573" y="1040445"/>
-            <a:ext cx="2824385" cy="392234"/>
-            <a:chOff x="2522258" y="3262193"/>
-            <a:chExt cx="2824385" cy="392234"/>
+            <a:off x="2005573" y="952158"/>
+            <a:ext cx="2824386" cy="2126961"/>
+            <a:chOff x="2005573" y="952158"/>
+            <a:chExt cx="2824386" cy="2126961"/>
           </a:xfrm>
         </p:grpSpPr>
         <p:sp>
           <p:nvSpPr>
-            <p:cNvPr id="23" name="직사각형 22">
+            <p:cNvPr id="3095" name="직사각형 3094">
               <a:extLst>
                 <a:ext uri="{FF2B5EF4-FFF2-40B4-BE49-F238E27FC236}">
-                  <a16:creationId xmlns:a16="http://schemas.microsoft.com/office/drawing/2014/main" id="{290D65CD-A021-47E1-029E-8D2D7F9691B6}"/>
+                  <a16:creationId xmlns:a16="http://schemas.microsoft.com/office/drawing/2014/main" id="{82F95959-961B-DB06-62EA-58592830B0EE}"/>
                 </a:ext>
               </a:extLst>
             </p:cNvPr>
@@ -22568,17 +22027,13 @@
           </p:nvSpPr>
           <p:spPr>
             <a:xfrm>
-              <a:off x="2522258" y="3262193"/>
-              <a:ext cx="2824385" cy="392234"/>
+              <a:off x="2005574" y="1340548"/>
+              <a:ext cx="2824385" cy="1738571"/>
             </a:xfrm>
             <a:prstGeom prst="rect">
               <a:avLst/>
             </a:prstGeom>
-            <a:solidFill>
-              <a:srgbClr val="3D3B30">
-                <a:alpha val="80000"/>
-              </a:srgbClr>
-            </a:solidFill>
+            <a:noFill/>
             <a:ln w="15875">
               <a:solidFill>
                 <a:srgbClr val="39382E"/>
@@ -22610,55 +22065,134 @@
             </a:p>
           </p:txBody>
         </p:sp>
-        <p:sp>
-          <p:nvSpPr>
-            <p:cNvPr id="3096" name="TextBox 3095">
+        <p:grpSp>
+          <p:nvGrpSpPr>
+            <p:cNvPr id="3099" name="그룹 3098">
               <a:extLst>
                 <a:ext uri="{FF2B5EF4-FFF2-40B4-BE49-F238E27FC236}">
-                  <a16:creationId xmlns:a16="http://schemas.microsoft.com/office/drawing/2014/main" id="{35A6AA11-2465-F090-BEF4-B9C15B317EE1}"/>
+                  <a16:creationId xmlns:a16="http://schemas.microsoft.com/office/drawing/2014/main" id="{DA9596EE-06D6-D256-9D48-B0221B0342FD}"/>
                 </a:ext>
               </a:extLst>
             </p:cNvPr>
-            <p:cNvSpPr txBox="1"/>
+            <p:cNvGrpSpPr/>
             <p:nvPr/>
-          </p:nvSpPr>
-          <p:spPr>
+          </p:nvGrpSpPr>
+          <p:grpSpPr>
             <a:xfrm>
-              <a:off x="3231373" y="3335200"/>
-              <a:ext cx="1406154" cy="246221"/>
+              <a:off x="2005573" y="952158"/>
+              <a:ext cx="2824385" cy="392234"/>
+              <a:chOff x="2522258" y="3262193"/>
+              <a:chExt cx="2824385" cy="392234"/>
             </a:xfrm>
-            <a:prstGeom prst="rect">
-              <a:avLst/>
-            </a:prstGeom>
-            <a:noFill/>
-          </p:spPr>
-          <p:txBody>
-            <a:bodyPr wrap="none" rtlCol="0">
-              <a:spAutoFit/>
-            </a:bodyPr>
-            <a:lstStyle/>
-            <a:p>
-              <a:pPr algn="ctr"/>
-              <a:r>
-                <a:rPr lang="ko-KR" altLang="en-US" sz="1000" b="1" dirty="0">
+          </p:grpSpPr>
+          <p:sp>
+            <p:nvSpPr>
+              <p:cNvPr id="23" name="직사각형 22">
+                <a:extLst>
+                  <a:ext uri="{FF2B5EF4-FFF2-40B4-BE49-F238E27FC236}">
+                    <a16:creationId xmlns:a16="http://schemas.microsoft.com/office/drawing/2014/main" id="{290D65CD-A021-47E1-029E-8D2D7F9691B6}"/>
+                  </a:ext>
+                </a:extLst>
+              </p:cNvPr>
+              <p:cNvSpPr>
+                <a:spLocks/>
+              </p:cNvSpPr>
+              <p:nvPr/>
+            </p:nvSpPr>
+            <p:spPr>
+              <a:xfrm>
+                <a:off x="2522258" y="3262193"/>
+                <a:ext cx="2824385" cy="392234"/>
+              </a:xfrm>
+              <a:prstGeom prst="rect">
+                <a:avLst/>
+              </a:prstGeom>
+              <a:solidFill>
+                <a:srgbClr val="3D3B30">
+                  <a:alpha val="80000"/>
+                </a:srgbClr>
+              </a:solidFill>
+              <a:ln w="15875">
+                <a:solidFill>
+                  <a:srgbClr val="39382E"/>
+                </a:solidFill>
+              </a:ln>
+            </p:spPr>
+            <p:style>
+              <a:lnRef idx="2">
+                <a:schemeClr val="accent1">
+                  <a:shade val="15000"/>
+                </a:schemeClr>
+              </a:lnRef>
+              <a:fillRef idx="1">
+                <a:schemeClr val="accent1"/>
+              </a:fillRef>
+              <a:effectRef idx="0">
+                <a:schemeClr val="accent1"/>
+              </a:effectRef>
+              <a:fontRef idx="minor">
+                <a:schemeClr val="lt1"/>
+              </a:fontRef>
+            </p:style>
+            <p:txBody>
+              <a:bodyPr rtlCol="0" anchor="ctr"/>
+              <a:lstStyle/>
+              <a:p>
+                <a:pPr algn="ctr"/>
+                <a:endParaRPr lang="ko-KR" altLang="en-US" dirty="0"/>
+              </a:p>
+            </p:txBody>
+          </p:sp>
+          <p:sp>
+            <p:nvSpPr>
+              <p:cNvPr id="3096" name="TextBox 3095">
+                <a:extLst>
+                  <a:ext uri="{FF2B5EF4-FFF2-40B4-BE49-F238E27FC236}">
+                    <a16:creationId xmlns:a16="http://schemas.microsoft.com/office/drawing/2014/main" id="{35A6AA11-2465-F090-BEF4-B9C15B317EE1}"/>
+                  </a:ext>
+                </a:extLst>
+              </p:cNvPr>
+              <p:cNvSpPr txBox="1"/>
+              <p:nvPr/>
+            </p:nvSpPr>
+            <p:spPr>
+              <a:xfrm>
+                <a:off x="3231373" y="3335200"/>
+                <a:ext cx="1406154" cy="246221"/>
+              </a:xfrm>
+              <a:prstGeom prst="rect">
+                <a:avLst/>
+              </a:prstGeom>
+              <a:noFill/>
+            </p:spPr>
+            <p:txBody>
+              <a:bodyPr wrap="none" rtlCol="0">
+                <a:spAutoFit/>
+              </a:bodyPr>
+              <a:lstStyle/>
+              <a:p>
+                <a:pPr algn="ctr"/>
+                <a:r>
+                  <a:rPr lang="ko-KR" altLang="en-US" sz="1000" b="1" dirty="0">
+                    <a:solidFill>
+                      <a:schemeClr val="bg1"/>
+                    </a:solidFill>
+                    <a:latin typeface="넥슨Lv1고딕" panose="00000500000000000000" pitchFamily="2" charset="-127"/>
+                    <a:ea typeface="넥슨Lv1고딕" panose="00000500000000000000" pitchFamily="2" charset="-127"/>
+                  </a:rPr>
+                  <a:t>여러 성향의 유저 겨냥</a:t>
+                </a:r>
+                <a:endParaRPr lang="en-US" altLang="ko-KR" sz="1000" b="1" dirty="0">
                   <a:solidFill>
                     <a:schemeClr val="bg1"/>
                   </a:solidFill>
                   <a:latin typeface="넥슨Lv1고딕" panose="00000500000000000000" pitchFamily="2" charset="-127"/>
                   <a:ea typeface="넥슨Lv1고딕" panose="00000500000000000000" pitchFamily="2" charset="-127"/>
-                </a:rPr>
-                <a:t>여러 성향의 유저 겨냥</a:t>
-              </a:r>
-              <a:endParaRPr lang="en-US" altLang="ko-KR" sz="1000" b="1" dirty="0">
-                <a:solidFill>
-                  <a:schemeClr val="bg1"/>
-                </a:solidFill>
-                <a:latin typeface="넥슨Lv1고딕" panose="00000500000000000000" pitchFamily="2" charset="-127"/>
-                <a:ea typeface="넥슨Lv1고딕" panose="00000500000000000000" pitchFamily="2" charset="-127"/>
-              </a:endParaRPr>
-            </a:p>
-          </p:txBody>
-        </p:sp>
+                </a:endParaRPr>
+              </a:p>
+            </p:txBody>
+          </p:sp>
+        </p:grpSp>
       </p:grpSp>
       <p:grpSp>
         <p:nvGrpSpPr>
@@ -22674,10 +22208,10 @@
         </p:nvGrpSpPr>
         <p:grpSpPr>
           <a:xfrm>
-            <a:off x="8395744" y="1040445"/>
-            <a:ext cx="2824386" cy="2218143"/>
+            <a:off x="8723485" y="952158"/>
+            <a:ext cx="2824386" cy="2126961"/>
             <a:chOff x="2522258" y="1044050"/>
-            <a:chExt cx="2824386" cy="2218143"/>
+            <a:chExt cx="2824386" cy="2126961"/>
           </a:xfrm>
         </p:grpSpPr>
         <p:sp>
@@ -22697,7 +22231,7 @@
           <p:spPr>
             <a:xfrm>
               <a:off x="2522259" y="1432440"/>
-              <a:ext cx="2824385" cy="1829753"/>
+              <a:ext cx="2824385" cy="1738571"/>
             </a:xfrm>
             <a:prstGeom prst="rect">
               <a:avLst/>
@@ -22873,12 +22407,125 @@
           </p:sp>
         </p:grpSp>
       </p:grpSp>
+      <p:sp>
+        <p:nvSpPr>
+          <p:cNvPr id="3146" name="TextBox 3145">
+            <a:extLst>
+              <a:ext uri="{FF2B5EF4-FFF2-40B4-BE49-F238E27FC236}">
+                <a16:creationId xmlns:a16="http://schemas.microsoft.com/office/drawing/2014/main" id="{23AE04F3-C067-B00C-4BD4-FED7507FAE35}"/>
+              </a:ext>
+            </a:extLst>
+          </p:cNvPr>
+          <p:cNvSpPr txBox="1"/>
+          <p:nvPr/>
+        </p:nvSpPr>
+        <p:spPr>
+          <a:xfrm>
+            <a:off x="4970618" y="5884246"/>
+            <a:ext cx="3546164" cy="276999"/>
+          </a:xfrm>
+          <a:prstGeom prst="rect">
+            <a:avLst/>
+          </a:prstGeom>
+          <a:noFill/>
+        </p:spPr>
+        <p:txBody>
+          <a:bodyPr wrap="none" rtlCol="0">
+            <a:spAutoFit/>
+          </a:bodyPr>
+          <a:lstStyle/>
+          <a:p>
+            <a:pPr algn="ctr"/>
+            <a:r>
+              <a:rPr lang="ko-KR" altLang="en-US" sz="1200" i="1" dirty="0">
+                <a:solidFill>
+                  <a:schemeClr val="bg1"/>
+                </a:solidFill>
+                <a:latin typeface="넥슨Lv1고딕 Bold" panose="00000800000000000000" pitchFamily="2" charset="-127"/>
+                <a:ea typeface="넥슨Lv1고딕 Bold" panose="00000800000000000000" pitchFamily="2" charset="-127"/>
+              </a:rPr>
+              <a:t>다른 </a:t>
+            </a:r>
+            <a:r>
+              <a:rPr lang="ko-KR" altLang="en-US" sz="1200" i="1" dirty="0" err="1">
+                <a:solidFill>
+                  <a:schemeClr val="bg1"/>
+                </a:solidFill>
+                <a:latin typeface="넥슨Lv1고딕 Bold" panose="00000800000000000000" pitchFamily="2" charset="-127"/>
+                <a:ea typeface="넥슨Lv1고딕 Bold" panose="00000800000000000000" pitchFamily="2" charset="-127"/>
+              </a:rPr>
+              <a:t>소울라이크</a:t>
+            </a:r>
+            <a:r>
+              <a:rPr lang="ko-KR" altLang="en-US" sz="1200" i="1" dirty="0">
+                <a:solidFill>
+                  <a:schemeClr val="bg1"/>
+                </a:solidFill>
+                <a:latin typeface="넥슨Lv1고딕 Bold" panose="00000800000000000000" pitchFamily="2" charset="-127"/>
+                <a:ea typeface="넥슨Lv1고딕 Bold" panose="00000800000000000000" pitchFamily="2" charset="-127"/>
+              </a:rPr>
+              <a:t> 장르의 게임과 차별화된 재미 선사</a:t>
+            </a:r>
+            <a:endParaRPr lang="en-US" altLang="ko-KR" sz="1200" i="1" dirty="0">
+              <a:solidFill>
+                <a:schemeClr val="bg1"/>
+              </a:solidFill>
+              <a:latin typeface="넥슨Lv1고딕 Bold" panose="00000800000000000000" pitchFamily="2" charset="-127"/>
+              <a:ea typeface="넥슨Lv1고딕 Bold" panose="00000800000000000000" pitchFamily="2" charset="-127"/>
+            </a:endParaRPr>
+          </a:p>
+        </p:txBody>
+      </p:sp>
+      <p:sp>
+        <p:nvSpPr>
+          <p:cNvPr id="3150" name="화살표: 오른쪽 3149">
+            <a:extLst>
+              <a:ext uri="{FF2B5EF4-FFF2-40B4-BE49-F238E27FC236}">
+                <a16:creationId xmlns:a16="http://schemas.microsoft.com/office/drawing/2014/main" id="{A2D04C6C-3AAA-83C3-A8D5-39808BFB3E18}"/>
+              </a:ext>
+            </a:extLst>
+          </p:cNvPr>
+          <p:cNvSpPr/>
+          <p:nvPr/>
+        </p:nvSpPr>
+        <p:spPr>
+          <a:xfrm rot="5400000">
+            <a:off x="6468747" y="5021508"/>
+            <a:ext cx="571625" cy="283141"/>
+          </a:xfrm>
+          <a:prstGeom prst="rightArrow">
+            <a:avLst/>
+          </a:prstGeom>
+        </p:spPr>
+        <p:style>
+          <a:lnRef idx="3">
+            <a:schemeClr val="lt1"/>
+          </a:lnRef>
+          <a:fillRef idx="1">
+            <a:schemeClr val="accent3"/>
+          </a:fillRef>
+          <a:effectRef idx="1">
+            <a:schemeClr val="accent3"/>
+          </a:effectRef>
+          <a:fontRef idx="minor">
+            <a:schemeClr val="lt1"/>
+          </a:fontRef>
+        </p:style>
+        <p:txBody>
+          <a:bodyPr rtlCol="0" anchor="ctr"/>
+          <a:lstStyle/>
+          <a:p>
+            <a:pPr algn="ctr"/>
+            <a:endParaRPr lang="ko-KR" altLang="en-US"/>
+          </a:p>
+        </p:txBody>
+      </p:sp>
       <p:grpSp>
         <p:nvGrpSpPr>
-          <p:cNvPr id="3151" name="그룹 3150">
+          <p:cNvPr id="7" name="그룹 6">
             <a:extLst>
               <a:ext uri="{FF2B5EF4-FFF2-40B4-BE49-F238E27FC236}">
-                <a16:creationId xmlns:a16="http://schemas.microsoft.com/office/drawing/2014/main" id="{754B887A-E2A2-9FF2-2E8A-14123012F2DC}"/>
+                <a16:creationId xmlns:a16="http://schemas.microsoft.com/office/drawing/2014/main" id="{008B0ABF-E138-EA6C-4367-2818DF58DF1C}"/>
               </a:ext>
             </a:extLst>
           </p:cNvPr>
@@ -22887,10 +22534,249 @@
         </p:nvGrpSpPr>
         <p:grpSpPr>
           <a:xfrm>
-            <a:off x="5092125" y="1040445"/>
-            <a:ext cx="2824386" cy="2218143"/>
-            <a:chOff x="5092125" y="1040445"/>
-            <a:chExt cx="2824386" cy="2218143"/>
+            <a:off x="2005573" y="3185468"/>
+            <a:ext cx="2824385" cy="1256444"/>
+            <a:chOff x="2005573" y="3079119"/>
+            <a:chExt cx="2824385" cy="1256444"/>
+          </a:xfrm>
+        </p:grpSpPr>
+        <p:sp>
+          <p:nvSpPr>
+            <p:cNvPr id="3" name="직사각형 2">
+              <a:extLst>
+                <a:ext uri="{FF2B5EF4-FFF2-40B4-BE49-F238E27FC236}">
+                  <a16:creationId xmlns:a16="http://schemas.microsoft.com/office/drawing/2014/main" id="{9787AA3E-6F9C-5F9E-897C-FEEB11719D55}"/>
+                </a:ext>
+              </a:extLst>
+            </p:cNvPr>
+            <p:cNvSpPr>
+              <a:spLocks/>
+            </p:cNvSpPr>
+            <p:nvPr/>
+          </p:nvSpPr>
+          <p:spPr>
+            <a:xfrm>
+              <a:off x="2005573" y="3079119"/>
+              <a:ext cx="2824385" cy="1256444"/>
+            </a:xfrm>
+            <a:prstGeom prst="rect">
+              <a:avLst/>
+            </a:prstGeom>
+            <a:noFill/>
+            <a:ln w="15875">
+              <a:solidFill>
+                <a:srgbClr val="39382E"/>
+              </a:solidFill>
+            </a:ln>
+          </p:spPr>
+          <p:style>
+            <a:lnRef idx="2">
+              <a:schemeClr val="accent1">
+                <a:shade val="15000"/>
+              </a:schemeClr>
+            </a:lnRef>
+            <a:fillRef idx="1">
+              <a:schemeClr val="accent1"/>
+            </a:fillRef>
+            <a:effectRef idx="0">
+              <a:schemeClr val="accent1"/>
+            </a:effectRef>
+            <a:fontRef idx="minor">
+              <a:schemeClr val="lt1"/>
+            </a:fontRef>
+          </p:style>
+          <p:txBody>
+            <a:bodyPr rtlCol="0" anchor="ctr"/>
+            <a:lstStyle/>
+            <a:p>
+              <a:pPr algn="ctr"/>
+              <a:endParaRPr lang="ko-KR" altLang="en-US" dirty="0"/>
+            </a:p>
+          </p:txBody>
+        </p:sp>
+        <p:sp>
+          <p:nvSpPr>
+            <p:cNvPr id="6" name="TextBox 5">
+              <a:extLst>
+                <a:ext uri="{FF2B5EF4-FFF2-40B4-BE49-F238E27FC236}">
+                  <a16:creationId xmlns:a16="http://schemas.microsoft.com/office/drawing/2014/main" id="{5387666D-A7AF-4BCF-1AF9-5470A2AD2BD9}"/>
+                </a:ext>
+              </a:extLst>
+            </p:cNvPr>
+            <p:cNvSpPr txBox="1"/>
+            <p:nvPr/>
+          </p:nvSpPr>
+          <p:spPr>
+            <a:xfrm>
+              <a:off x="2201727" y="3276454"/>
+              <a:ext cx="2133918" cy="861774"/>
+            </a:xfrm>
+            <a:prstGeom prst="rect">
+              <a:avLst/>
+            </a:prstGeom>
+            <a:noFill/>
+          </p:spPr>
+          <p:txBody>
+            <a:bodyPr wrap="none" rtlCol="0">
+              <a:spAutoFit/>
+            </a:bodyPr>
+            <a:lstStyle/>
+            <a:p>
+              <a:pPr marL="171450" indent="-171450">
+                <a:buFont typeface="Wingdings" panose="05000000000000000000" pitchFamily="2" charset="2"/>
+                <a:buChar char="ü"/>
+              </a:pPr>
+              <a:r>
+                <a:rPr lang="ko-KR" altLang="en-US" sz="1000" dirty="0">
+                  <a:solidFill>
+                    <a:schemeClr val="bg1"/>
+                  </a:solidFill>
+                  <a:latin typeface="넥슨Lv1고딕" panose="00000500000000000000" pitchFamily="2" charset="-127"/>
+                  <a:ea typeface="넥슨Lv1고딕" panose="00000500000000000000" pitchFamily="2" charset="-127"/>
+                </a:rPr>
+                <a:t>유저가 조절하는 난이도</a:t>
+              </a:r>
+              <a:endParaRPr lang="en-US" altLang="ko-KR" sz="1000" dirty="0">
+                <a:solidFill>
+                  <a:schemeClr val="bg1"/>
+                </a:solidFill>
+                <a:latin typeface="넥슨Lv1고딕" panose="00000500000000000000" pitchFamily="2" charset="-127"/>
+                <a:ea typeface="넥슨Lv1고딕" panose="00000500000000000000" pitchFamily="2" charset="-127"/>
+              </a:endParaRPr>
+            </a:p>
+            <a:p>
+              <a:pPr marL="171450" indent="-171450">
+                <a:buFont typeface="Wingdings" panose="05000000000000000000" pitchFamily="2" charset="2"/>
+                <a:buChar char="ü"/>
+              </a:pPr>
+              <a:endParaRPr lang="en-US" altLang="ko-KR" sz="1000" dirty="0">
+                <a:solidFill>
+                  <a:schemeClr val="bg1"/>
+                </a:solidFill>
+                <a:latin typeface="넥슨Lv1고딕" panose="00000500000000000000" pitchFamily="2" charset="-127"/>
+                <a:ea typeface="넥슨Lv1고딕" panose="00000500000000000000" pitchFamily="2" charset="-127"/>
+              </a:endParaRPr>
+            </a:p>
+            <a:p>
+              <a:pPr marL="171450" indent="-171450">
+                <a:buFont typeface="Wingdings" panose="05000000000000000000" pitchFamily="2" charset="2"/>
+                <a:buChar char="ü"/>
+              </a:pPr>
+              <a:r>
+                <a:rPr lang="ko-KR" altLang="en-US" sz="1000" dirty="0">
+                  <a:solidFill>
+                    <a:schemeClr val="bg1"/>
+                  </a:solidFill>
+                  <a:latin typeface="넥슨Lv1고딕" panose="00000500000000000000" pitchFamily="2" charset="-127"/>
+                  <a:ea typeface="넥슨Lv1고딕" panose="00000500000000000000" pitchFamily="2" charset="-127"/>
+                </a:rPr>
+                <a:t>좋은 성능 </a:t>
+              </a:r>
+              <a:r>
+                <a:rPr lang="en-US" altLang="ko-KR" sz="1000" dirty="0">
+                  <a:solidFill>
+                    <a:schemeClr val="bg1"/>
+                  </a:solidFill>
+                  <a:latin typeface="넥슨Lv1고딕" panose="00000500000000000000" pitchFamily="2" charset="-127"/>
+                  <a:ea typeface="넥슨Lv1고딕" panose="00000500000000000000" pitchFamily="2" charset="-127"/>
+                </a:rPr>
+                <a:t>vs </a:t>
+              </a:r>
+              <a:r>
+                <a:rPr lang="ko-KR" altLang="en-US" sz="1000" dirty="0">
+                  <a:solidFill>
+                    <a:schemeClr val="bg1"/>
+                  </a:solidFill>
+                  <a:latin typeface="넥슨Lv1고딕" panose="00000500000000000000" pitchFamily="2" charset="-127"/>
+                  <a:ea typeface="넥슨Lv1고딕" panose="00000500000000000000" pitchFamily="2" charset="-127"/>
+                </a:rPr>
+                <a:t>좋아하는 컨셉</a:t>
+              </a:r>
+              <a:endParaRPr lang="en-US" altLang="ko-KR" sz="1000" dirty="0">
+                <a:solidFill>
+                  <a:schemeClr val="bg1"/>
+                </a:solidFill>
+                <a:latin typeface="넥슨Lv1고딕" panose="00000500000000000000" pitchFamily="2" charset="-127"/>
+                <a:ea typeface="넥슨Lv1고딕" panose="00000500000000000000" pitchFamily="2" charset="-127"/>
+              </a:endParaRPr>
+            </a:p>
+            <a:p>
+              <a:pPr marL="171450" indent="-171450">
+                <a:buFont typeface="Wingdings" panose="05000000000000000000" pitchFamily="2" charset="2"/>
+                <a:buChar char="ü"/>
+              </a:pPr>
+              <a:endParaRPr lang="en-US" altLang="ko-KR" sz="1000" dirty="0">
+                <a:solidFill>
+                  <a:schemeClr val="bg1"/>
+                </a:solidFill>
+                <a:latin typeface="넥슨Lv1고딕" panose="00000500000000000000" pitchFamily="2" charset="-127"/>
+                <a:ea typeface="넥슨Lv1고딕" panose="00000500000000000000" pitchFamily="2" charset="-127"/>
+              </a:endParaRPr>
+            </a:p>
+            <a:p>
+              <a:pPr marL="171450" indent="-171450">
+                <a:buFont typeface="Wingdings" panose="05000000000000000000" pitchFamily="2" charset="2"/>
+                <a:buChar char="ü"/>
+              </a:pPr>
+              <a:r>
+                <a:rPr lang="ko-KR" altLang="en-US" sz="1000" dirty="0">
+                  <a:solidFill>
+                    <a:schemeClr val="bg1"/>
+                  </a:solidFill>
+                  <a:latin typeface="넥슨Lv1고딕" panose="00000500000000000000" pitchFamily="2" charset="-127"/>
+                  <a:ea typeface="넥슨Lv1고딕" panose="00000500000000000000" pitchFamily="2" charset="-127"/>
+                </a:rPr>
+                <a:t>장르에 대한 접근성</a:t>
+              </a:r>
+              <a:r>
+                <a:rPr lang="en-US" altLang="ko-KR" sz="1000" dirty="0">
+                  <a:solidFill>
+                    <a:schemeClr val="bg1"/>
+                  </a:solidFill>
+                  <a:latin typeface="넥슨Lv1고딕" panose="00000500000000000000" pitchFamily="2" charset="-127"/>
+                  <a:ea typeface="넥슨Lv1고딕" panose="00000500000000000000" pitchFamily="2" charset="-127"/>
+                </a:rPr>
+                <a:t>/</a:t>
+              </a:r>
+              <a:r>
+                <a:rPr lang="ko-KR" altLang="en-US" sz="1000" dirty="0">
+                  <a:solidFill>
+                    <a:schemeClr val="bg1"/>
+                  </a:solidFill>
+                  <a:latin typeface="넥슨Lv1고딕" panose="00000500000000000000" pitchFamily="2" charset="-127"/>
+                  <a:ea typeface="넥슨Lv1고딕" panose="00000500000000000000" pitchFamily="2" charset="-127"/>
+                </a:rPr>
+                <a:t>대중성 향상</a:t>
+              </a:r>
+              <a:endParaRPr lang="en-US" altLang="ko-KR" sz="1000" dirty="0">
+                <a:solidFill>
+                  <a:schemeClr val="bg1"/>
+                </a:solidFill>
+                <a:latin typeface="넥슨Lv1고딕" panose="00000500000000000000" pitchFamily="2" charset="-127"/>
+                <a:ea typeface="넥슨Lv1고딕" panose="00000500000000000000" pitchFamily="2" charset="-127"/>
+              </a:endParaRPr>
+            </a:p>
+          </p:txBody>
+        </p:sp>
+      </p:grpSp>
+      <p:grpSp>
+        <p:nvGrpSpPr>
+          <p:cNvPr id="57" name="그룹 56">
+            <a:extLst>
+              <a:ext uri="{FF2B5EF4-FFF2-40B4-BE49-F238E27FC236}">
+                <a16:creationId xmlns:a16="http://schemas.microsoft.com/office/drawing/2014/main" id="{1F15C0C3-3A23-96FA-A01C-30EC4F493056}"/>
+              </a:ext>
+            </a:extLst>
+          </p:cNvPr>
+          <p:cNvGrpSpPr/>
+          <p:nvPr/>
+        </p:nvGrpSpPr>
+        <p:grpSpPr>
+          <a:xfrm>
+            <a:off x="5360415" y="952158"/>
+            <a:ext cx="2824387" cy="3489754"/>
+            <a:chOff x="5092124" y="952158"/>
+            <a:chExt cx="2824387" cy="3489754"/>
           </a:xfrm>
         </p:grpSpPr>
         <p:sp>
@@ -22909,8 +22795,8 @@
           </p:nvSpPr>
           <p:spPr>
             <a:xfrm>
-              <a:off x="5092126" y="1428835"/>
-              <a:ext cx="2824385" cy="1829753"/>
+              <a:off x="5092126" y="1340548"/>
+              <a:ext cx="2824385" cy="1738571"/>
             </a:xfrm>
             <a:prstGeom prst="rect">
               <a:avLst/>
@@ -22961,7 +22847,7 @@
           </p:nvGrpSpPr>
           <p:grpSpPr>
             <a:xfrm>
-              <a:off x="5092125" y="1040445"/>
+              <a:off x="5092125" y="952158"/>
               <a:ext cx="2824385" cy="392234"/>
               <a:chOff x="2522258" y="3262193"/>
               <a:chExt cx="2824385" cy="392234"/>
@@ -23039,8 +22925,8 @@
             </p:nvSpPr>
             <p:spPr>
               <a:xfrm>
-                <a:off x="3325963" y="3335200"/>
-                <a:ext cx="1217000" cy="246221"/>
+                <a:off x="3207342" y="3335200"/>
+                <a:ext cx="1454245" cy="246221"/>
               </a:xfrm>
               <a:prstGeom prst="rect">
                 <a:avLst/>
@@ -23062,7 +22948,7 @@
                     <a:latin typeface="넥슨Lv1고딕" panose="00000500000000000000" pitchFamily="2" charset="-127"/>
                     <a:ea typeface="넥슨Lv1고딕" panose="00000500000000000000" pitchFamily="2" charset="-127"/>
                   </a:rPr>
-                  <a:t>다양한 전투 스타일</a:t>
+                  <a:t>전투 컨텐츠와의 시너지</a:t>
                 </a:r>
                 <a:endParaRPr lang="en-US" altLang="ko-KR" sz="1000" b="1" dirty="0">
                   <a:solidFill>
@@ -23075,681 +22961,12 @@
             </p:txBody>
           </p:sp>
         </p:grpSp>
-      </p:grpSp>
-      <p:sp>
-        <p:nvSpPr>
-          <p:cNvPr id="3146" name="TextBox 3145">
-            <a:extLst>
-              <a:ext uri="{FF2B5EF4-FFF2-40B4-BE49-F238E27FC236}">
-                <a16:creationId xmlns:a16="http://schemas.microsoft.com/office/drawing/2014/main" id="{23AE04F3-C067-B00C-4BD4-FED7507FAE35}"/>
-              </a:ext>
-            </a:extLst>
-          </p:cNvPr>
-          <p:cNvSpPr txBox="1"/>
-          <p:nvPr/>
-        </p:nvSpPr>
-        <p:spPr>
-          <a:xfrm>
-            <a:off x="8034694" y="4989450"/>
-            <a:ext cx="2727030" cy="276999"/>
-          </a:xfrm>
-          <a:prstGeom prst="rect">
-            <a:avLst/>
-          </a:prstGeom>
-          <a:noFill/>
-        </p:spPr>
-        <p:txBody>
-          <a:bodyPr wrap="none" rtlCol="0">
-            <a:spAutoFit/>
-          </a:bodyPr>
-          <a:lstStyle/>
-          <a:p>
-            <a:pPr algn="ctr"/>
-            <a:r>
-              <a:rPr lang="ko-KR" altLang="en-US" sz="1000" dirty="0">
-                <a:solidFill>
-                  <a:schemeClr val="bg1"/>
-                </a:solidFill>
-                <a:latin typeface="넥슨Lv1고딕" panose="00000500000000000000" pitchFamily="2" charset="-127"/>
-                <a:ea typeface="넥슨Lv1고딕" panose="00000500000000000000" pitchFamily="2" charset="-127"/>
-              </a:rPr>
-              <a:t>다른 </a:t>
-            </a:r>
-            <a:r>
-              <a:rPr lang="ko-KR" altLang="en-US" sz="1000" dirty="0" err="1">
-                <a:solidFill>
-                  <a:schemeClr val="bg1"/>
-                </a:solidFill>
-                <a:latin typeface="넥슨Lv1고딕" panose="00000500000000000000" pitchFamily="2" charset="-127"/>
-                <a:ea typeface="넥슨Lv1고딕" panose="00000500000000000000" pitchFamily="2" charset="-127"/>
-              </a:rPr>
-              <a:t>소울라이크</a:t>
-            </a:r>
-            <a:r>
-              <a:rPr lang="ko-KR" altLang="en-US" sz="1000" dirty="0">
-                <a:solidFill>
-                  <a:schemeClr val="bg1"/>
-                </a:solidFill>
-                <a:latin typeface="넥슨Lv1고딕" panose="00000500000000000000" pitchFamily="2" charset="-127"/>
-                <a:ea typeface="넥슨Lv1고딕" panose="00000500000000000000" pitchFamily="2" charset="-127"/>
-              </a:rPr>
-              <a:t> 장르와 </a:t>
-            </a:r>
-            <a:r>
-              <a:rPr lang="ko-KR" altLang="en-US" sz="1200" dirty="0">
-                <a:gradFill>
-                  <a:gsLst>
-                    <a:gs pos="5000">
-                      <a:srgbClr val="E8DFC2">
-                        <a:lumMod val="98000"/>
-                        <a:lumOff val="2000"/>
-                      </a:srgbClr>
-                    </a:gs>
-                    <a:gs pos="2000">
-                      <a:srgbClr val="F2EDDE"/>
-                    </a:gs>
-                    <a:gs pos="60000">
-                      <a:srgbClr val="D1B973"/>
-                    </a:gs>
-                    <a:gs pos="40000">
-                      <a:srgbClr val="E6D9B4"/>
-                    </a:gs>
-                    <a:gs pos="76000">
-                      <a:srgbClr val="D1B973"/>
-                    </a:gs>
-                    <a:gs pos="100000">
-                      <a:srgbClr val="E6D9B4"/>
-                    </a:gs>
-                  </a:gsLst>
-                  <a:path path="circle">
-                    <a:fillToRect l="50000" t="50000" r="50000" b="50000"/>
-                  </a:path>
-                </a:gradFill>
-                <a:latin typeface="넥슨Lv1고딕 Bold" panose="00000800000000000000" pitchFamily="2" charset="-127"/>
-                <a:ea typeface="넥슨Lv1고딕 Bold" panose="00000800000000000000" pitchFamily="2" charset="-127"/>
-              </a:rPr>
-              <a:t>차별화된 재미</a:t>
-            </a:r>
-            <a:r>
-              <a:rPr lang="ko-KR" altLang="en-US" sz="1200" dirty="0">
-                <a:solidFill>
-                  <a:schemeClr val="bg1"/>
-                </a:solidFill>
-                <a:latin typeface="넥슨Lv1고딕" panose="00000500000000000000" pitchFamily="2" charset="-127"/>
-                <a:ea typeface="넥슨Lv1고딕" panose="00000500000000000000" pitchFamily="2" charset="-127"/>
-              </a:rPr>
-              <a:t> </a:t>
-            </a:r>
-            <a:r>
-              <a:rPr lang="ko-KR" altLang="en-US" sz="1000" dirty="0">
-                <a:solidFill>
-                  <a:schemeClr val="bg1"/>
-                </a:solidFill>
-                <a:latin typeface="넥슨Lv1고딕" panose="00000500000000000000" pitchFamily="2" charset="-127"/>
-                <a:ea typeface="넥슨Lv1고딕" panose="00000500000000000000" pitchFamily="2" charset="-127"/>
-              </a:rPr>
-              <a:t>선사</a:t>
-            </a:r>
-            <a:endParaRPr lang="en-US" altLang="ko-KR" sz="1000" dirty="0">
-              <a:solidFill>
-                <a:schemeClr val="bg1"/>
-              </a:solidFill>
-              <a:latin typeface="넥슨Lv1고딕" panose="00000500000000000000" pitchFamily="2" charset="-127"/>
-              <a:ea typeface="넥슨Lv1고딕" panose="00000500000000000000" pitchFamily="2" charset="-127"/>
-            </a:endParaRPr>
-          </a:p>
-        </p:txBody>
-      </p:sp>
-      <p:sp>
-        <p:nvSpPr>
-          <p:cNvPr id="3148" name="TextBox 3147">
-            <a:extLst>
-              <a:ext uri="{FF2B5EF4-FFF2-40B4-BE49-F238E27FC236}">
-                <a16:creationId xmlns:a16="http://schemas.microsoft.com/office/drawing/2014/main" id="{61776440-E20F-B244-8873-C050BC63F12A}"/>
-              </a:ext>
-            </a:extLst>
-          </p:cNvPr>
-          <p:cNvSpPr txBox="1"/>
-          <p:nvPr/>
-        </p:nvSpPr>
-        <p:spPr>
-          <a:xfrm>
-            <a:off x="2005573" y="4620119"/>
-            <a:ext cx="3499676" cy="1169551"/>
-          </a:xfrm>
-          <a:prstGeom prst="rect">
-            <a:avLst/>
-          </a:prstGeom>
-          <a:noFill/>
-        </p:spPr>
-        <p:txBody>
-          <a:bodyPr wrap="none" rtlCol="0">
-            <a:spAutoFit/>
-          </a:bodyPr>
-          <a:lstStyle/>
-          <a:p>
-            <a:pPr marL="228600" indent="-228600">
-              <a:buAutoNum type="arabicPeriod"/>
-            </a:pPr>
-            <a:r>
-              <a:rPr lang="ko-KR" altLang="en-US" sz="1000" dirty="0">
-                <a:solidFill>
-                  <a:schemeClr val="bg1"/>
-                </a:solidFill>
-                <a:latin typeface="넥슨Lv1고딕" panose="00000500000000000000" pitchFamily="2" charset="-127"/>
-                <a:ea typeface="넥슨Lv1고딕" panose="00000500000000000000" pitchFamily="2" charset="-127"/>
-              </a:rPr>
-              <a:t>여러 성향의 유저 겨냥</a:t>
-            </a:r>
-            <a:br>
-              <a:rPr lang="en-US" altLang="ko-KR" sz="1000" dirty="0">
-                <a:solidFill>
-                  <a:schemeClr val="bg1"/>
-                </a:solidFill>
-                <a:latin typeface="넥슨Lv1고딕" panose="00000500000000000000" pitchFamily="2" charset="-127"/>
-                <a:ea typeface="넥슨Lv1고딕" panose="00000500000000000000" pitchFamily="2" charset="-127"/>
-              </a:rPr>
-            </a:br>
-            <a:r>
-              <a:rPr lang="ko-KR" altLang="en-US" sz="1000" dirty="0">
-                <a:solidFill>
-                  <a:schemeClr val="bg1"/>
-                </a:solidFill>
-                <a:latin typeface="넥슨Lv1고딕" panose="00000500000000000000" pitchFamily="2" charset="-127"/>
-                <a:ea typeface="넥슨Lv1고딕" panose="00000500000000000000" pitchFamily="2" charset="-127"/>
-              </a:rPr>
-              <a:t>성능이 좋은 무기</a:t>
-            </a:r>
-            <a:r>
-              <a:rPr lang="en-US" altLang="ko-KR" sz="1000" dirty="0">
-                <a:solidFill>
-                  <a:schemeClr val="bg1"/>
-                </a:solidFill>
-                <a:latin typeface="넥슨Lv1고딕" panose="00000500000000000000" pitchFamily="2" charset="-127"/>
-                <a:ea typeface="넥슨Lv1고딕" panose="00000500000000000000" pitchFamily="2" charset="-127"/>
-              </a:rPr>
-              <a:t> or </a:t>
-            </a:r>
-            <a:r>
-              <a:rPr lang="ko-KR" altLang="en-US" sz="1000" dirty="0">
-                <a:solidFill>
-                  <a:schemeClr val="bg1"/>
-                </a:solidFill>
-                <a:latin typeface="넥슨Lv1고딕" panose="00000500000000000000" pitchFamily="2" charset="-127"/>
-                <a:ea typeface="넥슨Lv1고딕" panose="00000500000000000000" pitchFamily="2" charset="-127"/>
-              </a:rPr>
-              <a:t>스킬 </a:t>
-            </a:r>
-            <a:r>
-              <a:rPr lang="en-US" altLang="ko-KR" sz="1000" dirty="0">
-                <a:solidFill>
-                  <a:schemeClr val="bg1"/>
-                </a:solidFill>
-                <a:latin typeface="넥슨Lv1고딕" panose="00000500000000000000" pitchFamily="2" charset="-127"/>
-                <a:ea typeface="넥슨Lv1고딕" panose="00000500000000000000" pitchFamily="2" charset="-127"/>
-              </a:rPr>
-              <a:t> / </a:t>
-            </a:r>
-            <a:r>
-              <a:rPr lang="ko-KR" altLang="en-US" sz="1000" dirty="0">
-                <a:solidFill>
-                  <a:schemeClr val="bg1"/>
-                </a:solidFill>
-                <a:latin typeface="넥슨Lv1고딕" panose="00000500000000000000" pitchFamily="2" charset="-127"/>
-                <a:ea typeface="넥슨Lv1고딕" panose="00000500000000000000" pitchFamily="2" charset="-127"/>
-              </a:rPr>
-              <a:t>애정도가 높은 무기</a:t>
-            </a:r>
-            <a:r>
-              <a:rPr lang="en-US" altLang="ko-KR" sz="1000" dirty="0">
-                <a:solidFill>
-                  <a:schemeClr val="bg1"/>
-                </a:solidFill>
-                <a:latin typeface="넥슨Lv1고딕" panose="00000500000000000000" pitchFamily="2" charset="-127"/>
-                <a:ea typeface="넥슨Lv1고딕" panose="00000500000000000000" pitchFamily="2" charset="-127"/>
-              </a:rPr>
-              <a:t> or </a:t>
-            </a:r>
-            <a:r>
-              <a:rPr lang="ko-KR" altLang="en-US" sz="1000" dirty="0">
-                <a:solidFill>
-                  <a:schemeClr val="bg1"/>
-                </a:solidFill>
-                <a:latin typeface="넥슨Lv1고딕" panose="00000500000000000000" pitchFamily="2" charset="-127"/>
-                <a:ea typeface="넥슨Lv1고딕" panose="00000500000000000000" pitchFamily="2" charset="-127"/>
-              </a:rPr>
-              <a:t>스킬</a:t>
-            </a:r>
-            <a:endParaRPr lang="en-US" altLang="ko-KR" sz="1000" dirty="0">
-              <a:solidFill>
-                <a:schemeClr val="bg1"/>
-              </a:solidFill>
-              <a:latin typeface="넥슨Lv1고딕" panose="00000500000000000000" pitchFamily="2" charset="-127"/>
-              <a:ea typeface="넥슨Lv1고딕" panose="00000500000000000000" pitchFamily="2" charset="-127"/>
-            </a:endParaRPr>
-          </a:p>
-          <a:p>
-            <a:pPr marL="228600" indent="-228600">
-              <a:buAutoNum type="arabicPeriod"/>
-            </a:pPr>
-            <a:endParaRPr lang="en-US" altLang="ko-KR" sz="1000" dirty="0">
-              <a:solidFill>
-                <a:schemeClr val="bg1"/>
-              </a:solidFill>
-              <a:latin typeface="넥슨Lv1고딕" panose="00000500000000000000" pitchFamily="2" charset="-127"/>
-              <a:ea typeface="넥슨Lv1고딕" panose="00000500000000000000" pitchFamily="2" charset="-127"/>
-            </a:endParaRPr>
-          </a:p>
-          <a:p>
-            <a:pPr marL="228600" indent="-228600">
-              <a:buAutoNum type="arabicPeriod"/>
-            </a:pPr>
-            <a:r>
-              <a:rPr lang="ko-KR" altLang="en-US" sz="1000" dirty="0">
-                <a:solidFill>
-                  <a:schemeClr val="bg1"/>
-                </a:solidFill>
-                <a:latin typeface="넥슨Lv1고딕" panose="00000500000000000000" pitchFamily="2" charset="-127"/>
-                <a:ea typeface="넥슨Lv1고딕" panose="00000500000000000000" pitchFamily="2" charset="-127"/>
-              </a:rPr>
-              <a:t>무기와 전회의 조합으로 다양한 전투 스타일</a:t>
-            </a:r>
-            <a:br>
-              <a:rPr lang="en-US" altLang="ko-KR" sz="1000" dirty="0">
-                <a:solidFill>
-                  <a:schemeClr val="bg1"/>
-                </a:solidFill>
-                <a:latin typeface="넥슨Lv1고딕" panose="00000500000000000000" pitchFamily="2" charset="-127"/>
-                <a:ea typeface="넥슨Lv1고딕" panose="00000500000000000000" pitchFamily="2" charset="-127"/>
-              </a:rPr>
-            </a:br>
-            <a:r>
-              <a:rPr lang="ko-KR" altLang="en-US" sz="1000" dirty="0">
-                <a:solidFill>
-                  <a:schemeClr val="bg1"/>
-                </a:solidFill>
-                <a:latin typeface="넥슨Lv1고딕" panose="00000500000000000000" pitchFamily="2" charset="-127"/>
-                <a:ea typeface="넥슨Lv1고딕" panose="00000500000000000000" pitchFamily="2" charset="-127"/>
-              </a:rPr>
-              <a:t>컨텐츠에 맞는 전회로 </a:t>
-            </a:r>
-            <a:endParaRPr lang="en-US" altLang="ko-KR" sz="1000" dirty="0">
-              <a:solidFill>
-                <a:schemeClr val="bg1"/>
-              </a:solidFill>
-              <a:latin typeface="넥슨Lv1고딕" panose="00000500000000000000" pitchFamily="2" charset="-127"/>
-              <a:ea typeface="넥슨Lv1고딕" panose="00000500000000000000" pitchFamily="2" charset="-127"/>
-            </a:endParaRPr>
-          </a:p>
-          <a:p>
-            <a:pPr marL="228600" indent="-228600">
-              <a:buAutoNum type="arabicPeriod"/>
-            </a:pPr>
-            <a:endParaRPr lang="en-US" altLang="ko-KR" sz="1000" dirty="0">
-              <a:solidFill>
-                <a:schemeClr val="bg1"/>
-              </a:solidFill>
-              <a:latin typeface="넥슨Lv1고딕" panose="00000500000000000000" pitchFamily="2" charset="-127"/>
-              <a:ea typeface="넥슨Lv1고딕" panose="00000500000000000000" pitchFamily="2" charset="-127"/>
-            </a:endParaRPr>
-          </a:p>
-          <a:p>
-            <a:pPr marL="228600" indent="-228600">
-              <a:buAutoNum type="arabicPeriod"/>
-            </a:pPr>
-            <a:r>
-              <a:rPr lang="ko-KR" altLang="en-US" sz="1000" dirty="0">
-                <a:solidFill>
-                  <a:schemeClr val="bg1"/>
-                </a:solidFill>
-                <a:latin typeface="넥슨Lv1고딕" panose="00000500000000000000" pitchFamily="2" charset="-127"/>
-                <a:ea typeface="넥슨Lv1고딕" panose="00000500000000000000" pitchFamily="2" charset="-127"/>
-              </a:rPr>
-              <a:t>게임 속 세상과 더 많은 상호작용으로 인한 </a:t>
-            </a:r>
-            <a:r>
-              <a:rPr lang="ko-KR" altLang="en-US" sz="1000" dirty="0" err="1">
-                <a:solidFill>
-                  <a:schemeClr val="bg1"/>
-                </a:solidFill>
-                <a:latin typeface="넥슨Lv1고딕" panose="00000500000000000000" pitchFamily="2" charset="-127"/>
-                <a:ea typeface="넥슨Lv1고딕" panose="00000500000000000000" pitchFamily="2" charset="-127"/>
-              </a:rPr>
-              <a:t>몰입감</a:t>
-            </a:r>
-            <a:r>
-              <a:rPr lang="ko-KR" altLang="en-US" sz="1000" dirty="0">
-                <a:solidFill>
-                  <a:schemeClr val="bg1"/>
-                </a:solidFill>
-                <a:latin typeface="넥슨Lv1고딕" panose="00000500000000000000" pitchFamily="2" charset="-127"/>
-                <a:ea typeface="넥슨Lv1고딕" panose="00000500000000000000" pitchFamily="2" charset="-127"/>
-              </a:rPr>
-              <a:t> 향상</a:t>
-            </a:r>
-            <a:endParaRPr lang="en-US" altLang="ko-KR" sz="1000" dirty="0">
-              <a:solidFill>
-                <a:schemeClr val="bg1"/>
-              </a:solidFill>
-              <a:latin typeface="넥슨Lv1고딕" panose="00000500000000000000" pitchFamily="2" charset="-127"/>
-              <a:ea typeface="넥슨Lv1고딕" panose="00000500000000000000" pitchFamily="2" charset="-127"/>
-            </a:endParaRPr>
-          </a:p>
-        </p:txBody>
-      </p:sp>
-      <p:sp>
-        <p:nvSpPr>
-          <p:cNvPr id="3150" name="화살표: 오른쪽 3149">
-            <a:extLst>
-              <a:ext uri="{FF2B5EF4-FFF2-40B4-BE49-F238E27FC236}">
-                <a16:creationId xmlns:a16="http://schemas.microsoft.com/office/drawing/2014/main" id="{A2D04C6C-3AAA-83C3-A8D5-39808BFB3E18}"/>
-              </a:ext>
-            </a:extLst>
-          </p:cNvPr>
-          <p:cNvSpPr/>
-          <p:nvPr/>
-        </p:nvSpPr>
-        <p:spPr>
-          <a:xfrm>
-            <a:off x="5895820" y="4885633"/>
-            <a:ext cx="978408" cy="484632"/>
-          </a:xfrm>
-          <a:prstGeom prst="rightArrow">
-            <a:avLst/>
-          </a:prstGeom>
-        </p:spPr>
-        <p:style>
-          <a:lnRef idx="2">
-            <a:schemeClr val="accent1">
-              <a:shade val="15000"/>
-            </a:schemeClr>
-          </a:lnRef>
-          <a:fillRef idx="1">
-            <a:schemeClr val="accent1"/>
-          </a:fillRef>
-          <a:effectRef idx="0">
-            <a:schemeClr val="accent1"/>
-          </a:effectRef>
-          <a:fontRef idx="minor">
-            <a:schemeClr val="lt1"/>
-          </a:fontRef>
-        </p:style>
-        <p:txBody>
-          <a:bodyPr rtlCol="0" anchor="ctr"/>
-          <a:lstStyle/>
-          <a:p>
-            <a:pPr algn="ctr"/>
-            <a:endParaRPr lang="ko-KR" altLang="en-US"/>
-          </a:p>
-        </p:txBody>
-      </p:sp>
-      <p:sp>
-        <p:nvSpPr>
-          <p:cNvPr id="3152" name="TextBox 3151">
-            <a:extLst>
-              <a:ext uri="{FF2B5EF4-FFF2-40B4-BE49-F238E27FC236}">
-                <a16:creationId xmlns:a16="http://schemas.microsoft.com/office/drawing/2014/main" id="{0661C97E-146B-B3DE-1D79-F4D7F8887372}"/>
-              </a:ext>
-            </a:extLst>
-          </p:cNvPr>
-          <p:cNvSpPr txBox="1"/>
-          <p:nvPr/>
-        </p:nvSpPr>
-        <p:spPr>
-          <a:xfrm>
-            <a:off x="5593321" y="3972043"/>
-            <a:ext cx="4214615" cy="246221"/>
-          </a:xfrm>
-          <a:prstGeom prst="rect">
-            <a:avLst/>
-          </a:prstGeom>
-          <a:noFill/>
-        </p:spPr>
-        <p:txBody>
-          <a:bodyPr wrap="none" rtlCol="0">
-            <a:spAutoFit/>
-          </a:bodyPr>
-          <a:lstStyle/>
-          <a:p>
-            <a:r>
-              <a:rPr lang="ko-KR" altLang="en-US" sz="1000" dirty="0">
-                <a:solidFill>
-                  <a:schemeClr val="bg1"/>
-                </a:solidFill>
-                <a:latin typeface="넥슨Lv1고딕" panose="00000500000000000000" pitchFamily="2" charset="-127"/>
-                <a:ea typeface="넥슨Lv1고딕" panose="00000500000000000000" pitchFamily="2" charset="-127"/>
-              </a:rPr>
-              <a:t>전투 컨텐츠에 맞는 전회를 사용하여 컨텐츠가 주는 재미를 극대화합니다</a:t>
-            </a:r>
-            <a:r>
-              <a:rPr lang="en-US" altLang="ko-KR" sz="1000" dirty="0">
-                <a:solidFill>
-                  <a:schemeClr val="bg1"/>
-                </a:solidFill>
-                <a:latin typeface="넥슨Lv1고딕" panose="00000500000000000000" pitchFamily="2" charset="-127"/>
-                <a:ea typeface="넥슨Lv1고딕" panose="00000500000000000000" pitchFamily="2" charset="-127"/>
-              </a:rPr>
-              <a:t>.</a:t>
-            </a:r>
-          </a:p>
-        </p:txBody>
-      </p:sp>
-      <p:sp>
-        <p:nvSpPr>
-          <p:cNvPr id="3155" name="TextBox 3154">
-            <a:extLst>
-              <a:ext uri="{FF2B5EF4-FFF2-40B4-BE49-F238E27FC236}">
-                <a16:creationId xmlns:a16="http://schemas.microsoft.com/office/drawing/2014/main" id="{C82698C3-D087-5721-1145-5A66863447A4}"/>
-              </a:ext>
-            </a:extLst>
-          </p:cNvPr>
-          <p:cNvSpPr txBox="1"/>
-          <p:nvPr/>
-        </p:nvSpPr>
-        <p:spPr>
-          <a:xfrm>
-            <a:off x="2681465" y="3387485"/>
-            <a:ext cx="1497526" cy="400110"/>
-          </a:xfrm>
-          <a:prstGeom prst="rect">
-            <a:avLst/>
-          </a:prstGeom>
-          <a:noFill/>
-        </p:spPr>
-        <p:txBody>
-          <a:bodyPr wrap="none" rtlCol="0">
-            <a:spAutoFit/>
-          </a:bodyPr>
-          <a:lstStyle/>
-          <a:p>
-            <a:pPr algn="ctr"/>
-            <a:r>
-              <a:rPr lang="ko-KR" altLang="en-US" sz="1000" dirty="0">
-                <a:solidFill>
-                  <a:schemeClr val="bg1"/>
-                </a:solidFill>
-                <a:latin typeface="넥슨Lv1고딕" panose="00000500000000000000" pitchFamily="2" charset="-127"/>
-                <a:ea typeface="넥슨Lv1고딕" panose="00000500000000000000" pitchFamily="2" charset="-127"/>
-              </a:rPr>
-              <a:t>좋은 성능 </a:t>
-            </a:r>
-            <a:r>
-              <a:rPr lang="en-US" altLang="ko-KR" sz="1000" dirty="0">
-                <a:solidFill>
-                  <a:schemeClr val="bg1"/>
-                </a:solidFill>
-                <a:latin typeface="넥슨Lv1고딕" panose="00000500000000000000" pitchFamily="2" charset="-127"/>
-                <a:ea typeface="넥슨Lv1고딕" panose="00000500000000000000" pitchFamily="2" charset="-127"/>
-              </a:rPr>
-              <a:t>vs </a:t>
-            </a:r>
-            <a:r>
-              <a:rPr lang="ko-KR" altLang="en-US" sz="1000" dirty="0">
-                <a:solidFill>
-                  <a:schemeClr val="bg1"/>
-                </a:solidFill>
-                <a:latin typeface="넥슨Lv1고딕" panose="00000500000000000000" pitchFamily="2" charset="-127"/>
-                <a:ea typeface="넥슨Lv1고딕" panose="00000500000000000000" pitchFamily="2" charset="-127"/>
-              </a:rPr>
-              <a:t>높은 애정</a:t>
-            </a:r>
-            <a:r>
-              <a:rPr lang="en-US" altLang="ko-KR" sz="1000" dirty="0">
-                <a:solidFill>
-                  <a:schemeClr val="bg1"/>
-                </a:solidFill>
-                <a:latin typeface="넥슨Lv1고딕" panose="00000500000000000000" pitchFamily="2" charset="-127"/>
-                <a:ea typeface="넥슨Lv1고딕" panose="00000500000000000000" pitchFamily="2" charset="-127"/>
-              </a:rPr>
-              <a:t>]</a:t>
-            </a:r>
-          </a:p>
-          <a:p>
-            <a:pPr algn="ctr"/>
-            <a:r>
-              <a:rPr lang="ko-KR" altLang="en-US" sz="1000" dirty="0" err="1">
-                <a:solidFill>
-                  <a:schemeClr val="bg1"/>
-                </a:solidFill>
-                <a:latin typeface="넥슨Lv1고딕" panose="00000500000000000000" pitchFamily="2" charset="-127"/>
-                <a:ea typeface="넥슨Lv1고딕" panose="00000500000000000000" pitchFamily="2" charset="-127"/>
-              </a:rPr>
-              <a:t>입문자</a:t>
-            </a:r>
-            <a:r>
-              <a:rPr lang="ko-KR" altLang="en-US" sz="1000" dirty="0">
-                <a:solidFill>
-                  <a:schemeClr val="bg1"/>
-                </a:solidFill>
-                <a:latin typeface="넥슨Lv1고딕" panose="00000500000000000000" pitchFamily="2" charset="-127"/>
-                <a:ea typeface="넥슨Lv1고딕" panose="00000500000000000000" pitchFamily="2" charset="-127"/>
-              </a:rPr>
-              <a:t> </a:t>
-            </a:r>
-            <a:r>
-              <a:rPr lang="en-US" altLang="ko-KR" sz="1000" dirty="0">
-                <a:solidFill>
-                  <a:schemeClr val="bg1"/>
-                </a:solidFill>
-                <a:latin typeface="넥슨Lv1고딕" panose="00000500000000000000" pitchFamily="2" charset="-127"/>
-                <a:ea typeface="넥슨Lv1고딕" panose="00000500000000000000" pitchFamily="2" charset="-127"/>
-              </a:rPr>
-              <a:t>vs </a:t>
-            </a:r>
-            <a:r>
-              <a:rPr lang="ko-KR" altLang="en-US" sz="1000" dirty="0" err="1">
-                <a:solidFill>
-                  <a:schemeClr val="bg1"/>
-                </a:solidFill>
-                <a:latin typeface="넥슨Lv1고딕" panose="00000500000000000000" pitchFamily="2" charset="-127"/>
-                <a:ea typeface="넥슨Lv1고딕" panose="00000500000000000000" pitchFamily="2" charset="-127"/>
-              </a:rPr>
-              <a:t>숙련자</a:t>
-            </a:r>
-            <a:endParaRPr lang="en-US" altLang="ko-KR" sz="1000" dirty="0">
-              <a:solidFill>
-                <a:schemeClr val="bg1"/>
-              </a:solidFill>
-              <a:latin typeface="넥슨Lv1고딕" panose="00000500000000000000" pitchFamily="2" charset="-127"/>
-              <a:ea typeface="넥슨Lv1고딕" panose="00000500000000000000" pitchFamily="2" charset="-127"/>
-            </a:endParaRPr>
-          </a:p>
-        </p:txBody>
-      </p:sp>
-    </p:spTree>
-    <p:extLst>
-      <p:ext uri="{BB962C8B-B14F-4D97-AF65-F5344CB8AC3E}">
-        <p14:creationId xmlns:p14="http://schemas.microsoft.com/office/powerpoint/2010/main" val="3772740056"/>
-      </p:ext>
-    </p:extLst>
-  </p:cSld>
-  <p:clrMapOvr>
-    <a:masterClrMapping/>
-  </p:clrMapOvr>
-</p:sld>
-</file>
-
-<file path=ppt/slides/slide5.xml><?xml version="1.0" encoding="utf-8"?>
-<p:sld xmlns:a="http://schemas.openxmlformats.org/drawingml/2006/main" xmlns:r="http://schemas.openxmlformats.org/officeDocument/2006/relationships" xmlns:p="http://schemas.openxmlformats.org/presentationml/2006/main">
-  <p:cSld>
-    <p:spTree>
-      <p:nvGrpSpPr>
-        <p:cNvPr id="1" name=""/>
-        <p:cNvGrpSpPr/>
-        <p:nvPr/>
-      </p:nvGrpSpPr>
-      <p:grpSpPr>
-        <a:xfrm>
-          <a:off x="0" y="0"/>
-          <a:ext cx="0" cy="0"/>
-          <a:chOff x="0" y="0"/>
-          <a:chExt cx="0" cy="0"/>
-        </a:xfrm>
-      </p:grpSpPr>
-      <p:sp>
-        <p:nvSpPr>
-          <p:cNvPr id="22" name="슬라이드 번호 개체 틀 21">
-            <a:extLst>
-              <a:ext uri="{FF2B5EF4-FFF2-40B4-BE49-F238E27FC236}">
-                <a16:creationId xmlns:a16="http://schemas.microsoft.com/office/drawing/2014/main" id="{90D289AE-0582-ACB5-D7DF-D047A2950AA8}"/>
-              </a:ext>
-            </a:extLst>
-          </p:cNvPr>
-          <p:cNvSpPr>
-            <a:spLocks noGrp="1"/>
-          </p:cNvSpPr>
-          <p:nvPr>
-            <p:ph type="sldNum" sz="quarter" idx="4"/>
-          </p:nvPr>
-        </p:nvSpPr>
-        <p:spPr/>
-        <p:txBody>
-          <a:bodyPr/>
-          <a:lstStyle/>
-          <a:p>
-            <a:r>
-              <a:rPr lang="en-US" altLang="ko-KR" dirty="0"/>
-              <a:t>p. </a:t>
-            </a:r>
-            <a:fld id="{1F335F12-2F84-4C53-9DF5-2927535D2C2D}" type="slidenum">
-              <a:rPr lang="ko-KR" altLang="en-US" smtClean="0"/>
-              <a:pPr/>
-              <a:t>5</a:t>
-            </a:fld>
-            <a:r>
-              <a:rPr lang="en-US" altLang="ko-KR" dirty="0"/>
-              <a:t>/20</a:t>
-            </a:r>
-            <a:endParaRPr lang="ko-KR" altLang="en-US" dirty="0"/>
-          </a:p>
-        </p:txBody>
-      </p:sp>
-      <p:grpSp>
-        <p:nvGrpSpPr>
-          <p:cNvPr id="5" name="그룹 4">
-            <a:extLst>
-              <a:ext uri="{FF2B5EF4-FFF2-40B4-BE49-F238E27FC236}">
-                <a16:creationId xmlns:a16="http://schemas.microsoft.com/office/drawing/2014/main" id="{F9F2CC47-802D-204A-0C3A-FDC2C897CF32}"/>
-              </a:ext>
-            </a:extLst>
-          </p:cNvPr>
-          <p:cNvGrpSpPr/>
-          <p:nvPr/>
-        </p:nvGrpSpPr>
-        <p:grpSpPr>
-          <a:xfrm>
-            <a:off x="1595120" y="219855"/>
-            <a:ext cx="10596880" cy="392234"/>
-            <a:chOff x="1595120" y="219855"/>
-            <a:chExt cx="10596880" cy="392234"/>
-          </a:xfrm>
-        </p:grpSpPr>
         <p:grpSp>
           <p:nvGrpSpPr>
-            <p:cNvPr id="4" name="그룹 3">
+            <p:cNvPr id="17" name="그룹 16">
               <a:extLst>
                 <a:ext uri="{FF2B5EF4-FFF2-40B4-BE49-F238E27FC236}">
-                  <a16:creationId xmlns:a16="http://schemas.microsoft.com/office/drawing/2014/main" id="{E0442B5F-0C67-0392-9941-4E47F3013860}"/>
+                  <a16:creationId xmlns:a16="http://schemas.microsoft.com/office/drawing/2014/main" id="{FC03DF8E-7297-E37B-B03C-89E605DAE9E8}"/>
                 </a:ext>
               </a:extLst>
             </p:cNvPr>
@@ -23758,18 +22975,18 @@
           </p:nvGrpSpPr>
           <p:grpSpPr>
             <a:xfrm>
-              <a:off x="1595120" y="219855"/>
-              <a:ext cx="10596880" cy="392234"/>
-              <a:chOff x="1595120" y="219855"/>
-              <a:chExt cx="10596880" cy="392234"/>
+              <a:off x="5092124" y="3185468"/>
+              <a:ext cx="2824385" cy="1256444"/>
+              <a:chOff x="2005573" y="3079119"/>
+              <a:chExt cx="2824385" cy="1256444"/>
             </a:xfrm>
           </p:grpSpPr>
           <p:sp>
             <p:nvSpPr>
-              <p:cNvPr id="50" name="직사각형 49">
+              <p:cNvPr id="18" name="직사각형 17">
                 <a:extLst>
                   <a:ext uri="{FF2B5EF4-FFF2-40B4-BE49-F238E27FC236}">
-                    <a16:creationId xmlns:a16="http://schemas.microsoft.com/office/drawing/2014/main" id="{18E75AE0-0CC8-DDFD-A838-2520BF641D05}"/>
+                    <a16:creationId xmlns:a16="http://schemas.microsoft.com/office/drawing/2014/main" id="{E7A29D1D-5463-61E4-8AC2-D40AEAAFA16F}"/>
                   </a:ext>
                 </a:extLst>
               </p:cNvPr>
@@ -23780,35 +22997,17 @@
             </p:nvSpPr>
             <p:spPr>
               <a:xfrm>
-                <a:off x="1595120" y="219855"/>
-                <a:ext cx="10596880" cy="392234"/>
+                <a:off x="2005573" y="3079119"/>
+                <a:ext cx="2824385" cy="1256444"/>
               </a:xfrm>
               <a:prstGeom prst="rect">
                 <a:avLst/>
               </a:prstGeom>
-              <a:gradFill flip="none" rotWithShape="1">
-                <a:gsLst>
-                  <a:gs pos="58000">
-                    <a:srgbClr val="464437">
-                      <a:alpha val="70000"/>
-                    </a:srgbClr>
-                  </a:gs>
-                  <a:gs pos="2000">
-                    <a:srgbClr val="464437">
-                      <a:alpha val="80000"/>
-                    </a:srgbClr>
-                  </a:gs>
-                  <a:gs pos="100000">
-                    <a:srgbClr val="48443A">
-                      <a:alpha val="30000"/>
-                    </a:srgbClr>
-                  </a:gs>
-                </a:gsLst>
-                <a:lin ang="0" scaled="1"/>
-                <a:tileRect/>
-              </a:gradFill>
-              <a:ln>
-                <a:noFill/>
+              <a:noFill/>
+              <a:ln w="15875">
+                <a:solidFill>
+                  <a:srgbClr val="39382E"/>
+                </a:solidFill>
               </a:ln>
             </p:spPr>
             <p:style>
@@ -23836,453 +23035,12 @@
               </a:p>
             </p:txBody>
           </p:sp>
-          <p:cxnSp>
-            <p:nvCxnSpPr>
-              <p:cNvPr id="8" name="직선 연결선 7">
+          <p:sp>
+            <p:nvSpPr>
+              <p:cNvPr id="19" name="TextBox 18">
                 <a:extLst>
                   <a:ext uri="{FF2B5EF4-FFF2-40B4-BE49-F238E27FC236}">
-                    <a16:creationId xmlns:a16="http://schemas.microsoft.com/office/drawing/2014/main" id="{D23C8A04-CEC4-1D92-9982-792BC1C41948}"/>
-                  </a:ext>
-                </a:extLst>
-              </p:cNvPr>
-              <p:cNvCxnSpPr>
-                <a:cxnSpLocks/>
-              </p:cNvCxnSpPr>
-              <p:nvPr/>
-            </p:nvCxnSpPr>
-            <p:spPr>
-              <a:xfrm>
-                <a:off x="1595120" y="588667"/>
-                <a:ext cx="10596880" cy="0"/>
-              </a:xfrm>
-              <a:prstGeom prst="line">
-                <a:avLst/>
-              </a:prstGeom>
-              <a:ln w="28575">
-                <a:gradFill flip="none" rotWithShape="1">
-                  <a:gsLst>
-                    <a:gs pos="0">
-                      <a:srgbClr val="464437">
-                        <a:alpha val="70000"/>
-                      </a:srgbClr>
-                    </a:gs>
-                    <a:gs pos="47000">
-                      <a:srgbClr val="464437">
-                        <a:alpha val="50000"/>
-                      </a:srgbClr>
-                    </a:gs>
-                    <a:gs pos="83000">
-                      <a:srgbClr val="464437">
-                        <a:alpha val="50000"/>
-                      </a:srgbClr>
-                    </a:gs>
-                    <a:gs pos="100000">
-                      <a:srgbClr val="464437">
-                        <a:alpha val="0"/>
-                      </a:srgbClr>
-                    </a:gs>
-                  </a:gsLst>
-                  <a:path path="circle">
-                    <a:fillToRect l="50000" t="50000" r="50000" b="50000"/>
-                  </a:path>
-                  <a:tileRect/>
-                </a:gradFill>
-              </a:ln>
-            </p:spPr>
-            <p:style>
-              <a:lnRef idx="2">
-                <a:schemeClr val="accent1"/>
-              </a:lnRef>
-              <a:fillRef idx="0">
-                <a:schemeClr val="accent1"/>
-              </a:fillRef>
-              <a:effectRef idx="1">
-                <a:schemeClr val="accent1"/>
-              </a:effectRef>
-              <a:fontRef idx="minor">
-                <a:schemeClr val="tx1"/>
-              </a:fontRef>
-            </p:style>
-          </p:cxnSp>
-        </p:grpSp>
-        <p:sp>
-          <p:nvSpPr>
-            <p:cNvPr id="51" name="TextBox 50">
-              <a:extLst>
-                <a:ext uri="{FF2B5EF4-FFF2-40B4-BE49-F238E27FC236}">
-                  <a16:creationId xmlns:a16="http://schemas.microsoft.com/office/drawing/2014/main" id="{B7655D1D-E793-35FA-6F39-9F5166483300}"/>
-                </a:ext>
-              </a:extLst>
-            </p:cNvPr>
-            <p:cNvSpPr txBox="1">
-              <a:spLocks/>
-            </p:cNvSpPr>
-            <p:nvPr/>
-          </p:nvSpPr>
-          <p:spPr>
-            <a:xfrm>
-              <a:off x="1704516" y="246695"/>
-              <a:ext cx="1051891" cy="338554"/>
-            </a:xfrm>
-            <a:prstGeom prst="rect">
-              <a:avLst/>
-            </a:prstGeom>
-            <a:noFill/>
-            <a:ln w="6350">
-              <a:noFill/>
-            </a:ln>
-          </p:spPr>
-          <p:txBody>
-            <a:bodyPr wrap="none" rtlCol="0">
-              <a:spAutoFit/>
-            </a:bodyPr>
-            <a:lstStyle/>
-            <a:p>
-              <a:r>
-                <a:rPr lang="ko-KR" altLang="en-US" sz="1600" dirty="0">
-                  <a:solidFill>
-                    <a:schemeClr val="bg1"/>
-                  </a:solidFill>
-                  <a:effectLst>
-                    <a:glow rad="101600">
-                      <a:schemeClr val="tx1">
-                        <a:alpha val="60000"/>
-                      </a:schemeClr>
-                    </a:glow>
-                  </a:effectLst>
-                  <a:latin typeface="빛의 계승자 Bold" panose="020B0600000101010101" pitchFamily="50" charset="-127"/>
-                  <a:ea typeface="빛의 계승자 Bold" panose="020B0600000101010101" pitchFamily="50" charset="-127"/>
-                </a:rPr>
-                <a:t>기획 의도</a:t>
-              </a:r>
-            </a:p>
-          </p:txBody>
-        </p:sp>
-      </p:grpSp>
-      <p:sp>
-        <p:nvSpPr>
-          <p:cNvPr id="54" name="페이지 표시">
-            <a:extLst>
-              <a:ext uri="{FF2B5EF4-FFF2-40B4-BE49-F238E27FC236}">
-                <a16:creationId xmlns:a16="http://schemas.microsoft.com/office/drawing/2014/main" id="{A6E207D9-0014-1589-6D7E-99CF876B7CA0}"/>
-              </a:ext>
-            </a:extLst>
-          </p:cNvPr>
-          <p:cNvSpPr txBox="1">
-            <a:spLocks/>
-          </p:cNvSpPr>
-          <p:nvPr/>
-        </p:nvSpPr>
-        <p:spPr>
-          <a:xfrm>
-            <a:off x="10482994" y="6696766"/>
-            <a:ext cx="835165" cy="123111"/>
-          </a:xfrm>
-          <a:prstGeom prst="rect">
-            <a:avLst/>
-          </a:prstGeom>
-          <a:noFill/>
-        </p:spPr>
-        <p:txBody>
-          <a:bodyPr wrap="none" lIns="0" tIns="0" rIns="0" bIns="0" rtlCol="0" anchor="ctr" anchorCtr="0">
-            <a:spAutoFit/>
-          </a:bodyPr>
-          <a:lstStyle/>
-          <a:p>
-            <a:pPr algn="r"/>
-            <a:r>
-              <a:rPr lang="en-US" altLang="ko-KR" sz="800" i="1" dirty="0">
-                <a:solidFill>
-                  <a:schemeClr val="bg1"/>
-                </a:solidFill>
-                <a:latin typeface="빛의 계승자 Bold" panose="020B0600000101010101" pitchFamily="50" charset="-127"/>
-                <a:ea typeface="빛의 계승자 Bold" panose="020B0600000101010101" pitchFamily="50" charset="-127"/>
-              </a:rPr>
-              <a:t>1.</a:t>
-            </a:r>
-            <a:r>
-              <a:rPr lang="ko-KR" altLang="en-US" sz="800" i="1" dirty="0">
-                <a:solidFill>
-                  <a:schemeClr val="bg1"/>
-                </a:solidFill>
-                <a:latin typeface="빛의 계승자 Bold" panose="020B0600000101010101" pitchFamily="50" charset="-127"/>
-                <a:ea typeface="빛의 계승자 Bold" panose="020B0600000101010101" pitchFamily="50" charset="-127"/>
-              </a:rPr>
-              <a:t>개요 </a:t>
-            </a:r>
-            <a:r>
-              <a:rPr lang="en-US" altLang="ko-KR" sz="800" i="1" dirty="0">
-                <a:solidFill>
-                  <a:schemeClr val="bg1"/>
-                </a:solidFill>
-                <a:latin typeface="빛의 계승자 Bold" panose="020B0600000101010101" pitchFamily="50" charset="-127"/>
-                <a:ea typeface="빛의 계승자 Bold" panose="020B0600000101010101" pitchFamily="50" charset="-127"/>
-              </a:rPr>
-              <a:t>- </a:t>
-            </a:r>
-            <a:r>
-              <a:rPr lang="ko-KR" altLang="en-US" sz="800" i="1" dirty="0">
-                <a:solidFill>
-                  <a:schemeClr val="bg1"/>
-                </a:solidFill>
-                <a:latin typeface="빛의 계승자 Bold" panose="020B0600000101010101" pitchFamily="50" charset="-127"/>
-                <a:ea typeface="빛의 계승자 Bold" panose="020B0600000101010101" pitchFamily="50" charset="-127"/>
-              </a:rPr>
-              <a:t>기획 의도</a:t>
-            </a:r>
-            <a:endParaRPr lang="en-US" altLang="ko-KR" sz="800" i="1" dirty="0">
-              <a:solidFill>
-                <a:schemeClr val="bg1"/>
-              </a:solidFill>
-              <a:latin typeface="빛의 계승자 Bold" panose="020B0600000101010101" pitchFamily="50" charset="-127"/>
-              <a:ea typeface="빛의 계승자 Bold" panose="020B0600000101010101" pitchFamily="50" charset="-127"/>
-            </a:endParaRPr>
-          </a:p>
-        </p:txBody>
-      </p:sp>
-      <p:sp>
-        <p:nvSpPr>
-          <p:cNvPr id="25" name="직사각형 24">
-            <a:extLst>
-              <a:ext uri="{FF2B5EF4-FFF2-40B4-BE49-F238E27FC236}">
-                <a16:creationId xmlns:a16="http://schemas.microsoft.com/office/drawing/2014/main" id="{16734103-FEBB-0560-013E-3922ED28C3F9}"/>
-              </a:ext>
-            </a:extLst>
-          </p:cNvPr>
-          <p:cNvSpPr>
-            <a:spLocks/>
-          </p:cNvSpPr>
-          <p:nvPr/>
-        </p:nvSpPr>
-        <p:spPr>
-          <a:xfrm>
-            <a:off x="11909965" y="988246"/>
-            <a:ext cx="46800" cy="4896000"/>
-          </a:xfrm>
-          <a:prstGeom prst="rect">
-            <a:avLst/>
-          </a:prstGeom>
-          <a:solidFill>
-            <a:srgbClr val="676555"/>
-          </a:solidFill>
-          <a:ln>
-            <a:noFill/>
-          </a:ln>
-        </p:spPr>
-        <p:style>
-          <a:lnRef idx="2">
-            <a:schemeClr val="accent1">
-              <a:shade val="15000"/>
-            </a:schemeClr>
-          </a:lnRef>
-          <a:fillRef idx="1">
-            <a:schemeClr val="accent1"/>
-          </a:fillRef>
-          <a:effectRef idx="0">
-            <a:schemeClr val="accent1"/>
-          </a:effectRef>
-          <a:fontRef idx="minor">
-            <a:schemeClr val="lt1"/>
-          </a:fontRef>
-        </p:style>
-        <p:txBody>
-          <a:bodyPr rtlCol="0" anchor="ctr"/>
-          <a:lstStyle/>
-          <a:p>
-            <a:pPr algn="ctr"/>
-            <a:endParaRPr lang="ko-KR" altLang="en-US"/>
-          </a:p>
-        </p:txBody>
-      </p:sp>
-      <p:sp>
-        <p:nvSpPr>
-          <p:cNvPr id="3095" name="직사각형 3094">
-            <a:extLst>
-              <a:ext uri="{FF2B5EF4-FFF2-40B4-BE49-F238E27FC236}">
-                <a16:creationId xmlns:a16="http://schemas.microsoft.com/office/drawing/2014/main" id="{82F95959-961B-DB06-62EA-58592830B0EE}"/>
-              </a:ext>
-            </a:extLst>
-          </p:cNvPr>
-          <p:cNvSpPr>
-            <a:spLocks/>
-          </p:cNvSpPr>
-          <p:nvPr/>
-        </p:nvSpPr>
-        <p:spPr>
-          <a:xfrm>
-            <a:off x="2005574" y="1428835"/>
-            <a:ext cx="2824385" cy="1738571"/>
-          </a:xfrm>
-          <a:prstGeom prst="rect">
-            <a:avLst/>
-          </a:prstGeom>
-          <a:noFill/>
-          <a:ln w="15875">
-            <a:solidFill>
-              <a:srgbClr val="39382E"/>
-            </a:solidFill>
-          </a:ln>
-        </p:spPr>
-        <p:style>
-          <a:lnRef idx="2">
-            <a:schemeClr val="accent1">
-              <a:shade val="15000"/>
-            </a:schemeClr>
-          </a:lnRef>
-          <a:fillRef idx="1">
-            <a:schemeClr val="accent1"/>
-          </a:fillRef>
-          <a:effectRef idx="0">
-            <a:schemeClr val="accent1"/>
-          </a:effectRef>
-          <a:fontRef idx="minor">
-            <a:schemeClr val="lt1"/>
-          </a:fontRef>
-        </p:style>
-        <p:txBody>
-          <a:bodyPr rtlCol="0" anchor="ctr"/>
-          <a:lstStyle/>
-          <a:p>
-            <a:pPr algn="ctr"/>
-            <a:endParaRPr lang="ko-KR" altLang="en-US" dirty="0"/>
-          </a:p>
-        </p:txBody>
-      </p:sp>
-      <p:grpSp>
-        <p:nvGrpSpPr>
-          <p:cNvPr id="15" name="그룹 14">
-            <a:extLst>
-              <a:ext uri="{FF2B5EF4-FFF2-40B4-BE49-F238E27FC236}">
-                <a16:creationId xmlns:a16="http://schemas.microsoft.com/office/drawing/2014/main" id="{A1112715-ADEA-F640-3D6F-B9DAFAE1EA59}"/>
-              </a:ext>
-            </a:extLst>
-          </p:cNvPr>
-          <p:cNvGrpSpPr/>
-          <p:nvPr/>
-        </p:nvGrpSpPr>
-        <p:grpSpPr>
-          <a:xfrm>
-            <a:off x="2167856" y="1487877"/>
-            <a:ext cx="1073729" cy="1503946"/>
-            <a:chOff x="2167856" y="1487877"/>
-            <a:chExt cx="1073729" cy="1503946"/>
-          </a:xfrm>
-        </p:grpSpPr>
-        <p:sp>
-          <p:nvSpPr>
-            <p:cNvPr id="3084" name="직사각형 3083">
-              <a:extLst>
-                <a:ext uri="{FF2B5EF4-FFF2-40B4-BE49-F238E27FC236}">
-                  <a16:creationId xmlns:a16="http://schemas.microsoft.com/office/drawing/2014/main" id="{40E3ADC1-FF20-D95F-F057-B300B98D8B11}"/>
-                </a:ext>
-              </a:extLst>
-            </p:cNvPr>
-            <p:cNvSpPr/>
-            <p:nvPr/>
-          </p:nvSpPr>
-          <p:spPr>
-            <a:xfrm>
-              <a:off x="2167856" y="1755398"/>
-              <a:ext cx="1073729" cy="1236425"/>
-            </a:xfrm>
-            <a:prstGeom prst="rect">
-              <a:avLst/>
-            </a:prstGeom>
-            <a:solidFill>
-              <a:schemeClr val="bg1"/>
-            </a:solidFill>
-            <a:ln w="12700">
-              <a:solidFill>
-                <a:srgbClr val="39382E"/>
-              </a:solidFill>
-            </a:ln>
-          </p:spPr>
-          <p:style>
-            <a:lnRef idx="2">
-              <a:schemeClr val="accent1">
-                <a:shade val="15000"/>
-              </a:schemeClr>
-            </a:lnRef>
-            <a:fillRef idx="1">
-              <a:schemeClr val="accent1"/>
-            </a:fillRef>
-            <a:effectRef idx="0">
-              <a:schemeClr val="accent1"/>
-            </a:effectRef>
-            <a:fontRef idx="minor">
-              <a:schemeClr val="lt1"/>
-            </a:fontRef>
-          </p:style>
-          <p:txBody>
-            <a:bodyPr rtlCol="0" anchor="ctr"/>
-            <a:lstStyle/>
-            <a:p>
-              <a:pPr algn="ctr"/>
-              <a:endParaRPr lang="ko-KR" altLang="en-US"/>
-            </a:p>
-          </p:txBody>
-        </p:sp>
-        <p:grpSp>
-          <p:nvGrpSpPr>
-            <p:cNvPr id="3087" name="그룹 3086">
-              <a:extLst>
-                <a:ext uri="{FF2B5EF4-FFF2-40B4-BE49-F238E27FC236}">
-                  <a16:creationId xmlns:a16="http://schemas.microsoft.com/office/drawing/2014/main" id="{EA7051DA-EAE9-7983-3F7D-A3B3C6452EF3}"/>
-                </a:ext>
-              </a:extLst>
-            </p:cNvPr>
-            <p:cNvGrpSpPr/>
-            <p:nvPr/>
-          </p:nvGrpSpPr>
-          <p:grpSpPr>
-            <a:xfrm>
-              <a:off x="2196571" y="1487877"/>
-              <a:ext cx="1016298" cy="1471084"/>
-              <a:chOff x="6414848" y="1491993"/>
-              <a:chExt cx="1016298" cy="1471084"/>
-            </a:xfrm>
-          </p:grpSpPr>
-          <p:pic>
-            <p:nvPicPr>
-              <p:cNvPr id="3085" name="그림 3084" descr="텍스트, 종이 클립, 디자인, 일러스트레이션이(가) 표시된 사진&#10;&#10;자동 생성된 설명">
-                <a:extLst>
-                  <a:ext uri="{FF2B5EF4-FFF2-40B4-BE49-F238E27FC236}">
-                    <a16:creationId xmlns:a16="http://schemas.microsoft.com/office/drawing/2014/main" id="{989A8B1E-176C-1C81-7C9F-96203D0EFE16}"/>
-                  </a:ext>
-                </a:extLst>
-              </p:cNvPr>
-              <p:cNvPicPr>
-                <a:picLocks noChangeAspect="1"/>
-              </p:cNvPicPr>
-              <p:nvPr/>
-            </p:nvPicPr>
-            <p:blipFill>
-              <a:blip r:embed="rId2">
-                <a:extLst>
-                  <a:ext uri="{28A0092B-C50C-407E-A947-70E740481C1C}">
-                    <a14:useLocalDpi xmlns:a14="http://schemas.microsoft.com/office/drawing/2010/main" val="0"/>
-                  </a:ext>
-                </a:extLst>
-              </a:blip>
-              <a:srcRect l="13815" b="39713"/>
-              <a:stretch/>
-            </p:blipFill>
-            <p:spPr>
-              <a:xfrm>
-                <a:off x="6414848" y="1726652"/>
-                <a:ext cx="1016298" cy="1236425"/>
-              </a:xfrm>
-              <a:prstGeom prst="rect">
-                <a:avLst/>
-              </a:prstGeom>
-            </p:spPr>
-          </p:pic>
-          <p:sp>
-            <p:nvSpPr>
-              <p:cNvPr id="3086" name="TextBox 3085">
-                <a:extLst>
-                  <a:ext uri="{FF2B5EF4-FFF2-40B4-BE49-F238E27FC236}">
-                    <a16:creationId xmlns:a16="http://schemas.microsoft.com/office/drawing/2014/main" id="{643AF35D-5ADC-E856-EF8D-7F7FF058A352}"/>
+                    <a16:creationId xmlns:a16="http://schemas.microsoft.com/office/drawing/2014/main" id="{08A6D7E7-6D60-FB6B-DE0F-B66E0D93884B}"/>
                   </a:ext>
                 </a:extLst>
               </p:cNvPr>
@@ -24291,8 +23049,8 @@
             </p:nvSpPr>
             <p:spPr>
               <a:xfrm>
-                <a:off x="6521286" y="1491993"/>
-                <a:ext cx="803425" cy="246221"/>
+                <a:off x="2201727" y="3276454"/>
+                <a:ext cx="2066591" cy="861774"/>
               </a:xfrm>
               <a:prstGeom prst="rect">
                 <a:avLst/>
@@ -24305,17 +23063,10 @@
               </a:bodyPr>
               <a:lstStyle/>
               <a:p>
-                <a:pPr algn="ctr"/>
-                <a:r>
-                  <a:rPr lang="en-US" altLang="ko-KR" sz="1000" dirty="0">
-                    <a:solidFill>
-                      <a:schemeClr val="bg1"/>
-                    </a:solidFill>
-                    <a:latin typeface="넥슨Lv1고딕" panose="00000500000000000000" pitchFamily="2" charset="-127"/>
-                    <a:ea typeface="넥슨Lv1고딕" panose="00000500000000000000" pitchFamily="2" charset="-127"/>
-                  </a:rPr>
-                  <a:t>[</a:t>
-                </a:r>
+                <a:pPr marL="171450" indent="-171450">
+                  <a:buFont typeface="Wingdings" panose="05000000000000000000" pitchFamily="2" charset="2"/>
+                  <a:buChar char="ü"/>
+                </a:pPr>
                 <a:r>
                   <a:rPr lang="ko-KR" altLang="en-US" sz="1000" dirty="0">
                     <a:solidFill>
@@ -24324,103 +23075,97 @@
                     <a:latin typeface="넥슨Lv1고딕" panose="00000500000000000000" pitchFamily="2" charset="-127"/>
                     <a:ea typeface="넥슨Lv1고딕" panose="00000500000000000000" pitchFamily="2" charset="-127"/>
                   </a:rPr>
-                  <a:t>좋은 성능</a:t>
+                  <a:t>전투 컨텐츠의 재미 극대화</a:t>
                 </a:r>
+                <a:endParaRPr lang="en-US" altLang="ko-KR" sz="1000" dirty="0">
+                  <a:solidFill>
+                    <a:schemeClr val="bg1"/>
+                  </a:solidFill>
+                  <a:latin typeface="넥슨Lv1고딕" panose="00000500000000000000" pitchFamily="2" charset="-127"/>
+                  <a:ea typeface="넥슨Lv1고딕" panose="00000500000000000000" pitchFamily="2" charset="-127"/>
+                </a:endParaRPr>
+              </a:p>
+              <a:p>
+                <a:pPr marL="171450" indent="-171450">
+                  <a:buFont typeface="Wingdings" panose="05000000000000000000" pitchFamily="2" charset="2"/>
+                  <a:buChar char="ü"/>
+                </a:pPr>
+                <a:endParaRPr lang="en-US" altLang="ko-KR" sz="1000" dirty="0">
+                  <a:solidFill>
+                    <a:schemeClr val="bg1"/>
+                  </a:solidFill>
+                  <a:latin typeface="넥슨Lv1고딕" panose="00000500000000000000" pitchFamily="2" charset="-127"/>
+                  <a:ea typeface="넥슨Lv1고딕" panose="00000500000000000000" pitchFamily="2" charset="-127"/>
+                </a:endParaRPr>
+              </a:p>
+              <a:p>
+                <a:pPr marL="171450" indent="-171450">
+                  <a:buFont typeface="Wingdings" panose="05000000000000000000" pitchFamily="2" charset="2"/>
+                  <a:buChar char="ü"/>
+                </a:pPr>
                 <a:r>
-                  <a:rPr lang="en-US" altLang="ko-KR" sz="1000" dirty="0">
+                  <a:rPr lang="ko-KR" altLang="en-US" sz="1000" dirty="0">
                     <a:solidFill>
                       <a:schemeClr val="bg1"/>
                     </a:solidFill>
                     <a:latin typeface="넥슨Lv1고딕" panose="00000500000000000000" pitchFamily="2" charset="-127"/>
                     <a:ea typeface="넥슨Lv1고딕" panose="00000500000000000000" pitchFamily="2" charset="-127"/>
                   </a:rPr>
-                  <a:t>]</a:t>
+                  <a:t>전략적으로 바꾸는 전투 스타일</a:t>
                 </a:r>
+                <a:endParaRPr lang="en-US" altLang="ko-KR" sz="1000" dirty="0">
+                  <a:solidFill>
+                    <a:schemeClr val="bg1"/>
+                  </a:solidFill>
+                  <a:latin typeface="넥슨Lv1고딕" panose="00000500000000000000" pitchFamily="2" charset="-127"/>
+                  <a:ea typeface="넥슨Lv1고딕" panose="00000500000000000000" pitchFamily="2" charset="-127"/>
+                </a:endParaRPr>
+              </a:p>
+              <a:p>
+                <a:pPr marL="171450" indent="-171450">
+                  <a:buFont typeface="Wingdings" panose="05000000000000000000" pitchFamily="2" charset="2"/>
+                  <a:buChar char="ü"/>
+                </a:pPr>
+                <a:endParaRPr lang="en-US" altLang="ko-KR" sz="1000" dirty="0">
+                  <a:solidFill>
+                    <a:schemeClr val="bg1"/>
+                  </a:solidFill>
+                  <a:latin typeface="넥슨Lv1고딕" panose="00000500000000000000" pitchFamily="2" charset="-127"/>
+                  <a:ea typeface="넥슨Lv1고딕" panose="00000500000000000000" pitchFamily="2" charset="-127"/>
+                </a:endParaRPr>
+              </a:p>
+              <a:p>
+                <a:pPr marL="171450" indent="-171450">
+                  <a:buFont typeface="Wingdings" panose="05000000000000000000" pitchFamily="2" charset="2"/>
+                  <a:buChar char="ü"/>
+                </a:pPr>
+                <a:r>
+                  <a:rPr lang="ko-KR" altLang="en-US" sz="1000" dirty="0">
+                    <a:solidFill>
+                      <a:schemeClr val="bg1"/>
+                    </a:solidFill>
+                    <a:latin typeface="넥슨Lv1고딕" panose="00000500000000000000" pitchFamily="2" charset="-127"/>
+                    <a:ea typeface="넥슨Lv1고딕" panose="00000500000000000000" pitchFamily="2" charset="-127"/>
+                  </a:rPr>
+                  <a:t>반복 플레이의 지루함 감소</a:t>
+                </a:r>
+                <a:endParaRPr lang="en-US" altLang="ko-KR" sz="1000" dirty="0">
+                  <a:solidFill>
+                    <a:schemeClr val="bg1"/>
+                  </a:solidFill>
+                  <a:latin typeface="넥슨Lv1고딕" panose="00000500000000000000" pitchFamily="2" charset="-127"/>
+                  <a:ea typeface="넥슨Lv1고딕" panose="00000500000000000000" pitchFamily="2" charset="-127"/>
+                </a:endParaRPr>
               </a:p>
             </p:txBody>
           </p:sp>
         </p:grpSp>
-      </p:grpSp>
-      <p:grpSp>
-        <p:nvGrpSpPr>
-          <p:cNvPr id="3093" name="그룹 3092">
-            <a:extLst>
-              <a:ext uri="{FF2B5EF4-FFF2-40B4-BE49-F238E27FC236}">
-                <a16:creationId xmlns:a16="http://schemas.microsoft.com/office/drawing/2014/main" id="{B8CB021C-14C0-602A-A309-2FC6B7FFCBDF}"/>
-              </a:ext>
-            </a:extLst>
-          </p:cNvPr>
-          <p:cNvGrpSpPr/>
-          <p:nvPr/>
-        </p:nvGrpSpPr>
-        <p:grpSpPr>
-          <a:xfrm>
-            <a:off x="3593832" y="1482043"/>
-            <a:ext cx="1073729" cy="1509153"/>
-            <a:chOff x="8059961" y="1531226"/>
-            <a:chExt cx="1073729" cy="1509153"/>
-          </a:xfrm>
-        </p:grpSpPr>
         <p:sp>
           <p:nvSpPr>
-            <p:cNvPr id="3088" name="직사각형 3087">
+            <p:cNvPr id="35" name="TextBox 34">
               <a:extLst>
                 <a:ext uri="{FF2B5EF4-FFF2-40B4-BE49-F238E27FC236}">
-                  <a16:creationId xmlns:a16="http://schemas.microsoft.com/office/drawing/2014/main" id="{3E19F461-4C9D-94BF-B7A1-3DE54432AE28}"/>
-                </a:ext>
-              </a:extLst>
-            </p:cNvPr>
-            <p:cNvSpPr/>
-            <p:nvPr/>
-          </p:nvSpPr>
-          <p:spPr>
-            <a:xfrm>
-              <a:off x="8059961" y="1803954"/>
-              <a:ext cx="1073729" cy="1236425"/>
-            </a:xfrm>
-            <a:prstGeom prst="rect">
-              <a:avLst/>
-            </a:prstGeom>
-            <a:solidFill>
-              <a:schemeClr val="bg1"/>
-            </a:solidFill>
-            <a:ln w="12700">
-              <a:solidFill>
-                <a:srgbClr val="39382E"/>
-              </a:solidFill>
-            </a:ln>
-          </p:spPr>
-          <p:style>
-            <a:lnRef idx="2">
-              <a:schemeClr val="accent1">
-                <a:shade val="15000"/>
-              </a:schemeClr>
-            </a:lnRef>
-            <a:fillRef idx="1">
-              <a:schemeClr val="accent1"/>
-            </a:fillRef>
-            <a:effectRef idx="0">
-              <a:schemeClr val="accent1"/>
-            </a:effectRef>
-            <a:fontRef idx="minor">
-              <a:schemeClr val="lt1"/>
-            </a:fontRef>
-          </p:style>
-          <p:txBody>
-            <a:bodyPr rtlCol="0" anchor="ctr"/>
-            <a:lstStyle/>
-            <a:p>
-              <a:pPr algn="ctr"/>
-              <a:endParaRPr lang="ko-KR" altLang="en-US"/>
-            </a:p>
-          </p:txBody>
-        </p:sp>
-        <p:sp>
-          <p:nvSpPr>
-            <p:cNvPr id="3091" name="TextBox 3090">
-              <a:extLst>
-                <a:ext uri="{FF2B5EF4-FFF2-40B4-BE49-F238E27FC236}">
-                  <a16:creationId xmlns:a16="http://schemas.microsoft.com/office/drawing/2014/main" id="{C28E8454-AA40-9257-CA38-46DABD7DFD8E}"/>
+                  <a16:creationId xmlns:a16="http://schemas.microsoft.com/office/drawing/2014/main" id="{DD644683-D8F6-B370-B936-FD9C6F93807E}"/>
                 </a:ext>
               </a:extLst>
             </p:cNvPr>
@@ -24429,8 +23174,8 @@
           </p:nvSpPr>
           <p:spPr>
             <a:xfrm>
-              <a:off x="8073287" y="1531226"/>
-              <a:ext cx="1047082" cy="246221"/>
+              <a:off x="5422485" y="1399590"/>
+              <a:ext cx="737702" cy="246221"/>
             </a:xfrm>
             <a:prstGeom prst="rect">
               <a:avLst/>
@@ -24452,7 +23197,7 @@
                   <a:latin typeface="넥슨Lv1고딕" panose="00000500000000000000" pitchFamily="2" charset="-127"/>
                   <a:ea typeface="넥슨Lv1고딕" panose="00000500000000000000" pitchFamily="2" charset="-127"/>
                 </a:rPr>
-                <a:t>[</a:t>
+                <a:t>[1:1</a:t>
               </a:r>
               <a:r>
                 <a:rPr lang="ko-KR" altLang="en-US" sz="1000" dirty="0">
@@ -24462,7 +23207,7 @@
                   <a:latin typeface="넥슨Lv1고딕" panose="00000500000000000000" pitchFamily="2" charset="-127"/>
                   <a:ea typeface="넥슨Lv1고딕" panose="00000500000000000000" pitchFamily="2" charset="-127"/>
                 </a:rPr>
-                <a:t>좋아하는 컨셉</a:t>
+                <a:t> 전투</a:t>
               </a:r>
               <a:r>
                 <a:rPr lang="en-US" altLang="ko-KR" sz="1000" dirty="0">
@@ -24477,167 +23222,12 @@
             </a:p>
           </p:txBody>
         </p:sp>
-        <p:pic>
-          <p:nvPicPr>
-            <p:cNvPr id="3092" name="그림 3091" descr="종이 클립, 디자인, 일러스트레이션이(가) 표시된 사진&#10;&#10;자동 생성된 설명">
+        <p:sp>
+          <p:nvSpPr>
+            <p:cNvPr id="30" name="TextBox 29">
               <a:extLst>
                 <a:ext uri="{FF2B5EF4-FFF2-40B4-BE49-F238E27FC236}">
-                  <a16:creationId xmlns:a16="http://schemas.microsoft.com/office/drawing/2014/main" id="{EBB0EE06-687C-9EE3-18ED-647A6C6DAF8A}"/>
-                </a:ext>
-              </a:extLst>
-            </p:cNvPr>
-            <p:cNvPicPr>
-              <a:picLocks noChangeAspect="1"/>
-            </p:cNvPicPr>
-            <p:nvPr/>
-          </p:nvPicPr>
-          <p:blipFill>
-            <a:blip r:embed="rId3">
-              <a:extLst>
-                <a:ext uri="{28A0092B-C50C-407E-A947-70E740481C1C}">
-                  <a14:useLocalDpi xmlns:a14="http://schemas.microsoft.com/office/drawing/2010/main" val="0"/>
-                </a:ext>
-              </a:extLst>
-            </a:blip>
-            <a:srcRect l="24279" b="39185"/>
-            <a:stretch/>
-          </p:blipFill>
-          <p:spPr>
-            <a:xfrm>
-              <a:off x="8182593" y="1767610"/>
-              <a:ext cx="828464" cy="1236425"/>
-            </a:xfrm>
-            <a:prstGeom prst="rect">
-              <a:avLst/>
-            </a:prstGeom>
-          </p:spPr>
-        </p:pic>
-      </p:grpSp>
-      <p:sp>
-        <p:nvSpPr>
-          <p:cNvPr id="3094" name="TextBox 3093">
-            <a:extLst>
-              <a:ext uri="{FF2B5EF4-FFF2-40B4-BE49-F238E27FC236}">
-                <a16:creationId xmlns:a16="http://schemas.microsoft.com/office/drawing/2014/main" id="{C0532D9C-EE29-EED4-BE37-E3A0B94A3084}"/>
-              </a:ext>
-            </a:extLst>
-          </p:cNvPr>
-          <p:cNvSpPr txBox="1"/>
-          <p:nvPr/>
-        </p:nvSpPr>
-        <p:spPr>
-          <a:xfrm>
-            <a:off x="3238872" y="2195579"/>
-            <a:ext cx="357790" cy="307777"/>
-          </a:xfrm>
-          <a:prstGeom prst="rect">
-            <a:avLst/>
-          </a:prstGeom>
-          <a:noFill/>
-        </p:spPr>
-        <p:txBody>
-          <a:bodyPr wrap="none" rtlCol="0">
-            <a:spAutoFit/>
-          </a:bodyPr>
-          <a:lstStyle/>
-          <a:p>
-            <a:r>
-              <a:rPr lang="en-US" altLang="ko-KR" sz="1400" dirty="0">
-                <a:solidFill>
-                  <a:schemeClr val="bg1"/>
-                </a:solidFill>
-                <a:latin typeface="넥슨Lv1고딕" panose="00000500000000000000" pitchFamily="2" charset="-127"/>
-                <a:ea typeface="넥슨Lv1고딕" panose="00000500000000000000" pitchFamily="2" charset="-127"/>
-              </a:rPr>
-              <a:t>vs</a:t>
-            </a:r>
-          </a:p>
-        </p:txBody>
-      </p:sp>
-      <p:grpSp>
-        <p:nvGrpSpPr>
-          <p:cNvPr id="3099" name="그룹 3098">
-            <a:extLst>
-              <a:ext uri="{FF2B5EF4-FFF2-40B4-BE49-F238E27FC236}">
-                <a16:creationId xmlns:a16="http://schemas.microsoft.com/office/drawing/2014/main" id="{DA9596EE-06D6-D256-9D48-B0221B0342FD}"/>
-              </a:ext>
-            </a:extLst>
-          </p:cNvPr>
-          <p:cNvGrpSpPr/>
-          <p:nvPr/>
-        </p:nvGrpSpPr>
-        <p:grpSpPr>
-          <a:xfrm>
-            <a:off x="2005573" y="1040445"/>
-            <a:ext cx="2824385" cy="392234"/>
-            <a:chOff x="2522258" y="3262193"/>
-            <a:chExt cx="2824385" cy="392234"/>
-          </a:xfrm>
-        </p:grpSpPr>
-        <p:sp>
-          <p:nvSpPr>
-            <p:cNvPr id="23" name="직사각형 22">
-              <a:extLst>
-                <a:ext uri="{FF2B5EF4-FFF2-40B4-BE49-F238E27FC236}">
-                  <a16:creationId xmlns:a16="http://schemas.microsoft.com/office/drawing/2014/main" id="{290D65CD-A021-47E1-029E-8D2D7F9691B6}"/>
-                </a:ext>
-              </a:extLst>
-            </p:cNvPr>
-            <p:cNvSpPr>
-              <a:spLocks/>
-            </p:cNvSpPr>
-            <p:nvPr/>
-          </p:nvSpPr>
-          <p:spPr>
-            <a:xfrm>
-              <a:off x="2522258" y="3262193"/>
-              <a:ext cx="2824385" cy="392234"/>
-            </a:xfrm>
-            <a:prstGeom prst="rect">
-              <a:avLst/>
-            </a:prstGeom>
-            <a:solidFill>
-              <a:srgbClr val="3D3B30">
-                <a:alpha val="80000"/>
-              </a:srgbClr>
-            </a:solidFill>
-            <a:ln w="15875">
-              <a:solidFill>
-                <a:srgbClr val="39382E"/>
-              </a:solidFill>
-            </a:ln>
-          </p:spPr>
-          <p:style>
-            <a:lnRef idx="2">
-              <a:schemeClr val="accent1">
-                <a:shade val="15000"/>
-              </a:schemeClr>
-            </a:lnRef>
-            <a:fillRef idx="1">
-              <a:schemeClr val="accent1"/>
-            </a:fillRef>
-            <a:effectRef idx="0">
-              <a:schemeClr val="accent1"/>
-            </a:effectRef>
-            <a:fontRef idx="minor">
-              <a:schemeClr val="lt1"/>
-            </a:fontRef>
-          </p:style>
-          <p:txBody>
-            <a:bodyPr rtlCol="0" anchor="ctr"/>
-            <a:lstStyle/>
-            <a:p>
-              <a:pPr algn="ctr"/>
-              <a:endParaRPr lang="ko-KR" altLang="en-US" dirty="0"/>
-            </a:p>
-          </p:txBody>
-        </p:sp>
-        <p:sp>
-          <p:nvSpPr>
-            <p:cNvPr id="3096" name="TextBox 3095">
-              <a:extLst>
-                <a:ext uri="{FF2B5EF4-FFF2-40B4-BE49-F238E27FC236}">
-                  <a16:creationId xmlns:a16="http://schemas.microsoft.com/office/drawing/2014/main" id="{35A6AA11-2465-F090-BEF4-B9C15B317EE1}"/>
+                  <a16:creationId xmlns:a16="http://schemas.microsoft.com/office/drawing/2014/main" id="{180534CB-A181-A3E3-5590-BEB208FAD3C5}"/>
                 </a:ext>
               </a:extLst>
             </p:cNvPr>
@@ -24646,8 +23236,8 @@
           </p:nvSpPr>
           <p:spPr>
             <a:xfrm>
-              <a:off x="3231373" y="3335200"/>
-              <a:ext cx="1406154" cy="246221"/>
+              <a:off x="6837244" y="1393756"/>
+              <a:ext cx="760144" cy="246221"/>
             </a:xfrm>
             <a:prstGeom prst="rect">
               <a:avLst/>
@@ -24662,32 +23252,656 @@
             <a:p>
               <a:pPr algn="ctr"/>
               <a:r>
-                <a:rPr lang="ko-KR" altLang="en-US" sz="1000" b="1" dirty="0">
+                <a:rPr lang="en-US" altLang="ko-KR" sz="1000" dirty="0">
                   <a:solidFill>
                     <a:schemeClr val="bg1"/>
                   </a:solidFill>
                   <a:latin typeface="넥슨Lv1고딕" panose="00000500000000000000" pitchFamily="2" charset="-127"/>
                   <a:ea typeface="넥슨Lv1고딕" panose="00000500000000000000" pitchFamily="2" charset="-127"/>
                 </a:rPr>
-                <a:t>여러 성향의 유저 겨냥</a:t>
+                <a:t>[1:N</a:t>
               </a:r>
-              <a:endParaRPr lang="en-US" altLang="ko-KR" sz="1000" b="1" dirty="0">
-                <a:solidFill>
-                  <a:schemeClr val="bg1"/>
-                </a:solidFill>
-                <a:latin typeface="넥슨Lv1고딕" panose="00000500000000000000" pitchFamily="2" charset="-127"/>
-                <a:ea typeface="넥슨Lv1고딕" panose="00000500000000000000" pitchFamily="2" charset="-127"/>
-              </a:endParaRPr>
+              <a:r>
+                <a:rPr lang="ko-KR" altLang="en-US" sz="1000" dirty="0">
+                  <a:solidFill>
+                    <a:schemeClr val="bg1"/>
+                  </a:solidFill>
+                  <a:latin typeface="넥슨Lv1고딕" panose="00000500000000000000" pitchFamily="2" charset="-127"/>
+                  <a:ea typeface="넥슨Lv1고딕" panose="00000500000000000000" pitchFamily="2" charset="-127"/>
+                </a:rPr>
+                <a:t> 전투</a:t>
+              </a:r>
+              <a:r>
+                <a:rPr lang="en-US" altLang="ko-KR" sz="1000" dirty="0">
+                  <a:solidFill>
+                    <a:schemeClr val="bg1"/>
+                  </a:solidFill>
+                  <a:latin typeface="넥슨Lv1고딕" panose="00000500000000000000" pitchFamily="2" charset="-127"/>
+                  <a:ea typeface="넥슨Lv1고딕" panose="00000500000000000000" pitchFamily="2" charset="-127"/>
+                </a:rPr>
+                <a:t>]</a:t>
+              </a:r>
             </a:p>
           </p:txBody>
         </p:sp>
+        <p:grpSp>
+          <p:nvGrpSpPr>
+            <p:cNvPr id="38" name="그룹 37">
+              <a:extLst>
+                <a:ext uri="{FF2B5EF4-FFF2-40B4-BE49-F238E27FC236}">
+                  <a16:creationId xmlns:a16="http://schemas.microsoft.com/office/drawing/2014/main" id="{4DC73190-D4B1-8D73-4311-4C8650319B12}"/>
+                </a:ext>
+              </a:extLst>
+            </p:cNvPr>
+            <p:cNvGrpSpPr/>
+            <p:nvPr/>
+          </p:nvGrpSpPr>
+          <p:grpSpPr>
+            <a:xfrm>
+              <a:off x="5254466" y="1667111"/>
+              <a:ext cx="1073729" cy="1236425"/>
+              <a:chOff x="5254466" y="1667111"/>
+              <a:chExt cx="1073729" cy="1236425"/>
+            </a:xfrm>
+          </p:grpSpPr>
+          <p:sp>
+            <p:nvSpPr>
+              <p:cNvPr id="39" name="직사각형 38">
+                <a:extLst>
+                  <a:ext uri="{FF2B5EF4-FFF2-40B4-BE49-F238E27FC236}">
+                    <a16:creationId xmlns:a16="http://schemas.microsoft.com/office/drawing/2014/main" id="{D4B18E1B-E205-4DC4-89B5-B49CBBBB9CFA}"/>
+                  </a:ext>
+                </a:extLst>
+              </p:cNvPr>
+              <p:cNvSpPr/>
+              <p:nvPr/>
+            </p:nvSpPr>
+            <p:spPr>
+              <a:xfrm>
+                <a:off x="5254466" y="1667111"/>
+                <a:ext cx="1073729" cy="1236425"/>
+              </a:xfrm>
+              <a:prstGeom prst="rect">
+                <a:avLst/>
+              </a:prstGeom>
+              <a:solidFill>
+                <a:schemeClr val="bg1"/>
+              </a:solidFill>
+              <a:ln w="12700">
+                <a:solidFill>
+                  <a:srgbClr val="39382E"/>
+                </a:solidFill>
+              </a:ln>
+            </p:spPr>
+            <p:style>
+              <a:lnRef idx="2">
+                <a:schemeClr val="accent1">
+                  <a:shade val="15000"/>
+                </a:schemeClr>
+              </a:lnRef>
+              <a:fillRef idx="1">
+                <a:schemeClr val="accent1"/>
+              </a:fillRef>
+              <a:effectRef idx="0">
+                <a:schemeClr val="accent1"/>
+              </a:effectRef>
+              <a:fontRef idx="minor">
+                <a:schemeClr val="lt1"/>
+              </a:fontRef>
+            </p:style>
+            <p:txBody>
+              <a:bodyPr rtlCol="0" anchor="ctr"/>
+              <a:lstStyle/>
+              <a:p>
+                <a:pPr algn="ctr"/>
+                <a:endParaRPr lang="ko-KR" altLang="en-US"/>
+              </a:p>
+            </p:txBody>
+          </p:sp>
+          <p:pic>
+            <p:nvPicPr>
+              <p:cNvPr id="40" name="Picture 4">
+                <a:extLst>
+                  <a:ext uri="{FF2B5EF4-FFF2-40B4-BE49-F238E27FC236}">
+                    <a16:creationId xmlns:a16="http://schemas.microsoft.com/office/drawing/2014/main" id="{A814CF83-EFEA-F2FF-E154-49FBF571D037}"/>
+                  </a:ext>
+                </a:extLst>
+              </p:cNvPr>
+              <p:cNvPicPr>
+                <a:picLocks noChangeAspect="1" noChangeArrowheads="1"/>
+              </p:cNvPicPr>
+              <p:nvPr/>
+            </p:nvPicPr>
+            <p:blipFill rotWithShape="1">
+              <a:blip r:embed="rId4">
+                <a:clrChange>
+                  <a:clrFrom>
+                    <a:srgbClr val="FFFFFF"/>
+                  </a:clrFrom>
+                  <a:clrTo>
+                    <a:srgbClr val="FFFFFF">
+                      <a:alpha val="0"/>
+                    </a:srgbClr>
+                  </a:clrTo>
+                </a:clrChange>
+                <a:extLst>
+                  <a:ext uri="{28A0092B-C50C-407E-A947-70E740481C1C}">
+                    <a14:useLocalDpi xmlns:a14="http://schemas.microsoft.com/office/drawing/2010/main" val="0"/>
+                  </a:ext>
+                </a:extLst>
+              </a:blip>
+              <a:srcRect l="52912" t="1049" r="34495" b="89038"/>
+              <a:stretch/>
+            </p:blipFill>
+            <p:spPr bwMode="auto">
+              <a:xfrm flipH="1">
+                <a:off x="5294100" y="2561904"/>
+                <a:ext cx="372214" cy="292978"/>
+              </a:xfrm>
+              <a:prstGeom prst="rect">
+                <a:avLst/>
+              </a:prstGeom>
+              <a:noFill/>
+              <a:extLst>
+                <a:ext uri="{909E8E84-426E-40DD-AFC4-6F175D3DCCD1}">
+                  <a14:hiddenFill xmlns:a14="http://schemas.microsoft.com/office/drawing/2010/main">
+                    <a:solidFill>
+                      <a:srgbClr val="FFFFFF"/>
+                    </a:solidFill>
+                  </a14:hiddenFill>
+                </a:ext>
+              </a:extLst>
+            </p:spPr>
+          </p:pic>
+          <p:pic>
+            <p:nvPicPr>
+              <p:cNvPr id="41" name="그림 40" descr="블랙, 어둠이(가) 표시된 사진&#10;&#10;자동 생성된 설명">
+                <a:extLst>
+                  <a:ext uri="{FF2B5EF4-FFF2-40B4-BE49-F238E27FC236}">
+                    <a16:creationId xmlns:a16="http://schemas.microsoft.com/office/drawing/2014/main" id="{8BFA8979-44C7-F9E5-5259-958AD15653B7}"/>
+                  </a:ext>
+                </a:extLst>
+              </p:cNvPr>
+              <p:cNvPicPr>
+                <a:picLocks noChangeAspect="1"/>
+              </p:cNvPicPr>
+              <p:nvPr/>
+            </p:nvPicPr>
+            <p:blipFill>
+              <a:blip r:embed="rId5">
+                <a:extLst>
+                  <a:ext uri="{28A0092B-C50C-407E-A947-70E740481C1C}">
+                    <a14:useLocalDpi xmlns:a14="http://schemas.microsoft.com/office/drawing/2010/main" val="0"/>
+                  </a:ext>
+                </a:extLst>
+              </a:blip>
+              <a:srcRect l="20608" t="4920" r="20271" b="19405"/>
+              <a:stretch/>
+            </p:blipFill>
+            <p:spPr>
+              <a:xfrm>
+                <a:off x="5771079" y="1714510"/>
+                <a:ext cx="517480" cy="662373"/>
+              </a:xfrm>
+              <a:prstGeom prst="rect">
+                <a:avLst/>
+              </a:prstGeom>
+            </p:spPr>
+          </p:pic>
+          <p:pic>
+            <p:nvPicPr>
+              <p:cNvPr id="42" name="그림 41" descr="블랙, 어둠이(가) 표시된 사진&#10;&#10;자동 생성된 설명">
+                <a:extLst>
+                  <a:ext uri="{FF2B5EF4-FFF2-40B4-BE49-F238E27FC236}">
+                    <a16:creationId xmlns:a16="http://schemas.microsoft.com/office/drawing/2014/main" id="{132A6231-2555-B445-CAB7-28C24A54BE09}"/>
+                  </a:ext>
+                </a:extLst>
+              </p:cNvPr>
+              <p:cNvPicPr>
+                <a:picLocks noChangeAspect="1"/>
+              </p:cNvPicPr>
+              <p:nvPr/>
+            </p:nvPicPr>
+            <p:blipFill>
+              <a:blip r:embed="rId6">
+                <a:extLst>
+                  <a:ext uri="{BEBA8EAE-BF5A-486C-A8C5-ECC9F3942E4B}">
+                    <a14:imgProps xmlns:a14="http://schemas.microsoft.com/office/drawing/2010/main">
+                      <a14:imgLayer r:embed="rId7">
+                        <a14:imgEffect>
+                          <a14:backgroundRemoval t="8286" b="76714" l="15571" r="82000">
+                            <a14:foregroundMark x1="25857" y1="68143" x2="48571" y2="48143"/>
+                            <a14:foregroundMark x1="49857" y1="40857" x2="34429" y2="58000"/>
+                            <a14:foregroundMark x1="40036" y1="46068" x2="30143" y2="63571"/>
+                            <a14:foregroundMark x1="40000" y1="52429" x2="28857" y2="68143"/>
+                            <a14:foregroundMark x1="40286" y1="59571" x2="25857" y2="72429"/>
+                            <a14:foregroundMark x1="40286" y1="62571" x2="27143" y2="73714"/>
+                            <a14:foregroundMark x1="42571" y1="63857" x2="28857" y2="69429"/>
+                            <a14:foregroundMark x1="30143" y1="59571" x2="15714" y2="70857"/>
+                            <a14:foregroundMark x1="31143" y1="59571" x2="24143" y2="69429"/>
+                            <a14:foregroundMark x1="43595" y1="44193" x2="48467" y2="51910"/>
+                            <a14:foregroundMark x1="47286" y1="39571" x2="54817" y2="47641"/>
+                            <a14:foregroundMark x1="72457" y1="75843" x2="72857" y2="76714"/>
+                            <a14:foregroundMark x1="31081" y1="28371" x2="30466" y2="27913"/>
+                            <a14:foregroundMark x1="36655" y1="32523" x2="35966" y2="32010"/>
+                            <a14:foregroundMark x1="50143" y1="42571" x2="46613" y2="39942"/>
+                            <a14:foregroundMark x1="31108" y1="26658" x2="31530" y2="27640"/>
+                            <a14:foregroundMark x1="23371" y1="24861" x2="21571" y2="29000"/>
+                            <a14:foregroundMark x1="29857" y1="13571" x2="29857" y2="15770"/>
+                            <a14:foregroundMark x1="23385" y1="25058" x2="22857" y2="26429"/>
+                            <a14:foregroundMark x1="27143" y1="15286" x2="26557" y2="16808"/>
+                            <a14:foregroundMark x1="57143" y1="31000" x2="45857" y2="45143"/>
+                            <a14:foregroundMark x1="63000" y1="22143" x2="51857" y2="42143"/>
+                            <a14:foregroundMark x1="69000" y1="26429" x2="58714" y2="45143"/>
+                            <a14:foregroundMark x1="74571" y1="22143" x2="69000" y2="36286"/>
+                            <a14:foregroundMark x1="75857" y1="19429" x2="71857" y2="29000"/>
+                            <a14:foregroundMark x1="74571" y1="20857" x2="70286" y2="33714"/>
+                            <a14:foregroundMark x1="31714" y1="54429" x2="29714" y2="55429"/>
+                            <a14:foregroundMark x1="31429" y1="52857" x2="27571" y2="55857"/>
+                            <a14:foregroundMark x1="56571" y1="25714" x2="52286" y2="32714"/>
+                            <a14:foregroundMark x1="56143" y1="23000" x2="54571" y2="26143"/>
+                            <a14:foregroundMark x1="72143" y1="31714" x2="68000" y2="40143"/>
+                            <a14:foregroundMark x1="70571" y1="36000" x2="68571" y2="40143"/>
+                            <a14:foregroundMark x1="71857" y1="37000" x2="69571" y2="39714"/>
+                            <a14:foregroundMark x1="72857" y1="37571" x2="69143" y2="40143"/>
+                            <a14:foregroundMark x1="73286" y1="38143" x2="70286" y2="40714"/>
+                            <a14:foregroundMark x1="69571" y1="39714" x2="60429" y2="44000"/>
+                            <a14:backgroundMark x1="12714" y1="40857" x2="14000" y2="49429"/>
+                            <a14:backgroundMark x1="19571" y1="36571" x2="14286" y2="49429"/>
+                            <a14:backgroundMark x1="21286" y1="39571" x2="17286" y2="47857"/>
+                            <a14:backgroundMark x1="22857" y1="42571" x2="17286" y2="50714"/>
+                            <a14:backgroundMark x1="22857" y1="43857" x2="17286" y2="49429"/>
+                            <a14:backgroundMark x1="43000" y1="71143" x2="37429" y2="79714"/>
+                            <a14:backgroundMark x1="42571" y1="72857" x2="48571" y2="79714"/>
+                            <a14:backgroundMark x1="45857" y1="68143" x2="45857" y2="78000"/>
+                            <a14:backgroundMark x1="45857" y1="71143" x2="43000" y2="76714"/>
+                            <a14:backgroundMark x1="45857" y1="68143" x2="43000" y2="81000"/>
+                            <a14:backgroundMark x1="84429" y1="40857" x2="80429" y2="61000"/>
+                            <a14:backgroundMark x1="67571" y1="9286" x2="60429" y2="16143"/>
+                            <a14:backgroundMark x1="67286" y1="13571" x2="54429" y2="17571"/>
+                            <a14:backgroundMark x1="54429" y1="12286" x2="51857" y2="19143"/>
+                            <a14:backgroundMark x1="54429" y1="12286" x2="48857" y2="23429"/>
+                            <a14:backgroundMark x1="53143" y1="17571" x2="47286" y2="27714"/>
+                            <a14:backgroundMark x1="41714" y1="23429" x2="40286" y2="30714"/>
+                            <a14:backgroundMark x1="42571" y1="27714" x2="47286" y2="33714"/>
+                            <a14:backgroundMark x1="41714" y1="23714" x2="44286" y2="30714"/>
+                            <a14:backgroundMark x1="45571" y1="30714" x2="47286" y2="32000"/>
+                            <a14:backgroundMark x1="45857" y1="25143" x2="45857" y2="27714"/>
+                            <a14:backgroundMark x1="47286" y1="25143" x2="44571" y2="29000"/>
+                            <a14:backgroundMark x1="44571" y1="29000" x2="44571" y2="33714"/>
+                            <a14:backgroundMark x1="25857" y1="16857" x2="27143" y2="35286"/>
+                            <a14:backgroundMark x1="32857" y1="16571" x2="23286" y2="35286"/>
+                            <a14:backgroundMark x1="41714" y1="16857" x2="23286" y2="46857"/>
+                            <a14:backgroundMark x1="48857" y1="12571" x2="36143" y2="41143"/>
+                            <a14:backgroundMark x1="46000" y1="31286" x2="39000" y2="39571"/>
+                            <a14:backgroundMark x1="44714" y1="34000" x2="40429" y2="39571"/>
+                            <a14:backgroundMark x1="44714" y1="34000" x2="39000" y2="42571"/>
+                            <a14:backgroundMark x1="46000" y1="35571" x2="39000" y2="45429"/>
+                            <a14:backgroundMark x1="43286" y1="41143" x2="42000" y2="45429"/>
+                            <a14:backgroundMark x1="51857" y1="54286" x2="57143" y2="67286"/>
+                            <a14:backgroundMark x1="63143" y1="50571" x2="53429" y2="64000"/>
+                            <a14:backgroundMark x1="60429" y1="50429" x2="54000" y2="56429"/>
+                            <a14:backgroundMark x1="57714" y1="50143" x2="54571" y2="53714"/>
+                            <a14:backgroundMark x1="58714" y1="50571" x2="54000" y2="53714"/>
+                            <a14:backgroundMark x1="60429" y1="48429" x2="57286" y2="51000"/>
+                            <a14:backgroundMark x1="57714" y1="52000" x2="53000" y2="60143"/>
+                            <a14:backgroundMark x1="55000" y1="52714" x2="51286" y2="56429"/>
+                            <a14:backgroundMark x1="54429" y1="52857" x2="51286" y2="55857"/>
+                            <a14:backgroundMark x1="51857" y1="53286" x2="49571" y2="54714"/>
+                            <a14:backgroundMark x1="64143" y1="51714" x2="62143" y2="66143"/>
+                            <a14:backgroundMark x1="66857" y1="53286" x2="61571" y2="67714"/>
+                            <a14:backgroundMark x1="58286" y1="61429" x2="59857" y2="73143"/>
+                            <a14:backgroundMark x1="67429" y1="59143" x2="62143" y2="73571"/>
+                            <a14:backgroundMark x1="67857" y1="59143" x2="64857" y2="73143"/>
+                            <a14:backgroundMark x1="66857" y1="56000" x2="70143" y2="71571"/>
+                            <a14:backgroundMark x1="71143" y1="54429" x2="72143" y2="75857"/>
+                            <a14:backgroundMark x1="72143" y1="59714" x2="74429" y2="74286"/>
+                            <a14:backgroundMark x1="74429" y1="67286" x2="77571" y2="79000"/>
+                            <a14:backgroundMark x1="45857" y1="37000" x2="45857" y2="37429"/>
+                            <a14:backgroundMark x1="44857" y1="37143" x2="44857" y2="37143"/>
+                            <a14:backgroundMark x1="45857" y1="37429" x2="45857" y2="37429"/>
+                            <a14:backgroundMark x1="45857" y1="37429" x2="45857" y2="38143"/>
+                            <a14:backgroundMark x1="45286" y1="38143" x2="45857" y2="37571"/>
+                            <a14:backgroundMark x1="46286" y1="36571" x2="46286" y2="37429"/>
+                            <a14:backgroundMark x1="59286" y1="51000" x2="58286" y2="49429"/>
+                            <a14:backgroundMark x1="58286" y1="49429" x2="56714" y2="50000"/>
+                          </a14:backgroundRemoval>
+                        </a14:imgEffect>
+                      </a14:imgLayer>
+                    </a14:imgProps>
+                  </a:ext>
+                  <a:ext uri="{28A0092B-C50C-407E-A947-70E740481C1C}">
+                    <a14:useLocalDpi xmlns:a14="http://schemas.microsoft.com/office/drawing/2010/main" val="0"/>
+                  </a:ext>
+                </a:extLst>
+              </a:blip>
+              <a:srcRect l="17556" t="14796" r="22433" b="25905"/>
+              <a:stretch/>
+            </p:blipFill>
+            <p:spPr>
+              <a:xfrm rot="20254787">
+                <a:off x="5489642" y="2296081"/>
+                <a:ext cx="353343" cy="349168"/>
+              </a:xfrm>
+              <a:prstGeom prst="rect">
+                <a:avLst/>
+              </a:prstGeom>
+              <a:effectLst/>
+            </p:spPr>
+          </p:pic>
+        </p:grpSp>
+        <p:grpSp>
+          <p:nvGrpSpPr>
+            <p:cNvPr id="43" name="그룹 42">
+              <a:extLst>
+                <a:ext uri="{FF2B5EF4-FFF2-40B4-BE49-F238E27FC236}">
+                  <a16:creationId xmlns:a16="http://schemas.microsoft.com/office/drawing/2014/main" id="{CE17EA28-2666-9DEC-1299-7614FC53426E}"/>
+                </a:ext>
+              </a:extLst>
+            </p:cNvPr>
+            <p:cNvGrpSpPr/>
+            <p:nvPr/>
+          </p:nvGrpSpPr>
+          <p:grpSpPr>
+            <a:xfrm>
+              <a:off x="6680442" y="1666484"/>
+              <a:ext cx="1073729" cy="1236425"/>
+              <a:chOff x="6680442" y="1666484"/>
+              <a:chExt cx="1073729" cy="1236425"/>
+            </a:xfrm>
+          </p:grpSpPr>
+          <p:sp>
+            <p:nvSpPr>
+              <p:cNvPr id="44" name="직사각형 43">
+                <a:extLst>
+                  <a:ext uri="{FF2B5EF4-FFF2-40B4-BE49-F238E27FC236}">
+                    <a16:creationId xmlns:a16="http://schemas.microsoft.com/office/drawing/2014/main" id="{B5E59BE9-3010-A91D-D01F-DC3AEB35AC69}"/>
+                  </a:ext>
+                </a:extLst>
+              </p:cNvPr>
+              <p:cNvSpPr/>
+              <p:nvPr/>
+            </p:nvSpPr>
+            <p:spPr>
+              <a:xfrm>
+                <a:off x="6680442" y="1666484"/>
+                <a:ext cx="1073729" cy="1236425"/>
+              </a:xfrm>
+              <a:prstGeom prst="rect">
+                <a:avLst/>
+              </a:prstGeom>
+              <a:solidFill>
+                <a:schemeClr val="bg1"/>
+              </a:solidFill>
+              <a:ln w="12700">
+                <a:solidFill>
+                  <a:srgbClr val="39382E"/>
+                </a:solidFill>
+              </a:ln>
+            </p:spPr>
+            <p:style>
+              <a:lnRef idx="2">
+                <a:schemeClr val="accent1">
+                  <a:shade val="15000"/>
+                </a:schemeClr>
+              </a:lnRef>
+              <a:fillRef idx="1">
+                <a:schemeClr val="accent1"/>
+              </a:fillRef>
+              <a:effectRef idx="0">
+                <a:schemeClr val="accent1"/>
+              </a:effectRef>
+              <a:fontRef idx="minor">
+                <a:schemeClr val="lt1"/>
+              </a:fontRef>
+            </p:style>
+            <p:txBody>
+              <a:bodyPr rtlCol="0" anchor="ctr"/>
+              <a:lstStyle/>
+              <a:p>
+                <a:pPr algn="ctr"/>
+                <a:endParaRPr lang="ko-KR" altLang="en-US"/>
+              </a:p>
+            </p:txBody>
+          </p:sp>
+          <p:pic>
+            <p:nvPicPr>
+              <p:cNvPr id="45" name="Picture 4">
+                <a:extLst>
+                  <a:ext uri="{FF2B5EF4-FFF2-40B4-BE49-F238E27FC236}">
+                    <a16:creationId xmlns:a16="http://schemas.microsoft.com/office/drawing/2014/main" id="{AB4CA18B-F0EE-FAF9-FA92-39FB3EA1CAD5}"/>
+                  </a:ext>
+                </a:extLst>
+              </p:cNvPr>
+              <p:cNvPicPr>
+                <a:picLocks noChangeAspect="1" noChangeArrowheads="1"/>
+              </p:cNvPicPr>
+              <p:nvPr/>
+            </p:nvPicPr>
+            <p:blipFill rotWithShape="1">
+              <a:blip r:embed="rId4">
+                <a:clrChange>
+                  <a:clrFrom>
+                    <a:srgbClr val="FFFFFF"/>
+                  </a:clrFrom>
+                  <a:clrTo>
+                    <a:srgbClr val="FFFFFF">
+                      <a:alpha val="0"/>
+                    </a:srgbClr>
+                  </a:clrTo>
+                </a:clrChange>
+                <a:extLst>
+                  <a:ext uri="{28A0092B-C50C-407E-A947-70E740481C1C}">
+                    <a14:useLocalDpi xmlns:a14="http://schemas.microsoft.com/office/drawing/2010/main" val="0"/>
+                  </a:ext>
+                </a:extLst>
+              </a:blip>
+              <a:srcRect l="52912" t="1049" r="35603" b="89038"/>
+              <a:stretch/>
+            </p:blipFill>
+            <p:spPr bwMode="auto">
+              <a:xfrm flipH="1">
+                <a:off x="6719543" y="2557049"/>
+                <a:ext cx="345089" cy="297834"/>
+              </a:xfrm>
+              <a:prstGeom prst="rect">
+                <a:avLst/>
+              </a:prstGeom>
+              <a:noFill/>
+              <a:extLst>
+                <a:ext uri="{909E8E84-426E-40DD-AFC4-6F175D3DCCD1}">
+                  <a14:hiddenFill xmlns:a14="http://schemas.microsoft.com/office/drawing/2010/main">
+                    <a:solidFill>
+                      <a:srgbClr val="FFFFFF"/>
+                    </a:solidFill>
+                  </a14:hiddenFill>
+                </a:ext>
+              </a:extLst>
+            </p:spPr>
+          </p:pic>
+          <p:pic>
+            <p:nvPicPr>
+              <p:cNvPr id="46" name="그림 45" descr="블랙, 어둠이(가) 표시된 사진&#10;&#10;자동 생성된 설명">
+                <a:extLst>
+                  <a:ext uri="{FF2B5EF4-FFF2-40B4-BE49-F238E27FC236}">
+                    <a16:creationId xmlns:a16="http://schemas.microsoft.com/office/drawing/2014/main" id="{F149D67F-DE7A-598D-6758-96603D7C57F8}"/>
+                  </a:ext>
+                </a:extLst>
+              </p:cNvPr>
+              <p:cNvPicPr>
+                <a:picLocks noChangeAspect="1"/>
+              </p:cNvPicPr>
+              <p:nvPr/>
+            </p:nvPicPr>
+            <p:blipFill>
+              <a:blip r:embed="rId8">
+                <a:extLst>
+                  <a:ext uri="{28A0092B-C50C-407E-A947-70E740481C1C}">
+                    <a14:useLocalDpi xmlns:a14="http://schemas.microsoft.com/office/drawing/2010/main" val="0"/>
+                  </a:ext>
+                </a:extLst>
+              </a:blip>
+              <a:srcRect l="8388" r="7522" b="14347"/>
+              <a:stretch/>
+            </p:blipFill>
+            <p:spPr>
+              <a:xfrm rot="627836">
+                <a:off x="6751602" y="2268466"/>
+                <a:ext cx="380819" cy="387897"/>
+              </a:xfrm>
+              <a:prstGeom prst="rect">
+                <a:avLst/>
+              </a:prstGeom>
+            </p:spPr>
+          </p:pic>
+          <p:pic>
+            <p:nvPicPr>
+              <p:cNvPr id="47" name="그림 46" descr="블랙, 어둠이(가) 표시된 사진&#10;&#10;자동 생성된 설명">
+                <a:extLst>
+                  <a:ext uri="{FF2B5EF4-FFF2-40B4-BE49-F238E27FC236}">
+                    <a16:creationId xmlns:a16="http://schemas.microsoft.com/office/drawing/2014/main" id="{47BF3F4A-6A2C-44A2-66D7-135EF075A046}"/>
+                  </a:ext>
+                </a:extLst>
+              </p:cNvPr>
+              <p:cNvPicPr>
+                <a:picLocks noChangeAspect="1"/>
+              </p:cNvPicPr>
+              <p:nvPr/>
+            </p:nvPicPr>
+            <p:blipFill>
+              <a:blip r:embed="rId9">
+                <a:extLst>
+                  <a:ext uri="{28A0092B-C50C-407E-A947-70E740481C1C}">
+                    <a14:useLocalDpi xmlns:a14="http://schemas.microsoft.com/office/drawing/2010/main" val="0"/>
+                  </a:ext>
+                </a:extLst>
+              </a:blip>
+              <a:srcRect l="14923" t="9706" r="15195" b="25424"/>
+              <a:stretch/>
+            </p:blipFill>
+            <p:spPr>
+              <a:xfrm>
+                <a:off x="6884245" y="1729593"/>
+                <a:ext cx="280233" cy="260133"/>
+              </a:xfrm>
+              <a:prstGeom prst="rect">
+                <a:avLst/>
+              </a:prstGeom>
+            </p:spPr>
+          </p:pic>
+          <p:pic>
+            <p:nvPicPr>
+              <p:cNvPr id="48" name="그림 47" descr="블랙, 어둠이(가) 표시된 사진&#10;&#10;자동 생성된 설명">
+                <a:extLst>
+                  <a:ext uri="{FF2B5EF4-FFF2-40B4-BE49-F238E27FC236}">
+                    <a16:creationId xmlns:a16="http://schemas.microsoft.com/office/drawing/2014/main" id="{A35E2581-E072-9F23-4041-FD0ABB0D1FBC}"/>
+                  </a:ext>
+                </a:extLst>
+              </p:cNvPr>
+              <p:cNvPicPr>
+                <a:picLocks noChangeAspect="1"/>
+              </p:cNvPicPr>
+              <p:nvPr/>
+            </p:nvPicPr>
+            <p:blipFill>
+              <a:blip r:embed="rId9">
+                <a:extLst>
+                  <a:ext uri="{28A0092B-C50C-407E-A947-70E740481C1C}">
+                    <a14:useLocalDpi xmlns:a14="http://schemas.microsoft.com/office/drawing/2010/main" val="0"/>
+                  </a:ext>
+                </a:extLst>
+              </a:blip>
+              <a:srcRect l="14923" t="9706" r="15195" b="25424"/>
+              <a:stretch/>
+            </p:blipFill>
+            <p:spPr>
+              <a:xfrm>
+                <a:off x="7080829" y="2074292"/>
+                <a:ext cx="280233" cy="260133"/>
+              </a:xfrm>
+              <a:prstGeom prst="rect">
+                <a:avLst/>
+              </a:prstGeom>
+            </p:spPr>
+          </p:pic>
+          <p:pic>
+            <p:nvPicPr>
+              <p:cNvPr id="49" name="그림 48" descr="블랙, 어둠이(가) 표시된 사진&#10;&#10;자동 생성된 설명">
+                <a:extLst>
+                  <a:ext uri="{FF2B5EF4-FFF2-40B4-BE49-F238E27FC236}">
+                    <a16:creationId xmlns:a16="http://schemas.microsoft.com/office/drawing/2014/main" id="{CBABBAC7-6732-31A8-1032-6D329F69EDB8}"/>
+                  </a:ext>
+                </a:extLst>
+              </p:cNvPr>
+              <p:cNvPicPr>
+                <a:picLocks noChangeAspect="1"/>
+              </p:cNvPicPr>
+              <p:nvPr/>
+            </p:nvPicPr>
+            <p:blipFill>
+              <a:blip r:embed="rId9">
+                <a:extLst>
+                  <a:ext uri="{28A0092B-C50C-407E-A947-70E740481C1C}">
+                    <a14:useLocalDpi xmlns:a14="http://schemas.microsoft.com/office/drawing/2010/main" val="0"/>
+                  </a:ext>
+                </a:extLst>
+              </a:blip>
+              <a:srcRect l="14923" t="9706" r="15195" b="25424"/>
+              <a:stretch/>
+            </p:blipFill>
+            <p:spPr>
+              <a:xfrm>
+                <a:off x="7361064" y="1794089"/>
+                <a:ext cx="280233" cy="260133"/>
+              </a:xfrm>
+              <a:prstGeom prst="rect">
+                <a:avLst/>
+              </a:prstGeom>
+            </p:spPr>
+          </p:pic>
+          <p:pic>
+            <p:nvPicPr>
+              <p:cNvPr id="52" name="그림 51" descr="블랙, 어둠이(가) 표시된 사진&#10;&#10;자동 생성된 설명">
+                <a:extLst>
+                  <a:ext uri="{FF2B5EF4-FFF2-40B4-BE49-F238E27FC236}">
+                    <a16:creationId xmlns:a16="http://schemas.microsoft.com/office/drawing/2014/main" id="{6E84CF19-CFAB-85EA-82B1-2CE4B41DCAF6}"/>
+                  </a:ext>
+                </a:extLst>
+              </p:cNvPr>
+              <p:cNvPicPr>
+                <a:picLocks noChangeAspect="1"/>
+              </p:cNvPicPr>
+              <p:nvPr/>
+            </p:nvPicPr>
+            <p:blipFill>
+              <a:blip r:embed="rId9">
+                <a:extLst>
+                  <a:ext uri="{28A0092B-C50C-407E-A947-70E740481C1C}">
+                    <a14:useLocalDpi xmlns:a14="http://schemas.microsoft.com/office/drawing/2010/main" val="0"/>
+                  </a:ext>
+                </a:extLst>
+              </a:blip>
+              <a:srcRect l="14923" t="9706" r="15195" b="25424"/>
+              <a:stretch/>
+            </p:blipFill>
+            <p:spPr>
+              <a:xfrm>
+                <a:off x="7440112" y="2332348"/>
+                <a:ext cx="280233" cy="260133"/>
+              </a:xfrm>
+              <a:prstGeom prst="rect">
+                <a:avLst/>
+              </a:prstGeom>
+            </p:spPr>
+          </p:pic>
+        </p:grpSp>
       </p:grpSp>
       <p:grpSp>
         <p:nvGrpSpPr>
-          <p:cNvPr id="3116" name="그룹 3115">
+          <p:cNvPr id="53" name="그룹 52">
             <a:extLst>
               <a:ext uri="{FF2B5EF4-FFF2-40B4-BE49-F238E27FC236}">
-                <a16:creationId xmlns:a16="http://schemas.microsoft.com/office/drawing/2014/main" id="{66881781-29FD-AC57-779A-79831C34A390}"/>
+                <a16:creationId xmlns:a16="http://schemas.microsoft.com/office/drawing/2014/main" id="{5715077A-2824-3E50-CC98-9C1C25E1C3E2}"/>
               </a:ext>
             </a:extLst>
           </p:cNvPr>
@@ -24696,18 +23910,18 @@
         </p:nvGrpSpPr>
         <p:grpSpPr>
           <a:xfrm>
-            <a:off x="8395744" y="1040445"/>
-            <a:ext cx="2824386" cy="2218143"/>
-            <a:chOff x="2522258" y="1044050"/>
-            <a:chExt cx="2824386" cy="2218143"/>
+            <a:off x="8723484" y="3185468"/>
+            <a:ext cx="2824385" cy="1256444"/>
+            <a:chOff x="2005573" y="3079119"/>
+            <a:chExt cx="2824385" cy="1256444"/>
           </a:xfrm>
         </p:grpSpPr>
         <p:sp>
           <p:nvSpPr>
-            <p:cNvPr id="3121" name="직사각형 3120">
+            <p:cNvPr id="55" name="직사각형 54">
               <a:extLst>
                 <a:ext uri="{FF2B5EF4-FFF2-40B4-BE49-F238E27FC236}">
-                  <a16:creationId xmlns:a16="http://schemas.microsoft.com/office/drawing/2014/main" id="{7ABA121A-16C2-2563-F01C-A5C319C8D85F}"/>
+                  <a16:creationId xmlns:a16="http://schemas.microsoft.com/office/drawing/2014/main" id="{8A373EE9-D3EE-4F79-D5B3-6571C9FAA7A4}"/>
                 </a:ext>
               </a:extLst>
             </p:cNvPr>
@@ -24718,8 +23932,8 @@
           </p:nvSpPr>
           <p:spPr>
             <a:xfrm>
-              <a:off x="2522259" y="1432440"/>
-              <a:ext cx="2824385" cy="1829753"/>
+              <a:off x="2005573" y="3079119"/>
+              <a:ext cx="2824385" cy="1256444"/>
             </a:xfrm>
             <a:prstGeom prst="rect">
               <a:avLst/>
@@ -24756,516 +23970,151 @@
             </a:p>
           </p:txBody>
         </p:sp>
-        <p:grpSp>
-          <p:nvGrpSpPr>
-            <p:cNvPr id="3118" name="그룹 3117">
+        <p:sp>
+          <p:nvSpPr>
+            <p:cNvPr id="56" name="TextBox 55">
               <a:extLst>
                 <a:ext uri="{FF2B5EF4-FFF2-40B4-BE49-F238E27FC236}">
-                  <a16:creationId xmlns:a16="http://schemas.microsoft.com/office/drawing/2014/main" id="{610CBE7B-CB68-343F-3A06-450FC38BBFEA}"/>
+                  <a16:creationId xmlns:a16="http://schemas.microsoft.com/office/drawing/2014/main" id="{5F56BC20-1623-DA06-2FD2-47442B000B73}"/>
                 </a:ext>
               </a:extLst>
             </p:cNvPr>
-            <p:cNvGrpSpPr/>
+            <p:cNvSpPr txBox="1"/>
             <p:nvPr/>
-          </p:nvGrpSpPr>
-          <p:grpSpPr>
+          </p:nvSpPr>
+          <p:spPr>
             <a:xfrm>
-              <a:off x="2522258" y="1044050"/>
-              <a:ext cx="2824385" cy="392234"/>
-              <a:chOff x="2522258" y="3262193"/>
-              <a:chExt cx="2824385" cy="392234"/>
+              <a:off x="2201727" y="3276454"/>
+              <a:ext cx="2108269" cy="861774"/>
             </a:xfrm>
-          </p:grpSpPr>
-          <p:sp>
-            <p:nvSpPr>
-              <p:cNvPr id="3119" name="직사각형 3118">
-                <a:extLst>
-                  <a:ext uri="{FF2B5EF4-FFF2-40B4-BE49-F238E27FC236}">
-                    <a16:creationId xmlns:a16="http://schemas.microsoft.com/office/drawing/2014/main" id="{4773758A-207F-905F-9A6E-6DC9CF1FD0E6}"/>
-                  </a:ext>
-                </a:extLst>
-              </p:cNvPr>
-              <p:cNvSpPr>
-                <a:spLocks/>
-              </p:cNvSpPr>
-              <p:nvPr/>
-            </p:nvSpPr>
-            <p:spPr>
-              <a:xfrm>
-                <a:off x="2522258" y="3262193"/>
-                <a:ext cx="2824385" cy="392234"/>
-              </a:xfrm>
-              <a:prstGeom prst="rect">
-                <a:avLst/>
-              </a:prstGeom>
-              <a:solidFill>
-                <a:srgbClr val="3D3B30">
-                  <a:alpha val="80000"/>
-                </a:srgbClr>
-              </a:solidFill>
-              <a:ln w="15875">
-                <a:solidFill>
-                  <a:srgbClr val="39382E"/>
-                </a:solidFill>
-              </a:ln>
-            </p:spPr>
-            <p:style>
-              <a:lnRef idx="2">
-                <a:schemeClr val="accent1">
-                  <a:shade val="15000"/>
-                </a:schemeClr>
-              </a:lnRef>
-              <a:fillRef idx="1">
-                <a:schemeClr val="accent1"/>
-              </a:fillRef>
-              <a:effectRef idx="0">
-                <a:schemeClr val="accent1"/>
-              </a:effectRef>
-              <a:fontRef idx="minor">
-                <a:schemeClr val="lt1"/>
-              </a:fontRef>
-            </p:style>
-            <p:txBody>
-              <a:bodyPr rtlCol="0" anchor="ctr"/>
-              <a:lstStyle/>
-              <a:p>
-                <a:pPr algn="ctr"/>
-                <a:endParaRPr lang="ko-KR" altLang="en-US" dirty="0"/>
-              </a:p>
-            </p:txBody>
-          </p:sp>
-          <p:sp>
-            <p:nvSpPr>
-              <p:cNvPr id="3120" name="TextBox 3119">
-                <a:extLst>
-                  <a:ext uri="{FF2B5EF4-FFF2-40B4-BE49-F238E27FC236}">
-                    <a16:creationId xmlns:a16="http://schemas.microsoft.com/office/drawing/2014/main" id="{3737DA6F-F3BD-B5DB-09FC-04EA292CD22E}"/>
-                  </a:ext>
-                </a:extLst>
-              </p:cNvPr>
-              <p:cNvSpPr txBox="1"/>
-              <p:nvPr/>
-            </p:nvSpPr>
-            <p:spPr>
-              <a:xfrm>
-                <a:off x="3524723" y="3335200"/>
-                <a:ext cx="819456" cy="246221"/>
-              </a:xfrm>
-              <a:prstGeom prst="rect">
-                <a:avLst/>
-              </a:prstGeom>
-              <a:noFill/>
-            </p:spPr>
-            <p:txBody>
-              <a:bodyPr wrap="none" rtlCol="0">
-                <a:spAutoFit/>
-              </a:bodyPr>
-              <a:lstStyle/>
-              <a:p>
-                <a:pPr algn="ctr"/>
-                <a:r>
-                  <a:rPr lang="ko-KR" altLang="en-US" sz="1000" b="1" dirty="0" err="1">
-                    <a:solidFill>
-                      <a:schemeClr val="bg1"/>
-                    </a:solidFill>
-                    <a:latin typeface="넥슨Lv1고딕" panose="00000500000000000000" pitchFamily="2" charset="-127"/>
-                    <a:ea typeface="넥슨Lv1고딕" panose="00000500000000000000" pitchFamily="2" charset="-127"/>
-                  </a:rPr>
-                  <a:t>몰입감</a:t>
-                </a:r>
-                <a:r>
-                  <a:rPr lang="ko-KR" altLang="en-US" sz="1000" b="1" dirty="0">
-                    <a:solidFill>
-                      <a:schemeClr val="bg1"/>
-                    </a:solidFill>
-                    <a:latin typeface="넥슨Lv1고딕" panose="00000500000000000000" pitchFamily="2" charset="-127"/>
-                    <a:ea typeface="넥슨Lv1고딕" panose="00000500000000000000" pitchFamily="2" charset="-127"/>
-                  </a:rPr>
-                  <a:t> 향상</a:t>
-                </a:r>
-                <a:endParaRPr lang="en-US" altLang="ko-KR" sz="1000" b="1" dirty="0">
+            <a:prstGeom prst="rect">
+              <a:avLst/>
+            </a:prstGeom>
+            <a:noFill/>
+          </p:spPr>
+          <p:txBody>
+            <a:bodyPr wrap="none" rtlCol="0">
+              <a:spAutoFit/>
+            </a:bodyPr>
+            <a:lstStyle/>
+            <a:p>
+              <a:pPr marL="171450" indent="-171450">
+                <a:buFont typeface="Wingdings" panose="05000000000000000000" pitchFamily="2" charset="2"/>
+                <a:buChar char="ü"/>
+              </a:pPr>
+              <a:r>
+                <a:rPr lang="ko-KR" altLang="en-US" sz="1000" dirty="0">
                   <a:solidFill>
                     <a:schemeClr val="bg1"/>
                   </a:solidFill>
                   <a:latin typeface="넥슨Lv1고딕" panose="00000500000000000000" pitchFamily="2" charset="-127"/>
                   <a:ea typeface="넥슨Lv1고딕" panose="00000500000000000000" pitchFamily="2" charset="-127"/>
-                </a:endParaRPr>
-              </a:p>
-            </p:txBody>
-          </p:sp>
-        </p:grpSp>
-      </p:grpSp>
-      <p:grpSp>
-        <p:nvGrpSpPr>
-          <p:cNvPr id="3151" name="그룹 3150">
-            <a:extLst>
-              <a:ext uri="{FF2B5EF4-FFF2-40B4-BE49-F238E27FC236}">
-                <a16:creationId xmlns:a16="http://schemas.microsoft.com/office/drawing/2014/main" id="{754B887A-E2A2-9FF2-2E8A-14123012F2DC}"/>
-              </a:ext>
-            </a:extLst>
-          </p:cNvPr>
-          <p:cNvGrpSpPr/>
-          <p:nvPr/>
-        </p:nvGrpSpPr>
-        <p:grpSpPr>
-          <a:xfrm>
-            <a:off x="5092125" y="1040445"/>
-            <a:ext cx="2824386" cy="2218143"/>
-            <a:chOff x="5092125" y="1040445"/>
-            <a:chExt cx="2824386" cy="2218143"/>
-          </a:xfrm>
-        </p:grpSpPr>
-        <p:sp>
-          <p:nvSpPr>
-            <p:cNvPr id="3136" name="직사각형 3135">
-              <a:extLst>
-                <a:ext uri="{FF2B5EF4-FFF2-40B4-BE49-F238E27FC236}">
-                  <a16:creationId xmlns:a16="http://schemas.microsoft.com/office/drawing/2014/main" id="{7C3C99AD-760F-72B4-6B44-EF475E5E0727}"/>
-                </a:ext>
-              </a:extLst>
-            </p:cNvPr>
-            <p:cNvSpPr>
-              <a:spLocks/>
-            </p:cNvSpPr>
-            <p:nvPr/>
-          </p:nvSpPr>
-          <p:spPr>
-            <a:xfrm>
-              <a:off x="5092126" y="1428835"/>
-              <a:ext cx="2824385" cy="1829753"/>
-            </a:xfrm>
-            <a:prstGeom prst="rect">
-              <a:avLst/>
-            </a:prstGeom>
-            <a:noFill/>
-            <a:ln w="15875">
-              <a:solidFill>
-                <a:srgbClr val="39382E"/>
-              </a:solidFill>
-            </a:ln>
-          </p:spPr>
-          <p:style>
-            <a:lnRef idx="2">
-              <a:schemeClr val="accent1">
-                <a:shade val="15000"/>
-              </a:schemeClr>
-            </a:lnRef>
-            <a:fillRef idx="1">
-              <a:schemeClr val="accent1"/>
-            </a:fillRef>
-            <a:effectRef idx="0">
-              <a:schemeClr val="accent1"/>
-            </a:effectRef>
-            <a:fontRef idx="minor">
-              <a:schemeClr val="lt1"/>
-            </a:fontRef>
-          </p:style>
-          <p:txBody>
-            <a:bodyPr rtlCol="0" anchor="ctr"/>
-            <a:lstStyle/>
-            <a:p>
-              <a:pPr algn="ctr"/>
-              <a:endParaRPr lang="ko-KR" altLang="en-US" dirty="0"/>
-            </a:p>
-          </p:txBody>
-        </p:sp>
-        <p:grpSp>
-          <p:nvGrpSpPr>
-            <p:cNvPr id="3133" name="그룹 3132">
-              <a:extLst>
-                <a:ext uri="{FF2B5EF4-FFF2-40B4-BE49-F238E27FC236}">
-                  <a16:creationId xmlns:a16="http://schemas.microsoft.com/office/drawing/2014/main" id="{E3E97D6B-6B95-EDB5-EAAB-31F405411C37}"/>
-                </a:ext>
-              </a:extLst>
-            </p:cNvPr>
-            <p:cNvGrpSpPr/>
-            <p:nvPr/>
-          </p:nvGrpSpPr>
-          <p:grpSpPr>
-            <a:xfrm>
-              <a:off x="5092125" y="1040445"/>
-              <a:ext cx="2824385" cy="392234"/>
-              <a:chOff x="2522258" y="3262193"/>
-              <a:chExt cx="2824385" cy="392234"/>
-            </a:xfrm>
-          </p:grpSpPr>
-          <p:sp>
-            <p:nvSpPr>
-              <p:cNvPr id="3134" name="직사각형 3133">
-                <a:extLst>
-                  <a:ext uri="{FF2B5EF4-FFF2-40B4-BE49-F238E27FC236}">
-                    <a16:creationId xmlns:a16="http://schemas.microsoft.com/office/drawing/2014/main" id="{2898DFF0-8EAB-C184-E01A-8E09062DAA62}"/>
-                  </a:ext>
-                </a:extLst>
-              </p:cNvPr>
-              <p:cNvSpPr>
-                <a:spLocks/>
-              </p:cNvSpPr>
-              <p:nvPr/>
-            </p:nvSpPr>
-            <p:spPr>
-              <a:xfrm>
-                <a:off x="2522258" y="3262193"/>
-                <a:ext cx="2824385" cy="392234"/>
-              </a:xfrm>
-              <a:prstGeom prst="rect">
-                <a:avLst/>
-              </a:prstGeom>
-              <a:solidFill>
-                <a:srgbClr val="3D3B30">
-                  <a:alpha val="80000"/>
-                </a:srgbClr>
-              </a:solidFill>
-              <a:ln w="15875">
-                <a:solidFill>
-                  <a:srgbClr val="39382E"/>
-                </a:solidFill>
-              </a:ln>
-            </p:spPr>
-            <p:style>
-              <a:lnRef idx="2">
-                <a:schemeClr val="accent1">
-                  <a:shade val="15000"/>
-                </a:schemeClr>
-              </a:lnRef>
-              <a:fillRef idx="1">
-                <a:schemeClr val="accent1"/>
-              </a:fillRef>
-              <a:effectRef idx="0">
-                <a:schemeClr val="accent1"/>
-              </a:effectRef>
-              <a:fontRef idx="minor">
-                <a:schemeClr val="lt1"/>
-              </a:fontRef>
-            </p:style>
-            <p:txBody>
-              <a:bodyPr rtlCol="0" anchor="ctr"/>
-              <a:lstStyle/>
-              <a:p>
-                <a:pPr algn="ctr"/>
-                <a:endParaRPr lang="ko-KR" altLang="en-US" dirty="0"/>
-              </a:p>
-            </p:txBody>
-          </p:sp>
-          <p:sp>
-            <p:nvSpPr>
-              <p:cNvPr id="3135" name="TextBox 3134">
-                <a:extLst>
-                  <a:ext uri="{FF2B5EF4-FFF2-40B4-BE49-F238E27FC236}">
-                    <a16:creationId xmlns:a16="http://schemas.microsoft.com/office/drawing/2014/main" id="{C806A15C-EEB5-706D-2648-B5A87AE1A72C}"/>
-                  </a:ext>
-                </a:extLst>
-              </p:cNvPr>
-              <p:cNvSpPr txBox="1"/>
-              <p:nvPr/>
-            </p:nvSpPr>
-            <p:spPr>
-              <a:xfrm>
-                <a:off x="3325953" y="3335200"/>
-                <a:ext cx="1217000" cy="246221"/>
-              </a:xfrm>
-              <a:prstGeom prst="rect">
-                <a:avLst/>
-              </a:prstGeom>
-              <a:noFill/>
-            </p:spPr>
-            <p:txBody>
-              <a:bodyPr wrap="none" rtlCol="0">
-                <a:spAutoFit/>
-              </a:bodyPr>
-              <a:lstStyle/>
-              <a:p>
-                <a:pPr algn="ctr"/>
-                <a:r>
-                  <a:rPr lang="ko-KR" altLang="en-US" sz="1000" b="1" dirty="0">
-                    <a:solidFill>
-                      <a:schemeClr val="bg1"/>
-                    </a:solidFill>
-                    <a:latin typeface="넥슨Lv1고딕" panose="00000500000000000000" pitchFamily="2" charset="-127"/>
-                    <a:ea typeface="넥슨Lv1고딕" panose="00000500000000000000" pitchFamily="2" charset="-127"/>
-                  </a:rPr>
-                  <a:t>다양한 전투 스타일</a:t>
-                </a:r>
-                <a:endParaRPr lang="en-US" altLang="ko-KR" sz="1000" b="1" dirty="0">
+                </a:rPr>
+                <a:t>전투의 </a:t>
+              </a:r>
+              <a:r>
+                <a:rPr lang="ko-KR" altLang="en-US" sz="1000" dirty="0" err="1">
                   <a:solidFill>
                     <a:schemeClr val="bg1"/>
                   </a:solidFill>
                   <a:latin typeface="넥슨Lv1고딕" panose="00000500000000000000" pitchFamily="2" charset="-127"/>
                   <a:ea typeface="넥슨Lv1고딕" panose="00000500000000000000" pitchFamily="2" charset="-127"/>
-                </a:endParaRPr>
-              </a:p>
-            </p:txBody>
-          </p:sp>
-        </p:grpSp>
-      </p:grpSp>
-      <p:sp>
-        <p:nvSpPr>
-          <p:cNvPr id="3146" name="TextBox 3145">
-            <a:extLst>
-              <a:ext uri="{FF2B5EF4-FFF2-40B4-BE49-F238E27FC236}">
-                <a16:creationId xmlns:a16="http://schemas.microsoft.com/office/drawing/2014/main" id="{23AE04F3-C067-B00C-4BD4-FED7507FAE35}"/>
-              </a:ext>
-            </a:extLst>
-          </p:cNvPr>
-          <p:cNvSpPr txBox="1"/>
-          <p:nvPr/>
-        </p:nvSpPr>
-        <p:spPr>
-          <a:xfrm>
-            <a:off x="4556725" y="6100056"/>
-            <a:ext cx="3797835" cy="338554"/>
-          </a:xfrm>
-          <a:prstGeom prst="rect">
-            <a:avLst/>
-          </a:prstGeom>
-          <a:noFill/>
-        </p:spPr>
-        <p:txBody>
-          <a:bodyPr wrap="none" rtlCol="0">
-            <a:spAutoFit/>
-          </a:bodyPr>
-          <a:lstStyle/>
-          <a:p>
-            <a:pPr algn="ctr"/>
-            <a:r>
-              <a:rPr lang="ko-KR" altLang="en-US" sz="1100" dirty="0">
+                </a:rPr>
+                <a:t>액션성</a:t>
+              </a:r>
+              <a:r>
+                <a:rPr lang="ko-KR" altLang="en-US" sz="1000" dirty="0">
+                  <a:solidFill>
+                    <a:schemeClr val="bg1"/>
+                  </a:solidFill>
+                  <a:latin typeface="넥슨Lv1고딕" panose="00000500000000000000" pitchFamily="2" charset="-127"/>
+                  <a:ea typeface="넥슨Lv1고딕" panose="00000500000000000000" pitchFamily="2" charset="-127"/>
+                </a:rPr>
+                <a:t> 향상</a:t>
+              </a:r>
+              <a:endParaRPr lang="en-US" altLang="ko-KR" sz="1000" dirty="0">
                 <a:solidFill>
                   <a:schemeClr val="bg1"/>
                 </a:solidFill>
                 <a:latin typeface="넥슨Lv1고딕" panose="00000500000000000000" pitchFamily="2" charset="-127"/>
                 <a:ea typeface="넥슨Lv1고딕" panose="00000500000000000000" pitchFamily="2" charset="-127"/>
-              </a:rPr>
-              <a:t>다른 </a:t>
-            </a:r>
-            <a:r>
-              <a:rPr lang="ko-KR" altLang="en-US" sz="1100" dirty="0" err="1">
+              </a:endParaRPr>
+            </a:p>
+            <a:p>
+              <a:pPr marL="171450" indent="-171450">
+                <a:buFont typeface="Wingdings" panose="05000000000000000000" pitchFamily="2" charset="2"/>
+                <a:buChar char="ü"/>
+              </a:pPr>
+              <a:endParaRPr lang="en-US" altLang="ko-KR" sz="1000" dirty="0">
                 <a:solidFill>
                   <a:schemeClr val="bg1"/>
                 </a:solidFill>
                 <a:latin typeface="넥슨Lv1고딕" panose="00000500000000000000" pitchFamily="2" charset="-127"/>
                 <a:ea typeface="넥슨Lv1고딕" panose="00000500000000000000" pitchFamily="2" charset="-127"/>
-              </a:rPr>
-              <a:t>소울라이크</a:t>
-            </a:r>
-            <a:r>
-              <a:rPr lang="ko-KR" altLang="en-US" sz="1100" dirty="0">
+              </a:endParaRPr>
+            </a:p>
+            <a:p>
+              <a:pPr marL="171450" indent="-171450">
+                <a:buFont typeface="Wingdings" panose="05000000000000000000" pitchFamily="2" charset="2"/>
+                <a:buChar char="ü"/>
+              </a:pPr>
+              <a:r>
+                <a:rPr lang="ko-KR" altLang="en-US" sz="1000" dirty="0">
+                  <a:solidFill>
+                    <a:schemeClr val="bg1"/>
+                  </a:solidFill>
+                  <a:latin typeface="넥슨Lv1고딕" panose="00000500000000000000" pitchFamily="2" charset="-127"/>
+                  <a:ea typeface="넥슨Lv1고딕" panose="00000500000000000000" pitchFamily="2" charset="-127"/>
+                </a:rPr>
+                <a:t>게임 속 세계와의 상호작용 증가</a:t>
+              </a:r>
+              <a:endParaRPr lang="en-US" altLang="ko-KR" sz="1000" dirty="0">
                 <a:solidFill>
                   <a:schemeClr val="bg1"/>
                 </a:solidFill>
                 <a:latin typeface="넥슨Lv1고딕" panose="00000500000000000000" pitchFamily="2" charset="-127"/>
                 <a:ea typeface="넥슨Lv1고딕" panose="00000500000000000000" pitchFamily="2" charset="-127"/>
-              </a:rPr>
-              <a:t> 장르의 게임과 </a:t>
-            </a:r>
-            <a:r>
-              <a:rPr lang="ko-KR" altLang="en-US" sz="1600" dirty="0">
-                <a:gradFill>
-                  <a:gsLst>
-                    <a:gs pos="5000">
-                      <a:srgbClr val="E8DFC2">
-                        <a:lumMod val="98000"/>
-                        <a:lumOff val="2000"/>
-                      </a:srgbClr>
-                    </a:gs>
-                    <a:gs pos="2000">
-                      <a:srgbClr val="F2EDDE"/>
-                    </a:gs>
-                    <a:gs pos="60000">
-                      <a:srgbClr val="D1B973"/>
-                    </a:gs>
-                    <a:gs pos="40000">
-                      <a:srgbClr val="E6D9B4"/>
-                    </a:gs>
-                    <a:gs pos="76000">
-                      <a:srgbClr val="D1B973"/>
-                    </a:gs>
-                    <a:gs pos="100000">
-                      <a:srgbClr val="E6D9B4"/>
-                    </a:gs>
-                  </a:gsLst>
-                  <a:path path="circle">
-                    <a:fillToRect l="50000" t="50000" r="50000" b="50000"/>
-                  </a:path>
-                </a:gradFill>
-                <a:latin typeface="넥슨Lv1고딕 Bold" panose="00000800000000000000" pitchFamily="2" charset="-127"/>
-                <a:ea typeface="넥슨Lv1고딕 Bold" panose="00000800000000000000" pitchFamily="2" charset="-127"/>
-              </a:rPr>
-              <a:t>차별화된 재미</a:t>
-            </a:r>
-            <a:r>
-              <a:rPr lang="ko-KR" altLang="en-US" sz="1600" dirty="0">
+              </a:endParaRPr>
+            </a:p>
+            <a:p>
+              <a:pPr marL="171450" indent="-171450">
+                <a:buFont typeface="Wingdings" panose="05000000000000000000" pitchFamily="2" charset="2"/>
+                <a:buChar char="ü"/>
+              </a:pPr>
+              <a:endParaRPr lang="en-US" altLang="ko-KR" sz="1000" dirty="0">
                 <a:solidFill>
                   <a:schemeClr val="bg1"/>
                 </a:solidFill>
                 <a:latin typeface="넥슨Lv1고딕" panose="00000500000000000000" pitchFamily="2" charset="-127"/>
                 <a:ea typeface="넥슨Lv1고딕" panose="00000500000000000000" pitchFamily="2" charset="-127"/>
-              </a:rPr>
-              <a:t> </a:t>
-            </a:r>
-            <a:r>
-              <a:rPr lang="ko-KR" altLang="en-US" sz="1100" dirty="0">
+              </a:endParaRPr>
+            </a:p>
+            <a:p>
+              <a:pPr marL="171450" indent="-171450">
+                <a:buFont typeface="Wingdings" panose="05000000000000000000" pitchFamily="2" charset="2"/>
+                <a:buChar char="ü"/>
+              </a:pPr>
+              <a:r>
+                <a:rPr lang="ko-KR" altLang="en-US" sz="1000" dirty="0">
+                  <a:solidFill>
+                    <a:schemeClr val="bg1"/>
+                  </a:solidFill>
+                  <a:latin typeface="넥슨Lv1고딕" panose="00000500000000000000" pitchFamily="2" charset="-127"/>
+                  <a:ea typeface="넥슨Lv1고딕" panose="00000500000000000000" pitchFamily="2" charset="-127"/>
+                </a:rPr>
+                <a:t>주체적 게임 플레이의 기회 증가</a:t>
+              </a:r>
+              <a:endParaRPr lang="en-US" altLang="ko-KR" sz="1000" dirty="0">
                 <a:solidFill>
                   <a:schemeClr val="bg1"/>
                 </a:solidFill>
                 <a:latin typeface="넥슨Lv1고딕" panose="00000500000000000000" pitchFamily="2" charset="-127"/>
                 <a:ea typeface="넥슨Lv1고딕" panose="00000500000000000000" pitchFamily="2" charset="-127"/>
-              </a:rPr>
-              <a:t>선사</a:t>
-            </a:r>
-            <a:endParaRPr lang="en-US" altLang="ko-KR" sz="1100" dirty="0">
-              <a:solidFill>
-                <a:schemeClr val="bg1"/>
-              </a:solidFill>
-              <a:latin typeface="넥슨Lv1고딕" panose="00000500000000000000" pitchFamily="2" charset="-127"/>
-              <a:ea typeface="넥슨Lv1고딕" panose="00000500000000000000" pitchFamily="2" charset="-127"/>
-            </a:endParaRPr>
-          </a:p>
-        </p:txBody>
-      </p:sp>
-      <p:sp>
-        <p:nvSpPr>
-          <p:cNvPr id="3150" name="화살표: 오른쪽 3149">
-            <a:extLst>
-              <a:ext uri="{FF2B5EF4-FFF2-40B4-BE49-F238E27FC236}">
-                <a16:creationId xmlns:a16="http://schemas.microsoft.com/office/drawing/2014/main" id="{A2D04C6C-3AAA-83C3-A8D5-39808BFB3E18}"/>
-              </a:ext>
-            </a:extLst>
-          </p:cNvPr>
-          <p:cNvSpPr/>
-          <p:nvPr/>
-        </p:nvSpPr>
-        <p:spPr>
-          <a:xfrm rot="5400000">
-            <a:off x="6115882" y="5573407"/>
-            <a:ext cx="571625" cy="283141"/>
-          </a:xfrm>
-          <a:prstGeom prst="rightArrow">
-            <a:avLst/>
-          </a:prstGeom>
-        </p:spPr>
-        <p:style>
-          <a:lnRef idx="3">
-            <a:schemeClr val="lt1"/>
-          </a:lnRef>
-          <a:fillRef idx="1">
-            <a:schemeClr val="accent3"/>
-          </a:fillRef>
-          <a:effectRef idx="1">
-            <a:schemeClr val="accent3"/>
-          </a:effectRef>
-          <a:fontRef idx="minor">
-            <a:schemeClr val="lt1"/>
-          </a:fontRef>
-        </p:style>
-        <p:txBody>
-          <a:bodyPr rtlCol="0" anchor="ctr"/>
-          <a:lstStyle/>
-          <a:p>
-            <a:pPr algn="ctr"/>
-            <a:endParaRPr lang="ko-KR" altLang="en-US"/>
-          </a:p>
-        </p:txBody>
-      </p:sp>
+              </a:endParaRPr>
+            </a:p>
+          </p:txBody>
+        </p:sp>
+      </p:grpSp>
     </p:spTree>
     <p:extLst>
       <p:ext uri="{BB962C8B-B14F-4D97-AF65-F5344CB8AC3E}">
@@ -25279,7 +24128,7 @@
 </p:sld>
 </file>
 
-<file path=ppt/slides/slide6.xml><?xml version="1.0" encoding="utf-8"?>
+<file path=ppt/slides/slide5.xml><?xml version="1.0" encoding="utf-8"?>
 <p:sld xmlns:a="http://schemas.openxmlformats.org/drawingml/2006/main" xmlns:r="http://schemas.openxmlformats.org/officeDocument/2006/relationships" xmlns:p="http://schemas.openxmlformats.org/presentationml/2006/main">
   <p:cSld>
     <p:spTree>
@@ -25324,7 +24173,7 @@
             <a:fld id="{1F335F12-2F84-4C53-9DF5-2927535D2C2D}" type="slidenum">
               <a:rPr lang="ko-KR" altLang="en-US" smtClean="0"/>
               <a:pPr/>
-              <a:t>6</a:t>
+              <a:t>5</a:t>
             </a:fld>
             <a:r>
               <a:rPr lang="en-US" altLang="ko-KR"/>
@@ -27739,7 +26588,7 @@
 </p:sld>
 </file>
 
-<file path=ppt/slides/slide7.xml><?xml version="1.0" encoding="utf-8"?>
+<file path=ppt/slides/slide6.xml><?xml version="1.0" encoding="utf-8"?>
 <p:sld xmlns:a="http://schemas.openxmlformats.org/drawingml/2006/main" xmlns:r="http://schemas.openxmlformats.org/officeDocument/2006/relationships" xmlns:p="http://schemas.openxmlformats.org/presentationml/2006/main">
   <p:cSld>
     <p:spTree>
@@ -27784,7 +26633,7 @@
             <a:fld id="{1F335F12-2F84-4C53-9DF5-2927535D2C2D}" type="slidenum">
               <a:rPr lang="ko-KR" altLang="en-US" smtClean="0"/>
               <a:pPr/>
-              <a:t>7</a:t>
+              <a:t>6</a:t>
             </a:fld>
             <a:r>
               <a:rPr lang="en-US" altLang="ko-KR"/>
@@ -29714,7 +28563,7 @@
 </p:sld>
 </file>
 
-<file path=ppt/slides/slide8.xml><?xml version="1.0" encoding="utf-8"?>
+<file path=ppt/slides/slide7.xml><?xml version="1.0" encoding="utf-8"?>
 <p:sld xmlns:a="http://schemas.openxmlformats.org/drawingml/2006/main" xmlns:r="http://schemas.openxmlformats.org/officeDocument/2006/relationships" xmlns:p="http://schemas.openxmlformats.org/presentationml/2006/main">
   <p:cSld>
     <p:spTree>
@@ -29759,7 +28608,7 @@
             <a:fld id="{1F335F12-2F84-4C53-9DF5-2927535D2C2D}" type="slidenum">
               <a:rPr lang="ko-KR" altLang="en-US" smtClean="0"/>
               <a:pPr/>
-              <a:t>8</a:t>
+              <a:t>7</a:t>
             </a:fld>
             <a:r>
               <a:rPr lang="en-US" altLang="ko-KR"/>
@@ -31020,7 +29869,7 @@
 </p:sld>
 </file>
 
-<file path=ppt/slides/slide9.xml><?xml version="1.0" encoding="utf-8"?>
+<file path=ppt/slides/slide8.xml><?xml version="1.0" encoding="utf-8"?>
 <p:sld xmlns:a="http://schemas.openxmlformats.org/drawingml/2006/main" xmlns:r="http://schemas.openxmlformats.org/officeDocument/2006/relationships" xmlns:p="http://schemas.openxmlformats.org/presentationml/2006/main">
   <p:cSld>
     <p:spTree>
@@ -31065,7 +29914,7 @@
             <a:fld id="{1F335F12-2F84-4C53-9DF5-2927535D2C2D}" type="slidenum">
               <a:rPr lang="ko-KR" altLang="en-US" smtClean="0"/>
               <a:pPr/>
-              <a:t>9</a:t>
+              <a:t>8</a:t>
             </a:fld>
             <a:r>
               <a:rPr lang="en-US" altLang="ko-KR"/>
@@ -32516,6 +31365,587 @@
 </p:sld>
 </file>
 
+<file path=ppt/slides/slide9.xml><?xml version="1.0" encoding="utf-8"?>
+<p:sld xmlns:a="http://schemas.openxmlformats.org/drawingml/2006/main" xmlns:r="http://schemas.openxmlformats.org/officeDocument/2006/relationships" xmlns:p="http://schemas.openxmlformats.org/presentationml/2006/main">
+  <p:cSld>
+    <p:spTree>
+      <p:nvGrpSpPr>
+        <p:cNvPr id="1" name=""/>
+        <p:cNvGrpSpPr/>
+        <p:nvPr/>
+      </p:nvGrpSpPr>
+      <p:grpSpPr>
+        <a:xfrm>
+          <a:off x="0" y="0"/>
+          <a:ext cx="0" cy="0"/>
+          <a:chOff x="0" y="0"/>
+          <a:chExt cx="0" cy="0"/>
+        </a:xfrm>
+      </p:grpSpPr>
+      <p:sp>
+        <p:nvSpPr>
+          <p:cNvPr id="2" name="슬라이드 번호 개체 틀 1">
+            <a:extLst>
+              <a:ext uri="{FF2B5EF4-FFF2-40B4-BE49-F238E27FC236}">
+                <a16:creationId xmlns:a16="http://schemas.microsoft.com/office/drawing/2014/main" id="{C5BD0FF6-4671-AD96-A369-8F84840014F5}"/>
+              </a:ext>
+            </a:extLst>
+          </p:cNvPr>
+          <p:cNvSpPr>
+            <a:spLocks noGrp="1"/>
+          </p:cNvSpPr>
+          <p:nvPr>
+            <p:ph type="sldNum" sz="quarter" idx="4"/>
+          </p:nvPr>
+        </p:nvSpPr>
+        <p:spPr/>
+        <p:txBody>
+          <a:bodyPr/>
+          <a:lstStyle/>
+          <a:p>
+            <a:r>
+              <a:rPr lang="en-US" altLang="ko-KR"/>
+              <a:t>p. </a:t>
+            </a:r>
+            <a:fld id="{1F335F12-2F84-4C53-9DF5-2927535D2C2D}" type="slidenum">
+              <a:rPr lang="ko-KR" altLang="en-US" smtClean="0"/>
+              <a:pPr/>
+              <a:t>9</a:t>
+            </a:fld>
+            <a:r>
+              <a:rPr lang="en-US" altLang="ko-KR"/>
+              <a:t>/20</a:t>
+            </a:r>
+            <a:endParaRPr lang="ko-KR" altLang="en-US" dirty="0"/>
+          </a:p>
+        </p:txBody>
+      </p:sp>
+      <p:grpSp>
+        <p:nvGrpSpPr>
+          <p:cNvPr id="31" name="그룹 30">
+            <a:extLst>
+              <a:ext uri="{FF2B5EF4-FFF2-40B4-BE49-F238E27FC236}">
+                <a16:creationId xmlns:a16="http://schemas.microsoft.com/office/drawing/2014/main" id="{47D8B030-EA70-31D1-BD7B-DCF4F6D2E06F}"/>
+              </a:ext>
+            </a:extLst>
+          </p:cNvPr>
+          <p:cNvGrpSpPr/>
+          <p:nvPr/>
+        </p:nvGrpSpPr>
+        <p:grpSpPr>
+          <a:xfrm>
+            <a:off x="1992916" y="588889"/>
+            <a:ext cx="2831662" cy="1362132"/>
+            <a:chOff x="1992916" y="954061"/>
+            <a:chExt cx="2831662" cy="1362132"/>
+          </a:xfrm>
+        </p:grpSpPr>
+        <p:sp>
+          <p:nvSpPr>
+            <p:cNvPr id="32" name="TextBox 31">
+              <a:extLst>
+                <a:ext uri="{FF2B5EF4-FFF2-40B4-BE49-F238E27FC236}">
+                  <a16:creationId xmlns:a16="http://schemas.microsoft.com/office/drawing/2014/main" id="{247AC36F-D958-2624-47A9-5D8843BD7031}"/>
+                </a:ext>
+              </a:extLst>
+            </p:cNvPr>
+            <p:cNvSpPr txBox="1"/>
+            <p:nvPr/>
+          </p:nvSpPr>
+          <p:spPr>
+            <a:xfrm>
+              <a:off x="2205525" y="1454419"/>
+              <a:ext cx="2595582" cy="861774"/>
+            </a:xfrm>
+            <a:prstGeom prst="rect">
+              <a:avLst/>
+            </a:prstGeom>
+            <a:noFill/>
+          </p:spPr>
+          <p:txBody>
+            <a:bodyPr wrap="none" rtlCol="0">
+              <a:spAutoFit/>
+            </a:bodyPr>
+            <a:lstStyle/>
+            <a:p>
+              <a:pPr marL="171450" indent="-171450">
+                <a:buFontTx/>
+                <a:buChar char="-"/>
+              </a:pPr>
+              <a:r>
+                <a:rPr lang="ko-KR" altLang="en-US" sz="1000" dirty="0">
+                  <a:solidFill>
+                    <a:schemeClr val="bg1"/>
+                  </a:solidFill>
+                  <a:latin typeface="넥슨Lv1고딕" panose="00000500000000000000" pitchFamily="2" charset="-127"/>
+                  <a:ea typeface="넥슨Lv1고딕" panose="00000500000000000000" pitchFamily="2" charset="-127"/>
+                </a:rPr>
+                <a:t>전회를 부여함으로써 달라지는 부분 설명</a:t>
+              </a:r>
+              <a:endParaRPr lang="en-US" altLang="ko-KR" sz="1000" dirty="0">
+                <a:solidFill>
+                  <a:schemeClr val="bg1"/>
+                </a:solidFill>
+                <a:latin typeface="넥슨Lv1고딕" panose="00000500000000000000" pitchFamily="2" charset="-127"/>
+                <a:ea typeface="넥슨Lv1고딕" panose="00000500000000000000" pitchFamily="2" charset="-127"/>
+              </a:endParaRPr>
+            </a:p>
+            <a:p>
+              <a:pPr marL="171450" indent="-171450">
+                <a:buFontTx/>
+                <a:buChar char="-"/>
+              </a:pPr>
+              <a:endParaRPr lang="en-US" altLang="ko-KR" sz="1000" dirty="0">
+                <a:solidFill>
+                  <a:schemeClr val="bg1"/>
+                </a:solidFill>
+                <a:latin typeface="넥슨Lv1고딕" panose="00000500000000000000" pitchFamily="2" charset="-127"/>
+                <a:ea typeface="넥슨Lv1고딕" panose="00000500000000000000" pitchFamily="2" charset="-127"/>
+              </a:endParaRPr>
+            </a:p>
+            <a:p>
+              <a:pPr marL="171450" indent="-171450">
+                <a:buFontTx/>
+                <a:buChar char="-"/>
+              </a:pPr>
+              <a:r>
+                <a:rPr lang="ko-KR" altLang="en-US" sz="1000" dirty="0">
+                  <a:solidFill>
+                    <a:schemeClr val="bg1"/>
+                  </a:solidFill>
+                  <a:latin typeface="넥슨Lv1고딕" panose="00000500000000000000" pitchFamily="2" charset="-127"/>
+                  <a:ea typeface="넥슨Lv1고딕" panose="00000500000000000000" pitchFamily="2" charset="-127"/>
+                </a:rPr>
+                <a:t>무기의 보정 치 변경</a:t>
+              </a:r>
+              <a:r>
+                <a:rPr lang="en-US" altLang="ko-KR" sz="1000" dirty="0">
+                  <a:solidFill>
+                    <a:schemeClr val="bg1"/>
+                  </a:solidFill>
+                  <a:latin typeface="넥슨Lv1고딕" panose="00000500000000000000" pitchFamily="2" charset="-127"/>
+                  <a:ea typeface="넥슨Lv1고딕" panose="00000500000000000000" pitchFamily="2" charset="-127"/>
+                </a:rPr>
+                <a:t>, </a:t>
+              </a:r>
+              <a:r>
+                <a:rPr lang="ko-KR" altLang="en-US" sz="1000" dirty="0">
+                  <a:solidFill>
+                    <a:schemeClr val="bg1"/>
+                  </a:solidFill>
+                  <a:latin typeface="넥슨Lv1고딕" panose="00000500000000000000" pitchFamily="2" charset="-127"/>
+                  <a:ea typeface="넥슨Lv1고딕" panose="00000500000000000000" pitchFamily="2" charset="-127"/>
+                </a:rPr>
+                <a:t>속성 변경 등등</a:t>
+              </a:r>
+              <a:endParaRPr lang="en-US" altLang="ko-KR" sz="1000" dirty="0">
+                <a:solidFill>
+                  <a:schemeClr val="bg1"/>
+                </a:solidFill>
+                <a:latin typeface="넥슨Lv1고딕" panose="00000500000000000000" pitchFamily="2" charset="-127"/>
+                <a:ea typeface="넥슨Lv1고딕" panose="00000500000000000000" pitchFamily="2" charset="-127"/>
+              </a:endParaRPr>
+            </a:p>
+            <a:p>
+              <a:pPr marL="171450" indent="-171450">
+                <a:buFontTx/>
+                <a:buChar char="-"/>
+              </a:pPr>
+              <a:endParaRPr lang="en-US" altLang="ko-KR" sz="1000" dirty="0">
+                <a:solidFill>
+                  <a:schemeClr val="bg1"/>
+                </a:solidFill>
+                <a:latin typeface="넥슨Lv1고딕" panose="00000500000000000000" pitchFamily="2" charset="-127"/>
+                <a:ea typeface="넥슨Lv1고딕" panose="00000500000000000000" pitchFamily="2" charset="-127"/>
+              </a:endParaRPr>
+            </a:p>
+            <a:p>
+              <a:pPr marL="171450" indent="-171450">
+                <a:buFontTx/>
+                <a:buChar char="-"/>
+              </a:pPr>
+              <a:r>
+                <a:rPr lang="ko-KR" altLang="en-US" sz="1000" dirty="0">
+                  <a:solidFill>
+                    <a:schemeClr val="bg1"/>
+                  </a:solidFill>
+                  <a:latin typeface="넥슨Lv1고딕" panose="00000500000000000000" pitchFamily="2" charset="-127"/>
+                  <a:ea typeface="넥슨Lv1고딕" panose="00000500000000000000" pitchFamily="2" charset="-127"/>
+                </a:rPr>
+                <a:t>전투 스타일의 변화 설명</a:t>
+              </a:r>
+              <a:endParaRPr lang="en-US" altLang="ko-KR" sz="1000" dirty="0">
+                <a:solidFill>
+                  <a:schemeClr val="bg1"/>
+                </a:solidFill>
+                <a:latin typeface="넥슨Lv1고딕" panose="00000500000000000000" pitchFamily="2" charset="-127"/>
+                <a:ea typeface="넥슨Lv1고딕" panose="00000500000000000000" pitchFamily="2" charset="-127"/>
+              </a:endParaRPr>
+            </a:p>
+          </p:txBody>
+        </p:sp>
+        <p:grpSp>
+          <p:nvGrpSpPr>
+            <p:cNvPr id="33" name="그룹 32">
+              <a:extLst>
+                <a:ext uri="{FF2B5EF4-FFF2-40B4-BE49-F238E27FC236}">
+                  <a16:creationId xmlns:a16="http://schemas.microsoft.com/office/drawing/2014/main" id="{7D84BACB-31BB-C60D-DEC1-78EB607A2B01}"/>
+                </a:ext>
+              </a:extLst>
+            </p:cNvPr>
+            <p:cNvGrpSpPr/>
+            <p:nvPr/>
+          </p:nvGrpSpPr>
+          <p:grpSpPr>
+            <a:xfrm>
+              <a:off x="1992916" y="954061"/>
+              <a:ext cx="2831662" cy="367200"/>
+              <a:chOff x="2500453" y="1274905"/>
+              <a:chExt cx="2831662" cy="367200"/>
+            </a:xfrm>
+          </p:grpSpPr>
+          <p:pic>
+            <p:nvPicPr>
+              <p:cNvPr id="34" name="Picture 4">
+                <a:extLst>
+                  <a:ext uri="{FF2B5EF4-FFF2-40B4-BE49-F238E27FC236}">
+                    <a16:creationId xmlns:a16="http://schemas.microsoft.com/office/drawing/2014/main" id="{05B11613-FE4D-25A8-6819-786726D821DA}"/>
+                  </a:ext>
+                </a:extLst>
+              </p:cNvPr>
+              <p:cNvPicPr>
+                <a:picLocks noChangeArrowheads="1"/>
+              </p:cNvPicPr>
+              <p:nvPr/>
+            </p:nvPicPr>
+            <p:blipFill rotWithShape="1">
+              <a:blip r:embed="rId2">
+                <a:clrChange>
+                  <a:clrFrom>
+                    <a:srgbClr val="000000"/>
+                  </a:clrFrom>
+                  <a:clrTo>
+                    <a:srgbClr val="000000">
+                      <a:alpha val="0"/>
+                    </a:srgbClr>
+                  </a:clrTo>
+                </a:clrChange>
+                <a:extLst>
+                  <a:ext uri="{28A0092B-C50C-407E-A947-70E740481C1C}">
+                    <a14:useLocalDpi xmlns:a14="http://schemas.microsoft.com/office/drawing/2010/main" val="0"/>
+                  </a:ext>
+                </a:extLst>
+              </a:blip>
+              <a:srcRect l="39323" t="43581" r="59826" b="39566"/>
+              <a:stretch/>
+            </p:blipFill>
+            <p:spPr bwMode="auto">
+              <a:xfrm>
+                <a:off x="2500453" y="1274905"/>
+                <a:ext cx="36000" cy="367200"/>
+              </a:xfrm>
+              <a:prstGeom prst="rect">
+                <a:avLst/>
+              </a:prstGeom>
+              <a:noFill/>
+              <a:extLst>
+                <a:ext uri="{909E8E84-426E-40DD-AFC4-6F175D3DCCD1}">
+                  <a14:hiddenFill xmlns:a14="http://schemas.microsoft.com/office/drawing/2010/main">
+                    <a:solidFill>
+                      <a:srgbClr val="FFFFFF"/>
+                    </a:solidFill>
+                  </a14:hiddenFill>
+                </a:ext>
+              </a:extLst>
+            </p:spPr>
+          </p:pic>
+          <p:grpSp>
+            <p:nvGrpSpPr>
+              <p:cNvPr id="35" name="그룹 34">
+                <a:extLst>
+                  <a:ext uri="{FF2B5EF4-FFF2-40B4-BE49-F238E27FC236}">
+                    <a16:creationId xmlns:a16="http://schemas.microsoft.com/office/drawing/2014/main" id="{3B5D7694-F830-22B8-17D5-8765B0D47149}"/>
+                  </a:ext>
+                </a:extLst>
+              </p:cNvPr>
+              <p:cNvGrpSpPr/>
+              <p:nvPr/>
+            </p:nvGrpSpPr>
+            <p:grpSpPr>
+              <a:xfrm>
+                <a:off x="2536453" y="1287843"/>
+                <a:ext cx="2795662" cy="343894"/>
+                <a:chOff x="4774676" y="2919518"/>
+                <a:chExt cx="2734338" cy="336351"/>
+              </a:xfrm>
+            </p:grpSpPr>
+            <p:sp>
+              <p:nvSpPr>
+                <p:cNvPr id="37" name="직사각형 36">
+                  <a:extLst>
+                    <a:ext uri="{FF2B5EF4-FFF2-40B4-BE49-F238E27FC236}">
+                      <a16:creationId xmlns:a16="http://schemas.microsoft.com/office/drawing/2014/main" id="{D2A5B6C4-E0ED-4EBD-E3EE-E8133A019BD4}"/>
+                    </a:ext>
+                  </a:extLst>
+                </p:cNvPr>
+                <p:cNvSpPr>
+                  <a:spLocks/>
+                </p:cNvSpPr>
+                <p:nvPr/>
+              </p:nvSpPr>
+              <p:spPr>
+                <a:xfrm>
+                  <a:off x="4774676" y="2919518"/>
+                  <a:ext cx="2734338" cy="336351"/>
+                </a:xfrm>
+                <a:prstGeom prst="rect">
+                  <a:avLst/>
+                </a:prstGeom>
+                <a:gradFill flip="none" rotWithShape="1">
+                  <a:gsLst>
+                    <a:gs pos="59000">
+                      <a:srgbClr val="1A1810">
+                        <a:alpha val="70000"/>
+                      </a:srgbClr>
+                    </a:gs>
+                    <a:gs pos="3000">
+                      <a:srgbClr val="1A1810">
+                        <a:alpha val="90000"/>
+                      </a:srgbClr>
+                    </a:gs>
+                    <a:gs pos="100000">
+                      <a:srgbClr val="1A1810">
+                        <a:alpha val="0"/>
+                      </a:srgbClr>
+                    </a:gs>
+                  </a:gsLst>
+                  <a:lin ang="0" scaled="1"/>
+                  <a:tileRect/>
+                </a:gradFill>
+                <a:ln>
+                  <a:noFill/>
+                </a:ln>
+                <a:effectLst/>
+              </p:spPr>
+              <p:style>
+                <a:lnRef idx="2">
+                  <a:schemeClr val="accent1">
+                    <a:shade val="15000"/>
+                  </a:schemeClr>
+                </a:lnRef>
+                <a:fillRef idx="1">
+                  <a:schemeClr val="accent1"/>
+                </a:fillRef>
+                <a:effectRef idx="0">
+                  <a:schemeClr val="accent1"/>
+                </a:effectRef>
+                <a:fontRef idx="minor">
+                  <a:schemeClr val="lt1"/>
+                </a:fontRef>
+              </p:style>
+              <p:txBody>
+                <a:bodyPr rtlCol="0" anchor="ctr"/>
+                <a:lstStyle/>
+                <a:p>
+                  <a:pPr algn="ctr"/>
+                  <a:endParaRPr lang="ko-KR" altLang="en-US" dirty="0"/>
+                </a:p>
+              </p:txBody>
+            </p:sp>
+            <p:cxnSp>
+              <p:nvCxnSpPr>
+                <p:cNvPr id="38" name="직선 연결선 37">
+                  <a:extLst>
+                    <a:ext uri="{FF2B5EF4-FFF2-40B4-BE49-F238E27FC236}">
+                      <a16:creationId xmlns:a16="http://schemas.microsoft.com/office/drawing/2014/main" id="{CE69CF1A-3CC4-ED26-D673-36E9B6219972}"/>
+                    </a:ext>
+                  </a:extLst>
+                </p:cNvPr>
+                <p:cNvCxnSpPr>
+                  <a:cxnSpLocks/>
+                </p:cNvCxnSpPr>
+                <p:nvPr/>
+              </p:nvCxnSpPr>
+              <p:spPr>
+                <a:xfrm flipH="1">
+                  <a:off x="4774676" y="3255869"/>
+                  <a:ext cx="2734338" cy="0"/>
+                </a:xfrm>
+                <a:prstGeom prst="line">
+                  <a:avLst/>
+                </a:prstGeom>
+                <a:ln>
+                  <a:gradFill flip="none" rotWithShape="1">
+                    <a:gsLst>
+                      <a:gs pos="0">
+                        <a:srgbClr val="33332B"/>
+                      </a:gs>
+                      <a:gs pos="31000">
+                        <a:srgbClr val="33332B">
+                          <a:alpha val="70000"/>
+                        </a:srgbClr>
+                      </a:gs>
+                      <a:gs pos="54000">
+                        <a:srgbClr val="33332B">
+                          <a:alpha val="30000"/>
+                        </a:srgbClr>
+                      </a:gs>
+                      <a:gs pos="100000">
+                        <a:srgbClr val="33332B">
+                          <a:alpha val="0"/>
+                        </a:srgbClr>
+                      </a:gs>
+                    </a:gsLst>
+                    <a:lin ang="10800000" scaled="1"/>
+                    <a:tileRect/>
+                  </a:gradFill>
+                </a:ln>
+                <a:effectLst/>
+              </p:spPr>
+              <p:style>
+                <a:lnRef idx="2">
+                  <a:schemeClr val="accent1"/>
+                </a:lnRef>
+                <a:fillRef idx="0">
+                  <a:schemeClr val="accent1"/>
+                </a:fillRef>
+                <a:effectRef idx="1">
+                  <a:schemeClr val="accent1"/>
+                </a:effectRef>
+                <a:fontRef idx="minor">
+                  <a:schemeClr val="tx1"/>
+                </a:fontRef>
+              </p:style>
+            </p:cxnSp>
+            <p:cxnSp>
+              <p:nvCxnSpPr>
+                <p:cNvPr id="39" name="직선 연결선 38">
+                  <a:extLst>
+                    <a:ext uri="{FF2B5EF4-FFF2-40B4-BE49-F238E27FC236}">
+                      <a16:creationId xmlns:a16="http://schemas.microsoft.com/office/drawing/2014/main" id="{7BD5082F-4043-E6F8-516F-CB911ECEA036}"/>
+                    </a:ext>
+                  </a:extLst>
+                </p:cNvPr>
+                <p:cNvCxnSpPr>
+                  <a:cxnSpLocks/>
+                </p:cNvCxnSpPr>
+                <p:nvPr/>
+              </p:nvCxnSpPr>
+              <p:spPr>
+                <a:xfrm flipH="1">
+                  <a:off x="4774676" y="2919518"/>
+                  <a:ext cx="2734338" cy="0"/>
+                </a:xfrm>
+                <a:prstGeom prst="line">
+                  <a:avLst/>
+                </a:prstGeom>
+                <a:ln>
+                  <a:gradFill flip="none" rotWithShape="1">
+                    <a:gsLst>
+                      <a:gs pos="0">
+                        <a:srgbClr val="33332B"/>
+                      </a:gs>
+                      <a:gs pos="31000">
+                        <a:srgbClr val="33332B">
+                          <a:alpha val="70000"/>
+                        </a:srgbClr>
+                      </a:gs>
+                      <a:gs pos="54000">
+                        <a:srgbClr val="33332B">
+                          <a:alpha val="30000"/>
+                        </a:srgbClr>
+                      </a:gs>
+                      <a:gs pos="100000">
+                        <a:srgbClr val="33332B">
+                          <a:alpha val="0"/>
+                        </a:srgbClr>
+                      </a:gs>
+                    </a:gsLst>
+                    <a:lin ang="10800000" scaled="1"/>
+                    <a:tileRect/>
+                  </a:gradFill>
+                </a:ln>
+                <a:effectLst/>
+              </p:spPr>
+              <p:style>
+                <a:lnRef idx="2">
+                  <a:schemeClr val="accent1"/>
+                </a:lnRef>
+                <a:fillRef idx="0">
+                  <a:schemeClr val="accent1"/>
+                </a:fillRef>
+                <a:effectRef idx="1">
+                  <a:schemeClr val="accent1"/>
+                </a:effectRef>
+                <a:fontRef idx="minor">
+                  <a:schemeClr val="tx1"/>
+                </a:fontRef>
+              </p:style>
+            </p:cxnSp>
+          </p:grpSp>
+          <p:sp>
+            <p:nvSpPr>
+              <p:cNvPr id="36" name="TextBox 35">
+                <a:extLst>
+                  <a:ext uri="{FF2B5EF4-FFF2-40B4-BE49-F238E27FC236}">
+                    <a16:creationId xmlns:a16="http://schemas.microsoft.com/office/drawing/2014/main" id="{626973DC-A2E0-D0BF-7AEC-494612F263EF}"/>
+                  </a:ext>
+                </a:extLst>
+              </p:cNvPr>
+              <p:cNvSpPr txBox="1"/>
+              <p:nvPr/>
+            </p:nvSpPr>
+            <p:spPr>
+              <a:xfrm>
+                <a:off x="2554184" y="1328985"/>
+                <a:ext cx="896399" cy="261610"/>
+              </a:xfrm>
+              <a:prstGeom prst="rect">
+                <a:avLst/>
+              </a:prstGeom>
+              <a:noFill/>
+            </p:spPr>
+            <p:txBody>
+              <a:bodyPr wrap="none" rtlCol="0">
+                <a:spAutoFit/>
+              </a:bodyPr>
+              <a:lstStyle/>
+              <a:p>
+                <a:r>
+                  <a:rPr lang="ko-KR" altLang="en-US" sz="1100" dirty="0">
+                    <a:solidFill>
+                      <a:schemeClr val="bg1"/>
+                    </a:solidFill>
+                    <a:effectLst>
+                      <a:glow rad="101600">
+                        <a:schemeClr val="tx1">
+                          <a:alpha val="60000"/>
+                        </a:schemeClr>
+                      </a:glow>
+                    </a:effectLst>
+                    <a:latin typeface="넥슨Lv1고딕 Bold" panose="00000800000000000000" pitchFamily="2" charset="-127"/>
+                    <a:ea typeface="넥슨Lv1고딕 Bold" panose="00000800000000000000" pitchFamily="2" charset="-127"/>
+                  </a:rPr>
+                  <a:t>차이점 소개</a:t>
+                </a:r>
+              </a:p>
+            </p:txBody>
+          </p:sp>
+        </p:grpSp>
+      </p:grpSp>
+    </p:spTree>
+    <p:extLst>
+      <p:ext uri="{BB962C8B-B14F-4D97-AF65-F5344CB8AC3E}">
+        <p14:creationId xmlns:p14="http://schemas.microsoft.com/office/powerpoint/2010/main" val="3872943113"/>
+      </p:ext>
+    </p:extLst>
+  </p:cSld>
+  <p:clrMapOvr>
+    <a:masterClrMapping/>
+  </p:clrMapOvr>
+</p:sld>
+</file>
+
 <file path=ppt/theme/theme1.xml><?xml version="1.0" encoding="utf-8"?>
 <a:theme xmlns:a="http://schemas.openxmlformats.org/drawingml/2006/main" name="Office 테마">
   <a:themeElements>
